--- a/程序员客栈项目/因卓科技教育平台/因卓教育阶段二/UI设计/PM反馈/20171029  反馈建议（二）.pptx
+++ b/程序员客栈项目/因卓科技教育平台/因卓教育阶段二/UI设计/PM反馈/20171029  反馈建议（二）.pptx
@@ -7,8 +7,27 @@
   <p:sldIdLst>
     <p:sldId id="271" r:id="rId2"/>
     <p:sldId id="265" r:id="rId3"/>
-    <p:sldId id="276" r:id="rId4"/>
-    <p:sldId id="268" r:id="rId5"/>
+    <p:sldId id="286" r:id="rId4"/>
+    <p:sldId id="292" r:id="rId5"/>
+    <p:sldId id="276" r:id="rId6"/>
+    <p:sldId id="268" r:id="rId7"/>
+    <p:sldId id="278" r:id="rId8"/>
+    <p:sldId id="279" r:id="rId9"/>
+    <p:sldId id="277" r:id="rId10"/>
+    <p:sldId id="280" r:id="rId11"/>
+    <p:sldId id="281" r:id="rId12"/>
+    <p:sldId id="283" r:id="rId13"/>
+    <p:sldId id="282" r:id="rId14"/>
+    <p:sldId id="284" r:id="rId15"/>
+    <p:sldId id="285" r:id="rId16"/>
+    <p:sldId id="287" r:id="rId17"/>
+    <p:sldId id="291" r:id="rId18"/>
+    <p:sldId id="293" r:id="rId19"/>
+    <p:sldId id="294" r:id="rId20"/>
+    <p:sldId id="295" r:id="rId21"/>
+    <p:sldId id="288" r:id="rId22"/>
+    <p:sldId id="289" r:id="rId23"/>
+    <p:sldId id="290" r:id="rId24"/>
   </p:sldIdLst>
   <p:sldSz cx="12192000" cy="6858000"/>
   <p:notesSz cx="6858000" cy="9144000"/>
@@ -266,7 +285,7 @@
           <a:p>
             <a:fld id="{6C7F872C-BADC-4459-8ECF-74BCA92EBB03}" type="datetimeFigureOut">
               <a:rPr lang="zh-CN" altLang="en-US" smtClean="0"/>
-              <a:t>2017/10/29</a:t>
+              <a:t>2017/11/2</a:t>
             </a:fld>
             <a:endParaRPr lang="zh-CN" altLang="en-US"/>
           </a:p>
@@ -464,7 +483,7 @@
           <a:p>
             <a:fld id="{6C7F872C-BADC-4459-8ECF-74BCA92EBB03}" type="datetimeFigureOut">
               <a:rPr lang="zh-CN" altLang="en-US" smtClean="0"/>
-              <a:t>2017/10/29</a:t>
+              <a:t>2017/11/2</a:t>
             </a:fld>
             <a:endParaRPr lang="zh-CN" altLang="en-US"/>
           </a:p>
@@ -672,7 +691,7 @@
           <a:p>
             <a:fld id="{6C7F872C-BADC-4459-8ECF-74BCA92EBB03}" type="datetimeFigureOut">
               <a:rPr lang="zh-CN" altLang="en-US" smtClean="0"/>
-              <a:t>2017/10/29</a:t>
+              <a:t>2017/11/2</a:t>
             </a:fld>
             <a:endParaRPr lang="zh-CN" altLang="en-US"/>
           </a:p>
@@ -870,7 +889,7 @@
           <a:p>
             <a:fld id="{6C7F872C-BADC-4459-8ECF-74BCA92EBB03}" type="datetimeFigureOut">
               <a:rPr lang="zh-CN" altLang="en-US" smtClean="0"/>
-              <a:t>2017/10/29</a:t>
+              <a:t>2017/11/2</a:t>
             </a:fld>
             <a:endParaRPr lang="zh-CN" altLang="en-US"/>
           </a:p>
@@ -1145,7 +1164,7 @@
           <a:p>
             <a:fld id="{6C7F872C-BADC-4459-8ECF-74BCA92EBB03}" type="datetimeFigureOut">
               <a:rPr lang="zh-CN" altLang="en-US" smtClean="0"/>
-              <a:t>2017/10/29</a:t>
+              <a:t>2017/11/2</a:t>
             </a:fld>
             <a:endParaRPr lang="zh-CN" altLang="en-US"/>
           </a:p>
@@ -1410,7 +1429,7 @@
           <a:p>
             <a:fld id="{6C7F872C-BADC-4459-8ECF-74BCA92EBB03}" type="datetimeFigureOut">
               <a:rPr lang="zh-CN" altLang="en-US" smtClean="0"/>
-              <a:t>2017/10/29</a:t>
+              <a:t>2017/11/2</a:t>
             </a:fld>
             <a:endParaRPr lang="zh-CN" altLang="en-US"/>
           </a:p>
@@ -1822,7 +1841,7 @@
           <a:p>
             <a:fld id="{6C7F872C-BADC-4459-8ECF-74BCA92EBB03}" type="datetimeFigureOut">
               <a:rPr lang="zh-CN" altLang="en-US" smtClean="0"/>
-              <a:t>2017/10/29</a:t>
+              <a:t>2017/11/2</a:t>
             </a:fld>
             <a:endParaRPr lang="zh-CN" altLang="en-US"/>
           </a:p>
@@ -1963,7 +1982,7 @@
           <a:p>
             <a:fld id="{6C7F872C-BADC-4459-8ECF-74BCA92EBB03}" type="datetimeFigureOut">
               <a:rPr lang="zh-CN" altLang="en-US" smtClean="0"/>
-              <a:t>2017/10/29</a:t>
+              <a:t>2017/11/2</a:t>
             </a:fld>
             <a:endParaRPr lang="zh-CN" altLang="en-US"/>
           </a:p>
@@ -2076,7 +2095,7 @@
           <a:p>
             <a:fld id="{6C7F872C-BADC-4459-8ECF-74BCA92EBB03}" type="datetimeFigureOut">
               <a:rPr lang="zh-CN" altLang="en-US" smtClean="0"/>
-              <a:t>2017/10/29</a:t>
+              <a:t>2017/11/2</a:t>
             </a:fld>
             <a:endParaRPr lang="zh-CN" altLang="en-US"/>
           </a:p>
@@ -2387,7 +2406,7 @@
           <a:p>
             <a:fld id="{6C7F872C-BADC-4459-8ECF-74BCA92EBB03}" type="datetimeFigureOut">
               <a:rPr lang="zh-CN" altLang="en-US" smtClean="0"/>
-              <a:t>2017/10/29</a:t>
+              <a:t>2017/11/2</a:t>
             </a:fld>
             <a:endParaRPr lang="zh-CN" altLang="en-US"/>
           </a:p>
@@ -2675,7 +2694,7 @@
           <a:p>
             <a:fld id="{6C7F872C-BADC-4459-8ECF-74BCA92EBB03}" type="datetimeFigureOut">
               <a:rPr lang="zh-CN" altLang="en-US" smtClean="0"/>
-              <a:t>2017/10/29</a:t>
+              <a:t>2017/11/2</a:t>
             </a:fld>
             <a:endParaRPr lang="zh-CN" altLang="en-US"/>
           </a:p>
@@ -2916,7 +2935,7 @@
           <a:p>
             <a:fld id="{6C7F872C-BADC-4459-8ECF-74BCA92EBB03}" type="datetimeFigureOut">
               <a:rPr lang="zh-CN" altLang="en-US" smtClean="0"/>
-              <a:t>2017/10/29</a:t>
+              <a:t>2017/11/2</a:t>
             </a:fld>
             <a:endParaRPr lang="zh-CN" altLang="en-US"/>
           </a:p>
@@ -3403,7 +3422,7 @@
 </p:sld>
 </file>
 
-<file path=ppt/slides/slide2.xml><?xml version="1.0" encoding="utf-8"?>
+<file path=ppt/slides/slide10.xml><?xml version="1.0" encoding="utf-8"?>
 <p:sld xmlns:a="http://schemas.openxmlformats.org/drawingml/2006/main" xmlns:r="http://schemas.openxmlformats.org/officeDocument/2006/relationships" xmlns:p="http://schemas.openxmlformats.org/presentationml/2006/main">
   <p:cSld>
     <p:spTree>
@@ -3627,7 +3646,46 @@
           </a:lstStyle>
           <a:p>
             <a:pPr algn="l"/>
-            <a:endParaRPr lang="zh-CN" altLang="en-US" sz="1600" dirty="0"/>
+            <a:r>
+              <a:rPr lang="zh-CN" altLang="en-US" sz="1600" dirty="0">
+                <a:solidFill>
+                  <a:srgbClr val="0070C0"/>
+                </a:solidFill>
+              </a:rPr>
+              <a:t>学校</a:t>
+            </a:r>
+            <a:r>
+              <a:rPr lang="en-US" altLang="zh-CN" sz="1600" dirty="0">
+                <a:solidFill>
+                  <a:srgbClr val="0070C0"/>
+                </a:solidFill>
+              </a:rPr>
+              <a:t> &gt; </a:t>
+            </a:r>
+            <a:r>
+              <a:rPr lang="zh-CN" altLang="en-US" sz="1600" dirty="0">
+                <a:solidFill>
+                  <a:srgbClr val="0070C0"/>
+                </a:solidFill>
+              </a:rPr>
+              <a:t>班级管理</a:t>
+            </a:r>
+            <a:r>
+              <a:rPr lang="en-US" altLang="zh-CN" sz="1600" dirty="0">
+                <a:solidFill>
+                  <a:srgbClr val="0070C0"/>
+                </a:solidFill>
+              </a:rPr>
+              <a:t> &gt; </a:t>
+            </a:r>
+            <a:r>
+              <a:rPr lang="zh-CN" altLang="en-US" sz="1600" dirty="0">
+                <a:solidFill>
+                  <a:srgbClr val="0070C0"/>
+                </a:solidFill>
+              </a:rPr>
+              <a:t>创建班级</a:t>
+            </a:r>
           </a:p>
         </p:txBody>
       </p:sp>
@@ -3647,8 +3705,8 @@
         </p:nvSpPr>
         <p:spPr>
           <a:xfrm>
-            <a:off x="0" y="5615354"/>
-            <a:ext cx="12192000" cy="1242647"/>
+            <a:off x="0" y="6013937"/>
+            <a:ext cx="12192000" cy="844063"/>
           </a:xfrm>
           <a:prstGeom prst="rect">
             <a:avLst/>
@@ -3835,18 +3893,90 @@
           </a:lstStyle>
           <a:p>
             <a:pPr algn="l"/>
-            <a:endParaRPr lang="zh-CN" altLang="en-US" sz="1600" dirty="0">
+            <a:r>
+              <a:rPr lang="zh-CN" altLang="en-US" sz="1600" dirty="0">
+                <a:solidFill>
+                  <a:schemeClr val="bg1"/>
+                </a:solidFill>
+              </a:rPr>
+              <a:t>问题描述：</a:t>
+            </a:r>
+            <a:endParaRPr lang="en-US" altLang="zh-CN" sz="1600" dirty="0">
               <a:solidFill>
                 <a:schemeClr val="bg1"/>
               </a:solidFill>
             </a:endParaRPr>
           </a:p>
+          <a:p>
+            <a:pPr marL="342900" indent="-342900" algn="l">
+              <a:buAutoNum type="arabicPeriod"/>
+            </a:pPr>
+            <a:r>
+              <a:rPr lang="zh-CN" altLang="en-US" sz="1600" dirty="0">
+                <a:solidFill>
+                  <a:schemeClr val="bg1"/>
+                </a:solidFill>
+              </a:rPr>
+              <a:t>（</a:t>
+            </a:r>
+            <a:r>
+              <a:rPr lang="en-US" altLang="zh-CN" sz="1600" dirty="0">
+                <a:solidFill>
+                  <a:schemeClr val="bg1"/>
+                </a:solidFill>
+              </a:rPr>
+              <a:t>UI</a:t>
+            </a:r>
+            <a:r>
+              <a:rPr lang="zh-CN" altLang="en-US" sz="1600" dirty="0">
+                <a:solidFill>
+                  <a:schemeClr val="bg1"/>
+                </a:solidFill>
+              </a:rPr>
+              <a:t>）保存修改应为“创建班级”</a:t>
+            </a:r>
+            <a:endParaRPr lang="en-US" altLang="zh-CN" sz="1600" dirty="0">
+              <a:solidFill>
+                <a:schemeClr val="bg1"/>
+              </a:solidFill>
+            </a:endParaRPr>
+          </a:p>
         </p:txBody>
       </p:sp>
+      <p:pic>
+        <p:nvPicPr>
+          <p:cNvPr id="2" name="Picture 1">
+            <a:extLst>
+              <a:ext uri="{FF2B5EF4-FFF2-40B4-BE49-F238E27FC236}">
+                <a16:creationId xmlns:a16="http://schemas.microsoft.com/office/drawing/2014/main" id="{D586AAC8-AAD1-4620-8B1E-B1649BF472F9}"/>
+              </a:ext>
+            </a:extLst>
+          </p:cNvPr>
+          <p:cNvPicPr>
+            <a:picLocks noChangeAspect="1"/>
+          </p:cNvPicPr>
+          <p:nvPr/>
+        </p:nvPicPr>
+        <p:blipFill>
+          <a:blip r:embed="rId2"/>
+          <a:stretch>
+            <a:fillRect/>
+          </a:stretch>
+        </p:blipFill>
+        <p:spPr>
+          <a:xfrm>
+            <a:off x="0" y="989746"/>
+            <a:ext cx="7553813" cy="4174476"/>
+          </a:xfrm>
+          <a:prstGeom prst="rect">
+            <a:avLst/>
+          </a:prstGeom>
+        </p:spPr>
+      </p:pic>
     </p:spTree>
     <p:extLst>
       <p:ext uri="{BB962C8B-B14F-4D97-AF65-F5344CB8AC3E}">
-        <p14:creationId xmlns:p14="http://schemas.microsoft.com/office/powerpoint/2010/main" val="4037120427"/>
+        <p14:creationId xmlns:p14="http://schemas.microsoft.com/office/powerpoint/2010/main" val="3429755823"/>
       </p:ext>
     </p:extLst>
   </p:cSld>
@@ -3856,7 +3986,587 @@
 </p:sld>
 </file>
 
-<file path=ppt/slides/slide3.xml><?xml version="1.0" encoding="utf-8"?>
+<file path=ppt/slides/slide11.xml><?xml version="1.0" encoding="utf-8"?>
+<p:sld xmlns:a="http://schemas.openxmlformats.org/drawingml/2006/main" xmlns:r="http://schemas.openxmlformats.org/officeDocument/2006/relationships" xmlns:p="http://schemas.openxmlformats.org/presentationml/2006/main">
+  <p:cSld>
+    <p:spTree>
+      <p:nvGrpSpPr>
+        <p:cNvPr id="1" name=""/>
+        <p:cNvGrpSpPr/>
+        <p:nvPr/>
+      </p:nvGrpSpPr>
+      <p:grpSpPr>
+        <a:xfrm>
+          <a:off x="0" y="0"/>
+          <a:ext cx="0" cy="0"/>
+          <a:chOff x="0" y="0"/>
+          <a:chExt cx="0" cy="0"/>
+        </a:xfrm>
+      </p:grpSpPr>
+      <p:sp>
+        <p:nvSpPr>
+          <p:cNvPr id="10" name="副标题 2">
+            <a:extLst>
+              <a:ext uri="{FF2B5EF4-FFF2-40B4-BE49-F238E27FC236}">
+                <a16:creationId xmlns:a16="http://schemas.microsoft.com/office/drawing/2014/main" id="{42AE8C01-7BF1-4C58-90BD-31448E7C5E9B}"/>
+              </a:ext>
+            </a:extLst>
+          </p:cNvPr>
+          <p:cNvSpPr txBox="1">
+            <a:spLocks/>
+          </p:cNvSpPr>
+          <p:nvPr/>
+        </p:nvSpPr>
+        <p:spPr>
+          <a:xfrm>
+            <a:off x="0" y="0"/>
+            <a:ext cx="12192000" cy="707669"/>
+          </a:xfrm>
+          <a:prstGeom prst="rect">
+            <a:avLst/>
+          </a:prstGeom>
+          <a:solidFill>
+            <a:schemeClr val="accent6">
+              <a:lumMod val="60000"/>
+              <a:lumOff val="40000"/>
+            </a:schemeClr>
+          </a:solidFill>
+          <a:ln>
+            <a:solidFill>
+              <a:schemeClr val="accent1">
+                <a:lumMod val="60000"/>
+                <a:lumOff val="40000"/>
+              </a:schemeClr>
+            </a:solidFill>
+          </a:ln>
+        </p:spPr>
+        <p:txBody>
+          <a:bodyPr vert="horz" lIns="91440" tIns="45720" rIns="91440" bIns="45720" rtlCol="0">
+            <a:normAutofit/>
+          </a:bodyPr>
+          <a:lstStyle>
+            <a:lvl1pPr marL="0" indent="0" algn="ctr" defTabSz="914400" rtl="0" eaLnBrk="1" latinLnBrk="0" hangingPunct="1">
+              <a:lnSpc>
+                <a:spcPct val="90000"/>
+              </a:lnSpc>
+              <a:spcBef>
+                <a:spcPts val="1000"/>
+              </a:spcBef>
+              <a:buFont typeface="Arial" panose="020B0604020202020204" pitchFamily="34" charset="0"/>
+              <a:buNone/>
+              <a:defRPr sz="2400" kern="1200">
+                <a:solidFill>
+                  <a:schemeClr val="tx1"/>
+                </a:solidFill>
+                <a:latin typeface="+mn-lt"/>
+                <a:ea typeface="+mn-ea"/>
+                <a:cs typeface="+mn-cs"/>
+              </a:defRPr>
+            </a:lvl1pPr>
+            <a:lvl2pPr marL="457200" indent="0" algn="ctr" defTabSz="914400" rtl="0" eaLnBrk="1" latinLnBrk="0" hangingPunct="1">
+              <a:lnSpc>
+                <a:spcPct val="90000"/>
+              </a:lnSpc>
+              <a:spcBef>
+                <a:spcPts val="500"/>
+              </a:spcBef>
+              <a:buFont typeface="Arial" panose="020B0604020202020204" pitchFamily="34" charset="0"/>
+              <a:buNone/>
+              <a:defRPr sz="2000" kern="1200">
+                <a:solidFill>
+                  <a:schemeClr val="tx1"/>
+                </a:solidFill>
+                <a:latin typeface="+mn-lt"/>
+                <a:ea typeface="+mn-ea"/>
+                <a:cs typeface="+mn-cs"/>
+              </a:defRPr>
+            </a:lvl2pPr>
+            <a:lvl3pPr marL="914400" indent="0" algn="ctr" defTabSz="914400" rtl="0" eaLnBrk="1" latinLnBrk="0" hangingPunct="1">
+              <a:lnSpc>
+                <a:spcPct val="90000"/>
+              </a:lnSpc>
+              <a:spcBef>
+                <a:spcPts val="500"/>
+              </a:spcBef>
+              <a:buFont typeface="Arial" panose="020B0604020202020204" pitchFamily="34" charset="0"/>
+              <a:buNone/>
+              <a:defRPr sz="1800" kern="1200">
+                <a:solidFill>
+                  <a:schemeClr val="tx1"/>
+                </a:solidFill>
+                <a:latin typeface="+mn-lt"/>
+                <a:ea typeface="+mn-ea"/>
+                <a:cs typeface="+mn-cs"/>
+              </a:defRPr>
+            </a:lvl3pPr>
+            <a:lvl4pPr marL="1371600" indent="0" algn="ctr" defTabSz="914400" rtl="0" eaLnBrk="1" latinLnBrk="0" hangingPunct="1">
+              <a:lnSpc>
+                <a:spcPct val="90000"/>
+              </a:lnSpc>
+              <a:spcBef>
+                <a:spcPts val="500"/>
+              </a:spcBef>
+              <a:buFont typeface="Arial" panose="020B0604020202020204" pitchFamily="34" charset="0"/>
+              <a:buNone/>
+              <a:defRPr sz="1600" kern="1200">
+                <a:solidFill>
+                  <a:schemeClr val="tx1"/>
+                </a:solidFill>
+                <a:latin typeface="+mn-lt"/>
+                <a:ea typeface="+mn-ea"/>
+                <a:cs typeface="+mn-cs"/>
+              </a:defRPr>
+            </a:lvl4pPr>
+            <a:lvl5pPr marL="1828800" indent="0" algn="ctr" defTabSz="914400" rtl="0" eaLnBrk="1" latinLnBrk="0" hangingPunct="1">
+              <a:lnSpc>
+                <a:spcPct val="90000"/>
+              </a:lnSpc>
+              <a:spcBef>
+                <a:spcPts val="500"/>
+              </a:spcBef>
+              <a:buFont typeface="Arial" panose="020B0604020202020204" pitchFamily="34" charset="0"/>
+              <a:buNone/>
+              <a:defRPr sz="1600" kern="1200">
+                <a:solidFill>
+                  <a:schemeClr val="tx1"/>
+                </a:solidFill>
+                <a:latin typeface="+mn-lt"/>
+                <a:ea typeface="+mn-ea"/>
+                <a:cs typeface="+mn-cs"/>
+              </a:defRPr>
+            </a:lvl5pPr>
+            <a:lvl6pPr marL="2286000" indent="0" algn="ctr" defTabSz="914400" rtl="0" eaLnBrk="1" latinLnBrk="0" hangingPunct="1">
+              <a:lnSpc>
+                <a:spcPct val="90000"/>
+              </a:lnSpc>
+              <a:spcBef>
+                <a:spcPts val="500"/>
+              </a:spcBef>
+              <a:buFont typeface="Arial" panose="020B0604020202020204" pitchFamily="34" charset="0"/>
+              <a:buNone/>
+              <a:defRPr sz="1600" kern="1200">
+                <a:solidFill>
+                  <a:schemeClr val="tx1"/>
+                </a:solidFill>
+                <a:latin typeface="+mn-lt"/>
+                <a:ea typeface="+mn-ea"/>
+                <a:cs typeface="+mn-cs"/>
+              </a:defRPr>
+            </a:lvl6pPr>
+            <a:lvl7pPr marL="2743200" indent="0" algn="ctr" defTabSz="914400" rtl="0" eaLnBrk="1" latinLnBrk="0" hangingPunct="1">
+              <a:lnSpc>
+                <a:spcPct val="90000"/>
+              </a:lnSpc>
+              <a:spcBef>
+                <a:spcPts val="500"/>
+              </a:spcBef>
+              <a:buFont typeface="Arial" panose="020B0604020202020204" pitchFamily="34" charset="0"/>
+              <a:buNone/>
+              <a:defRPr sz="1600" kern="1200">
+                <a:solidFill>
+                  <a:schemeClr val="tx1"/>
+                </a:solidFill>
+                <a:latin typeface="+mn-lt"/>
+                <a:ea typeface="+mn-ea"/>
+                <a:cs typeface="+mn-cs"/>
+              </a:defRPr>
+            </a:lvl7pPr>
+            <a:lvl8pPr marL="3200400" indent="0" algn="ctr" defTabSz="914400" rtl="0" eaLnBrk="1" latinLnBrk="0" hangingPunct="1">
+              <a:lnSpc>
+                <a:spcPct val="90000"/>
+              </a:lnSpc>
+              <a:spcBef>
+                <a:spcPts val="500"/>
+              </a:spcBef>
+              <a:buFont typeface="Arial" panose="020B0604020202020204" pitchFamily="34" charset="0"/>
+              <a:buNone/>
+              <a:defRPr sz="1600" kern="1200">
+                <a:solidFill>
+                  <a:schemeClr val="tx1"/>
+                </a:solidFill>
+                <a:latin typeface="+mn-lt"/>
+                <a:ea typeface="+mn-ea"/>
+                <a:cs typeface="+mn-cs"/>
+              </a:defRPr>
+            </a:lvl8pPr>
+            <a:lvl9pPr marL="3657600" indent="0" algn="ctr" defTabSz="914400" rtl="0" eaLnBrk="1" latinLnBrk="0" hangingPunct="1">
+              <a:lnSpc>
+                <a:spcPct val="90000"/>
+              </a:lnSpc>
+              <a:spcBef>
+                <a:spcPts val="500"/>
+              </a:spcBef>
+              <a:buFont typeface="Arial" panose="020B0604020202020204" pitchFamily="34" charset="0"/>
+              <a:buNone/>
+              <a:defRPr sz="1600" kern="1200">
+                <a:solidFill>
+                  <a:schemeClr val="tx1"/>
+                </a:solidFill>
+                <a:latin typeface="+mn-lt"/>
+                <a:ea typeface="+mn-ea"/>
+                <a:cs typeface="+mn-cs"/>
+              </a:defRPr>
+            </a:lvl9pPr>
+          </a:lstStyle>
+          <a:p>
+            <a:pPr algn="l"/>
+            <a:r>
+              <a:rPr lang="zh-CN" altLang="en-US" sz="1600" dirty="0">
+                <a:solidFill>
+                  <a:srgbClr val="0070C0"/>
+                </a:solidFill>
+              </a:rPr>
+              <a:t>学校</a:t>
+            </a:r>
+            <a:r>
+              <a:rPr lang="en-US" altLang="zh-CN" sz="1600" dirty="0">
+                <a:solidFill>
+                  <a:srgbClr val="0070C0"/>
+                </a:solidFill>
+              </a:rPr>
+              <a:t> &gt; </a:t>
+            </a:r>
+            <a:r>
+              <a:rPr lang="zh-CN" altLang="en-US" sz="1600" dirty="0">
+                <a:solidFill>
+                  <a:srgbClr val="0070C0"/>
+                </a:solidFill>
+              </a:rPr>
+              <a:t>班级管理</a:t>
+            </a:r>
+            <a:r>
+              <a:rPr lang="en-US" altLang="zh-CN" sz="1600" dirty="0">
+                <a:solidFill>
+                  <a:srgbClr val="0070C0"/>
+                </a:solidFill>
+              </a:rPr>
+              <a:t> &gt;</a:t>
+            </a:r>
+            <a:r>
+              <a:rPr lang="zh-CN" altLang="en-US" sz="1600" dirty="0">
+                <a:solidFill>
+                  <a:srgbClr val="0070C0"/>
+                </a:solidFill>
+              </a:rPr>
+              <a:t>班级</a:t>
+            </a:r>
+            <a:r>
+              <a:rPr lang="en-US" altLang="zh-CN" sz="1600" dirty="0">
+                <a:solidFill>
+                  <a:srgbClr val="0070C0"/>
+                </a:solidFill>
+              </a:rPr>
+              <a:t>-</a:t>
+            </a:r>
+            <a:r>
+              <a:rPr lang="zh-CN" altLang="en-US" sz="1600" dirty="0">
+                <a:solidFill>
+                  <a:srgbClr val="0070C0"/>
+                </a:solidFill>
+              </a:rPr>
+              <a:t>学生管理</a:t>
+            </a:r>
+          </a:p>
+        </p:txBody>
+      </p:sp>
+      <p:sp>
+        <p:nvSpPr>
+          <p:cNvPr id="11" name="副标题 2">
+            <a:extLst>
+              <a:ext uri="{FF2B5EF4-FFF2-40B4-BE49-F238E27FC236}">
+                <a16:creationId xmlns:a16="http://schemas.microsoft.com/office/drawing/2014/main" id="{B518E569-1FE7-4B73-9133-E384A9D677AB}"/>
+              </a:ext>
+            </a:extLst>
+          </p:cNvPr>
+          <p:cNvSpPr txBox="1">
+            <a:spLocks/>
+          </p:cNvSpPr>
+          <p:nvPr/>
+        </p:nvSpPr>
+        <p:spPr>
+          <a:xfrm>
+            <a:off x="0" y="6013937"/>
+            <a:ext cx="12192000" cy="844063"/>
+          </a:xfrm>
+          <a:prstGeom prst="rect">
+            <a:avLst/>
+          </a:prstGeom>
+          <a:solidFill>
+            <a:schemeClr val="accent5"/>
+          </a:solidFill>
+          <a:ln>
+            <a:solidFill>
+              <a:schemeClr val="accent1">
+                <a:lumMod val="60000"/>
+                <a:lumOff val="40000"/>
+              </a:schemeClr>
+            </a:solidFill>
+          </a:ln>
+        </p:spPr>
+        <p:txBody>
+          <a:bodyPr vert="horz" lIns="91440" tIns="45720" rIns="91440" bIns="45720" rtlCol="0">
+            <a:normAutofit/>
+          </a:bodyPr>
+          <a:lstStyle>
+            <a:lvl1pPr marL="0" indent="0" algn="ctr" defTabSz="914400" rtl="0" eaLnBrk="1" latinLnBrk="0" hangingPunct="1">
+              <a:lnSpc>
+                <a:spcPct val="90000"/>
+              </a:lnSpc>
+              <a:spcBef>
+                <a:spcPts val="1000"/>
+              </a:spcBef>
+              <a:buFont typeface="Arial" panose="020B0604020202020204" pitchFamily="34" charset="0"/>
+              <a:buNone/>
+              <a:defRPr sz="2400" kern="1200">
+                <a:solidFill>
+                  <a:schemeClr val="tx1"/>
+                </a:solidFill>
+                <a:latin typeface="+mn-lt"/>
+                <a:ea typeface="+mn-ea"/>
+                <a:cs typeface="+mn-cs"/>
+              </a:defRPr>
+            </a:lvl1pPr>
+            <a:lvl2pPr marL="457200" indent="0" algn="ctr" defTabSz="914400" rtl="0" eaLnBrk="1" latinLnBrk="0" hangingPunct="1">
+              <a:lnSpc>
+                <a:spcPct val="90000"/>
+              </a:lnSpc>
+              <a:spcBef>
+                <a:spcPts val="500"/>
+              </a:spcBef>
+              <a:buFont typeface="Arial" panose="020B0604020202020204" pitchFamily="34" charset="0"/>
+              <a:buNone/>
+              <a:defRPr sz="2000" kern="1200">
+                <a:solidFill>
+                  <a:schemeClr val="tx1"/>
+                </a:solidFill>
+                <a:latin typeface="+mn-lt"/>
+                <a:ea typeface="+mn-ea"/>
+                <a:cs typeface="+mn-cs"/>
+              </a:defRPr>
+            </a:lvl2pPr>
+            <a:lvl3pPr marL="914400" indent="0" algn="ctr" defTabSz="914400" rtl="0" eaLnBrk="1" latinLnBrk="0" hangingPunct="1">
+              <a:lnSpc>
+                <a:spcPct val="90000"/>
+              </a:lnSpc>
+              <a:spcBef>
+                <a:spcPts val="500"/>
+              </a:spcBef>
+              <a:buFont typeface="Arial" panose="020B0604020202020204" pitchFamily="34" charset="0"/>
+              <a:buNone/>
+              <a:defRPr sz="1800" kern="1200">
+                <a:solidFill>
+                  <a:schemeClr val="tx1"/>
+                </a:solidFill>
+                <a:latin typeface="+mn-lt"/>
+                <a:ea typeface="+mn-ea"/>
+                <a:cs typeface="+mn-cs"/>
+              </a:defRPr>
+            </a:lvl3pPr>
+            <a:lvl4pPr marL="1371600" indent="0" algn="ctr" defTabSz="914400" rtl="0" eaLnBrk="1" latinLnBrk="0" hangingPunct="1">
+              <a:lnSpc>
+                <a:spcPct val="90000"/>
+              </a:lnSpc>
+              <a:spcBef>
+                <a:spcPts val="500"/>
+              </a:spcBef>
+              <a:buFont typeface="Arial" panose="020B0604020202020204" pitchFamily="34" charset="0"/>
+              <a:buNone/>
+              <a:defRPr sz="1600" kern="1200">
+                <a:solidFill>
+                  <a:schemeClr val="tx1"/>
+                </a:solidFill>
+                <a:latin typeface="+mn-lt"/>
+                <a:ea typeface="+mn-ea"/>
+                <a:cs typeface="+mn-cs"/>
+              </a:defRPr>
+            </a:lvl4pPr>
+            <a:lvl5pPr marL="1828800" indent="0" algn="ctr" defTabSz="914400" rtl="0" eaLnBrk="1" latinLnBrk="0" hangingPunct="1">
+              <a:lnSpc>
+                <a:spcPct val="90000"/>
+              </a:lnSpc>
+              <a:spcBef>
+                <a:spcPts val="500"/>
+              </a:spcBef>
+              <a:buFont typeface="Arial" panose="020B0604020202020204" pitchFamily="34" charset="0"/>
+              <a:buNone/>
+              <a:defRPr sz="1600" kern="1200">
+                <a:solidFill>
+                  <a:schemeClr val="tx1"/>
+                </a:solidFill>
+                <a:latin typeface="+mn-lt"/>
+                <a:ea typeface="+mn-ea"/>
+                <a:cs typeface="+mn-cs"/>
+              </a:defRPr>
+            </a:lvl5pPr>
+            <a:lvl6pPr marL="2286000" indent="0" algn="ctr" defTabSz="914400" rtl="0" eaLnBrk="1" latinLnBrk="0" hangingPunct="1">
+              <a:lnSpc>
+                <a:spcPct val="90000"/>
+              </a:lnSpc>
+              <a:spcBef>
+                <a:spcPts val="500"/>
+              </a:spcBef>
+              <a:buFont typeface="Arial" panose="020B0604020202020204" pitchFamily="34" charset="0"/>
+              <a:buNone/>
+              <a:defRPr sz="1600" kern="1200">
+                <a:solidFill>
+                  <a:schemeClr val="tx1"/>
+                </a:solidFill>
+                <a:latin typeface="+mn-lt"/>
+                <a:ea typeface="+mn-ea"/>
+                <a:cs typeface="+mn-cs"/>
+              </a:defRPr>
+            </a:lvl6pPr>
+            <a:lvl7pPr marL="2743200" indent="0" algn="ctr" defTabSz="914400" rtl="0" eaLnBrk="1" latinLnBrk="0" hangingPunct="1">
+              <a:lnSpc>
+                <a:spcPct val="90000"/>
+              </a:lnSpc>
+              <a:spcBef>
+                <a:spcPts val="500"/>
+              </a:spcBef>
+              <a:buFont typeface="Arial" panose="020B0604020202020204" pitchFamily="34" charset="0"/>
+              <a:buNone/>
+              <a:defRPr sz="1600" kern="1200">
+                <a:solidFill>
+                  <a:schemeClr val="tx1"/>
+                </a:solidFill>
+                <a:latin typeface="+mn-lt"/>
+                <a:ea typeface="+mn-ea"/>
+                <a:cs typeface="+mn-cs"/>
+              </a:defRPr>
+            </a:lvl7pPr>
+            <a:lvl8pPr marL="3200400" indent="0" algn="ctr" defTabSz="914400" rtl="0" eaLnBrk="1" latinLnBrk="0" hangingPunct="1">
+              <a:lnSpc>
+                <a:spcPct val="90000"/>
+              </a:lnSpc>
+              <a:spcBef>
+                <a:spcPts val="500"/>
+              </a:spcBef>
+              <a:buFont typeface="Arial" panose="020B0604020202020204" pitchFamily="34" charset="0"/>
+              <a:buNone/>
+              <a:defRPr sz="1600" kern="1200">
+                <a:solidFill>
+                  <a:schemeClr val="tx1"/>
+                </a:solidFill>
+                <a:latin typeface="+mn-lt"/>
+                <a:ea typeface="+mn-ea"/>
+                <a:cs typeface="+mn-cs"/>
+              </a:defRPr>
+            </a:lvl8pPr>
+            <a:lvl9pPr marL="3657600" indent="0" algn="ctr" defTabSz="914400" rtl="0" eaLnBrk="1" latinLnBrk="0" hangingPunct="1">
+              <a:lnSpc>
+                <a:spcPct val="90000"/>
+              </a:lnSpc>
+              <a:spcBef>
+                <a:spcPts val="500"/>
+              </a:spcBef>
+              <a:buFont typeface="Arial" panose="020B0604020202020204" pitchFamily="34" charset="0"/>
+              <a:buNone/>
+              <a:defRPr sz="1600" kern="1200">
+                <a:solidFill>
+                  <a:schemeClr val="tx1"/>
+                </a:solidFill>
+                <a:latin typeface="+mn-lt"/>
+                <a:ea typeface="+mn-ea"/>
+                <a:cs typeface="+mn-cs"/>
+              </a:defRPr>
+            </a:lvl9pPr>
+          </a:lstStyle>
+          <a:p>
+            <a:pPr algn="l"/>
+            <a:r>
+              <a:rPr lang="zh-CN" altLang="en-US" sz="1600" dirty="0">
+                <a:solidFill>
+                  <a:schemeClr val="bg1"/>
+                </a:solidFill>
+              </a:rPr>
+              <a:t>问题描述：</a:t>
+            </a:r>
+            <a:endParaRPr lang="en-US" altLang="zh-CN" sz="1600" dirty="0">
+              <a:solidFill>
+                <a:schemeClr val="bg1"/>
+              </a:solidFill>
+            </a:endParaRPr>
+          </a:p>
+          <a:p>
+            <a:pPr marL="342900" indent="-342900" algn="l">
+              <a:buAutoNum type="arabicPeriod"/>
+            </a:pPr>
+            <a:r>
+              <a:rPr lang="zh-CN" altLang="en-US" sz="1600" dirty="0">
+                <a:solidFill>
+                  <a:schemeClr val="bg1"/>
+                </a:solidFill>
+              </a:rPr>
+              <a:t>（</a:t>
+            </a:r>
+            <a:r>
+              <a:rPr lang="en-US" altLang="zh-CN" sz="1600" dirty="0">
+                <a:solidFill>
+                  <a:schemeClr val="bg1"/>
+                </a:solidFill>
+              </a:rPr>
+              <a:t>UI</a:t>
+            </a:r>
+            <a:r>
+              <a:rPr lang="zh-CN" altLang="en-US" sz="1600" dirty="0">
+                <a:solidFill>
+                  <a:schemeClr val="bg1"/>
+                </a:solidFill>
+              </a:rPr>
+              <a:t>）班级管理应为“学生管理”</a:t>
+            </a:r>
+            <a:endParaRPr lang="en-US" altLang="zh-CN" sz="1600" dirty="0">
+              <a:solidFill>
+                <a:schemeClr val="bg1"/>
+              </a:solidFill>
+            </a:endParaRPr>
+          </a:p>
+        </p:txBody>
+      </p:sp>
+      <p:pic>
+        <p:nvPicPr>
+          <p:cNvPr id="3" name="Picture 2">
+            <a:extLst>
+              <a:ext uri="{FF2B5EF4-FFF2-40B4-BE49-F238E27FC236}">
+                <a16:creationId xmlns:a16="http://schemas.microsoft.com/office/drawing/2014/main" id="{DAF46CB0-6A5F-4308-A4BF-4CAD33388A36}"/>
+              </a:ext>
+            </a:extLst>
+          </p:cNvPr>
+          <p:cNvPicPr>
+            <a:picLocks noChangeAspect="1"/>
+          </p:cNvPicPr>
+          <p:nvPr/>
+        </p:nvPicPr>
+        <p:blipFill>
+          <a:blip r:embed="rId2"/>
+          <a:stretch>
+            <a:fillRect/>
+          </a:stretch>
+        </p:blipFill>
+        <p:spPr>
+          <a:xfrm>
+            <a:off x="0" y="1022415"/>
+            <a:ext cx="9172575" cy="4676775"/>
+          </a:xfrm>
+          <a:prstGeom prst="rect">
+            <a:avLst/>
+          </a:prstGeom>
+        </p:spPr>
+      </p:pic>
+    </p:spTree>
+    <p:extLst>
+      <p:ext uri="{BB962C8B-B14F-4D97-AF65-F5344CB8AC3E}">
+        <p14:creationId xmlns:p14="http://schemas.microsoft.com/office/powerpoint/2010/main" val="1901218349"/>
+      </p:ext>
+    </p:extLst>
+  </p:cSld>
+  <p:clrMapOvr>
+    <a:masterClrMapping/>
+  </p:clrMapOvr>
+</p:sld>
+</file>
+
+<file path=ppt/slides/slide12.xml><?xml version="1.0" encoding="utf-8"?>
 <p:sld xmlns:a="http://schemas.openxmlformats.org/drawingml/2006/main" xmlns:r="http://schemas.openxmlformats.org/officeDocument/2006/relationships" xmlns:p="http://schemas.openxmlformats.org/presentationml/2006/main">
   <p:cSld>
     <p:spTree>
@@ -3925,7 +4635,15 @@
             <a:pPr algn="ctr"/>
             <a:r>
               <a:rPr lang="zh-CN" altLang="en-US" sz="4400" dirty="0"/>
-              <a:t>首页</a:t>
+              <a:t>学校 </a:t>
+            </a:r>
+            <a:r>
+              <a:rPr lang="en-US" altLang="zh-CN" sz="4400" dirty="0"/>
+              <a:t>&gt; </a:t>
+            </a:r>
+            <a:r>
+              <a:rPr lang="zh-CN" altLang="en-US" sz="4400" dirty="0"/>
+              <a:t>教师管理</a:t>
             </a:r>
           </a:p>
         </p:txBody>
@@ -3933,7 +4651,6365 @@
     </p:spTree>
     <p:extLst>
       <p:ext uri="{BB962C8B-B14F-4D97-AF65-F5344CB8AC3E}">
-        <p14:creationId xmlns:p14="http://schemas.microsoft.com/office/powerpoint/2010/main" val="2954239672"/>
+        <p14:creationId xmlns:p14="http://schemas.microsoft.com/office/powerpoint/2010/main" val="3228154737"/>
+      </p:ext>
+    </p:extLst>
+  </p:cSld>
+  <p:clrMapOvr>
+    <a:masterClrMapping/>
+  </p:clrMapOvr>
+</p:sld>
+</file>
+
+<file path=ppt/slides/slide13.xml><?xml version="1.0" encoding="utf-8"?>
+<p:sld xmlns:a="http://schemas.openxmlformats.org/drawingml/2006/main" xmlns:r="http://schemas.openxmlformats.org/officeDocument/2006/relationships" xmlns:p="http://schemas.openxmlformats.org/presentationml/2006/main">
+  <p:cSld>
+    <p:spTree>
+      <p:nvGrpSpPr>
+        <p:cNvPr id="1" name=""/>
+        <p:cNvGrpSpPr/>
+        <p:nvPr/>
+      </p:nvGrpSpPr>
+      <p:grpSpPr>
+        <a:xfrm>
+          <a:off x="0" y="0"/>
+          <a:ext cx="0" cy="0"/>
+          <a:chOff x="0" y="0"/>
+          <a:chExt cx="0" cy="0"/>
+        </a:xfrm>
+      </p:grpSpPr>
+      <p:sp>
+        <p:nvSpPr>
+          <p:cNvPr id="10" name="副标题 2">
+            <a:extLst>
+              <a:ext uri="{FF2B5EF4-FFF2-40B4-BE49-F238E27FC236}">
+                <a16:creationId xmlns:a16="http://schemas.microsoft.com/office/drawing/2014/main" id="{42AE8C01-7BF1-4C58-90BD-31448E7C5E9B}"/>
+              </a:ext>
+            </a:extLst>
+          </p:cNvPr>
+          <p:cNvSpPr txBox="1">
+            <a:spLocks/>
+          </p:cNvSpPr>
+          <p:nvPr/>
+        </p:nvSpPr>
+        <p:spPr>
+          <a:xfrm>
+            <a:off x="0" y="0"/>
+            <a:ext cx="12192000" cy="707669"/>
+          </a:xfrm>
+          <a:prstGeom prst="rect">
+            <a:avLst/>
+          </a:prstGeom>
+          <a:solidFill>
+            <a:schemeClr val="accent6">
+              <a:lumMod val="60000"/>
+              <a:lumOff val="40000"/>
+            </a:schemeClr>
+          </a:solidFill>
+          <a:ln>
+            <a:solidFill>
+              <a:schemeClr val="accent1">
+                <a:lumMod val="60000"/>
+                <a:lumOff val="40000"/>
+              </a:schemeClr>
+            </a:solidFill>
+          </a:ln>
+        </p:spPr>
+        <p:txBody>
+          <a:bodyPr vert="horz" lIns="91440" tIns="45720" rIns="91440" bIns="45720" rtlCol="0">
+            <a:normAutofit/>
+          </a:bodyPr>
+          <a:lstStyle>
+            <a:lvl1pPr marL="0" indent="0" algn="ctr" defTabSz="914400" rtl="0" eaLnBrk="1" latinLnBrk="0" hangingPunct="1">
+              <a:lnSpc>
+                <a:spcPct val="90000"/>
+              </a:lnSpc>
+              <a:spcBef>
+                <a:spcPts val="1000"/>
+              </a:spcBef>
+              <a:buFont typeface="Arial" panose="020B0604020202020204" pitchFamily="34" charset="0"/>
+              <a:buNone/>
+              <a:defRPr sz="2400" kern="1200">
+                <a:solidFill>
+                  <a:schemeClr val="tx1"/>
+                </a:solidFill>
+                <a:latin typeface="+mn-lt"/>
+                <a:ea typeface="+mn-ea"/>
+                <a:cs typeface="+mn-cs"/>
+              </a:defRPr>
+            </a:lvl1pPr>
+            <a:lvl2pPr marL="457200" indent="0" algn="ctr" defTabSz="914400" rtl="0" eaLnBrk="1" latinLnBrk="0" hangingPunct="1">
+              <a:lnSpc>
+                <a:spcPct val="90000"/>
+              </a:lnSpc>
+              <a:spcBef>
+                <a:spcPts val="500"/>
+              </a:spcBef>
+              <a:buFont typeface="Arial" panose="020B0604020202020204" pitchFamily="34" charset="0"/>
+              <a:buNone/>
+              <a:defRPr sz="2000" kern="1200">
+                <a:solidFill>
+                  <a:schemeClr val="tx1"/>
+                </a:solidFill>
+                <a:latin typeface="+mn-lt"/>
+                <a:ea typeface="+mn-ea"/>
+                <a:cs typeface="+mn-cs"/>
+              </a:defRPr>
+            </a:lvl2pPr>
+            <a:lvl3pPr marL="914400" indent="0" algn="ctr" defTabSz="914400" rtl="0" eaLnBrk="1" latinLnBrk="0" hangingPunct="1">
+              <a:lnSpc>
+                <a:spcPct val="90000"/>
+              </a:lnSpc>
+              <a:spcBef>
+                <a:spcPts val="500"/>
+              </a:spcBef>
+              <a:buFont typeface="Arial" panose="020B0604020202020204" pitchFamily="34" charset="0"/>
+              <a:buNone/>
+              <a:defRPr sz="1800" kern="1200">
+                <a:solidFill>
+                  <a:schemeClr val="tx1"/>
+                </a:solidFill>
+                <a:latin typeface="+mn-lt"/>
+                <a:ea typeface="+mn-ea"/>
+                <a:cs typeface="+mn-cs"/>
+              </a:defRPr>
+            </a:lvl3pPr>
+            <a:lvl4pPr marL="1371600" indent="0" algn="ctr" defTabSz="914400" rtl="0" eaLnBrk="1" latinLnBrk="0" hangingPunct="1">
+              <a:lnSpc>
+                <a:spcPct val="90000"/>
+              </a:lnSpc>
+              <a:spcBef>
+                <a:spcPts val="500"/>
+              </a:spcBef>
+              <a:buFont typeface="Arial" panose="020B0604020202020204" pitchFamily="34" charset="0"/>
+              <a:buNone/>
+              <a:defRPr sz="1600" kern="1200">
+                <a:solidFill>
+                  <a:schemeClr val="tx1"/>
+                </a:solidFill>
+                <a:latin typeface="+mn-lt"/>
+                <a:ea typeface="+mn-ea"/>
+                <a:cs typeface="+mn-cs"/>
+              </a:defRPr>
+            </a:lvl4pPr>
+            <a:lvl5pPr marL="1828800" indent="0" algn="ctr" defTabSz="914400" rtl="0" eaLnBrk="1" latinLnBrk="0" hangingPunct="1">
+              <a:lnSpc>
+                <a:spcPct val="90000"/>
+              </a:lnSpc>
+              <a:spcBef>
+                <a:spcPts val="500"/>
+              </a:spcBef>
+              <a:buFont typeface="Arial" panose="020B0604020202020204" pitchFamily="34" charset="0"/>
+              <a:buNone/>
+              <a:defRPr sz="1600" kern="1200">
+                <a:solidFill>
+                  <a:schemeClr val="tx1"/>
+                </a:solidFill>
+                <a:latin typeface="+mn-lt"/>
+                <a:ea typeface="+mn-ea"/>
+                <a:cs typeface="+mn-cs"/>
+              </a:defRPr>
+            </a:lvl5pPr>
+            <a:lvl6pPr marL="2286000" indent="0" algn="ctr" defTabSz="914400" rtl="0" eaLnBrk="1" latinLnBrk="0" hangingPunct="1">
+              <a:lnSpc>
+                <a:spcPct val="90000"/>
+              </a:lnSpc>
+              <a:spcBef>
+                <a:spcPts val="500"/>
+              </a:spcBef>
+              <a:buFont typeface="Arial" panose="020B0604020202020204" pitchFamily="34" charset="0"/>
+              <a:buNone/>
+              <a:defRPr sz="1600" kern="1200">
+                <a:solidFill>
+                  <a:schemeClr val="tx1"/>
+                </a:solidFill>
+                <a:latin typeface="+mn-lt"/>
+                <a:ea typeface="+mn-ea"/>
+                <a:cs typeface="+mn-cs"/>
+              </a:defRPr>
+            </a:lvl6pPr>
+            <a:lvl7pPr marL="2743200" indent="0" algn="ctr" defTabSz="914400" rtl="0" eaLnBrk="1" latinLnBrk="0" hangingPunct="1">
+              <a:lnSpc>
+                <a:spcPct val="90000"/>
+              </a:lnSpc>
+              <a:spcBef>
+                <a:spcPts val="500"/>
+              </a:spcBef>
+              <a:buFont typeface="Arial" panose="020B0604020202020204" pitchFamily="34" charset="0"/>
+              <a:buNone/>
+              <a:defRPr sz="1600" kern="1200">
+                <a:solidFill>
+                  <a:schemeClr val="tx1"/>
+                </a:solidFill>
+                <a:latin typeface="+mn-lt"/>
+                <a:ea typeface="+mn-ea"/>
+                <a:cs typeface="+mn-cs"/>
+              </a:defRPr>
+            </a:lvl7pPr>
+            <a:lvl8pPr marL="3200400" indent="0" algn="ctr" defTabSz="914400" rtl="0" eaLnBrk="1" latinLnBrk="0" hangingPunct="1">
+              <a:lnSpc>
+                <a:spcPct val="90000"/>
+              </a:lnSpc>
+              <a:spcBef>
+                <a:spcPts val="500"/>
+              </a:spcBef>
+              <a:buFont typeface="Arial" panose="020B0604020202020204" pitchFamily="34" charset="0"/>
+              <a:buNone/>
+              <a:defRPr sz="1600" kern="1200">
+                <a:solidFill>
+                  <a:schemeClr val="tx1"/>
+                </a:solidFill>
+                <a:latin typeface="+mn-lt"/>
+                <a:ea typeface="+mn-ea"/>
+                <a:cs typeface="+mn-cs"/>
+              </a:defRPr>
+            </a:lvl8pPr>
+            <a:lvl9pPr marL="3657600" indent="0" algn="ctr" defTabSz="914400" rtl="0" eaLnBrk="1" latinLnBrk="0" hangingPunct="1">
+              <a:lnSpc>
+                <a:spcPct val="90000"/>
+              </a:lnSpc>
+              <a:spcBef>
+                <a:spcPts val="500"/>
+              </a:spcBef>
+              <a:buFont typeface="Arial" panose="020B0604020202020204" pitchFamily="34" charset="0"/>
+              <a:buNone/>
+              <a:defRPr sz="1600" kern="1200">
+                <a:solidFill>
+                  <a:schemeClr val="tx1"/>
+                </a:solidFill>
+                <a:latin typeface="+mn-lt"/>
+                <a:ea typeface="+mn-ea"/>
+                <a:cs typeface="+mn-cs"/>
+              </a:defRPr>
+            </a:lvl9pPr>
+          </a:lstStyle>
+          <a:p>
+            <a:pPr algn="l"/>
+            <a:r>
+              <a:rPr lang="zh-CN" altLang="en-US" sz="1600" dirty="0">
+                <a:solidFill>
+                  <a:srgbClr val="0070C0"/>
+                </a:solidFill>
+              </a:rPr>
+              <a:t>学校</a:t>
+            </a:r>
+            <a:r>
+              <a:rPr lang="en-US" altLang="zh-CN" sz="1600" dirty="0">
+                <a:solidFill>
+                  <a:srgbClr val="0070C0"/>
+                </a:solidFill>
+              </a:rPr>
+              <a:t> &gt; </a:t>
+            </a:r>
+            <a:r>
+              <a:rPr lang="zh-CN" altLang="en-US" sz="1600" dirty="0">
+                <a:solidFill>
+                  <a:srgbClr val="0070C0"/>
+                </a:solidFill>
+              </a:rPr>
+              <a:t>教师管理 </a:t>
+            </a:r>
+            <a:r>
+              <a:rPr lang="en-US" altLang="zh-CN" sz="1600" dirty="0">
+                <a:solidFill>
+                  <a:srgbClr val="0070C0"/>
+                </a:solidFill>
+              </a:rPr>
+              <a:t>&gt;</a:t>
+            </a:r>
+            <a:r>
+              <a:rPr lang="zh-CN" altLang="en-US" sz="1600" dirty="0">
+                <a:solidFill>
+                  <a:srgbClr val="0070C0"/>
+                </a:solidFill>
+              </a:rPr>
+              <a:t> 添加教师</a:t>
+            </a:r>
+          </a:p>
+        </p:txBody>
+      </p:sp>
+      <p:sp>
+        <p:nvSpPr>
+          <p:cNvPr id="11" name="副标题 2">
+            <a:extLst>
+              <a:ext uri="{FF2B5EF4-FFF2-40B4-BE49-F238E27FC236}">
+                <a16:creationId xmlns:a16="http://schemas.microsoft.com/office/drawing/2014/main" id="{B518E569-1FE7-4B73-9133-E384A9D677AB}"/>
+              </a:ext>
+            </a:extLst>
+          </p:cNvPr>
+          <p:cNvSpPr txBox="1">
+            <a:spLocks/>
+          </p:cNvSpPr>
+          <p:nvPr/>
+        </p:nvSpPr>
+        <p:spPr>
+          <a:xfrm>
+            <a:off x="0" y="5579285"/>
+            <a:ext cx="12192000" cy="1278715"/>
+          </a:xfrm>
+          <a:prstGeom prst="rect">
+            <a:avLst/>
+          </a:prstGeom>
+          <a:solidFill>
+            <a:schemeClr val="accent5"/>
+          </a:solidFill>
+          <a:ln>
+            <a:solidFill>
+              <a:schemeClr val="accent1">
+                <a:lumMod val="60000"/>
+                <a:lumOff val="40000"/>
+              </a:schemeClr>
+            </a:solidFill>
+          </a:ln>
+        </p:spPr>
+        <p:txBody>
+          <a:bodyPr vert="horz" lIns="91440" tIns="45720" rIns="91440" bIns="45720" rtlCol="0">
+            <a:normAutofit lnSpcReduction="10000"/>
+          </a:bodyPr>
+          <a:lstStyle>
+            <a:lvl1pPr marL="0" indent="0" algn="ctr" defTabSz="914400" rtl="0" eaLnBrk="1" latinLnBrk="0" hangingPunct="1">
+              <a:lnSpc>
+                <a:spcPct val="90000"/>
+              </a:lnSpc>
+              <a:spcBef>
+                <a:spcPts val="1000"/>
+              </a:spcBef>
+              <a:buFont typeface="Arial" panose="020B0604020202020204" pitchFamily="34" charset="0"/>
+              <a:buNone/>
+              <a:defRPr sz="2400" kern="1200">
+                <a:solidFill>
+                  <a:schemeClr val="tx1"/>
+                </a:solidFill>
+                <a:latin typeface="+mn-lt"/>
+                <a:ea typeface="+mn-ea"/>
+                <a:cs typeface="+mn-cs"/>
+              </a:defRPr>
+            </a:lvl1pPr>
+            <a:lvl2pPr marL="457200" indent="0" algn="ctr" defTabSz="914400" rtl="0" eaLnBrk="1" latinLnBrk="0" hangingPunct="1">
+              <a:lnSpc>
+                <a:spcPct val="90000"/>
+              </a:lnSpc>
+              <a:spcBef>
+                <a:spcPts val="500"/>
+              </a:spcBef>
+              <a:buFont typeface="Arial" panose="020B0604020202020204" pitchFamily="34" charset="0"/>
+              <a:buNone/>
+              <a:defRPr sz="2000" kern="1200">
+                <a:solidFill>
+                  <a:schemeClr val="tx1"/>
+                </a:solidFill>
+                <a:latin typeface="+mn-lt"/>
+                <a:ea typeface="+mn-ea"/>
+                <a:cs typeface="+mn-cs"/>
+              </a:defRPr>
+            </a:lvl2pPr>
+            <a:lvl3pPr marL="914400" indent="0" algn="ctr" defTabSz="914400" rtl="0" eaLnBrk="1" latinLnBrk="0" hangingPunct="1">
+              <a:lnSpc>
+                <a:spcPct val="90000"/>
+              </a:lnSpc>
+              <a:spcBef>
+                <a:spcPts val="500"/>
+              </a:spcBef>
+              <a:buFont typeface="Arial" panose="020B0604020202020204" pitchFamily="34" charset="0"/>
+              <a:buNone/>
+              <a:defRPr sz="1800" kern="1200">
+                <a:solidFill>
+                  <a:schemeClr val="tx1"/>
+                </a:solidFill>
+                <a:latin typeface="+mn-lt"/>
+                <a:ea typeface="+mn-ea"/>
+                <a:cs typeface="+mn-cs"/>
+              </a:defRPr>
+            </a:lvl3pPr>
+            <a:lvl4pPr marL="1371600" indent="0" algn="ctr" defTabSz="914400" rtl="0" eaLnBrk="1" latinLnBrk="0" hangingPunct="1">
+              <a:lnSpc>
+                <a:spcPct val="90000"/>
+              </a:lnSpc>
+              <a:spcBef>
+                <a:spcPts val="500"/>
+              </a:spcBef>
+              <a:buFont typeface="Arial" panose="020B0604020202020204" pitchFamily="34" charset="0"/>
+              <a:buNone/>
+              <a:defRPr sz="1600" kern="1200">
+                <a:solidFill>
+                  <a:schemeClr val="tx1"/>
+                </a:solidFill>
+                <a:latin typeface="+mn-lt"/>
+                <a:ea typeface="+mn-ea"/>
+                <a:cs typeface="+mn-cs"/>
+              </a:defRPr>
+            </a:lvl4pPr>
+            <a:lvl5pPr marL="1828800" indent="0" algn="ctr" defTabSz="914400" rtl="0" eaLnBrk="1" latinLnBrk="0" hangingPunct="1">
+              <a:lnSpc>
+                <a:spcPct val="90000"/>
+              </a:lnSpc>
+              <a:spcBef>
+                <a:spcPts val="500"/>
+              </a:spcBef>
+              <a:buFont typeface="Arial" panose="020B0604020202020204" pitchFamily="34" charset="0"/>
+              <a:buNone/>
+              <a:defRPr sz="1600" kern="1200">
+                <a:solidFill>
+                  <a:schemeClr val="tx1"/>
+                </a:solidFill>
+                <a:latin typeface="+mn-lt"/>
+                <a:ea typeface="+mn-ea"/>
+                <a:cs typeface="+mn-cs"/>
+              </a:defRPr>
+            </a:lvl5pPr>
+            <a:lvl6pPr marL="2286000" indent="0" algn="ctr" defTabSz="914400" rtl="0" eaLnBrk="1" latinLnBrk="0" hangingPunct="1">
+              <a:lnSpc>
+                <a:spcPct val="90000"/>
+              </a:lnSpc>
+              <a:spcBef>
+                <a:spcPts val="500"/>
+              </a:spcBef>
+              <a:buFont typeface="Arial" panose="020B0604020202020204" pitchFamily="34" charset="0"/>
+              <a:buNone/>
+              <a:defRPr sz="1600" kern="1200">
+                <a:solidFill>
+                  <a:schemeClr val="tx1"/>
+                </a:solidFill>
+                <a:latin typeface="+mn-lt"/>
+                <a:ea typeface="+mn-ea"/>
+                <a:cs typeface="+mn-cs"/>
+              </a:defRPr>
+            </a:lvl6pPr>
+            <a:lvl7pPr marL="2743200" indent="0" algn="ctr" defTabSz="914400" rtl="0" eaLnBrk="1" latinLnBrk="0" hangingPunct="1">
+              <a:lnSpc>
+                <a:spcPct val="90000"/>
+              </a:lnSpc>
+              <a:spcBef>
+                <a:spcPts val="500"/>
+              </a:spcBef>
+              <a:buFont typeface="Arial" panose="020B0604020202020204" pitchFamily="34" charset="0"/>
+              <a:buNone/>
+              <a:defRPr sz="1600" kern="1200">
+                <a:solidFill>
+                  <a:schemeClr val="tx1"/>
+                </a:solidFill>
+                <a:latin typeface="+mn-lt"/>
+                <a:ea typeface="+mn-ea"/>
+                <a:cs typeface="+mn-cs"/>
+              </a:defRPr>
+            </a:lvl7pPr>
+            <a:lvl8pPr marL="3200400" indent="0" algn="ctr" defTabSz="914400" rtl="0" eaLnBrk="1" latinLnBrk="0" hangingPunct="1">
+              <a:lnSpc>
+                <a:spcPct val="90000"/>
+              </a:lnSpc>
+              <a:spcBef>
+                <a:spcPts val="500"/>
+              </a:spcBef>
+              <a:buFont typeface="Arial" panose="020B0604020202020204" pitchFamily="34" charset="0"/>
+              <a:buNone/>
+              <a:defRPr sz="1600" kern="1200">
+                <a:solidFill>
+                  <a:schemeClr val="tx1"/>
+                </a:solidFill>
+                <a:latin typeface="+mn-lt"/>
+                <a:ea typeface="+mn-ea"/>
+                <a:cs typeface="+mn-cs"/>
+              </a:defRPr>
+            </a:lvl8pPr>
+            <a:lvl9pPr marL="3657600" indent="0" algn="ctr" defTabSz="914400" rtl="0" eaLnBrk="1" latinLnBrk="0" hangingPunct="1">
+              <a:lnSpc>
+                <a:spcPct val="90000"/>
+              </a:lnSpc>
+              <a:spcBef>
+                <a:spcPts val="500"/>
+              </a:spcBef>
+              <a:buFont typeface="Arial" panose="020B0604020202020204" pitchFamily="34" charset="0"/>
+              <a:buNone/>
+              <a:defRPr sz="1600" kern="1200">
+                <a:solidFill>
+                  <a:schemeClr val="tx1"/>
+                </a:solidFill>
+                <a:latin typeface="+mn-lt"/>
+                <a:ea typeface="+mn-ea"/>
+                <a:cs typeface="+mn-cs"/>
+              </a:defRPr>
+            </a:lvl9pPr>
+          </a:lstStyle>
+          <a:p>
+            <a:pPr algn="l"/>
+            <a:r>
+              <a:rPr lang="zh-CN" altLang="en-US" sz="1600" dirty="0">
+                <a:solidFill>
+                  <a:schemeClr val="bg1"/>
+                </a:solidFill>
+              </a:rPr>
+              <a:t>问题描述：</a:t>
+            </a:r>
+            <a:endParaRPr lang="en-US" altLang="zh-CN" sz="1600" dirty="0">
+              <a:solidFill>
+                <a:schemeClr val="bg1"/>
+              </a:solidFill>
+            </a:endParaRPr>
+          </a:p>
+          <a:p>
+            <a:pPr marL="342900" indent="-342900" algn="l">
+              <a:buAutoNum type="arabicPeriod"/>
+            </a:pPr>
+            <a:r>
+              <a:rPr lang="zh-CN" altLang="en-US" sz="1600" dirty="0">
+                <a:solidFill>
+                  <a:schemeClr val="bg1"/>
+                </a:solidFill>
+              </a:rPr>
+              <a:t>（</a:t>
+            </a:r>
+            <a:r>
+              <a:rPr lang="en-US" altLang="zh-CN" sz="1600" dirty="0">
+                <a:solidFill>
+                  <a:schemeClr val="bg1"/>
+                </a:solidFill>
+              </a:rPr>
+              <a:t>UI</a:t>
+            </a:r>
+            <a:r>
+              <a:rPr lang="zh-CN" altLang="en-US" sz="1600" dirty="0">
+                <a:solidFill>
+                  <a:schemeClr val="bg1"/>
+                </a:solidFill>
+              </a:rPr>
+              <a:t>）路径栏应为：学校 </a:t>
+            </a:r>
+            <a:r>
+              <a:rPr lang="en-US" altLang="zh-CN" sz="1600" dirty="0">
+                <a:solidFill>
+                  <a:schemeClr val="bg1"/>
+                </a:solidFill>
+              </a:rPr>
+              <a:t>&gt; </a:t>
+            </a:r>
+            <a:r>
+              <a:rPr lang="zh-CN" altLang="en-US" sz="1600" dirty="0">
+                <a:solidFill>
+                  <a:schemeClr val="bg1"/>
+                </a:solidFill>
+              </a:rPr>
+              <a:t>教师管理</a:t>
+            </a:r>
+            <a:r>
+              <a:rPr lang="en-US" altLang="zh-CN" sz="1600" dirty="0">
+                <a:solidFill>
+                  <a:schemeClr val="bg1"/>
+                </a:solidFill>
+              </a:rPr>
+              <a:t> &gt; </a:t>
+            </a:r>
+            <a:r>
+              <a:rPr lang="zh-CN" altLang="en-US" sz="1600" dirty="0">
+                <a:solidFill>
+                  <a:schemeClr val="bg1"/>
+                </a:solidFill>
+              </a:rPr>
+              <a:t>添加教师</a:t>
+            </a:r>
+            <a:endParaRPr lang="en-US" altLang="zh-CN" sz="1600" dirty="0">
+              <a:solidFill>
+                <a:schemeClr val="bg1"/>
+              </a:solidFill>
+            </a:endParaRPr>
+          </a:p>
+          <a:p>
+            <a:pPr marL="342900" indent="-342900" algn="l">
+              <a:buAutoNum type="arabicPeriod"/>
+            </a:pPr>
+            <a:r>
+              <a:rPr lang="zh-CN" altLang="en-US" sz="1600" dirty="0">
+                <a:solidFill>
+                  <a:schemeClr val="bg1"/>
+                </a:solidFill>
+              </a:rPr>
+              <a:t>（</a:t>
+            </a:r>
+            <a:r>
+              <a:rPr lang="en-US" altLang="zh-CN" sz="1600" dirty="0">
+                <a:solidFill>
+                  <a:schemeClr val="bg1"/>
+                </a:solidFill>
+              </a:rPr>
+              <a:t>UI</a:t>
+            </a:r>
+            <a:r>
+              <a:rPr lang="zh-CN" altLang="en-US" sz="1600" dirty="0">
+                <a:solidFill>
+                  <a:schemeClr val="bg1"/>
+                </a:solidFill>
+              </a:rPr>
+              <a:t>）编辑教师应为“添加教师”</a:t>
+            </a:r>
+            <a:endParaRPr lang="en-US" altLang="zh-CN" sz="1600" dirty="0">
+              <a:solidFill>
+                <a:schemeClr val="bg1"/>
+              </a:solidFill>
+            </a:endParaRPr>
+          </a:p>
+          <a:p>
+            <a:pPr marL="342900" indent="-342900" algn="l">
+              <a:buAutoNum type="arabicPeriod"/>
+            </a:pPr>
+            <a:r>
+              <a:rPr lang="zh-CN" altLang="en-US" sz="1600" dirty="0">
+                <a:solidFill>
+                  <a:schemeClr val="bg1"/>
+                </a:solidFill>
+              </a:rPr>
+              <a:t>（</a:t>
+            </a:r>
+            <a:r>
+              <a:rPr lang="en-US" altLang="zh-CN" sz="1600" dirty="0">
+                <a:solidFill>
+                  <a:schemeClr val="bg1"/>
+                </a:solidFill>
+              </a:rPr>
+              <a:t>UI</a:t>
+            </a:r>
+            <a:r>
+              <a:rPr lang="zh-CN" altLang="en-US" sz="1600" dirty="0">
+                <a:solidFill>
+                  <a:schemeClr val="bg1"/>
+                </a:solidFill>
+              </a:rPr>
+              <a:t>）缺少兼职岗位的设置</a:t>
+            </a:r>
+            <a:endParaRPr lang="en-US" altLang="zh-CN" sz="1600" dirty="0">
+              <a:solidFill>
+                <a:schemeClr val="bg1"/>
+              </a:solidFill>
+            </a:endParaRPr>
+          </a:p>
+        </p:txBody>
+      </p:sp>
+      <p:pic>
+        <p:nvPicPr>
+          <p:cNvPr id="2" name="Picture 1">
+            <a:extLst>
+              <a:ext uri="{FF2B5EF4-FFF2-40B4-BE49-F238E27FC236}">
+                <a16:creationId xmlns:a16="http://schemas.microsoft.com/office/drawing/2014/main" id="{C640DB5B-9845-4414-9343-DEA5902E161A}"/>
+              </a:ext>
+            </a:extLst>
+          </p:cNvPr>
+          <p:cNvPicPr>
+            <a:picLocks noChangeAspect="1"/>
+          </p:cNvPicPr>
+          <p:nvPr/>
+        </p:nvPicPr>
+        <p:blipFill>
+          <a:blip r:embed="rId2"/>
+          <a:stretch>
+            <a:fillRect/>
+          </a:stretch>
+        </p:blipFill>
+        <p:spPr>
+          <a:xfrm>
+            <a:off x="0" y="1108563"/>
+            <a:ext cx="7465671" cy="4470722"/>
+          </a:xfrm>
+          <a:prstGeom prst="rect">
+            <a:avLst/>
+          </a:prstGeom>
+        </p:spPr>
+      </p:pic>
+    </p:spTree>
+    <p:extLst>
+      <p:ext uri="{BB962C8B-B14F-4D97-AF65-F5344CB8AC3E}">
+        <p14:creationId xmlns:p14="http://schemas.microsoft.com/office/powerpoint/2010/main" val="3795086454"/>
+      </p:ext>
+    </p:extLst>
+  </p:cSld>
+  <p:clrMapOvr>
+    <a:masterClrMapping/>
+  </p:clrMapOvr>
+</p:sld>
+</file>
+
+<file path=ppt/slides/slide14.xml><?xml version="1.0" encoding="utf-8"?>
+<p:sld xmlns:a="http://schemas.openxmlformats.org/drawingml/2006/main" xmlns:r="http://schemas.openxmlformats.org/officeDocument/2006/relationships" xmlns:p="http://schemas.openxmlformats.org/presentationml/2006/main">
+  <p:cSld>
+    <p:spTree>
+      <p:nvGrpSpPr>
+        <p:cNvPr id="1" name=""/>
+        <p:cNvGrpSpPr/>
+        <p:nvPr/>
+      </p:nvGrpSpPr>
+      <p:grpSpPr>
+        <a:xfrm>
+          <a:off x="0" y="0"/>
+          <a:ext cx="0" cy="0"/>
+          <a:chOff x="0" y="0"/>
+          <a:chExt cx="0" cy="0"/>
+        </a:xfrm>
+      </p:grpSpPr>
+      <p:sp>
+        <p:nvSpPr>
+          <p:cNvPr id="10" name="副标题 2">
+            <a:extLst>
+              <a:ext uri="{FF2B5EF4-FFF2-40B4-BE49-F238E27FC236}">
+                <a16:creationId xmlns:a16="http://schemas.microsoft.com/office/drawing/2014/main" id="{42AE8C01-7BF1-4C58-90BD-31448E7C5E9B}"/>
+              </a:ext>
+            </a:extLst>
+          </p:cNvPr>
+          <p:cNvSpPr txBox="1">
+            <a:spLocks/>
+          </p:cNvSpPr>
+          <p:nvPr/>
+        </p:nvSpPr>
+        <p:spPr>
+          <a:xfrm>
+            <a:off x="0" y="0"/>
+            <a:ext cx="12192000" cy="707669"/>
+          </a:xfrm>
+          <a:prstGeom prst="rect">
+            <a:avLst/>
+          </a:prstGeom>
+          <a:solidFill>
+            <a:schemeClr val="accent6">
+              <a:lumMod val="60000"/>
+              <a:lumOff val="40000"/>
+            </a:schemeClr>
+          </a:solidFill>
+          <a:ln>
+            <a:solidFill>
+              <a:schemeClr val="accent1">
+                <a:lumMod val="60000"/>
+                <a:lumOff val="40000"/>
+              </a:schemeClr>
+            </a:solidFill>
+          </a:ln>
+        </p:spPr>
+        <p:txBody>
+          <a:bodyPr vert="horz" lIns="91440" tIns="45720" rIns="91440" bIns="45720" rtlCol="0">
+            <a:normAutofit/>
+          </a:bodyPr>
+          <a:lstStyle>
+            <a:lvl1pPr marL="0" indent="0" algn="ctr" defTabSz="914400" rtl="0" eaLnBrk="1" latinLnBrk="0" hangingPunct="1">
+              <a:lnSpc>
+                <a:spcPct val="90000"/>
+              </a:lnSpc>
+              <a:spcBef>
+                <a:spcPts val="1000"/>
+              </a:spcBef>
+              <a:buFont typeface="Arial" panose="020B0604020202020204" pitchFamily="34" charset="0"/>
+              <a:buNone/>
+              <a:defRPr sz="2400" kern="1200">
+                <a:solidFill>
+                  <a:schemeClr val="tx1"/>
+                </a:solidFill>
+                <a:latin typeface="+mn-lt"/>
+                <a:ea typeface="+mn-ea"/>
+                <a:cs typeface="+mn-cs"/>
+              </a:defRPr>
+            </a:lvl1pPr>
+            <a:lvl2pPr marL="457200" indent="0" algn="ctr" defTabSz="914400" rtl="0" eaLnBrk="1" latinLnBrk="0" hangingPunct="1">
+              <a:lnSpc>
+                <a:spcPct val="90000"/>
+              </a:lnSpc>
+              <a:spcBef>
+                <a:spcPts val="500"/>
+              </a:spcBef>
+              <a:buFont typeface="Arial" panose="020B0604020202020204" pitchFamily="34" charset="0"/>
+              <a:buNone/>
+              <a:defRPr sz="2000" kern="1200">
+                <a:solidFill>
+                  <a:schemeClr val="tx1"/>
+                </a:solidFill>
+                <a:latin typeface="+mn-lt"/>
+                <a:ea typeface="+mn-ea"/>
+                <a:cs typeface="+mn-cs"/>
+              </a:defRPr>
+            </a:lvl2pPr>
+            <a:lvl3pPr marL="914400" indent="0" algn="ctr" defTabSz="914400" rtl="0" eaLnBrk="1" latinLnBrk="0" hangingPunct="1">
+              <a:lnSpc>
+                <a:spcPct val="90000"/>
+              </a:lnSpc>
+              <a:spcBef>
+                <a:spcPts val="500"/>
+              </a:spcBef>
+              <a:buFont typeface="Arial" panose="020B0604020202020204" pitchFamily="34" charset="0"/>
+              <a:buNone/>
+              <a:defRPr sz="1800" kern="1200">
+                <a:solidFill>
+                  <a:schemeClr val="tx1"/>
+                </a:solidFill>
+                <a:latin typeface="+mn-lt"/>
+                <a:ea typeface="+mn-ea"/>
+                <a:cs typeface="+mn-cs"/>
+              </a:defRPr>
+            </a:lvl3pPr>
+            <a:lvl4pPr marL="1371600" indent="0" algn="ctr" defTabSz="914400" rtl="0" eaLnBrk="1" latinLnBrk="0" hangingPunct="1">
+              <a:lnSpc>
+                <a:spcPct val="90000"/>
+              </a:lnSpc>
+              <a:spcBef>
+                <a:spcPts val="500"/>
+              </a:spcBef>
+              <a:buFont typeface="Arial" panose="020B0604020202020204" pitchFamily="34" charset="0"/>
+              <a:buNone/>
+              <a:defRPr sz="1600" kern="1200">
+                <a:solidFill>
+                  <a:schemeClr val="tx1"/>
+                </a:solidFill>
+                <a:latin typeface="+mn-lt"/>
+                <a:ea typeface="+mn-ea"/>
+                <a:cs typeface="+mn-cs"/>
+              </a:defRPr>
+            </a:lvl4pPr>
+            <a:lvl5pPr marL="1828800" indent="0" algn="ctr" defTabSz="914400" rtl="0" eaLnBrk="1" latinLnBrk="0" hangingPunct="1">
+              <a:lnSpc>
+                <a:spcPct val="90000"/>
+              </a:lnSpc>
+              <a:spcBef>
+                <a:spcPts val="500"/>
+              </a:spcBef>
+              <a:buFont typeface="Arial" panose="020B0604020202020204" pitchFamily="34" charset="0"/>
+              <a:buNone/>
+              <a:defRPr sz="1600" kern="1200">
+                <a:solidFill>
+                  <a:schemeClr val="tx1"/>
+                </a:solidFill>
+                <a:latin typeface="+mn-lt"/>
+                <a:ea typeface="+mn-ea"/>
+                <a:cs typeface="+mn-cs"/>
+              </a:defRPr>
+            </a:lvl5pPr>
+            <a:lvl6pPr marL="2286000" indent="0" algn="ctr" defTabSz="914400" rtl="0" eaLnBrk="1" latinLnBrk="0" hangingPunct="1">
+              <a:lnSpc>
+                <a:spcPct val="90000"/>
+              </a:lnSpc>
+              <a:spcBef>
+                <a:spcPts val="500"/>
+              </a:spcBef>
+              <a:buFont typeface="Arial" panose="020B0604020202020204" pitchFamily="34" charset="0"/>
+              <a:buNone/>
+              <a:defRPr sz="1600" kern="1200">
+                <a:solidFill>
+                  <a:schemeClr val="tx1"/>
+                </a:solidFill>
+                <a:latin typeface="+mn-lt"/>
+                <a:ea typeface="+mn-ea"/>
+                <a:cs typeface="+mn-cs"/>
+              </a:defRPr>
+            </a:lvl6pPr>
+            <a:lvl7pPr marL="2743200" indent="0" algn="ctr" defTabSz="914400" rtl="0" eaLnBrk="1" latinLnBrk="0" hangingPunct="1">
+              <a:lnSpc>
+                <a:spcPct val="90000"/>
+              </a:lnSpc>
+              <a:spcBef>
+                <a:spcPts val="500"/>
+              </a:spcBef>
+              <a:buFont typeface="Arial" panose="020B0604020202020204" pitchFamily="34" charset="0"/>
+              <a:buNone/>
+              <a:defRPr sz="1600" kern="1200">
+                <a:solidFill>
+                  <a:schemeClr val="tx1"/>
+                </a:solidFill>
+                <a:latin typeface="+mn-lt"/>
+                <a:ea typeface="+mn-ea"/>
+                <a:cs typeface="+mn-cs"/>
+              </a:defRPr>
+            </a:lvl7pPr>
+            <a:lvl8pPr marL="3200400" indent="0" algn="ctr" defTabSz="914400" rtl="0" eaLnBrk="1" latinLnBrk="0" hangingPunct="1">
+              <a:lnSpc>
+                <a:spcPct val="90000"/>
+              </a:lnSpc>
+              <a:spcBef>
+                <a:spcPts val="500"/>
+              </a:spcBef>
+              <a:buFont typeface="Arial" panose="020B0604020202020204" pitchFamily="34" charset="0"/>
+              <a:buNone/>
+              <a:defRPr sz="1600" kern="1200">
+                <a:solidFill>
+                  <a:schemeClr val="tx1"/>
+                </a:solidFill>
+                <a:latin typeface="+mn-lt"/>
+                <a:ea typeface="+mn-ea"/>
+                <a:cs typeface="+mn-cs"/>
+              </a:defRPr>
+            </a:lvl8pPr>
+            <a:lvl9pPr marL="3657600" indent="0" algn="ctr" defTabSz="914400" rtl="0" eaLnBrk="1" latinLnBrk="0" hangingPunct="1">
+              <a:lnSpc>
+                <a:spcPct val="90000"/>
+              </a:lnSpc>
+              <a:spcBef>
+                <a:spcPts val="500"/>
+              </a:spcBef>
+              <a:buFont typeface="Arial" panose="020B0604020202020204" pitchFamily="34" charset="0"/>
+              <a:buNone/>
+              <a:defRPr sz="1600" kern="1200">
+                <a:solidFill>
+                  <a:schemeClr val="tx1"/>
+                </a:solidFill>
+                <a:latin typeface="+mn-lt"/>
+                <a:ea typeface="+mn-ea"/>
+                <a:cs typeface="+mn-cs"/>
+              </a:defRPr>
+            </a:lvl9pPr>
+          </a:lstStyle>
+          <a:p>
+            <a:pPr algn="l"/>
+            <a:r>
+              <a:rPr lang="zh-CN" altLang="en-US" sz="1600" dirty="0">
+                <a:solidFill>
+                  <a:srgbClr val="0070C0"/>
+                </a:solidFill>
+              </a:rPr>
+              <a:t>学校</a:t>
+            </a:r>
+            <a:r>
+              <a:rPr lang="en-US" altLang="zh-CN" sz="1600" dirty="0">
+                <a:solidFill>
+                  <a:srgbClr val="0070C0"/>
+                </a:solidFill>
+              </a:rPr>
+              <a:t> &gt; </a:t>
+            </a:r>
+            <a:r>
+              <a:rPr lang="zh-CN" altLang="en-US" sz="1600" dirty="0">
+                <a:solidFill>
+                  <a:srgbClr val="0070C0"/>
+                </a:solidFill>
+              </a:rPr>
+              <a:t>教师管理 </a:t>
+            </a:r>
+            <a:r>
+              <a:rPr lang="en-US" altLang="zh-CN" sz="1600" dirty="0">
+                <a:solidFill>
+                  <a:srgbClr val="0070C0"/>
+                </a:solidFill>
+              </a:rPr>
+              <a:t>&gt;</a:t>
+            </a:r>
+            <a:r>
+              <a:rPr lang="zh-CN" altLang="en-US" sz="1600" dirty="0">
+                <a:solidFill>
+                  <a:srgbClr val="0070C0"/>
+                </a:solidFill>
+              </a:rPr>
+              <a:t> 编辑教师</a:t>
+            </a:r>
+          </a:p>
+        </p:txBody>
+      </p:sp>
+      <p:sp>
+        <p:nvSpPr>
+          <p:cNvPr id="11" name="副标题 2">
+            <a:extLst>
+              <a:ext uri="{FF2B5EF4-FFF2-40B4-BE49-F238E27FC236}">
+                <a16:creationId xmlns:a16="http://schemas.microsoft.com/office/drawing/2014/main" id="{B518E569-1FE7-4B73-9133-E384A9D677AB}"/>
+              </a:ext>
+            </a:extLst>
+          </p:cNvPr>
+          <p:cNvSpPr txBox="1">
+            <a:spLocks/>
+          </p:cNvSpPr>
+          <p:nvPr/>
+        </p:nvSpPr>
+        <p:spPr>
+          <a:xfrm>
+            <a:off x="0" y="5579285"/>
+            <a:ext cx="12192000" cy="1278715"/>
+          </a:xfrm>
+          <a:prstGeom prst="rect">
+            <a:avLst/>
+          </a:prstGeom>
+          <a:solidFill>
+            <a:schemeClr val="accent5"/>
+          </a:solidFill>
+          <a:ln>
+            <a:solidFill>
+              <a:schemeClr val="accent1">
+                <a:lumMod val="60000"/>
+                <a:lumOff val="40000"/>
+              </a:schemeClr>
+            </a:solidFill>
+          </a:ln>
+        </p:spPr>
+        <p:txBody>
+          <a:bodyPr vert="horz" lIns="91440" tIns="45720" rIns="91440" bIns="45720" rtlCol="0">
+            <a:normAutofit/>
+          </a:bodyPr>
+          <a:lstStyle>
+            <a:lvl1pPr marL="0" indent="0" algn="ctr" defTabSz="914400" rtl="0" eaLnBrk="1" latinLnBrk="0" hangingPunct="1">
+              <a:lnSpc>
+                <a:spcPct val="90000"/>
+              </a:lnSpc>
+              <a:spcBef>
+                <a:spcPts val="1000"/>
+              </a:spcBef>
+              <a:buFont typeface="Arial" panose="020B0604020202020204" pitchFamily="34" charset="0"/>
+              <a:buNone/>
+              <a:defRPr sz="2400" kern="1200">
+                <a:solidFill>
+                  <a:schemeClr val="tx1"/>
+                </a:solidFill>
+                <a:latin typeface="+mn-lt"/>
+                <a:ea typeface="+mn-ea"/>
+                <a:cs typeface="+mn-cs"/>
+              </a:defRPr>
+            </a:lvl1pPr>
+            <a:lvl2pPr marL="457200" indent="0" algn="ctr" defTabSz="914400" rtl="0" eaLnBrk="1" latinLnBrk="0" hangingPunct="1">
+              <a:lnSpc>
+                <a:spcPct val="90000"/>
+              </a:lnSpc>
+              <a:spcBef>
+                <a:spcPts val="500"/>
+              </a:spcBef>
+              <a:buFont typeface="Arial" panose="020B0604020202020204" pitchFamily="34" charset="0"/>
+              <a:buNone/>
+              <a:defRPr sz="2000" kern="1200">
+                <a:solidFill>
+                  <a:schemeClr val="tx1"/>
+                </a:solidFill>
+                <a:latin typeface="+mn-lt"/>
+                <a:ea typeface="+mn-ea"/>
+                <a:cs typeface="+mn-cs"/>
+              </a:defRPr>
+            </a:lvl2pPr>
+            <a:lvl3pPr marL="914400" indent="0" algn="ctr" defTabSz="914400" rtl="0" eaLnBrk="1" latinLnBrk="0" hangingPunct="1">
+              <a:lnSpc>
+                <a:spcPct val="90000"/>
+              </a:lnSpc>
+              <a:spcBef>
+                <a:spcPts val="500"/>
+              </a:spcBef>
+              <a:buFont typeface="Arial" panose="020B0604020202020204" pitchFamily="34" charset="0"/>
+              <a:buNone/>
+              <a:defRPr sz="1800" kern="1200">
+                <a:solidFill>
+                  <a:schemeClr val="tx1"/>
+                </a:solidFill>
+                <a:latin typeface="+mn-lt"/>
+                <a:ea typeface="+mn-ea"/>
+                <a:cs typeface="+mn-cs"/>
+              </a:defRPr>
+            </a:lvl3pPr>
+            <a:lvl4pPr marL="1371600" indent="0" algn="ctr" defTabSz="914400" rtl="0" eaLnBrk="1" latinLnBrk="0" hangingPunct="1">
+              <a:lnSpc>
+                <a:spcPct val="90000"/>
+              </a:lnSpc>
+              <a:spcBef>
+                <a:spcPts val="500"/>
+              </a:spcBef>
+              <a:buFont typeface="Arial" panose="020B0604020202020204" pitchFamily="34" charset="0"/>
+              <a:buNone/>
+              <a:defRPr sz="1600" kern="1200">
+                <a:solidFill>
+                  <a:schemeClr val="tx1"/>
+                </a:solidFill>
+                <a:latin typeface="+mn-lt"/>
+                <a:ea typeface="+mn-ea"/>
+                <a:cs typeface="+mn-cs"/>
+              </a:defRPr>
+            </a:lvl4pPr>
+            <a:lvl5pPr marL="1828800" indent="0" algn="ctr" defTabSz="914400" rtl="0" eaLnBrk="1" latinLnBrk="0" hangingPunct="1">
+              <a:lnSpc>
+                <a:spcPct val="90000"/>
+              </a:lnSpc>
+              <a:spcBef>
+                <a:spcPts val="500"/>
+              </a:spcBef>
+              <a:buFont typeface="Arial" panose="020B0604020202020204" pitchFamily="34" charset="0"/>
+              <a:buNone/>
+              <a:defRPr sz="1600" kern="1200">
+                <a:solidFill>
+                  <a:schemeClr val="tx1"/>
+                </a:solidFill>
+                <a:latin typeface="+mn-lt"/>
+                <a:ea typeface="+mn-ea"/>
+                <a:cs typeface="+mn-cs"/>
+              </a:defRPr>
+            </a:lvl5pPr>
+            <a:lvl6pPr marL="2286000" indent="0" algn="ctr" defTabSz="914400" rtl="0" eaLnBrk="1" latinLnBrk="0" hangingPunct="1">
+              <a:lnSpc>
+                <a:spcPct val="90000"/>
+              </a:lnSpc>
+              <a:spcBef>
+                <a:spcPts val="500"/>
+              </a:spcBef>
+              <a:buFont typeface="Arial" panose="020B0604020202020204" pitchFamily="34" charset="0"/>
+              <a:buNone/>
+              <a:defRPr sz="1600" kern="1200">
+                <a:solidFill>
+                  <a:schemeClr val="tx1"/>
+                </a:solidFill>
+                <a:latin typeface="+mn-lt"/>
+                <a:ea typeface="+mn-ea"/>
+                <a:cs typeface="+mn-cs"/>
+              </a:defRPr>
+            </a:lvl6pPr>
+            <a:lvl7pPr marL="2743200" indent="0" algn="ctr" defTabSz="914400" rtl="0" eaLnBrk="1" latinLnBrk="0" hangingPunct="1">
+              <a:lnSpc>
+                <a:spcPct val="90000"/>
+              </a:lnSpc>
+              <a:spcBef>
+                <a:spcPts val="500"/>
+              </a:spcBef>
+              <a:buFont typeface="Arial" panose="020B0604020202020204" pitchFamily="34" charset="0"/>
+              <a:buNone/>
+              <a:defRPr sz="1600" kern="1200">
+                <a:solidFill>
+                  <a:schemeClr val="tx1"/>
+                </a:solidFill>
+                <a:latin typeface="+mn-lt"/>
+                <a:ea typeface="+mn-ea"/>
+                <a:cs typeface="+mn-cs"/>
+              </a:defRPr>
+            </a:lvl7pPr>
+            <a:lvl8pPr marL="3200400" indent="0" algn="ctr" defTabSz="914400" rtl="0" eaLnBrk="1" latinLnBrk="0" hangingPunct="1">
+              <a:lnSpc>
+                <a:spcPct val="90000"/>
+              </a:lnSpc>
+              <a:spcBef>
+                <a:spcPts val="500"/>
+              </a:spcBef>
+              <a:buFont typeface="Arial" panose="020B0604020202020204" pitchFamily="34" charset="0"/>
+              <a:buNone/>
+              <a:defRPr sz="1600" kern="1200">
+                <a:solidFill>
+                  <a:schemeClr val="tx1"/>
+                </a:solidFill>
+                <a:latin typeface="+mn-lt"/>
+                <a:ea typeface="+mn-ea"/>
+                <a:cs typeface="+mn-cs"/>
+              </a:defRPr>
+            </a:lvl8pPr>
+            <a:lvl9pPr marL="3657600" indent="0" algn="ctr" defTabSz="914400" rtl="0" eaLnBrk="1" latinLnBrk="0" hangingPunct="1">
+              <a:lnSpc>
+                <a:spcPct val="90000"/>
+              </a:lnSpc>
+              <a:spcBef>
+                <a:spcPts val="500"/>
+              </a:spcBef>
+              <a:buFont typeface="Arial" panose="020B0604020202020204" pitchFamily="34" charset="0"/>
+              <a:buNone/>
+              <a:defRPr sz="1600" kern="1200">
+                <a:solidFill>
+                  <a:schemeClr val="tx1"/>
+                </a:solidFill>
+                <a:latin typeface="+mn-lt"/>
+                <a:ea typeface="+mn-ea"/>
+                <a:cs typeface="+mn-cs"/>
+              </a:defRPr>
+            </a:lvl9pPr>
+          </a:lstStyle>
+          <a:p>
+            <a:pPr algn="l"/>
+            <a:r>
+              <a:rPr lang="zh-CN" altLang="en-US" sz="1600" dirty="0">
+                <a:solidFill>
+                  <a:schemeClr val="bg1"/>
+                </a:solidFill>
+              </a:rPr>
+              <a:t>问题描述：</a:t>
+            </a:r>
+            <a:endParaRPr lang="en-US" altLang="zh-CN" sz="1600" dirty="0">
+              <a:solidFill>
+                <a:schemeClr val="bg1"/>
+              </a:solidFill>
+            </a:endParaRPr>
+          </a:p>
+          <a:p>
+            <a:pPr marL="342900" indent="-342900" algn="l">
+              <a:buAutoNum type="arabicPeriod"/>
+            </a:pPr>
+            <a:r>
+              <a:rPr lang="zh-CN" altLang="en-US" sz="1600" dirty="0">
+                <a:solidFill>
+                  <a:schemeClr val="bg1"/>
+                </a:solidFill>
+              </a:rPr>
+              <a:t>（</a:t>
+            </a:r>
+            <a:r>
+              <a:rPr lang="en-US" altLang="zh-CN" sz="1600" dirty="0">
+                <a:solidFill>
+                  <a:schemeClr val="bg1"/>
+                </a:solidFill>
+              </a:rPr>
+              <a:t>UI</a:t>
+            </a:r>
+            <a:r>
+              <a:rPr lang="zh-CN" altLang="en-US" sz="1600" dirty="0">
+                <a:solidFill>
+                  <a:schemeClr val="bg1"/>
+                </a:solidFill>
+              </a:rPr>
+              <a:t>）路径栏应为：学校 </a:t>
+            </a:r>
+            <a:r>
+              <a:rPr lang="en-US" altLang="zh-CN" sz="1600" dirty="0">
+                <a:solidFill>
+                  <a:schemeClr val="bg1"/>
+                </a:solidFill>
+              </a:rPr>
+              <a:t>&gt; </a:t>
+            </a:r>
+            <a:r>
+              <a:rPr lang="zh-CN" altLang="en-US" sz="1600" dirty="0">
+                <a:solidFill>
+                  <a:schemeClr val="bg1"/>
+                </a:solidFill>
+              </a:rPr>
+              <a:t>教师管理</a:t>
+            </a:r>
+            <a:r>
+              <a:rPr lang="en-US" altLang="zh-CN" sz="1600" dirty="0">
+                <a:solidFill>
+                  <a:schemeClr val="bg1"/>
+                </a:solidFill>
+              </a:rPr>
+              <a:t> &gt; </a:t>
+            </a:r>
+            <a:r>
+              <a:rPr lang="zh-CN" altLang="en-US" sz="1600" dirty="0">
+                <a:solidFill>
+                  <a:schemeClr val="bg1"/>
+                </a:solidFill>
+              </a:rPr>
+              <a:t>编辑教师</a:t>
+            </a:r>
+            <a:endParaRPr lang="en-US" altLang="zh-CN" sz="1600" dirty="0">
+              <a:solidFill>
+                <a:schemeClr val="bg1"/>
+              </a:solidFill>
+            </a:endParaRPr>
+          </a:p>
+          <a:p>
+            <a:pPr marL="342900" indent="-342900" algn="l">
+              <a:buAutoNum type="arabicPeriod"/>
+            </a:pPr>
+            <a:r>
+              <a:rPr lang="zh-CN" altLang="en-US" sz="1600" dirty="0">
+                <a:solidFill>
+                  <a:schemeClr val="bg1"/>
+                </a:solidFill>
+              </a:rPr>
+              <a:t>（</a:t>
+            </a:r>
+            <a:r>
+              <a:rPr lang="en-US" altLang="zh-CN" sz="1600" dirty="0">
+                <a:solidFill>
+                  <a:schemeClr val="bg1"/>
+                </a:solidFill>
+              </a:rPr>
+              <a:t>UI</a:t>
+            </a:r>
+            <a:r>
+              <a:rPr lang="zh-CN" altLang="en-US" sz="1600" dirty="0">
+                <a:solidFill>
+                  <a:schemeClr val="bg1"/>
+                </a:solidFill>
+              </a:rPr>
+              <a:t>）缺少兼职岗位的编辑</a:t>
+            </a:r>
+            <a:endParaRPr lang="en-US" altLang="zh-CN" sz="1600" dirty="0">
+              <a:solidFill>
+                <a:schemeClr val="bg1"/>
+              </a:solidFill>
+            </a:endParaRPr>
+          </a:p>
+        </p:txBody>
+      </p:sp>
+      <p:pic>
+        <p:nvPicPr>
+          <p:cNvPr id="2" name="Picture 1">
+            <a:extLst>
+              <a:ext uri="{FF2B5EF4-FFF2-40B4-BE49-F238E27FC236}">
+                <a16:creationId xmlns:a16="http://schemas.microsoft.com/office/drawing/2014/main" id="{C640DB5B-9845-4414-9343-DEA5902E161A}"/>
+              </a:ext>
+            </a:extLst>
+          </p:cNvPr>
+          <p:cNvPicPr>
+            <a:picLocks noChangeAspect="1"/>
+          </p:cNvPicPr>
+          <p:nvPr/>
+        </p:nvPicPr>
+        <p:blipFill>
+          <a:blip r:embed="rId2"/>
+          <a:stretch>
+            <a:fillRect/>
+          </a:stretch>
+        </p:blipFill>
+        <p:spPr>
+          <a:xfrm>
+            <a:off x="0" y="1108563"/>
+            <a:ext cx="7465671" cy="4470722"/>
+          </a:xfrm>
+          <a:prstGeom prst="rect">
+            <a:avLst/>
+          </a:prstGeom>
+        </p:spPr>
+      </p:pic>
+    </p:spTree>
+    <p:extLst>
+      <p:ext uri="{BB962C8B-B14F-4D97-AF65-F5344CB8AC3E}">
+        <p14:creationId xmlns:p14="http://schemas.microsoft.com/office/powerpoint/2010/main" val="3662318578"/>
+      </p:ext>
+    </p:extLst>
+  </p:cSld>
+  <p:clrMapOvr>
+    <a:masterClrMapping/>
+  </p:clrMapOvr>
+</p:sld>
+</file>
+
+<file path=ppt/slides/slide15.xml><?xml version="1.0" encoding="utf-8"?>
+<p:sld xmlns:a="http://schemas.openxmlformats.org/drawingml/2006/main" xmlns:r="http://schemas.openxmlformats.org/officeDocument/2006/relationships" xmlns:p="http://schemas.openxmlformats.org/presentationml/2006/main">
+  <p:cSld>
+    <p:spTree>
+      <p:nvGrpSpPr>
+        <p:cNvPr id="1" name=""/>
+        <p:cNvGrpSpPr/>
+        <p:nvPr/>
+      </p:nvGrpSpPr>
+      <p:grpSpPr>
+        <a:xfrm>
+          <a:off x="0" y="0"/>
+          <a:ext cx="0" cy="0"/>
+          <a:chOff x="0" y="0"/>
+          <a:chExt cx="0" cy="0"/>
+        </a:xfrm>
+      </p:grpSpPr>
+      <p:sp>
+        <p:nvSpPr>
+          <p:cNvPr id="2" name="矩形 1">
+            <a:extLst>
+              <a:ext uri="{FF2B5EF4-FFF2-40B4-BE49-F238E27FC236}">
+                <a16:creationId xmlns:a16="http://schemas.microsoft.com/office/drawing/2014/main" id="{18AA53AB-7329-4E53-91A3-6119EF73CA4C}"/>
+              </a:ext>
+            </a:extLst>
+          </p:cNvPr>
+          <p:cNvSpPr/>
+          <p:nvPr/>
+        </p:nvSpPr>
+        <p:spPr>
+          <a:xfrm>
+            <a:off x="0" y="2694647"/>
+            <a:ext cx="7922103" cy="1132885"/>
+          </a:xfrm>
+          <a:prstGeom prst="rect">
+            <a:avLst/>
+          </a:prstGeom>
+          <a:solidFill>
+            <a:schemeClr val="bg1">
+              <a:lumMod val="50000"/>
+            </a:schemeClr>
+          </a:solidFill>
+          <a:ln>
+            <a:noFill/>
+          </a:ln>
+        </p:spPr>
+        <p:style>
+          <a:lnRef idx="2">
+            <a:schemeClr val="accent1">
+              <a:shade val="50000"/>
+            </a:schemeClr>
+          </a:lnRef>
+          <a:fillRef idx="1">
+            <a:schemeClr val="accent1"/>
+          </a:fillRef>
+          <a:effectRef idx="0">
+            <a:schemeClr val="accent1"/>
+          </a:effectRef>
+          <a:fontRef idx="minor">
+            <a:schemeClr val="lt1"/>
+          </a:fontRef>
+        </p:style>
+        <p:txBody>
+          <a:bodyPr rtlCol="0" anchor="ctr"/>
+          <a:lstStyle/>
+          <a:p>
+            <a:pPr algn="ctr"/>
+            <a:r>
+              <a:rPr lang="zh-CN" altLang="en-US" sz="4400" dirty="0"/>
+              <a:t>学校 </a:t>
+            </a:r>
+            <a:r>
+              <a:rPr lang="en-US" altLang="zh-CN" sz="4400" dirty="0"/>
+              <a:t>&gt; </a:t>
+            </a:r>
+            <a:r>
+              <a:rPr lang="zh-CN" altLang="en-US" sz="4400" dirty="0"/>
+              <a:t>结业升班管理</a:t>
+            </a:r>
+          </a:p>
+        </p:txBody>
+      </p:sp>
+    </p:spTree>
+    <p:extLst>
+      <p:ext uri="{BB962C8B-B14F-4D97-AF65-F5344CB8AC3E}">
+        <p14:creationId xmlns:p14="http://schemas.microsoft.com/office/powerpoint/2010/main" val="962194292"/>
+      </p:ext>
+    </p:extLst>
+  </p:cSld>
+  <p:clrMapOvr>
+    <a:masterClrMapping/>
+  </p:clrMapOvr>
+</p:sld>
+</file>
+
+<file path=ppt/slides/slide16.xml><?xml version="1.0" encoding="utf-8"?>
+<p:sld xmlns:a="http://schemas.openxmlformats.org/drawingml/2006/main" xmlns:r="http://schemas.openxmlformats.org/officeDocument/2006/relationships" xmlns:p="http://schemas.openxmlformats.org/presentationml/2006/main">
+  <p:cSld>
+    <p:spTree>
+      <p:nvGrpSpPr>
+        <p:cNvPr id="1" name=""/>
+        <p:cNvGrpSpPr/>
+        <p:nvPr/>
+      </p:nvGrpSpPr>
+      <p:grpSpPr>
+        <a:xfrm>
+          <a:off x="0" y="0"/>
+          <a:ext cx="0" cy="0"/>
+          <a:chOff x="0" y="0"/>
+          <a:chExt cx="0" cy="0"/>
+        </a:xfrm>
+      </p:grpSpPr>
+      <p:sp>
+        <p:nvSpPr>
+          <p:cNvPr id="10" name="副标题 2">
+            <a:extLst>
+              <a:ext uri="{FF2B5EF4-FFF2-40B4-BE49-F238E27FC236}">
+                <a16:creationId xmlns:a16="http://schemas.microsoft.com/office/drawing/2014/main" id="{42AE8C01-7BF1-4C58-90BD-31448E7C5E9B}"/>
+              </a:ext>
+            </a:extLst>
+          </p:cNvPr>
+          <p:cNvSpPr txBox="1">
+            <a:spLocks/>
+          </p:cNvSpPr>
+          <p:nvPr/>
+        </p:nvSpPr>
+        <p:spPr>
+          <a:xfrm>
+            <a:off x="0" y="0"/>
+            <a:ext cx="12192000" cy="707669"/>
+          </a:xfrm>
+          <a:prstGeom prst="rect">
+            <a:avLst/>
+          </a:prstGeom>
+          <a:solidFill>
+            <a:schemeClr val="accent6">
+              <a:lumMod val="60000"/>
+              <a:lumOff val="40000"/>
+            </a:schemeClr>
+          </a:solidFill>
+          <a:ln>
+            <a:solidFill>
+              <a:schemeClr val="accent1">
+                <a:lumMod val="60000"/>
+                <a:lumOff val="40000"/>
+              </a:schemeClr>
+            </a:solidFill>
+          </a:ln>
+        </p:spPr>
+        <p:txBody>
+          <a:bodyPr vert="horz" lIns="91440" tIns="45720" rIns="91440" bIns="45720" rtlCol="0">
+            <a:normAutofit/>
+          </a:bodyPr>
+          <a:lstStyle>
+            <a:lvl1pPr marL="0" indent="0" algn="ctr" defTabSz="914400" rtl="0" eaLnBrk="1" latinLnBrk="0" hangingPunct="1">
+              <a:lnSpc>
+                <a:spcPct val="90000"/>
+              </a:lnSpc>
+              <a:spcBef>
+                <a:spcPts val="1000"/>
+              </a:spcBef>
+              <a:buFont typeface="Arial" panose="020B0604020202020204" pitchFamily="34" charset="0"/>
+              <a:buNone/>
+              <a:defRPr sz="2400" kern="1200">
+                <a:solidFill>
+                  <a:schemeClr val="tx1"/>
+                </a:solidFill>
+                <a:latin typeface="+mn-lt"/>
+                <a:ea typeface="+mn-ea"/>
+                <a:cs typeface="+mn-cs"/>
+              </a:defRPr>
+            </a:lvl1pPr>
+            <a:lvl2pPr marL="457200" indent="0" algn="ctr" defTabSz="914400" rtl="0" eaLnBrk="1" latinLnBrk="0" hangingPunct="1">
+              <a:lnSpc>
+                <a:spcPct val="90000"/>
+              </a:lnSpc>
+              <a:spcBef>
+                <a:spcPts val="500"/>
+              </a:spcBef>
+              <a:buFont typeface="Arial" panose="020B0604020202020204" pitchFamily="34" charset="0"/>
+              <a:buNone/>
+              <a:defRPr sz="2000" kern="1200">
+                <a:solidFill>
+                  <a:schemeClr val="tx1"/>
+                </a:solidFill>
+                <a:latin typeface="+mn-lt"/>
+                <a:ea typeface="+mn-ea"/>
+                <a:cs typeface="+mn-cs"/>
+              </a:defRPr>
+            </a:lvl2pPr>
+            <a:lvl3pPr marL="914400" indent="0" algn="ctr" defTabSz="914400" rtl="0" eaLnBrk="1" latinLnBrk="0" hangingPunct="1">
+              <a:lnSpc>
+                <a:spcPct val="90000"/>
+              </a:lnSpc>
+              <a:spcBef>
+                <a:spcPts val="500"/>
+              </a:spcBef>
+              <a:buFont typeface="Arial" panose="020B0604020202020204" pitchFamily="34" charset="0"/>
+              <a:buNone/>
+              <a:defRPr sz="1800" kern="1200">
+                <a:solidFill>
+                  <a:schemeClr val="tx1"/>
+                </a:solidFill>
+                <a:latin typeface="+mn-lt"/>
+                <a:ea typeface="+mn-ea"/>
+                <a:cs typeface="+mn-cs"/>
+              </a:defRPr>
+            </a:lvl3pPr>
+            <a:lvl4pPr marL="1371600" indent="0" algn="ctr" defTabSz="914400" rtl="0" eaLnBrk="1" latinLnBrk="0" hangingPunct="1">
+              <a:lnSpc>
+                <a:spcPct val="90000"/>
+              </a:lnSpc>
+              <a:spcBef>
+                <a:spcPts val="500"/>
+              </a:spcBef>
+              <a:buFont typeface="Arial" panose="020B0604020202020204" pitchFamily="34" charset="0"/>
+              <a:buNone/>
+              <a:defRPr sz="1600" kern="1200">
+                <a:solidFill>
+                  <a:schemeClr val="tx1"/>
+                </a:solidFill>
+                <a:latin typeface="+mn-lt"/>
+                <a:ea typeface="+mn-ea"/>
+                <a:cs typeface="+mn-cs"/>
+              </a:defRPr>
+            </a:lvl4pPr>
+            <a:lvl5pPr marL="1828800" indent="0" algn="ctr" defTabSz="914400" rtl="0" eaLnBrk="1" latinLnBrk="0" hangingPunct="1">
+              <a:lnSpc>
+                <a:spcPct val="90000"/>
+              </a:lnSpc>
+              <a:spcBef>
+                <a:spcPts val="500"/>
+              </a:spcBef>
+              <a:buFont typeface="Arial" panose="020B0604020202020204" pitchFamily="34" charset="0"/>
+              <a:buNone/>
+              <a:defRPr sz="1600" kern="1200">
+                <a:solidFill>
+                  <a:schemeClr val="tx1"/>
+                </a:solidFill>
+                <a:latin typeface="+mn-lt"/>
+                <a:ea typeface="+mn-ea"/>
+                <a:cs typeface="+mn-cs"/>
+              </a:defRPr>
+            </a:lvl5pPr>
+            <a:lvl6pPr marL="2286000" indent="0" algn="ctr" defTabSz="914400" rtl="0" eaLnBrk="1" latinLnBrk="0" hangingPunct="1">
+              <a:lnSpc>
+                <a:spcPct val="90000"/>
+              </a:lnSpc>
+              <a:spcBef>
+                <a:spcPts val="500"/>
+              </a:spcBef>
+              <a:buFont typeface="Arial" panose="020B0604020202020204" pitchFamily="34" charset="0"/>
+              <a:buNone/>
+              <a:defRPr sz="1600" kern="1200">
+                <a:solidFill>
+                  <a:schemeClr val="tx1"/>
+                </a:solidFill>
+                <a:latin typeface="+mn-lt"/>
+                <a:ea typeface="+mn-ea"/>
+                <a:cs typeface="+mn-cs"/>
+              </a:defRPr>
+            </a:lvl6pPr>
+            <a:lvl7pPr marL="2743200" indent="0" algn="ctr" defTabSz="914400" rtl="0" eaLnBrk="1" latinLnBrk="0" hangingPunct="1">
+              <a:lnSpc>
+                <a:spcPct val="90000"/>
+              </a:lnSpc>
+              <a:spcBef>
+                <a:spcPts val="500"/>
+              </a:spcBef>
+              <a:buFont typeface="Arial" panose="020B0604020202020204" pitchFamily="34" charset="0"/>
+              <a:buNone/>
+              <a:defRPr sz="1600" kern="1200">
+                <a:solidFill>
+                  <a:schemeClr val="tx1"/>
+                </a:solidFill>
+                <a:latin typeface="+mn-lt"/>
+                <a:ea typeface="+mn-ea"/>
+                <a:cs typeface="+mn-cs"/>
+              </a:defRPr>
+            </a:lvl7pPr>
+            <a:lvl8pPr marL="3200400" indent="0" algn="ctr" defTabSz="914400" rtl="0" eaLnBrk="1" latinLnBrk="0" hangingPunct="1">
+              <a:lnSpc>
+                <a:spcPct val="90000"/>
+              </a:lnSpc>
+              <a:spcBef>
+                <a:spcPts val="500"/>
+              </a:spcBef>
+              <a:buFont typeface="Arial" panose="020B0604020202020204" pitchFamily="34" charset="0"/>
+              <a:buNone/>
+              <a:defRPr sz="1600" kern="1200">
+                <a:solidFill>
+                  <a:schemeClr val="tx1"/>
+                </a:solidFill>
+                <a:latin typeface="+mn-lt"/>
+                <a:ea typeface="+mn-ea"/>
+                <a:cs typeface="+mn-cs"/>
+              </a:defRPr>
+            </a:lvl8pPr>
+            <a:lvl9pPr marL="3657600" indent="0" algn="ctr" defTabSz="914400" rtl="0" eaLnBrk="1" latinLnBrk="0" hangingPunct="1">
+              <a:lnSpc>
+                <a:spcPct val="90000"/>
+              </a:lnSpc>
+              <a:spcBef>
+                <a:spcPts val="500"/>
+              </a:spcBef>
+              <a:buFont typeface="Arial" panose="020B0604020202020204" pitchFamily="34" charset="0"/>
+              <a:buNone/>
+              <a:defRPr sz="1600" kern="1200">
+                <a:solidFill>
+                  <a:schemeClr val="tx1"/>
+                </a:solidFill>
+                <a:latin typeface="+mn-lt"/>
+                <a:ea typeface="+mn-ea"/>
+                <a:cs typeface="+mn-cs"/>
+              </a:defRPr>
+            </a:lvl9pPr>
+          </a:lstStyle>
+          <a:p>
+            <a:pPr algn="l"/>
+            <a:r>
+              <a:rPr lang="zh-CN" altLang="en-US" sz="1600" dirty="0">
+                <a:solidFill>
+                  <a:srgbClr val="0070C0"/>
+                </a:solidFill>
+              </a:rPr>
+              <a:t>学校</a:t>
+            </a:r>
+            <a:r>
+              <a:rPr lang="en-US" altLang="zh-CN" sz="1600" dirty="0">
+                <a:solidFill>
+                  <a:srgbClr val="0070C0"/>
+                </a:solidFill>
+              </a:rPr>
+              <a:t> &gt; </a:t>
+            </a:r>
+            <a:r>
+              <a:rPr lang="zh-CN" altLang="en-US" sz="1600" dirty="0">
+                <a:solidFill>
+                  <a:srgbClr val="0070C0"/>
+                </a:solidFill>
+              </a:rPr>
+              <a:t>结业升班管理</a:t>
+            </a:r>
+            <a:r>
+              <a:rPr lang="en-US" altLang="zh-CN" sz="1600" dirty="0">
+                <a:solidFill>
+                  <a:srgbClr val="0070C0"/>
+                </a:solidFill>
+              </a:rPr>
+              <a:t>&gt; </a:t>
+            </a:r>
+            <a:r>
+              <a:rPr lang="zh-CN" altLang="en-US" sz="1600" dirty="0">
+                <a:solidFill>
+                  <a:srgbClr val="0070C0"/>
+                </a:solidFill>
+              </a:rPr>
+              <a:t>结业升班管理</a:t>
+            </a:r>
+          </a:p>
+        </p:txBody>
+      </p:sp>
+      <p:sp>
+        <p:nvSpPr>
+          <p:cNvPr id="11" name="副标题 2">
+            <a:extLst>
+              <a:ext uri="{FF2B5EF4-FFF2-40B4-BE49-F238E27FC236}">
+                <a16:creationId xmlns:a16="http://schemas.microsoft.com/office/drawing/2014/main" id="{B518E569-1FE7-4B73-9133-E384A9D677AB}"/>
+              </a:ext>
+            </a:extLst>
+          </p:cNvPr>
+          <p:cNvSpPr txBox="1">
+            <a:spLocks/>
+          </p:cNvSpPr>
+          <p:nvPr/>
+        </p:nvSpPr>
+        <p:spPr>
+          <a:xfrm>
+            <a:off x="0" y="6134582"/>
+            <a:ext cx="12192000" cy="723418"/>
+          </a:xfrm>
+          <a:prstGeom prst="rect">
+            <a:avLst/>
+          </a:prstGeom>
+          <a:solidFill>
+            <a:schemeClr val="accent5"/>
+          </a:solidFill>
+          <a:ln>
+            <a:solidFill>
+              <a:schemeClr val="accent1">
+                <a:lumMod val="60000"/>
+                <a:lumOff val="40000"/>
+              </a:schemeClr>
+            </a:solidFill>
+          </a:ln>
+        </p:spPr>
+        <p:txBody>
+          <a:bodyPr vert="horz" lIns="91440" tIns="45720" rIns="91440" bIns="45720" rtlCol="0">
+            <a:normAutofit/>
+          </a:bodyPr>
+          <a:lstStyle>
+            <a:lvl1pPr marL="0" indent="0" algn="ctr" defTabSz="914400" rtl="0" eaLnBrk="1" latinLnBrk="0" hangingPunct="1">
+              <a:lnSpc>
+                <a:spcPct val="90000"/>
+              </a:lnSpc>
+              <a:spcBef>
+                <a:spcPts val="1000"/>
+              </a:spcBef>
+              <a:buFont typeface="Arial" panose="020B0604020202020204" pitchFamily="34" charset="0"/>
+              <a:buNone/>
+              <a:defRPr sz="2400" kern="1200">
+                <a:solidFill>
+                  <a:schemeClr val="tx1"/>
+                </a:solidFill>
+                <a:latin typeface="+mn-lt"/>
+                <a:ea typeface="+mn-ea"/>
+                <a:cs typeface="+mn-cs"/>
+              </a:defRPr>
+            </a:lvl1pPr>
+            <a:lvl2pPr marL="457200" indent="0" algn="ctr" defTabSz="914400" rtl="0" eaLnBrk="1" latinLnBrk="0" hangingPunct="1">
+              <a:lnSpc>
+                <a:spcPct val="90000"/>
+              </a:lnSpc>
+              <a:spcBef>
+                <a:spcPts val="500"/>
+              </a:spcBef>
+              <a:buFont typeface="Arial" panose="020B0604020202020204" pitchFamily="34" charset="0"/>
+              <a:buNone/>
+              <a:defRPr sz="2000" kern="1200">
+                <a:solidFill>
+                  <a:schemeClr val="tx1"/>
+                </a:solidFill>
+                <a:latin typeface="+mn-lt"/>
+                <a:ea typeface="+mn-ea"/>
+                <a:cs typeface="+mn-cs"/>
+              </a:defRPr>
+            </a:lvl2pPr>
+            <a:lvl3pPr marL="914400" indent="0" algn="ctr" defTabSz="914400" rtl="0" eaLnBrk="1" latinLnBrk="0" hangingPunct="1">
+              <a:lnSpc>
+                <a:spcPct val="90000"/>
+              </a:lnSpc>
+              <a:spcBef>
+                <a:spcPts val="500"/>
+              </a:spcBef>
+              <a:buFont typeface="Arial" panose="020B0604020202020204" pitchFamily="34" charset="0"/>
+              <a:buNone/>
+              <a:defRPr sz="1800" kern="1200">
+                <a:solidFill>
+                  <a:schemeClr val="tx1"/>
+                </a:solidFill>
+                <a:latin typeface="+mn-lt"/>
+                <a:ea typeface="+mn-ea"/>
+                <a:cs typeface="+mn-cs"/>
+              </a:defRPr>
+            </a:lvl3pPr>
+            <a:lvl4pPr marL="1371600" indent="0" algn="ctr" defTabSz="914400" rtl="0" eaLnBrk="1" latinLnBrk="0" hangingPunct="1">
+              <a:lnSpc>
+                <a:spcPct val="90000"/>
+              </a:lnSpc>
+              <a:spcBef>
+                <a:spcPts val="500"/>
+              </a:spcBef>
+              <a:buFont typeface="Arial" panose="020B0604020202020204" pitchFamily="34" charset="0"/>
+              <a:buNone/>
+              <a:defRPr sz="1600" kern="1200">
+                <a:solidFill>
+                  <a:schemeClr val="tx1"/>
+                </a:solidFill>
+                <a:latin typeface="+mn-lt"/>
+                <a:ea typeface="+mn-ea"/>
+                <a:cs typeface="+mn-cs"/>
+              </a:defRPr>
+            </a:lvl4pPr>
+            <a:lvl5pPr marL="1828800" indent="0" algn="ctr" defTabSz="914400" rtl="0" eaLnBrk="1" latinLnBrk="0" hangingPunct="1">
+              <a:lnSpc>
+                <a:spcPct val="90000"/>
+              </a:lnSpc>
+              <a:spcBef>
+                <a:spcPts val="500"/>
+              </a:spcBef>
+              <a:buFont typeface="Arial" panose="020B0604020202020204" pitchFamily="34" charset="0"/>
+              <a:buNone/>
+              <a:defRPr sz="1600" kern="1200">
+                <a:solidFill>
+                  <a:schemeClr val="tx1"/>
+                </a:solidFill>
+                <a:latin typeface="+mn-lt"/>
+                <a:ea typeface="+mn-ea"/>
+                <a:cs typeface="+mn-cs"/>
+              </a:defRPr>
+            </a:lvl5pPr>
+            <a:lvl6pPr marL="2286000" indent="0" algn="ctr" defTabSz="914400" rtl="0" eaLnBrk="1" latinLnBrk="0" hangingPunct="1">
+              <a:lnSpc>
+                <a:spcPct val="90000"/>
+              </a:lnSpc>
+              <a:spcBef>
+                <a:spcPts val="500"/>
+              </a:spcBef>
+              <a:buFont typeface="Arial" panose="020B0604020202020204" pitchFamily="34" charset="0"/>
+              <a:buNone/>
+              <a:defRPr sz="1600" kern="1200">
+                <a:solidFill>
+                  <a:schemeClr val="tx1"/>
+                </a:solidFill>
+                <a:latin typeface="+mn-lt"/>
+                <a:ea typeface="+mn-ea"/>
+                <a:cs typeface="+mn-cs"/>
+              </a:defRPr>
+            </a:lvl6pPr>
+            <a:lvl7pPr marL="2743200" indent="0" algn="ctr" defTabSz="914400" rtl="0" eaLnBrk="1" latinLnBrk="0" hangingPunct="1">
+              <a:lnSpc>
+                <a:spcPct val="90000"/>
+              </a:lnSpc>
+              <a:spcBef>
+                <a:spcPts val="500"/>
+              </a:spcBef>
+              <a:buFont typeface="Arial" panose="020B0604020202020204" pitchFamily="34" charset="0"/>
+              <a:buNone/>
+              <a:defRPr sz="1600" kern="1200">
+                <a:solidFill>
+                  <a:schemeClr val="tx1"/>
+                </a:solidFill>
+                <a:latin typeface="+mn-lt"/>
+                <a:ea typeface="+mn-ea"/>
+                <a:cs typeface="+mn-cs"/>
+              </a:defRPr>
+            </a:lvl7pPr>
+            <a:lvl8pPr marL="3200400" indent="0" algn="ctr" defTabSz="914400" rtl="0" eaLnBrk="1" latinLnBrk="0" hangingPunct="1">
+              <a:lnSpc>
+                <a:spcPct val="90000"/>
+              </a:lnSpc>
+              <a:spcBef>
+                <a:spcPts val="500"/>
+              </a:spcBef>
+              <a:buFont typeface="Arial" panose="020B0604020202020204" pitchFamily="34" charset="0"/>
+              <a:buNone/>
+              <a:defRPr sz="1600" kern="1200">
+                <a:solidFill>
+                  <a:schemeClr val="tx1"/>
+                </a:solidFill>
+                <a:latin typeface="+mn-lt"/>
+                <a:ea typeface="+mn-ea"/>
+                <a:cs typeface="+mn-cs"/>
+              </a:defRPr>
+            </a:lvl8pPr>
+            <a:lvl9pPr marL="3657600" indent="0" algn="ctr" defTabSz="914400" rtl="0" eaLnBrk="1" latinLnBrk="0" hangingPunct="1">
+              <a:lnSpc>
+                <a:spcPct val="90000"/>
+              </a:lnSpc>
+              <a:spcBef>
+                <a:spcPts val="500"/>
+              </a:spcBef>
+              <a:buFont typeface="Arial" panose="020B0604020202020204" pitchFamily="34" charset="0"/>
+              <a:buNone/>
+              <a:defRPr sz="1600" kern="1200">
+                <a:solidFill>
+                  <a:schemeClr val="tx1"/>
+                </a:solidFill>
+                <a:latin typeface="+mn-lt"/>
+                <a:ea typeface="+mn-ea"/>
+                <a:cs typeface="+mn-cs"/>
+              </a:defRPr>
+            </a:lvl9pPr>
+          </a:lstStyle>
+          <a:p>
+            <a:pPr algn="l"/>
+            <a:r>
+              <a:rPr lang="zh-CN" altLang="en-US" sz="1600" dirty="0">
+                <a:solidFill>
+                  <a:schemeClr val="bg1"/>
+                </a:solidFill>
+              </a:rPr>
+              <a:t>问题描述：</a:t>
+            </a:r>
+            <a:endParaRPr lang="en-US" altLang="zh-CN" sz="1600" dirty="0">
+              <a:solidFill>
+                <a:schemeClr val="bg1"/>
+              </a:solidFill>
+            </a:endParaRPr>
+          </a:p>
+          <a:p>
+            <a:pPr marL="342900" indent="-342900" algn="l">
+              <a:buAutoNum type="arabicPeriod"/>
+            </a:pPr>
+            <a:r>
+              <a:rPr lang="zh-CN" altLang="en-US" sz="1600" dirty="0">
+                <a:solidFill>
+                  <a:schemeClr val="bg1"/>
+                </a:solidFill>
+              </a:rPr>
+              <a:t>（</a:t>
+            </a:r>
+            <a:r>
+              <a:rPr lang="en-US" altLang="zh-CN" sz="1600" dirty="0">
+                <a:solidFill>
+                  <a:schemeClr val="bg1"/>
+                </a:solidFill>
+              </a:rPr>
+              <a:t>UI</a:t>
+            </a:r>
+            <a:r>
+              <a:rPr lang="zh-CN" altLang="en-US" sz="1600" dirty="0">
+                <a:solidFill>
+                  <a:schemeClr val="bg1"/>
+                </a:solidFill>
+              </a:rPr>
+              <a:t>）路径栏应为：学校 </a:t>
+            </a:r>
+            <a:r>
+              <a:rPr lang="en-US" altLang="zh-CN" sz="1600" dirty="0">
+                <a:solidFill>
+                  <a:schemeClr val="bg1"/>
+                </a:solidFill>
+              </a:rPr>
+              <a:t>&gt; </a:t>
+            </a:r>
+            <a:r>
+              <a:rPr lang="zh-CN" altLang="en-US" sz="1600" dirty="0">
+                <a:solidFill>
+                  <a:schemeClr val="bg1"/>
+                </a:solidFill>
+              </a:rPr>
+              <a:t>结业升班管理</a:t>
+            </a:r>
+            <a:endParaRPr lang="en-US" altLang="zh-CN" sz="1600" dirty="0">
+              <a:solidFill>
+                <a:schemeClr val="bg1"/>
+              </a:solidFill>
+            </a:endParaRPr>
+          </a:p>
+        </p:txBody>
+      </p:sp>
+      <p:pic>
+        <p:nvPicPr>
+          <p:cNvPr id="3" name="Picture 2">
+            <a:extLst>
+              <a:ext uri="{FF2B5EF4-FFF2-40B4-BE49-F238E27FC236}">
+                <a16:creationId xmlns:a16="http://schemas.microsoft.com/office/drawing/2014/main" id="{E9733581-BF91-413A-A699-AB58A94B3A37}"/>
+              </a:ext>
+            </a:extLst>
+          </p:cNvPr>
+          <p:cNvPicPr>
+            <a:picLocks noChangeAspect="1"/>
+          </p:cNvPicPr>
+          <p:nvPr/>
+        </p:nvPicPr>
+        <p:blipFill>
+          <a:blip r:embed="rId2"/>
+          <a:stretch>
+            <a:fillRect/>
+          </a:stretch>
+        </p:blipFill>
+        <p:spPr>
+          <a:xfrm>
+            <a:off x="0" y="1186089"/>
+            <a:ext cx="8296275" cy="3914775"/>
+          </a:xfrm>
+          <a:prstGeom prst="rect">
+            <a:avLst/>
+          </a:prstGeom>
+        </p:spPr>
+      </p:pic>
+    </p:spTree>
+    <p:extLst>
+      <p:ext uri="{BB962C8B-B14F-4D97-AF65-F5344CB8AC3E}">
+        <p14:creationId xmlns:p14="http://schemas.microsoft.com/office/powerpoint/2010/main" val="4037389191"/>
+      </p:ext>
+    </p:extLst>
+  </p:cSld>
+  <p:clrMapOvr>
+    <a:masterClrMapping/>
+  </p:clrMapOvr>
+</p:sld>
+</file>
+
+<file path=ppt/slides/slide17.xml><?xml version="1.0" encoding="utf-8"?>
+<p:sld xmlns:a="http://schemas.openxmlformats.org/drawingml/2006/main" xmlns:r="http://schemas.openxmlformats.org/officeDocument/2006/relationships" xmlns:p="http://schemas.openxmlformats.org/presentationml/2006/main">
+  <p:cSld>
+    <p:spTree>
+      <p:nvGrpSpPr>
+        <p:cNvPr id="1" name=""/>
+        <p:cNvGrpSpPr/>
+        <p:nvPr/>
+      </p:nvGrpSpPr>
+      <p:grpSpPr>
+        <a:xfrm>
+          <a:off x="0" y="0"/>
+          <a:ext cx="0" cy="0"/>
+          <a:chOff x="0" y="0"/>
+          <a:chExt cx="0" cy="0"/>
+        </a:xfrm>
+      </p:grpSpPr>
+      <p:sp>
+        <p:nvSpPr>
+          <p:cNvPr id="2" name="矩形 1">
+            <a:extLst>
+              <a:ext uri="{FF2B5EF4-FFF2-40B4-BE49-F238E27FC236}">
+                <a16:creationId xmlns:a16="http://schemas.microsoft.com/office/drawing/2014/main" id="{18AA53AB-7329-4E53-91A3-6119EF73CA4C}"/>
+              </a:ext>
+            </a:extLst>
+          </p:cNvPr>
+          <p:cNvSpPr/>
+          <p:nvPr/>
+        </p:nvSpPr>
+        <p:spPr>
+          <a:xfrm>
+            <a:off x="0" y="2694647"/>
+            <a:ext cx="7922103" cy="1132885"/>
+          </a:xfrm>
+          <a:prstGeom prst="rect">
+            <a:avLst/>
+          </a:prstGeom>
+          <a:solidFill>
+            <a:schemeClr val="bg1">
+              <a:lumMod val="50000"/>
+            </a:schemeClr>
+          </a:solidFill>
+          <a:ln>
+            <a:noFill/>
+          </a:ln>
+        </p:spPr>
+        <p:style>
+          <a:lnRef idx="2">
+            <a:schemeClr val="accent1">
+              <a:shade val="50000"/>
+            </a:schemeClr>
+          </a:lnRef>
+          <a:fillRef idx="1">
+            <a:schemeClr val="accent1"/>
+          </a:fillRef>
+          <a:effectRef idx="0">
+            <a:schemeClr val="accent1"/>
+          </a:effectRef>
+          <a:fontRef idx="minor">
+            <a:schemeClr val="lt1"/>
+          </a:fontRef>
+        </p:style>
+        <p:txBody>
+          <a:bodyPr rtlCol="0" anchor="ctr"/>
+          <a:lstStyle/>
+          <a:p>
+            <a:pPr algn="ctr"/>
+            <a:r>
+              <a:rPr lang="zh-CN" altLang="en-US" sz="4400"/>
+              <a:t>题库 </a:t>
+            </a:r>
+            <a:r>
+              <a:rPr lang="en-US" altLang="zh-CN" sz="4400"/>
+              <a:t>&gt; </a:t>
+            </a:r>
+            <a:r>
+              <a:rPr lang="zh-CN" altLang="en-US" sz="4400" dirty="0"/>
+              <a:t>题库浏览</a:t>
+            </a:r>
+          </a:p>
+        </p:txBody>
+      </p:sp>
+    </p:spTree>
+    <p:extLst>
+      <p:ext uri="{BB962C8B-B14F-4D97-AF65-F5344CB8AC3E}">
+        <p14:creationId xmlns:p14="http://schemas.microsoft.com/office/powerpoint/2010/main" val="4089425590"/>
+      </p:ext>
+    </p:extLst>
+  </p:cSld>
+  <p:clrMapOvr>
+    <a:masterClrMapping/>
+  </p:clrMapOvr>
+</p:sld>
+</file>
+
+<file path=ppt/slides/slide18.xml><?xml version="1.0" encoding="utf-8"?>
+<p:sld xmlns:a="http://schemas.openxmlformats.org/drawingml/2006/main" xmlns:r="http://schemas.openxmlformats.org/officeDocument/2006/relationships" xmlns:p="http://schemas.openxmlformats.org/presentationml/2006/main">
+  <p:cSld>
+    <p:spTree>
+      <p:nvGrpSpPr>
+        <p:cNvPr id="1" name=""/>
+        <p:cNvGrpSpPr/>
+        <p:nvPr/>
+      </p:nvGrpSpPr>
+      <p:grpSpPr>
+        <a:xfrm>
+          <a:off x="0" y="0"/>
+          <a:ext cx="0" cy="0"/>
+          <a:chOff x="0" y="0"/>
+          <a:chExt cx="0" cy="0"/>
+        </a:xfrm>
+      </p:grpSpPr>
+      <p:sp>
+        <p:nvSpPr>
+          <p:cNvPr id="10" name="副标题 2">
+            <a:extLst>
+              <a:ext uri="{FF2B5EF4-FFF2-40B4-BE49-F238E27FC236}">
+                <a16:creationId xmlns:a16="http://schemas.microsoft.com/office/drawing/2014/main" id="{42AE8C01-7BF1-4C58-90BD-31448E7C5E9B}"/>
+              </a:ext>
+            </a:extLst>
+          </p:cNvPr>
+          <p:cNvSpPr txBox="1">
+            <a:spLocks/>
+          </p:cNvSpPr>
+          <p:nvPr/>
+        </p:nvSpPr>
+        <p:spPr>
+          <a:xfrm>
+            <a:off x="0" y="0"/>
+            <a:ext cx="12192000" cy="707669"/>
+          </a:xfrm>
+          <a:prstGeom prst="rect">
+            <a:avLst/>
+          </a:prstGeom>
+          <a:solidFill>
+            <a:schemeClr val="accent6">
+              <a:lumMod val="60000"/>
+              <a:lumOff val="40000"/>
+            </a:schemeClr>
+          </a:solidFill>
+          <a:ln>
+            <a:solidFill>
+              <a:schemeClr val="accent1">
+                <a:lumMod val="60000"/>
+                <a:lumOff val="40000"/>
+              </a:schemeClr>
+            </a:solidFill>
+          </a:ln>
+        </p:spPr>
+        <p:txBody>
+          <a:bodyPr vert="horz" lIns="91440" tIns="45720" rIns="91440" bIns="45720" rtlCol="0">
+            <a:normAutofit/>
+          </a:bodyPr>
+          <a:lstStyle>
+            <a:lvl1pPr marL="0" indent="0" algn="ctr" defTabSz="914400" rtl="0" eaLnBrk="1" latinLnBrk="0" hangingPunct="1">
+              <a:lnSpc>
+                <a:spcPct val="90000"/>
+              </a:lnSpc>
+              <a:spcBef>
+                <a:spcPts val="1000"/>
+              </a:spcBef>
+              <a:buFont typeface="Arial" panose="020B0604020202020204" pitchFamily="34" charset="0"/>
+              <a:buNone/>
+              <a:defRPr sz="2400" kern="1200">
+                <a:solidFill>
+                  <a:schemeClr val="tx1"/>
+                </a:solidFill>
+                <a:latin typeface="+mn-lt"/>
+                <a:ea typeface="+mn-ea"/>
+                <a:cs typeface="+mn-cs"/>
+              </a:defRPr>
+            </a:lvl1pPr>
+            <a:lvl2pPr marL="457200" indent="0" algn="ctr" defTabSz="914400" rtl="0" eaLnBrk="1" latinLnBrk="0" hangingPunct="1">
+              <a:lnSpc>
+                <a:spcPct val="90000"/>
+              </a:lnSpc>
+              <a:spcBef>
+                <a:spcPts val="500"/>
+              </a:spcBef>
+              <a:buFont typeface="Arial" panose="020B0604020202020204" pitchFamily="34" charset="0"/>
+              <a:buNone/>
+              <a:defRPr sz="2000" kern="1200">
+                <a:solidFill>
+                  <a:schemeClr val="tx1"/>
+                </a:solidFill>
+                <a:latin typeface="+mn-lt"/>
+                <a:ea typeface="+mn-ea"/>
+                <a:cs typeface="+mn-cs"/>
+              </a:defRPr>
+            </a:lvl2pPr>
+            <a:lvl3pPr marL="914400" indent="0" algn="ctr" defTabSz="914400" rtl="0" eaLnBrk="1" latinLnBrk="0" hangingPunct="1">
+              <a:lnSpc>
+                <a:spcPct val="90000"/>
+              </a:lnSpc>
+              <a:spcBef>
+                <a:spcPts val="500"/>
+              </a:spcBef>
+              <a:buFont typeface="Arial" panose="020B0604020202020204" pitchFamily="34" charset="0"/>
+              <a:buNone/>
+              <a:defRPr sz="1800" kern="1200">
+                <a:solidFill>
+                  <a:schemeClr val="tx1"/>
+                </a:solidFill>
+                <a:latin typeface="+mn-lt"/>
+                <a:ea typeface="+mn-ea"/>
+                <a:cs typeface="+mn-cs"/>
+              </a:defRPr>
+            </a:lvl3pPr>
+            <a:lvl4pPr marL="1371600" indent="0" algn="ctr" defTabSz="914400" rtl="0" eaLnBrk="1" latinLnBrk="0" hangingPunct="1">
+              <a:lnSpc>
+                <a:spcPct val="90000"/>
+              </a:lnSpc>
+              <a:spcBef>
+                <a:spcPts val="500"/>
+              </a:spcBef>
+              <a:buFont typeface="Arial" panose="020B0604020202020204" pitchFamily="34" charset="0"/>
+              <a:buNone/>
+              <a:defRPr sz="1600" kern="1200">
+                <a:solidFill>
+                  <a:schemeClr val="tx1"/>
+                </a:solidFill>
+                <a:latin typeface="+mn-lt"/>
+                <a:ea typeface="+mn-ea"/>
+                <a:cs typeface="+mn-cs"/>
+              </a:defRPr>
+            </a:lvl4pPr>
+            <a:lvl5pPr marL="1828800" indent="0" algn="ctr" defTabSz="914400" rtl="0" eaLnBrk="1" latinLnBrk="0" hangingPunct="1">
+              <a:lnSpc>
+                <a:spcPct val="90000"/>
+              </a:lnSpc>
+              <a:spcBef>
+                <a:spcPts val="500"/>
+              </a:spcBef>
+              <a:buFont typeface="Arial" panose="020B0604020202020204" pitchFamily="34" charset="0"/>
+              <a:buNone/>
+              <a:defRPr sz="1600" kern="1200">
+                <a:solidFill>
+                  <a:schemeClr val="tx1"/>
+                </a:solidFill>
+                <a:latin typeface="+mn-lt"/>
+                <a:ea typeface="+mn-ea"/>
+                <a:cs typeface="+mn-cs"/>
+              </a:defRPr>
+            </a:lvl5pPr>
+            <a:lvl6pPr marL="2286000" indent="0" algn="ctr" defTabSz="914400" rtl="0" eaLnBrk="1" latinLnBrk="0" hangingPunct="1">
+              <a:lnSpc>
+                <a:spcPct val="90000"/>
+              </a:lnSpc>
+              <a:spcBef>
+                <a:spcPts val="500"/>
+              </a:spcBef>
+              <a:buFont typeface="Arial" panose="020B0604020202020204" pitchFamily="34" charset="0"/>
+              <a:buNone/>
+              <a:defRPr sz="1600" kern="1200">
+                <a:solidFill>
+                  <a:schemeClr val="tx1"/>
+                </a:solidFill>
+                <a:latin typeface="+mn-lt"/>
+                <a:ea typeface="+mn-ea"/>
+                <a:cs typeface="+mn-cs"/>
+              </a:defRPr>
+            </a:lvl6pPr>
+            <a:lvl7pPr marL="2743200" indent="0" algn="ctr" defTabSz="914400" rtl="0" eaLnBrk="1" latinLnBrk="0" hangingPunct="1">
+              <a:lnSpc>
+                <a:spcPct val="90000"/>
+              </a:lnSpc>
+              <a:spcBef>
+                <a:spcPts val="500"/>
+              </a:spcBef>
+              <a:buFont typeface="Arial" panose="020B0604020202020204" pitchFamily="34" charset="0"/>
+              <a:buNone/>
+              <a:defRPr sz="1600" kern="1200">
+                <a:solidFill>
+                  <a:schemeClr val="tx1"/>
+                </a:solidFill>
+                <a:latin typeface="+mn-lt"/>
+                <a:ea typeface="+mn-ea"/>
+                <a:cs typeface="+mn-cs"/>
+              </a:defRPr>
+            </a:lvl7pPr>
+            <a:lvl8pPr marL="3200400" indent="0" algn="ctr" defTabSz="914400" rtl="0" eaLnBrk="1" latinLnBrk="0" hangingPunct="1">
+              <a:lnSpc>
+                <a:spcPct val="90000"/>
+              </a:lnSpc>
+              <a:spcBef>
+                <a:spcPts val="500"/>
+              </a:spcBef>
+              <a:buFont typeface="Arial" panose="020B0604020202020204" pitchFamily="34" charset="0"/>
+              <a:buNone/>
+              <a:defRPr sz="1600" kern="1200">
+                <a:solidFill>
+                  <a:schemeClr val="tx1"/>
+                </a:solidFill>
+                <a:latin typeface="+mn-lt"/>
+                <a:ea typeface="+mn-ea"/>
+                <a:cs typeface="+mn-cs"/>
+              </a:defRPr>
+            </a:lvl8pPr>
+            <a:lvl9pPr marL="3657600" indent="0" algn="ctr" defTabSz="914400" rtl="0" eaLnBrk="1" latinLnBrk="0" hangingPunct="1">
+              <a:lnSpc>
+                <a:spcPct val="90000"/>
+              </a:lnSpc>
+              <a:spcBef>
+                <a:spcPts val="500"/>
+              </a:spcBef>
+              <a:buFont typeface="Arial" panose="020B0604020202020204" pitchFamily="34" charset="0"/>
+              <a:buNone/>
+              <a:defRPr sz="1600" kern="1200">
+                <a:solidFill>
+                  <a:schemeClr val="tx1"/>
+                </a:solidFill>
+                <a:latin typeface="+mn-lt"/>
+                <a:ea typeface="+mn-ea"/>
+                <a:cs typeface="+mn-cs"/>
+              </a:defRPr>
+            </a:lvl9pPr>
+          </a:lstStyle>
+          <a:p>
+            <a:pPr algn="l"/>
+            <a:r>
+              <a:rPr lang="zh-CN" altLang="en-US" sz="1600" dirty="0">
+                <a:solidFill>
+                  <a:srgbClr val="0070C0"/>
+                </a:solidFill>
+              </a:rPr>
+              <a:t>题库 </a:t>
+            </a:r>
+            <a:r>
+              <a:rPr lang="en-US" altLang="zh-CN" sz="1600" dirty="0">
+                <a:solidFill>
+                  <a:srgbClr val="0070C0"/>
+                </a:solidFill>
+              </a:rPr>
+              <a:t>&gt;</a:t>
+            </a:r>
+            <a:r>
+              <a:rPr lang="zh-CN" altLang="en-US" sz="1600" dirty="0">
+                <a:solidFill>
+                  <a:srgbClr val="0070C0"/>
+                </a:solidFill>
+              </a:rPr>
+              <a:t> 题库浏览 </a:t>
+            </a:r>
+            <a:r>
+              <a:rPr lang="en-US" altLang="zh-CN" sz="1600" dirty="0">
+                <a:solidFill>
+                  <a:srgbClr val="0070C0"/>
+                </a:solidFill>
+              </a:rPr>
+              <a:t>&gt;</a:t>
+            </a:r>
+            <a:r>
+              <a:rPr lang="zh-CN" altLang="en-US" sz="1600" dirty="0">
+                <a:solidFill>
+                  <a:srgbClr val="0070C0"/>
+                </a:solidFill>
+              </a:rPr>
+              <a:t> 题库浏览</a:t>
+            </a:r>
+          </a:p>
+        </p:txBody>
+      </p:sp>
+      <p:sp>
+        <p:nvSpPr>
+          <p:cNvPr id="11" name="副标题 2">
+            <a:extLst>
+              <a:ext uri="{FF2B5EF4-FFF2-40B4-BE49-F238E27FC236}">
+                <a16:creationId xmlns:a16="http://schemas.microsoft.com/office/drawing/2014/main" id="{B518E569-1FE7-4B73-9133-E384A9D677AB}"/>
+              </a:ext>
+            </a:extLst>
+          </p:cNvPr>
+          <p:cNvSpPr txBox="1">
+            <a:spLocks/>
+          </p:cNvSpPr>
+          <p:nvPr/>
+        </p:nvSpPr>
+        <p:spPr>
+          <a:xfrm>
+            <a:off x="0" y="5287108"/>
+            <a:ext cx="12192000" cy="1570892"/>
+          </a:xfrm>
+          <a:prstGeom prst="rect">
+            <a:avLst/>
+          </a:prstGeom>
+          <a:solidFill>
+            <a:schemeClr val="accent5"/>
+          </a:solidFill>
+          <a:ln>
+            <a:solidFill>
+              <a:schemeClr val="accent1">
+                <a:lumMod val="60000"/>
+                <a:lumOff val="40000"/>
+              </a:schemeClr>
+            </a:solidFill>
+          </a:ln>
+        </p:spPr>
+        <p:txBody>
+          <a:bodyPr vert="horz" lIns="91440" tIns="45720" rIns="91440" bIns="45720" rtlCol="0">
+            <a:normAutofit fontScale="92500" lnSpcReduction="10000"/>
+          </a:bodyPr>
+          <a:lstStyle>
+            <a:lvl1pPr marL="0" indent="0" algn="ctr" defTabSz="914400" rtl="0" eaLnBrk="1" latinLnBrk="0" hangingPunct="1">
+              <a:lnSpc>
+                <a:spcPct val="90000"/>
+              </a:lnSpc>
+              <a:spcBef>
+                <a:spcPts val="1000"/>
+              </a:spcBef>
+              <a:buFont typeface="Arial" panose="020B0604020202020204" pitchFamily="34" charset="0"/>
+              <a:buNone/>
+              <a:defRPr sz="2400" kern="1200">
+                <a:solidFill>
+                  <a:schemeClr val="tx1"/>
+                </a:solidFill>
+                <a:latin typeface="+mn-lt"/>
+                <a:ea typeface="+mn-ea"/>
+                <a:cs typeface="+mn-cs"/>
+              </a:defRPr>
+            </a:lvl1pPr>
+            <a:lvl2pPr marL="457200" indent="0" algn="ctr" defTabSz="914400" rtl="0" eaLnBrk="1" latinLnBrk="0" hangingPunct="1">
+              <a:lnSpc>
+                <a:spcPct val="90000"/>
+              </a:lnSpc>
+              <a:spcBef>
+                <a:spcPts val="500"/>
+              </a:spcBef>
+              <a:buFont typeface="Arial" panose="020B0604020202020204" pitchFamily="34" charset="0"/>
+              <a:buNone/>
+              <a:defRPr sz="2000" kern="1200">
+                <a:solidFill>
+                  <a:schemeClr val="tx1"/>
+                </a:solidFill>
+                <a:latin typeface="+mn-lt"/>
+                <a:ea typeface="+mn-ea"/>
+                <a:cs typeface="+mn-cs"/>
+              </a:defRPr>
+            </a:lvl2pPr>
+            <a:lvl3pPr marL="914400" indent="0" algn="ctr" defTabSz="914400" rtl="0" eaLnBrk="1" latinLnBrk="0" hangingPunct="1">
+              <a:lnSpc>
+                <a:spcPct val="90000"/>
+              </a:lnSpc>
+              <a:spcBef>
+                <a:spcPts val="500"/>
+              </a:spcBef>
+              <a:buFont typeface="Arial" panose="020B0604020202020204" pitchFamily="34" charset="0"/>
+              <a:buNone/>
+              <a:defRPr sz="1800" kern="1200">
+                <a:solidFill>
+                  <a:schemeClr val="tx1"/>
+                </a:solidFill>
+                <a:latin typeface="+mn-lt"/>
+                <a:ea typeface="+mn-ea"/>
+                <a:cs typeface="+mn-cs"/>
+              </a:defRPr>
+            </a:lvl3pPr>
+            <a:lvl4pPr marL="1371600" indent="0" algn="ctr" defTabSz="914400" rtl="0" eaLnBrk="1" latinLnBrk="0" hangingPunct="1">
+              <a:lnSpc>
+                <a:spcPct val="90000"/>
+              </a:lnSpc>
+              <a:spcBef>
+                <a:spcPts val="500"/>
+              </a:spcBef>
+              <a:buFont typeface="Arial" panose="020B0604020202020204" pitchFamily="34" charset="0"/>
+              <a:buNone/>
+              <a:defRPr sz="1600" kern="1200">
+                <a:solidFill>
+                  <a:schemeClr val="tx1"/>
+                </a:solidFill>
+                <a:latin typeface="+mn-lt"/>
+                <a:ea typeface="+mn-ea"/>
+                <a:cs typeface="+mn-cs"/>
+              </a:defRPr>
+            </a:lvl4pPr>
+            <a:lvl5pPr marL="1828800" indent="0" algn="ctr" defTabSz="914400" rtl="0" eaLnBrk="1" latinLnBrk="0" hangingPunct="1">
+              <a:lnSpc>
+                <a:spcPct val="90000"/>
+              </a:lnSpc>
+              <a:spcBef>
+                <a:spcPts val="500"/>
+              </a:spcBef>
+              <a:buFont typeface="Arial" panose="020B0604020202020204" pitchFamily="34" charset="0"/>
+              <a:buNone/>
+              <a:defRPr sz="1600" kern="1200">
+                <a:solidFill>
+                  <a:schemeClr val="tx1"/>
+                </a:solidFill>
+                <a:latin typeface="+mn-lt"/>
+                <a:ea typeface="+mn-ea"/>
+                <a:cs typeface="+mn-cs"/>
+              </a:defRPr>
+            </a:lvl5pPr>
+            <a:lvl6pPr marL="2286000" indent="0" algn="ctr" defTabSz="914400" rtl="0" eaLnBrk="1" latinLnBrk="0" hangingPunct="1">
+              <a:lnSpc>
+                <a:spcPct val="90000"/>
+              </a:lnSpc>
+              <a:spcBef>
+                <a:spcPts val="500"/>
+              </a:spcBef>
+              <a:buFont typeface="Arial" panose="020B0604020202020204" pitchFamily="34" charset="0"/>
+              <a:buNone/>
+              <a:defRPr sz="1600" kern="1200">
+                <a:solidFill>
+                  <a:schemeClr val="tx1"/>
+                </a:solidFill>
+                <a:latin typeface="+mn-lt"/>
+                <a:ea typeface="+mn-ea"/>
+                <a:cs typeface="+mn-cs"/>
+              </a:defRPr>
+            </a:lvl6pPr>
+            <a:lvl7pPr marL="2743200" indent="0" algn="ctr" defTabSz="914400" rtl="0" eaLnBrk="1" latinLnBrk="0" hangingPunct="1">
+              <a:lnSpc>
+                <a:spcPct val="90000"/>
+              </a:lnSpc>
+              <a:spcBef>
+                <a:spcPts val="500"/>
+              </a:spcBef>
+              <a:buFont typeface="Arial" panose="020B0604020202020204" pitchFamily="34" charset="0"/>
+              <a:buNone/>
+              <a:defRPr sz="1600" kern="1200">
+                <a:solidFill>
+                  <a:schemeClr val="tx1"/>
+                </a:solidFill>
+                <a:latin typeface="+mn-lt"/>
+                <a:ea typeface="+mn-ea"/>
+                <a:cs typeface="+mn-cs"/>
+              </a:defRPr>
+            </a:lvl7pPr>
+            <a:lvl8pPr marL="3200400" indent="0" algn="ctr" defTabSz="914400" rtl="0" eaLnBrk="1" latinLnBrk="0" hangingPunct="1">
+              <a:lnSpc>
+                <a:spcPct val="90000"/>
+              </a:lnSpc>
+              <a:spcBef>
+                <a:spcPts val="500"/>
+              </a:spcBef>
+              <a:buFont typeface="Arial" panose="020B0604020202020204" pitchFamily="34" charset="0"/>
+              <a:buNone/>
+              <a:defRPr sz="1600" kern="1200">
+                <a:solidFill>
+                  <a:schemeClr val="tx1"/>
+                </a:solidFill>
+                <a:latin typeface="+mn-lt"/>
+                <a:ea typeface="+mn-ea"/>
+                <a:cs typeface="+mn-cs"/>
+              </a:defRPr>
+            </a:lvl8pPr>
+            <a:lvl9pPr marL="3657600" indent="0" algn="ctr" defTabSz="914400" rtl="0" eaLnBrk="1" latinLnBrk="0" hangingPunct="1">
+              <a:lnSpc>
+                <a:spcPct val="90000"/>
+              </a:lnSpc>
+              <a:spcBef>
+                <a:spcPts val="500"/>
+              </a:spcBef>
+              <a:buFont typeface="Arial" panose="020B0604020202020204" pitchFamily="34" charset="0"/>
+              <a:buNone/>
+              <a:defRPr sz="1600" kern="1200">
+                <a:solidFill>
+                  <a:schemeClr val="tx1"/>
+                </a:solidFill>
+                <a:latin typeface="+mn-lt"/>
+                <a:ea typeface="+mn-ea"/>
+                <a:cs typeface="+mn-cs"/>
+              </a:defRPr>
+            </a:lvl9pPr>
+          </a:lstStyle>
+          <a:p>
+            <a:pPr algn="l"/>
+            <a:r>
+              <a:rPr lang="zh-CN" altLang="en-US" sz="1600" dirty="0">
+                <a:solidFill>
+                  <a:schemeClr val="bg1"/>
+                </a:solidFill>
+              </a:rPr>
+              <a:t>问题描述：</a:t>
+            </a:r>
+            <a:endParaRPr lang="en-US" altLang="zh-CN" sz="1600" dirty="0">
+              <a:solidFill>
+                <a:schemeClr val="bg1"/>
+              </a:solidFill>
+            </a:endParaRPr>
+          </a:p>
+          <a:p>
+            <a:pPr marL="342900" indent="-342900" algn="l">
+              <a:buAutoNum type="arabicPeriod"/>
+            </a:pPr>
+            <a:r>
+              <a:rPr lang="zh-CN" altLang="en-US" sz="1600" dirty="0">
+                <a:solidFill>
+                  <a:schemeClr val="bg1"/>
+                </a:solidFill>
+              </a:rPr>
+              <a:t>（</a:t>
+            </a:r>
+            <a:r>
+              <a:rPr lang="en-US" altLang="zh-CN" sz="1600" dirty="0">
+                <a:solidFill>
+                  <a:schemeClr val="bg1"/>
+                </a:solidFill>
+              </a:rPr>
+              <a:t>UI</a:t>
+            </a:r>
+            <a:r>
+              <a:rPr lang="zh-CN" altLang="en-US" sz="1600" dirty="0">
+                <a:solidFill>
+                  <a:schemeClr val="bg1"/>
+                </a:solidFill>
+              </a:rPr>
+              <a:t>）试题检索后面缺少“智能组卷”</a:t>
+            </a:r>
+            <a:endParaRPr lang="en-US" altLang="zh-CN" sz="1600" dirty="0">
+              <a:solidFill>
+                <a:schemeClr val="bg1"/>
+              </a:solidFill>
+            </a:endParaRPr>
+          </a:p>
+          <a:p>
+            <a:pPr marL="342900" indent="-342900" algn="l">
+              <a:buAutoNum type="arabicPeriod"/>
+            </a:pPr>
+            <a:r>
+              <a:rPr lang="zh-CN" altLang="en-US" sz="1600" dirty="0">
+                <a:solidFill>
+                  <a:schemeClr val="bg1"/>
+                </a:solidFill>
+              </a:rPr>
+              <a:t>（</a:t>
+            </a:r>
+            <a:r>
+              <a:rPr lang="en-US" altLang="zh-CN" sz="1600" dirty="0">
+                <a:solidFill>
+                  <a:schemeClr val="bg1"/>
+                </a:solidFill>
+              </a:rPr>
+              <a:t>UI</a:t>
+            </a:r>
+            <a:r>
+              <a:rPr lang="zh-CN" altLang="en-US" sz="1600" dirty="0">
+                <a:solidFill>
+                  <a:schemeClr val="bg1"/>
+                </a:solidFill>
+              </a:rPr>
+              <a:t>）正确率改成“得分率”</a:t>
+            </a:r>
+            <a:endParaRPr lang="en-US" altLang="zh-CN" sz="1600" dirty="0">
+              <a:solidFill>
+                <a:schemeClr val="bg1"/>
+              </a:solidFill>
+            </a:endParaRPr>
+          </a:p>
+          <a:p>
+            <a:pPr marL="342900" indent="-342900" algn="l">
+              <a:buAutoNum type="arabicPeriod"/>
+            </a:pPr>
+            <a:r>
+              <a:rPr lang="zh-CN" altLang="en-US" sz="1600" dirty="0">
+                <a:solidFill>
+                  <a:schemeClr val="bg1"/>
+                </a:solidFill>
+              </a:rPr>
+              <a:t>（</a:t>
+            </a:r>
+            <a:r>
+              <a:rPr lang="en-US" altLang="zh-CN" sz="1600" dirty="0">
+                <a:solidFill>
+                  <a:schemeClr val="bg1"/>
+                </a:solidFill>
+              </a:rPr>
+              <a:t>UI</a:t>
+            </a:r>
+            <a:r>
+              <a:rPr lang="zh-CN" altLang="en-US" sz="1600" dirty="0">
+                <a:solidFill>
+                  <a:schemeClr val="bg1"/>
+                </a:solidFill>
+              </a:rPr>
+              <a:t>）去掉知识点复合度</a:t>
+            </a:r>
+            <a:endParaRPr lang="en-US" altLang="zh-CN" sz="1600" dirty="0">
+              <a:solidFill>
+                <a:schemeClr val="bg1"/>
+              </a:solidFill>
+            </a:endParaRPr>
+          </a:p>
+          <a:p>
+            <a:pPr marL="342900" indent="-342900" algn="l">
+              <a:buAutoNum type="arabicPeriod"/>
+            </a:pPr>
+            <a:r>
+              <a:rPr lang="zh-CN" altLang="en-US" sz="1600" dirty="0">
+                <a:solidFill>
+                  <a:schemeClr val="bg1"/>
+                </a:solidFill>
+              </a:rPr>
+              <a:t>（</a:t>
+            </a:r>
+            <a:r>
+              <a:rPr lang="en-US" altLang="zh-CN" sz="1600" dirty="0">
+                <a:solidFill>
+                  <a:schemeClr val="bg1"/>
+                </a:solidFill>
+              </a:rPr>
+              <a:t>UI</a:t>
+            </a:r>
+            <a:r>
+              <a:rPr lang="zh-CN" altLang="en-US" sz="1600" dirty="0">
+                <a:solidFill>
+                  <a:schemeClr val="bg1"/>
+                </a:solidFill>
+              </a:rPr>
+              <a:t>）筛选缺少学部，放在题库范围和科目之间</a:t>
+            </a:r>
+            <a:endParaRPr lang="en-US" altLang="zh-CN" sz="1600" dirty="0">
+              <a:solidFill>
+                <a:schemeClr val="bg1"/>
+              </a:solidFill>
+            </a:endParaRPr>
+          </a:p>
+        </p:txBody>
+      </p:sp>
+      <p:pic>
+        <p:nvPicPr>
+          <p:cNvPr id="2" name="Picture 1">
+            <a:extLst>
+              <a:ext uri="{FF2B5EF4-FFF2-40B4-BE49-F238E27FC236}">
+                <a16:creationId xmlns:a16="http://schemas.microsoft.com/office/drawing/2014/main" id="{E0AA93F9-7443-4C30-9982-C29CC3F78D4C}"/>
+              </a:ext>
+            </a:extLst>
+          </p:cNvPr>
+          <p:cNvPicPr>
+            <a:picLocks noChangeAspect="1"/>
+          </p:cNvPicPr>
+          <p:nvPr/>
+        </p:nvPicPr>
+        <p:blipFill>
+          <a:blip r:embed="rId2"/>
+          <a:stretch>
+            <a:fillRect/>
+          </a:stretch>
+        </p:blipFill>
+        <p:spPr>
+          <a:xfrm>
+            <a:off x="0" y="878498"/>
+            <a:ext cx="5302861" cy="4035806"/>
+          </a:xfrm>
+          <a:prstGeom prst="rect">
+            <a:avLst/>
+          </a:prstGeom>
+        </p:spPr>
+      </p:pic>
+      <p:pic>
+        <p:nvPicPr>
+          <p:cNvPr id="4" name="Picture 3">
+            <a:extLst>
+              <a:ext uri="{FF2B5EF4-FFF2-40B4-BE49-F238E27FC236}">
+                <a16:creationId xmlns:a16="http://schemas.microsoft.com/office/drawing/2014/main" id="{7908FBAD-EDFF-4A41-A201-0572717C9275}"/>
+              </a:ext>
+            </a:extLst>
+          </p:cNvPr>
+          <p:cNvPicPr>
+            <a:picLocks noChangeAspect="1"/>
+          </p:cNvPicPr>
+          <p:nvPr/>
+        </p:nvPicPr>
+        <p:blipFill>
+          <a:blip r:embed="rId3"/>
+          <a:stretch>
+            <a:fillRect/>
+          </a:stretch>
+        </p:blipFill>
+        <p:spPr>
+          <a:xfrm>
+            <a:off x="5894232" y="1252072"/>
+            <a:ext cx="3057525" cy="428625"/>
+          </a:xfrm>
+          <a:prstGeom prst="rect">
+            <a:avLst/>
+          </a:prstGeom>
+        </p:spPr>
+      </p:pic>
+    </p:spTree>
+    <p:extLst>
+      <p:ext uri="{BB962C8B-B14F-4D97-AF65-F5344CB8AC3E}">
+        <p14:creationId xmlns:p14="http://schemas.microsoft.com/office/powerpoint/2010/main" val="350179898"/>
+      </p:ext>
+    </p:extLst>
+  </p:cSld>
+  <p:clrMapOvr>
+    <a:masterClrMapping/>
+  </p:clrMapOvr>
+</p:sld>
+</file>
+
+<file path=ppt/slides/slide19.xml><?xml version="1.0" encoding="utf-8"?>
+<p:sld xmlns:a="http://schemas.openxmlformats.org/drawingml/2006/main" xmlns:r="http://schemas.openxmlformats.org/officeDocument/2006/relationships" xmlns:p="http://schemas.openxmlformats.org/presentationml/2006/main">
+  <p:cSld>
+    <p:spTree>
+      <p:nvGrpSpPr>
+        <p:cNvPr id="1" name=""/>
+        <p:cNvGrpSpPr/>
+        <p:nvPr/>
+      </p:nvGrpSpPr>
+      <p:grpSpPr>
+        <a:xfrm>
+          <a:off x="0" y="0"/>
+          <a:ext cx="0" cy="0"/>
+          <a:chOff x="0" y="0"/>
+          <a:chExt cx="0" cy="0"/>
+        </a:xfrm>
+      </p:grpSpPr>
+      <p:sp>
+        <p:nvSpPr>
+          <p:cNvPr id="10" name="副标题 2">
+            <a:extLst>
+              <a:ext uri="{FF2B5EF4-FFF2-40B4-BE49-F238E27FC236}">
+                <a16:creationId xmlns:a16="http://schemas.microsoft.com/office/drawing/2014/main" id="{42AE8C01-7BF1-4C58-90BD-31448E7C5E9B}"/>
+              </a:ext>
+            </a:extLst>
+          </p:cNvPr>
+          <p:cNvSpPr txBox="1">
+            <a:spLocks/>
+          </p:cNvSpPr>
+          <p:nvPr/>
+        </p:nvSpPr>
+        <p:spPr>
+          <a:xfrm>
+            <a:off x="0" y="0"/>
+            <a:ext cx="12192000" cy="707669"/>
+          </a:xfrm>
+          <a:prstGeom prst="rect">
+            <a:avLst/>
+          </a:prstGeom>
+          <a:solidFill>
+            <a:schemeClr val="accent6">
+              <a:lumMod val="60000"/>
+              <a:lumOff val="40000"/>
+            </a:schemeClr>
+          </a:solidFill>
+          <a:ln>
+            <a:solidFill>
+              <a:schemeClr val="accent1">
+                <a:lumMod val="60000"/>
+                <a:lumOff val="40000"/>
+              </a:schemeClr>
+            </a:solidFill>
+          </a:ln>
+        </p:spPr>
+        <p:txBody>
+          <a:bodyPr vert="horz" lIns="91440" tIns="45720" rIns="91440" bIns="45720" rtlCol="0">
+            <a:normAutofit/>
+          </a:bodyPr>
+          <a:lstStyle>
+            <a:lvl1pPr marL="0" indent="0" algn="ctr" defTabSz="914400" rtl="0" eaLnBrk="1" latinLnBrk="0" hangingPunct="1">
+              <a:lnSpc>
+                <a:spcPct val="90000"/>
+              </a:lnSpc>
+              <a:spcBef>
+                <a:spcPts val="1000"/>
+              </a:spcBef>
+              <a:buFont typeface="Arial" panose="020B0604020202020204" pitchFamily="34" charset="0"/>
+              <a:buNone/>
+              <a:defRPr sz="2400" kern="1200">
+                <a:solidFill>
+                  <a:schemeClr val="tx1"/>
+                </a:solidFill>
+                <a:latin typeface="+mn-lt"/>
+                <a:ea typeface="+mn-ea"/>
+                <a:cs typeface="+mn-cs"/>
+              </a:defRPr>
+            </a:lvl1pPr>
+            <a:lvl2pPr marL="457200" indent="0" algn="ctr" defTabSz="914400" rtl="0" eaLnBrk="1" latinLnBrk="0" hangingPunct="1">
+              <a:lnSpc>
+                <a:spcPct val="90000"/>
+              </a:lnSpc>
+              <a:spcBef>
+                <a:spcPts val="500"/>
+              </a:spcBef>
+              <a:buFont typeface="Arial" panose="020B0604020202020204" pitchFamily="34" charset="0"/>
+              <a:buNone/>
+              <a:defRPr sz="2000" kern="1200">
+                <a:solidFill>
+                  <a:schemeClr val="tx1"/>
+                </a:solidFill>
+                <a:latin typeface="+mn-lt"/>
+                <a:ea typeface="+mn-ea"/>
+                <a:cs typeface="+mn-cs"/>
+              </a:defRPr>
+            </a:lvl2pPr>
+            <a:lvl3pPr marL="914400" indent="0" algn="ctr" defTabSz="914400" rtl="0" eaLnBrk="1" latinLnBrk="0" hangingPunct="1">
+              <a:lnSpc>
+                <a:spcPct val="90000"/>
+              </a:lnSpc>
+              <a:spcBef>
+                <a:spcPts val="500"/>
+              </a:spcBef>
+              <a:buFont typeface="Arial" panose="020B0604020202020204" pitchFamily="34" charset="0"/>
+              <a:buNone/>
+              <a:defRPr sz="1800" kern="1200">
+                <a:solidFill>
+                  <a:schemeClr val="tx1"/>
+                </a:solidFill>
+                <a:latin typeface="+mn-lt"/>
+                <a:ea typeface="+mn-ea"/>
+                <a:cs typeface="+mn-cs"/>
+              </a:defRPr>
+            </a:lvl3pPr>
+            <a:lvl4pPr marL="1371600" indent="0" algn="ctr" defTabSz="914400" rtl="0" eaLnBrk="1" latinLnBrk="0" hangingPunct="1">
+              <a:lnSpc>
+                <a:spcPct val="90000"/>
+              </a:lnSpc>
+              <a:spcBef>
+                <a:spcPts val="500"/>
+              </a:spcBef>
+              <a:buFont typeface="Arial" panose="020B0604020202020204" pitchFamily="34" charset="0"/>
+              <a:buNone/>
+              <a:defRPr sz="1600" kern="1200">
+                <a:solidFill>
+                  <a:schemeClr val="tx1"/>
+                </a:solidFill>
+                <a:latin typeface="+mn-lt"/>
+                <a:ea typeface="+mn-ea"/>
+                <a:cs typeface="+mn-cs"/>
+              </a:defRPr>
+            </a:lvl4pPr>
+            <a:lvl5pPr marL="1828800" indent="0" algn="ctr" defTabSz="914400" rtl="0" eaLnBrk="1" latinLnBrk="0" hangingPunct="1">
+              <a:lnSpc>
+                <a:spcPct val="90000"/>
+              </a:lnSpc>
+              <a:spcBef>
+                <a:spcPts val="500"/>
+              </a:spcBef>
+              <a:buFont typeface="Arial" panose="020B0604020202020204" pitchFamily="34" charset="0"/>
+              <a:buNone/>
+              <a:defRPr sz="1600" kern="1200">
+                <a:solidFill>
+                  <a:schemeClr val="tx1"/>
+                </a:solidFill>
+                <a:latin typeface="+mn-lt"/>
+                <a:ea typeface="+mn-ea"/>
+                <a:cs typeface="+mn-cs"/>
+              </a:defRPr>
+            </a:lvl5pPr>
+            <a:lvl6pPr marL="2286000" indent="0" algn="ctr" defTabSz="914400" rtl="0" eaLnBrk="1" latinLnBrk="0" hangingPunct="1">
+              <a:lnSpc>
+                <a:spcPct val="90000"/>
+              </a:lnSpc>
+              <a:spcBef>
+                <a:spcPts val="500"/>
+              </a:spcBef>
+              <a:buFont typeface="Arial" panose="020B0604020202020204" pitchFamily="34" charset="0"/>
+              <a:buNone/>
+              <a:defRPr sz="1600" kern="1200">
+                <a:solidFill>
+                  <a:schemeClr val="tx1"/>
+                </a:solidFill>
+                <a:latin typeface="+mn-lt"/>
+                <a:ea typeface="+mn-ea"/>
+                <a:cs typeface="+mn-cs"/>
+              </a:defRPr>
+            </a:lvl6pPr>
+            <a:lvl7pPr marL="2743200" indent="0" algn="ctr" defTabSz="914400" rtl="0" eaLnBrk="1" latinLnBrk="0" hangingPunct="1">
+              <a:lnSpc>
+                <a:spcPct val="90000"/>
+              </a:lnSpc>
+              <a:spcBef>
+                <a:spcPts val="500"/>
+              </a:spcBef>
+              <a:buFont typeface="Arial" panose="020B0604020202020204" pitchFamily="34" charset="0"/>
+              <a:buNone/>
+              <a:defRPr sz="1600" kern="1200">
+                <a:solidFill>
+                  <a:schemeClr val="tx1"/>
+                </a:solidFill>
+                <a:latin typeface="+mn-lt"/>
+                <a:ea typeface="+mn-ea"/>
+                <a:cs typeface="+mn-cs"/>
+              </a:defRPr>
+            </a:lvl7pPr>
+            <a:lvl8pPr marL="3200400" indent="0" algn="ctr" defTabSz="914400" rtl="0" eaLnBrk="1" latinLnBrk="0" hangingPunct="1">
+              <a:lnSpc>
+                <a:spcPct val="90000"/>
+              </a:lnSpc>
+              <a:spcBef>
+                <a:spcPts val="500"/>
+              </a:spcBef>
+              <a:buFont typeface="Arial" panose="020B0604020202020204" pitchFamily="34" charset="0"/>
+              <a:buNone/>
+              <a:defRPr sz="1600" kern="1200">
+                <a:solidFill>
+                  <a:schemeClr val="tx1"/>
+                </a:solidFill>
+                <a:latin typeface="+mn-lt"/>
+                <a:ea typeface="+mn-ea"/>
+                <a:cs typeface="+mn-cs"/>
+              </a:defRPr>
+            </a:lvl8pPr>
+            <a:lvl9pPr marL="3657600" indent="0" algn="ctr" defTabSz="914400" rtl="0" eaLnBrk="1" latinLnBrk="0" hangingPunct="1">
+              <a:lnSpc>
+                <a:spcPct val="90000"/>
+              </a:lnSpc>
+              <a:spcBef>
+                <a:spcPts val="500"/>
+              </a:spcBef>
+              <a:buFont typeface="Arial" panose="020B0604020202020204" pitchFamily="34" charset="0"/>
+              <a:buNone/>
+              <a:defRPr sz="1600" kern="1200">
+                <a:solidFill>
+                  <a:schemeClr val="tx1"/>
+                </a:solidFill>
+                <a:latin typeface="+mn-lt"/>
+                <a:ea typeface="+mn-ea"/>
+                <a:cs typeface="+mn-cs"/>
+              </a:defRPr>
+            </a:lvl9pPr>
+          </a:lstStyle>
+          <a:p>
+            <a:pPr algn="l"/>
+            <a:r>
+              <a:rPr lang="zh-CN" altLang="en-US" sz="1600" dirty="0">
+                <a:solidFill>
+                  <a:srgbClr val="0070C0"/>
+                </a:solidFill>
+              </a:rPr>
+              <a:t>题库 </a:t>
+            </a:r>
+            <a:r>
+              <a:rPr lang="en-US" altLang="zh-CN" sz="1600" dirty="0">
+                <a:solidFill>
+                  <a:srgbClr val="0070C0"/>
+                </a:solidFill>
+              </a:rPr>
+              <a:t>&gt;</a:t>
+            </a:r>
+            <a:r>
+              <a:rPr lang="zh-CN" altLang="en-US" sz="1600" dirty="0">
+                <a:solidFill>
+                  <a:srgbClr val="0070C0"/>
+                </a:solidFill>
+              </a:rPr>
+              <a:t> 题库浏览 </a:t>
+            </a:r>
+            <a:r>
+              <a:rPr lang="en-US" altLang="zh-CN" sz="1600" dirty="0">
+                <a:solidFill>
+                  <a:srgbClr val="0070C0"/>
+                </a:solidFill>
+              </a:rPr>
+              <a:t>&gt;</a:t>
+            </a:r>
+            <a:r>
+              <a:rPr lang="zh-CN" altLang="en-US" sz="1600" dirty="0">
+                <a:solidFill>
+                  <a:srgbClr val="0070C0"/>
+                </a:solidFill>
+              </a:rPr>
+              <a:t> </a:t>
+            </a:r>
+            <a:r>
+              <a:rPr lang="zh-CN" altLang="zh-CN" sz="1600" dirty="0">
+                <a:solidFill>
+                  <a:srgbClr val="0070C0"/>
+                </a:solidFill>
+              </a:rPr>
+              <a:t>教师题库 </a:t>
+            </a:r>
+            <a:r>
+              <a:rPr lang="en-US" altLang="zh-CN" sz="1600" dirty="0">
+                <a:solidFill>
+                  <a:srgbClr val="0070C0"/>
+                </a:solidFill>
+              </a:rPr>
+              <a:t>&gt; </a:t>
+            </a:r>
+            <a:r>
+              <a:rPr lang="zh-CN" altLang="zh-CN" sz="1600" dirty="0">
+                <a:solidFill>
+                  <a:srgbClr val="0070C0"/>
+                </a:solidFill>
+              </a:rPr>
+              <a:t>我的试题</a:t>
+            </a:r>
+            <a:endParaRPr lang="zh-CN" altLang="en-US" sz="1600" dirty="0">
+              <a:solidFill>
+                <a:srgbClr val="0070C0"/>
+              </a:solidFill>
+            </a:endParaRPr>
+          </a:p>
+        </p:txBody>
+      </p:sp>
+      <p:sp>
+        <p:nvSpPr>
+          <p:cNvPr id="11" name="副标题 2">
+            <a:extLst>
+              <a:ext uri="{FF2B5EF4-FFF2-40B4-BE49-F238E27FC236}">
+                <a16:creationId xmlns:a16="http://schemas.microsoft.com/office/drawing/2014/main" id="{B518E569-1FE7-4B73-9133-E384A9D677AB}"/>
+              </a:ext>
+            </a:extLst>
+          </p:cNvPr>
+          <p:cNvSpPr txBox="1">
+            <a:spLocks/>
+          </p:cNvSpPr>
+          <p:nvPr/>
+        </p:nvSpPr>
+        <p:spPr>
+          <a:xfrm>
+            <a:off x="0" y="5374888"/>
+            <a:ext cx="12192000" cy="1483112"/>
+          </a:xfrm>
+          <a:prstGeom prst="rect">
+            <a:avLst/>
+          </a:prstGeom>
+          <a:solidFill>
+            <a:schemeClr val="accent5"/>
+          </a:solidFill>
+          <a:ln>
+            <a:solidFill>
+              <a:schemeClr val="accent1">
+                <a:lumMod val="60000"/>
+                <a:lumOff val="40000"/>
+              </a:schemeClr>
+            </a:solidFill>
+          </a:ln>
+        </p:spPr>
+        <p:txBody>
+          <a:bodyPr vert="horz" lIns="91440" tIns="45720" rIns="91440" bIns="45720" rtlCol="0">
+            <a:normAutofit/>
+          </a:bodyPr>
+          <a:lstStyle>
+            <a:lvl1pPr marL="0" indent="0" algn="ctr" defTabSz="914400" rtl="0" eaLnBrk="1" latinLnBrk="0" hangingPunct="1">
+              <a:lnSpc>
+                <a:spcPct val="90000"/>
+              </a:lnSpc>
+              <a:spcBef>
+                <a:spcPts val="1000"/>
+              </a:spcBef>
+              <a:buFont typeface="Arial" panose="020B0604020202020204" pitchFamily="34" charset="0"/>
+              <a:buNone/>
+              <a:defRPr sz="2400" kern="1200">
+                <a:solidFill>
+                  <a:schemeClr val="tx1"/>
+                </a:solidFill>
+                <a:latin typeface="+mn-lt"/>
+                <a:ea typeface="+mn-ea"/>
+                <a:cs typeface="+mn-cs"/>
+              </a:defRPr>
+            </a:lvl1pPr>
+            <a:lvl2pPr marL="457200" indent="0" algn="ctr" defTabSz="914400" rtl="0" eaLnBrk="1" latinLnBrk="0" hangingPunct="1">
+              <a:lnSpc>
+                <a:spcPct val="90000"/>
+              </a:lnSpc>
+              <a:spcBef>
+                <a:spcPts val="500"/>
+              </a:spcBef>
+              <a:buFont typeface="Arial" panose="020B0604020202020204" pitchFamily="34" charset="0"/>
+              <a:buNone/>
+              <a:defRPr sz="2000" kern="1200">
+                <a:solidFill>
+                  <a:schemeClr val="tx1"/>
+                </a:solidFill>
+                <a:latin typeface="+mn-lt"/>
+                <a:ea typeface="+mn-ea"/>
+                <a:cs typeface="+mn-cs"/>
+              </a:defRPr>
+            </a:lvl2pPr>
+            <a:lvl3pPr marL="914400" indent="0" algn="ctr" defTabSz="914400" rtl="0" eaLnBrk="1" latinLnBrk="0" hangingPunct="1">
+              <a:lnSpc>
+                <a:spcPct val="90000"/>
+              </a:lnSpc>
+              <a:spcBef>
+                <a:spcPts val="500"/>
+              </a:spcBef>
+              <a:buFont typeface="Arial" panose="020B0604020202020204" pitchFamily="34" charset="0"/>
+              <a:buNone/>
+              <a:defRPr sz="1800" kern="1200">
+                <a:solidFill>
+                  <a:schemeClr val="tx1"/>
+                </a:solidFill>
+                <a:latin typeface="+mn-lt"/>
+                <a:ea typeface="+mn-ea"/>
+                <a:cs typeface="+mn-cs"/>
+              </a:defRPr>
+            </a:lvl3pPr>
+            <a:lvl4pPr marL="1371600" indent="0" algn="ctr" defTabSz="914400" rtl="0" eaLnBrk="1" latinLnBrk="0" hangingPunct="1">
+              <a:lnSpc>
+                <a:spcPct val="90000"/>
+              </a:lnSpc>
+              <a:spcBef>
+                <a:spcPts val="500"/>
+              </a:spcBef>
+              <a:buFont typeface="Arial" panose="020B0604020202020204" pitchFamily="34" charset="0"/>
+              <a:buNone/>
+              <a:defRPr sz="1600" kern="1200">
+                <a:solidFill>
+                  <a:schemeClr val="tx1"/>
+                </a:solidFill>
+                <a:latin typeface="+mn-lt"/>
+                <a:ea typeface="+mn-ea"/>
+                <a:cs typeface="+mn-cs"/>
+              </a:defRPr>
+            </a:lvl4pPr>
+            <a:lvl5pPr marL="1828800" indent="0" algn="ctr" defTabSz="914400" rtl="0" eaLnBrk="1" latinLnBrk="0" hangingPunct="1">
+              <a:lnSpc>
+                <a:spcPct val="90000"/>
+              </a:lnSpc>
+              <a:spcBef>
+                <a:spcPts val="500"/>
+              </a:spcBef>
+              <a:buFont typeface="Arial" panose="020B0604020202020204" pitchFamily="34" charset="0"/>
+              <a:buNone/>
+              <a:defRPr sz="1600" kern="1200">
+                <a:solidFill>
+                  <a:schemeClr val="tx1"/>
+                </a:solidFill>
+                <a:latin typeface="+mn-lt"/>
+                <a:ea typeface="+mn-ea"/>
+                <a:cs typeface="+mn-cs"/>
+              </a:defRPr>
+            </a:lvl5pPr>
+            <a:lvl6pPr marL="2286000" indent="0" algn="ctr" defTabSz="914400" rtl="0" eaLnBrk="1" latinLnBrk="0" hangingPunct="1">
+              <a:lnSpc>
+                <a:spcPct val="90000"/>
+              </a:lnSpc>
+              <a:spcBef>
+                <a:spcPts val="500"/>
+              </a:spcBef>
+              <a:buFont typeface="Arial" panose="020B0604020202020204" pitchFamily="34" charset="0"/>
+              <a:buNone/>
+              <a:defRPr sz="1600" kern="1200">
+                <a:solidFill>
+                  <a:schemeClr val="tx1"/>
+                </a:solidFill>
+                <a:latin typeface="+mn-lt"/>
+                <a:ea typeface="+mn-ea"/>
+                <a:cs typeface="+mn-cs"/>
+              </a:defRPr>
+            </a:lvl6pPr>
+            <a:lvl7pPr marL="2743200" indent="0" algn="ctr" defTabSz="914400" rtl="0" eaLnBrk="1" latinLnBrk="0" hangingPunct="1">
+              <a:lnSpc>
+                <a:spcPct val="90000"/>
+              </a:lnSpc>
+              <a:spcBef>
+                <a:spcPts val="500"/>
+              </a:spcBef>
+              <a:buFont typeface="Arial" panose="020B0604020202020204" pitchFamily="34" charset="0"/>
+              <a:buNone/>
+              <a:defRPr sz="1600" kern="1200">
+                <a:solidFill>
+                  <a:schemeClr val="tx1"/>
+                </a:solidFill>
+                <a:latin typeface="+mn-lt"/>
+                <a:ea typeface="+mn-ea"/>
+                <a:cs typeface="+mn-cs"/>
+              </a:defRPr>
+            </a:lvl7pPr>
+            <a:lvl8pPr marL="3200400" indent="0" algn="ctr" defTabSz="914400" rtl="0" eaLnBrk="1" latinLnBrk="0" hangingPunct="1">
+              <a:lnSpc>
+                <a:spcPct val="90000"/>
+              </a:lnSpc>
+              <a:spcBef>
+                <a:spcPts val="500"/>
+              </a:spcBef>
+              <a:buFont typeface="Arial" panose="020B0604020202020204" pitchFamily="34" charset="0"/>
+              <a:buNone/>
+              <a:defRPr sz="1600" kern="1200">
+                <a:solidFill>
+                  <a:schemeClr val="tx1"/>
+                </a:solidFill>
+                <a:latin typeface="+mn-lt"/>
+                <a:ea typeface="+mn-ea"/>
+                <a:cs typeface="+mn-cs"/>
+              </a:defRPr>
+            </a:lvl8pPr>
+            <a:lvl9pPr marL="3657600" indent="0" algn="ctr" defTabSz="914400" rtl="0" eaLnBrk="1" latinLnBrk="0" hangingPunct="1">
+              <a:lnSpc>
+                <a:spcPct val="90000"/>
+              </a:lnSpc>
+              <a:spcBef>
+                <a:spcPts val="500"/>
+              </a:spcBef>
+              <a:buFont typeface="Arial" panose="020B0604020202020204" pitchFamily="34" charset="0"/>
+              <a:buNone/>
+              <a:defRPr sz="1600" kern="1200">
+                <a:solidFill>
+                  <a:schemeClr val="tx1"/>
+                </a:solidFill>
+                <a:latin typeface="+mn-lt"/>
+                <a:ea typeface="+mn-ea"/>
+                <a:cs typeface="+mn-cs"/>
+              </a:defRPr>
+            </a:lvl9pPr>
+          </a:lstStyle>
+          <a:p>
+            <a:pPr algn="l"/>
+            <a:r>
+              <a:rPr lang="zh-CN" altLang="en-US" sz="1600" dirty="0">
+                <a:solidFill>
+                  <a:schemeClr val="bg1"/>
+                </a:solidFill>
+              </a:rPr>
+              <a:t>问题描述：</a:t>
+            </a:r>
+            <a:endParaRPr lang="en-US" altLang="zh-CN" sz="1600" dirty="0">
+              <a:solidFill>
+                <a:schemeClr val="bg1"/>
+              </a:solidFill>
+            </a:endParaRPr>
+          </a:p>
+          <a:p>
+            <a:pPr marL="342900" indent="-342900" algn="l">
+              <a:buAutoNum type="arabicPeriod"/>
+            </a:pPr>
+            <a:r>
+              <a:rPr lang="zh-CN" altLang="en-US" sz="1600" dirty="0">
+                <a:solidFill>
+                  <a:schemeClr val="bg1"/>
+                </a:solidFill>
+              </a:rPr>
+              <a:t>（</a:t>
+            </a:r>
+            <a:r>
+              <a:rPr lang="en-US" altLang="zh-CN" sz="1600" dirty="0">
+                <a:solidFill>
+                  <a:schemeClr val="bg1"/>
+                </a:solidFill>
+              </a:rPr>
+              <a:t>UI</a:t>
+            </a:r>
+            <a:r>
+              <a:rPr lang="zh-CN" altLang="en-US" sz="1600" dirty="0">
+                <a:solidFill>
+                  <a:schemeClr val="bg1"/>
+                </a:solidFill>
+              </a:rPr>
+              <a:t>）正确率改成“得分率”</a:t>
+            </a:r>
+            <a:endParaRPr lang="en-US" altLang="zh-CN" sz="1600" dirty="0">
+              <a:solidFill>
+                <a:schemeClr val="bg1"/>
+              </a:solidFill>
+            </a:endParaRPr>
+          </a:p>
+          <a:p>
+            <a:pPr marL="342900" indent="-342900" algn="l">
+              <a:buAutoNum type="arabicPeriod"/>
+            </a:pPr>
+            <a:r>
+              <a:rPr lang="zh-CN" altLang="en-US" sz="1600" dirty="0">
+                <a:solidFill>
+                  <a:schemeClr val="bg1"/>
+                </a:solidFill>
+              </a:rPr>
+              <a:t>（</a:t>
+            </a:r>
+            <a:r>
+              <a:rPr lang="en-US" altLang="zh-CN" sz="1600" dirty="0">
+                <a:solidFill>
+                  <a:schemeClr val="bg1"/>
+                </a:solidFill>
+              </a:rPr>
+              <a:t>UI</a:t>
+            </a:r>
+            <a:r>
+              <a:rPr lang="zh-CN" altLang="en-US" sz="1600" dirty="0">
+                <a:solidFill>
+                  <a:schemeClr val="bg1"/>
+                </a:solidFill>
+              </a:rPr>
+              <a:t>）去掉知识点复合度</a:t>
+            </a:r>
+            <a:endParaRPr lang="en-US" altLang="zh-CN" sz="1600" dirty="0">
+              <a:solidFill>
+                <a:schemeClr val="bg1"/>
+              </a:solidFill>
+            </a:endParaRPr>
+          </a:p>
+          <a:p>
+            <a:pPr marL="342900" indent="-342900" algn="l">
+              <a:buAutoNum type="arabicPeriod"/>
+            </a:pPr>
+            <a:r>
+              <a:rPr lang="zh-CN" altLang="en-US" sz="1600" dirty="0">
+                <a:solidFill>
+                  <a:schemeClr val="bg1"/>
+                </a:solidFill>
+              </a:rPr>
+              <a:t>（</a:t>
+            </a:r>
+            <a:r>
+              <a:rPr lang="en-US" altLang="zh-CN" sz="1600" dirty="0">
+                <a:solidFill>
+                  <a:schemeClr val="bg1"/>
+                </a:solidFill>
+              </a:rPr>
+              <a:t>UI</a:t>
+            </a:r>
+            <a:r>
+              <a:rPr lang="zh-CN" altLang="en-US" sz="1600" dirty="0">
+                <a:solidFill>
+                  <a:schemeClr val="bg1"/>
+                </a:solidFill>
+              </a:rPr>
+              <a:t>）筛选缺少学部，放在题库范围和科目之间</a:t>
+            </a:r>
+            <a:endParaRPr lang="en-US" altLang="zh-CN" sz="1600" dirty="0">
+              <a:solidFill>
+                <a:schemeClr val="bg1"/>
+              </a:solidFill>
+            </a:endParaRPr>
+          </a:p>
+        </p:txBody>
+      </p:sp>
+      <p:pic>
+        <p:nvPicPr>
+          <p:cNvPr id="4" name="Picture 3">
+            <a:extLst>
+              <a:ext uri="{FF2B5EF4-FFF2-40B4-BE49-F238E27FC236}">
+                <a16:creationId xmlns:a16="http://schemas.microsoft.com/office/drawing/2014/main" id="{59EFC627-BDE7-4192-AB37-391D04C781B1}"/>
+              </a:ext>
+            </a:extLst>
+          </p:cNvPr>
+          <p:cNvPicPr>
+            <a:picLocks noChangeAspect="1"/>
+          </p:cNvPicPr>
+          <p:nvPr/>
+        </p:nvPicPr>
+        <p:blipFill>
+          <a:blip r:embed="rId2"/>
+          <a:stretch>
+            <a:fillRect/>
+          </a:stretch>
+        </p:blipFill>
+        <p:spPr>
+          <a:xfrm>
+            <a:off x="0" y="912436"/>
+            <a:ext cx="5341433" cy="4364252"/>
+          </a:xfrm>
+          <a:prstGeom prst="rect">
+            <a:avLst/>
+          </a:prstGeom>
+        </p:spPr>
+      </p:pic>
+    </p:spTree>
+    <p:extLst>
+      <p:ext uri="{BB962C8B-B14F-4D97-AF65-F5344CB8AC3E}">
+        <p14:creationId xmlns:p14="http://schemas.microsoft.com/office/powerpoint/2010/main" val="465624411"/>
+      </p:ext>
+    </p:extLst>
+  </p:cSld>
+  <p:clrMapOvr>
+    <a:masterClrMapping/>
+  </p:clrMapOvr>
+</p:sld>
+</file>
+
+<file path=ppt/slides/slide2.xml><?xml version="1.0" encoding="utf-8"?>
+<p:sld xmlns:a="http://schemas.openxmlformats.org/drawingml/2006/main" xmlns:r="http://schemas.openxmlformats.org/officeDocument/2006/relationships" xmlns:p="http://schemas.openxmlformats.org/presentationml/2006/main">
+  <p:cSld>
+    <p:spTree>
+      <p:nvGrpSpPr>
+        <p:cNvPr id="1" name=""/>
+        <p:cNvGrpSpPr/>
+        <p:nvPr/>
+      </p:nvGrpSpPr>
+      <p:grpSpPr>
+        <a:xfrm>
+          <a:off x="0" y="0"/>
+          <a:ext cx="0" cy="0"/>
+          <a:chOff x="0" y="0"/>
+          <a:chExt cx="0" cy="0"/>
+        </a:xfrm>
+      </p:grpSpPr>
+      <p:sp>
+        <p:nvSpPr>
+          <p:cNvPr id="10" name="副标题 2">
+            <a:extLst>
+              <a:ext uri="{FF2B5EF4-FFF2-40B4-BE49-F238E27FC236}">
+                <a16:creationId xmlns:a16="http://schemas.microsoft.com/office/drawing/2014/main" id="{42AE8C01-7BF1-4C58-90BD-31448E7C5E9B}"/>
+              </a:ext>
+            </a:extLst>
+          </p:cNvPr>
+          <p:cNvSpPr txBox="1">
+            <a:spLocks/>
+          </p:cNvSpPr>
+          <p:nvPr/>
+        </p:nvSpPr>
+        <p:spPr>
+          <a:xfrm>
+            <a:off x="0" y="0"/>
+            <a:ext cx="12192000" cy="707669"/>
+          </a:xfrm>
+          <a:prstGeom prst="rect">
+            <a:avLst/>
+          </a:prstGeom>
+          <a:solidFill>
+            <a:schemeClr val="accent6">
+              <a:lumMod val="60000"/>
+              <a:lumOff val="40000"/>
+            </a:schemeClr>
+          </a:solidFill>
+          <a:ln>
+            <a:solidFill>
+              <a:schemeClr val="accent1">
+                <a:lumMod val="60000"/>
+                <a:lumOff val="40000"/>
+              </a:schemeClr>
+            </a:solidFill>
+          </a:ln>
+        </p:spPr>
+        <p:txBody>
+          <a:bodyPr vert="horz" lIns="91440" tIns="45720" rIns="91440" bIns="45720" rtlCol="0">
+            <a:normAutofit/>
+          </a:bodyPr>
+          <a:lstStyle>
+            <a:lvl1pPr marL="0" indent="0" algn="ctr" defTabSz="914400" rtl="0" eaLnBrk="1" latinLnBrk="0" hangingPunct="1">
+              <a:lnSpc>
+                <a:spcPct val="90000"/>
+              </a:lnSpc>
+              <a:spcBef>
+                <a:spcPts val="1000"/>
+              </a:spcBef>
+              <a:buFont typeface="Arial" panose="020B0604020202020204" pitchFamily="34" charset="0"/>
+              <a:buNone/>
+              <a:defRPr sz="2400" kern="1200">
+                <a:solidFill>
+                  <a:schemeClr val="tx1"/>
+                </a:solidFill>
+                <a:latin typeface="+mn-lt"/>
+                <a:ea typeface="+mn-ea"/>
+                <a:cs typeface="+mn-cs"/>
+              </a:defRPr>
+            </a:lvl1pPr>
+            <a:lvl2pPr marL="457200" indent="0" algn="ctr" defTabSz="914400" rtl="0" eaLnBrk="1" latinLnBrk="0" hangingPunct="1">
+              <a:lnSpc>
+                <a:spcPct val="90000"/>
+              </a:lnSpc>
+              <a:spcBef>
+                <a:spcPts val="500"/>
+              </a:spcBef>
+              <a:buFont typeface="Arial" panose="020B0604020202020204" pitchFamily="34" charset="0"/>
+              <a:buNone/>
+              <a:defRPr sz="2000" kern="1200">
+                <a:solidFill>
+                  <a:schemeClr val="tx1"/>
+                </a:solidFill>
+                <a:latin typeface="+mn-lt"/>
+                <a:ea typeface="+mn-ea"/>
+                <a:cs typeface="+mn-cs"/>
+              </a:defRPr>
+            </a:lvl2pPr>
+            <a:lvl3pPr marL="914400" indent="0" algn="ctr" defTabSz="914400" rtl="0" eaLnBrk="1" latinLnBrk="0" hangingPunct="1">
+              <a:lnSpc>
+                <a:spcPct val="90000"/>
+              </a:lnSpc>
+              <a:spcBef>
+                <a:spcPts val="500"/>
+              </a:spcBef>
+              <a:buFont typeface="Arial" panose="020B0604020202020204" pitchFamily="34" charset="0"/>
+              <a:buNone/>
+              <a:defRPr sz="1800" kern="1200">
+                <a:solidFill>
+                  <a:schemeClr val="tx1"/>
+                </a:solidFill>
+                <a:latin typeface="+mn-lt"/>
+                <a:ea typeface="+mn-ea"/>
+                <a:cs typeface="+mn-cs"/>
+              </a:defRPr>
+            </a:lvl3pPr>
+            <a:lvl4pPr marL="1371600" indent="0" algn="ctr" defTabSz="914400" rtl="0" eaLnBrk="1" latinLnBrk="0" hangingPunct="1">
+              <a:lnSpc>
+                <a:spcPct val="90000"/>
+              </a:lnSpc>
+              <a:spcBef>
+                <a:spcPts val="500"/>
+              </a:spcBef>
+              <a:buFont typeface="Arial" panose="020B0604020202020204" pitchFamily="34" charset="0"/>
+              <a:buNone/>
+              <a:defRPr sz="1600" kern="1200">
+                <a:solidFill>
+                  <a:schemeClr val="tx1"/>
+                </a:solidFill>
+                <a:latin typeface="+mn-lt"/>
+                <a:ea typeface="+mn-ea"/>
+                <a:cs typeface="+mn-cs"/>
+              </a:defRPr>
+            </a:lvl4pPr>
+            <a:lvl5pPr marL="1828800" indent="0" algn="ctr" defTabSz="914400" rtl="0" eaLnBrk="1" latinLnBrk="0" hangingPunct="1">
+              <a:lnSpc>
+                <a:spcPct val="90000"/>
+              </a:lnSpc>
+              <a:spcBef>
+                <a:spcPts val="500"/>
+              </a:spcBef>
+              <a:buFont typeface="Arial" panose="020B0604020202020204" pitchFamily="34" charset="0"/>
+              <a:buNone/>
+              <a:defRPr sz="1600" kern="1200">
+                <a:solidFill>
+                  <a:schemeClr val="tx1"/>
+                </a:solidFill>
+                <a:latin typeface="+mn-lt"/>
+                <a:ea typeface="+mn-ea"/>
+                <a:cs typeface="+mn-cs"/>
+              </a:defRPr>
+            </a:lvl5pPr>
+            <a:lvl6pPr marL="2286000" indent="0" algn="ctr" defTabSz="914400" rtl="0" eaLnBrk="1" latinLnBrk="0" hangingPunct="1">
+              <a:lnSpc>
+                <a:spcPct val="90000"/>
+              </a:lnSpc>
+              <a:spcBef>
+                <a:spcPts val="500"/>
+              </a:spcBef>
+              <a:buFont typeface="Arial" panose="020B0604020202020204" pitchFamily="34" charset="0"/>
+              <a:buNone/>
+              <a:defRPr sz="1600" kern="1200">
+                <a:solidFill>
+                  <a:schemeClr val="tx1"/>
+                </a:solidFill>
+                <a:latin typeface="+mn-lt"/>
+                <a:ea typeface="+mn-ea"/>
+                <a:cs typeface="+mn-cs"/>
+              </a:defRPr>
+            </a:lvl6pPr>
+            <a:lvl7pPr marL="2743200" indent="0" algn="ctr" defTabSz="914400" rtl="0" eaLnBrk="1" latinLnBrk="0" hangingPunct="1">
+              <a:lnSpc>
+                <a:spcPct val="90000"/>
+              </a:lnSpc>
+              <a:spcBef>
+                <a:spcPts val="500"/>
+              </a:spcBef>
+              <a:buFont typeface="Arial" panose="020B0604020202020204" pitchFamily="34" charset="0"/>
+              <a:buNone/>
+              <a:defRPr sz="1600" kern="1200">
+                <a:solidFill>
+                  <a:schemeClr val="tx1"/>
+                </a:solidFill>
+                <a:latin typeface="+mn-lt"/>
+                <a:ea typeface="+mn-ea"/>
+                <a:cs typeface="+mn-cs"/>
+              </a:defRPr>
+            </a:lvl7pPr>
+            <a:lvl8pPr marL="3200400" indent="0" algn="ctr" defTabSz="914400" rtl="0" eaLnBrk="1" latinLnBrk="0" hangingPunct="1">
+              <a:lnSpc>
+                <a:spcPct val="90000"/>
+              </a:lnSpc>
+              <a:spcBef>
+                <a:spcPts val="500"/>
+              </a:spcBef>
+              <a:buFont typeface="Arial" panose="020B0604020202020204" pitchFamily="34" charset="0"/>
+              <a:buNone/>
+              <a:defRPr sz="1600" kern="1200">
+                <a:solidFill>
+                  <a:schemeClr val="tx1"/>
+                </a:solidFill>
+                <a:latin typeface="+mn-lt"/>
+                <a:ea typeface="+mn-ea"/>
+                <a:cs typeface="+mn-cs"/>
+              </a:defRPr>
+            </a:lvl8pPr>
+            <a:lvl9pPr marL="3657600" indent="0" algn="ctr" defTabSz="914400" rtl="0" eaLnBrk="1" latinLnBrk="0" hangingPunct="1">
+              <a:lnSpc>
+                <a:spcPct val="90000"/>
+              </a:lnSpc>
+              <a:spcBef>
+                <a:spcPts val="500"/>
+              </a:spcBef>
+              <a:buFont typeface="Arial" panose="020B0604020202020204" pitchFamily="34" charset="0"/>
+              <a:buNone/>
+              <a:defRPr sz="1600" kern="1200">
+                <a:solidFill>
+                  <a:schemeClr val="tx1"/>
+                </a:solidFill>
+                <a:latin typeface="+mn-lt"/>
+                <a:ea typeface="+mn-ea"/>
+                <a:cs typeface="+mn-cs"/>
+              </a:defRPr>
+            </a:lvl9pPr>
+          </a:lstStyle>
+          <a:p>
+            <a:pPr algn="l"/>
+            <a:r>
+              <a:rPr lang="zh-CN" altLang="en-US" sz="1600" dirty="0"/>
+              <a:t>翻页</a:t>
+            </a:r>
+          </a:p>
+        </p:txBody>
+      </p:sp>
+      <p:sp>
+        <p:nvSpPr>
+          <p:cNvPr id="11" name="副标题 2">
+            <a:extLst>
+              <a:ext uri="{FF2B5EF4-FFF2-40B4-BE49-F238E27FC236}">
+                <a16:creationId xmlns:a16="http://schemas.microsoft.com/office/drawing/2014/main" id="{B518E569-1FE7-4B73-9133-E384A9D677AB}"/>
+              </a:ext>
+            </a:extLst>
+          </p:cNvPr>
+          <p:cNvSpPr txBox="1">
+            <a:spLocks/>
+          </p:cNvSpPr>
+          <p:nvPr/>
+        </p:nvSpPr>
+        <p:spPr>
+          <a:xfrm>
+            <a:off x="0" y="5615354"/>
+            <a:ext cx="12192000" cy="1242647"/>
+          </a:xfrm>
+          <a:prstGeom prst="rect">
+            <a:avLst/>
+          </a:prstGeom>
+          <a:solidFill>
+            <a:schemeClr val="accent5"/>
+          </a:solidFill>
+          <a:ln>
+            <a:solidFill>
+              <a:schemeClr val="accent1">
+                <a:lumMod val="60000"/>
+                <a:lumOff val="40000"/>
+              </a:schemeClr>
+            </a:solidFill>
+          </a:ln>
+        </p:spPr>
+        <p:txBody>
+          <a:bodyPr vert="horz" lIns="91440" tIns="45720" rIns="91440" bIns="45720" rtlCol="0">
+            <a:normAutofit/>
+          </a:bodyPr>
+          <a:lstStyle>
+            <a:lvl1pPr marL="0" indent="0" algn="ctr" defTabSz="914400" rtl="0" eaLnBrk="1" latinLnBrk="0" hangingPunct="1">
+              <a:lnSpc>
+                <a:spcPct val="90000"/>
+              </a:lnSpc>
+              <a:spcBef>
+                <a:spcPts val="1000"/>
+              </a:spcBef>
+              <a:buFont typeface="Arial" panose="020B0604020202020204" pitchFamily="34" charset="0"/>
+              <a:buNone/>
+              <a:defRPr sz="2400" kern="1200">
+                <a:solidFill>
+                  <a:schemeClr val="tx1"/>
+                </a:solidFill>
+                <a:latin typeface="+mn-lt"/>
+                <a:ea typeface="+mn-ea"/>
+                <a:cs typeface="+mn-cs"/>
+              </a:defRPr>
+            </a:lvl1pPr>
+            <a:lvl2pPr marL="457200" indent="0" algn="ctr" defTabSz="914400" rtl="0" eaLnBrk="1" latinLnBrk="0" hangingPunct="1">
+              <a:lnSpc>
+                <a:spcPct val="90000"/>
+              </a:lnSpc>
+              <a:spcBef>
+                <a:spcPts val="500"/>
+              </a:spcBef>
+              <a:buFont typeface="Arial" panose="020B0604020202020204" pitchFamily="34" charset="0"/>
+              <a:buNone/>
+              <a:defRPr sz="2000" kern="1200">
+                <a:solidFill>
+                  <a:schemeClr val="tx1"/>
+                </a:solidFill>
+                <a:latin typeface="+mn-lt"/>
+                <a:ea typeface="+mn-ea"/>
+                <a:cs typeface="+mn-cs"/>
+              </a:defRPr>
+            </a:lvl2pPr>
+            <a:lvl3pPr marL="914400" indent="0" algn="ctr" defTabSz="914400" rtl="0" eaLnBrk="1" latinLnBrk="0" hangingPunct="1">
+              <a:lnSpc>
+                <a:spcPct val="90000"/>
+              </a:lnSpc>
+              <a:spcBef>
+                <a:spcPts val="500"/>
+              </a:spcBef>
+              <a:buFont typeface="Arial" panose="020B0604020202020204" pitchFamily="34" charset="0"/>
+              <a:buNone/>
+              <a:defRPr sz="1800" kern="1200">
+                <a:solidFill>
+                  <a:schemeClr val="tx1"/>
+                </a:solidFill>
+                <a:latin typeface="+mn-lt"/>
+                <a:ea typeface="+mn-ea"/>
+                <a:cs typeface="+mn-cs"/>
+              </a:defRPr>
+            </a:lvl3pPr>
+            <a:lvl4pPr marL="1371600" indent="0" algn="ctr" defTabSz="914400" rtl="0" eaLnBrk="1" latinLnBrk="0" hangingPunct="1">
+              <a:lnSpc>
+                <a:spcPct val="90000"/>
+              </a:lnSpc>
+              <a:spcBef>
+                <a:spcPts val="500"/>
+              </a:spcBef>
+              <a:buFont typeface="Arial" panose="020B0604020202020204" pitchFamily="34" charset="0"/>
+              <a:buNone/>
+              <a:defRPr sz="1600" kern="1200">
+                <a:solidFill>
+                  <a:schemeClr val="tx1"/>
+                </a:solidFill>
+                <a:latin typeface="+mn-lt"/>
+                <a:ea typeface="+mn-ea"/>
+                <a:cs typeface="+mn-cs"/>
+              </a:defRPr>
+            </a:lvl4pPr>
+            <a:lvl5pPr marL="1828800" indent="0" algn="ctr" defTabSz="914400" rtl="0" eaLnBrk="1" latinLnBrk="0" hangingPunct="1">
+              <a:lnSpc>
+                <a:spcPct val="90000"/>
+              </a:lnSpc>
+              <a:spcBef>
+                <a:spcPts val="500"/>
+              </a:spcBef>
+              <a:buFont typeface="Arial" panose="020B0604020202020204" pitchFamily="34" charset="0"/>
+              <a:buNone/>
+              <a:defRPr sz="1600" kern="1200">
+                <a:solidFill>
+                  <a:schemeClr val="tx1"/>
+                </a:solidFill>
+                <a:latin typeface="+mn-lt"/>
+                <a:ea typeface="+mn-ea"/>
+                <a:cs typeface="+mn-cs"/>
+              </a:defRPr>
+            </a:lvl5pPr>
+            <a:lvl6pPr marL="2286000" indent="0" algn="ctr" defTabSz="914400" rtl="0" eaLnBrk="1" latinLnBrk="0" hangingPunct="1">
+              <a:lnSpc>
+                <a:spcPct val="90000"/>
+              </a:lnSpc>
+              <a:spcBef>
+                <a:spcPts val="500"/>
+              </a:spcBef>
+              <a:buFont typeface="Arial" panose="020B0604020202020204" pitchFamily="34" charset="0"/>
+              <a:buNone/>
+              <a:defRPr sz="1600" kern="1200">
+                <a:solidFill>
+                  <a:schemeClr val="tx1"/>
+                </a:solidFill>
+                <a:latin typeface="+mn-lt"/>
+                <a:ea typeface="+mn-ea"/>
+                <a:cs typeface="+mn-cs"/>
+              </a:defRPr>
+            </a:lvl6pPr>
+            <a:lvl7pPr marL="2743200" indent="0" algn="ctr" defTabSz="914400" rtl="0" eaLnBrk="1" latinLnBrk="0" hangingPunct="1">
+              <a:lnSpc>
+                <a:spcPct val="90000"/>
+              </a:lnSpc>
+              <a:spcBef>
+                <a:spcPts val="500"/>
+              </a:spcBef>
+              <a:buFont typeface="Arial" panose="020B0604020202020204" pitchFamily="34" charset="0"/>
+              <a:buNone/>
+              <a:defRPr sz="1600" kern="1200">
+                <a:solidFill>
+                  <a:schemeClr val="tx1"/>
+                </a:solidFill>
+                <a:latin typeface="+mn-lt"/>
+                <a:ea typeface="+mn-ea"/>
+                <a:cs typeface="+mn-cs"/>
+              </a:defRPr>
+            </a:lvl7pPr>
+            <a:lvl8pPr marL="3200400" indent="0" algn="ctr" defTabSz="914400" rtl="0" eaLnBrk="1" latinLnBrk="0" hangingPunct="1">
+              <a:lnSpc>
+                <a:spcPct val="90000"/>
+              </a:lnSpc>
+              <a:spcBef>
+                <a:spcPts val="500"/>
+              </a:spcBef>
+              <a:buFont typeface="Arial" panose="020B0604020202020204" pitchFamily="34" charset="0"/>
+              <a:buNone/>
+              <a:defRPr sz="1600" kern="1200">
+                <a:solidFill>
+                  <a:schemeClr val="tx1"/>
+                </a:solidFill>
+                <a:latin typeface="+mn-lt"/>
+                <a:ea typeface="+mn-ea"/>
+                <a:cs typeface="+mn-cs"/>
+              </a:defRPr>
+            </a:lvl8pPr>
+            <a:lvl9pPr marL="3657600" indent="0" algn="ctr" defTabSz="914400" rtl="0" eaLnBrk="1" latinLnBrk="0" hangingPunct="1">
+              <a:lnSpc>
+                <a:spcPct val="90000"/>
+              </a:lnSpc>
+              <a:spcBef>
+                <a:spcPts val="500"/>
+              </a:spcBef>
+              <a:buFont typeface="Arial" panose="020B0604020202020204" pitchFamily="34" charset="0"/>
+              <a:buNone/>
+              <a:defRPr sz="1600" kern="1200">
+                <a:solidFill>
+                  <a:schemeClr val="tx1"/>
+                </a:solidFill>
+                <a:latin typeface="+mn-lt"/>
+                <a:ea typeface="+mn-ea"/>
+                <a:cs typeface="+mn-cs"/>
+              </a:defRPr>
+            </a:lvl9pPr>
+          </a:lstStyle>
+          <a:p>
+            <a:pPr algn="l"/>
+            <a:r>
+              <a:rPr lang="zh-CN" altLang="en-US" sz="1600" dirty="0">
+                <a:solidFill>
+                  <a:schemeClr val="bg1"/>
+                </a:solidFill>
+              </a:rPr>
+              <a:t>问题描述：</a:t>
+            </a:r>
+            <a:endParaRPr lang="en-US" altLang="zh-CN" sz="1600" dirty="0">
+              <a:solidFill>
+                <a:schemeClr val="bg1"/>
+              </a:solidFill>
+            </a:endParaRPr>
+          </a:p>
+          <a:p>
+            <a:pPr marL="342900" indent="-342900" algn="l">
+              <a:buAutoNum type="arabicPeriod"/>
+            </a:pPr>
+            <a:r>
+              <a:rPr lang="zh-CN" altLang="en-US" sz="1600" dirty="0">
+                <a:solidFill>
+                  <a:schemeClr val="bg1"/>
+                </a:solidFill>
+              </a:rPr>
+              <a:t>（</a:t>
+            </a:r>
+            <a:r>
+              <a:rPr lang="en-US" altLang="zh-CN" sz="1600" dirty="0">
+                <a:solidFill>
+                  <a:schemeClr val="bg1"/>
+                </a:solidFill>
+              </a:rPr>
+              <a:t>UI</a:t>
+            </a:r>
+            <a:r>
+              <a:rPr lang="zh-CN" altLang="en-US" sz="1600" dirty="0">
+                <a:solidFill>
+                  <a:schemeClr val="bg1"/>
+                </a:solidFill>
+              </a:rPr>
+              <a:t>）翻页风格不统一</a:t>
+            </a:r>
+            <a:endParaRPr lang="en-US" altLang="zh-CN" sz="1600" dirty="0">
+              <a:solidFill>
+                <a:schemeClr val="bg1"/>
+              </a:solidFill>
+            </a:endParaRPr>
+          </a:p>
+        </p:txBody>
+      </p:sp>
+      <p:pic>
+        <p:nvPicPr>
+          <p:cNvPr id="2" name="Picture 1">
+            <a:extLst>
+              <a:ext uri="{FF2B5EF4-FFF2-40B4-BE49-F238E27FC236}">
+                <a16:creationId xmlns:a16="http://schemas.microsoft.com/office/drawing/2014/main" id="{148F2A54-5A64-49CB-B15A-12936E26C51E}"/>
+              </a:ext>
+            </a:extLst>
+          </p:cNvPr>
+          <p:cNvPicPr>
+            <a:picLocks noChangeAspect="1"/>
+          </p:cNvPicPr>
+          <p:nvPr/>
+        </p:nvPicPr>
+        <p:blipFill>
+          <a:blip r:embed="rId2"/>
+          <a:stretch>
+            <a:fillRect/>
+          </a:stretch>
+        </p:blipFill>
+        <p:spPr>
+          <a:xfrm>
+            <a:off x="0" y="1437672"/>
+            <a:ext cx="3009900" cy="533400"/>
+          </a:xfrm>
+          <a:prstGeom prst="rect">
+            <a:avLst/>
+          </a:prstGeom>
+        </p:spPr>
+      </p:pic>
+      <p:pic>
+        <p:nvPicPr>
+          <p:cNvPr id="3" name="Picture 2">
+            <a:extLst>
+              <a:ext uri="{FF2B5EF4-FFF2-40B4-BE49-F238E27FC236}">
+                <a16:creationId xmlns:a16="http://schemas.microsoft.com/office/drawing/2014/main" id="{6BB289C5-7BBF-42EE-9FD1-526C39C5E910}"/>
+              </a:ext>
+            </a:extLst>
+          </p:cNvPr>
+          <p:cNvPicPr>
+            <a:picLocks noChangeAspect="1"/>
+          </p:cNvPicPr>
+          <p:nvPr/>
+        </p:nvPicPr>
+        <p:blipFill>
+          <a:blip r:embed="rId3"/>
+          <a:stretch>
+            <a:fillRect/>
+          </a:stretch>
+        </p:blipFill>
+        <p:spPr>
+          <a:xfrm>
+            <a:off x="128587" y="2272450"/>
+            <a:ext cx="2752725" cy="428625"/>
+          </a:xfrm>
+          <a:prstGeom prst="rect">
+            <a:avLst/>
+          </a:prstGeom>
+        </p:spPr>
+      </p:pic>
+    </p:spTree>
+    <p:extLst>
+      <p:ext uri="{BB962C8B-B14F-4D97-AF65-F5344CB8AC3E}">
+        <p14:creationId xmlns:p14="http://schemas.microsoft.com/office/powerpoint/2010/main" val="4037120427"/>
+      </p:ext>
+    </p:extLst>
+  </p:cSld>
+  <p:clrMapOvr>
+    <a:masterClrMapping/>
+  </p:clrMapOvr>
+</p:sld>
+</file>
+
+<file path=ppt/slides/slide20.xml><?xml version="1.0" encoding="utf-8"?>
+<p:sld xmlns:a="http://schemas.openxmlformats.org/drawingml/2006/main" xmlns:r="http://schemas.openxmlformats.org/officeDocument/2006/relationships" xmlns:p="http://schemas.openxmlformats.org/presentationml/2006/main">
+  <p:cSld>
+    <p:spTree>
+      <p:nvGrpSpPr>
+        <p:cNvPr id="1" name=""/>
+        <p:cNvGrpSpPr/>
+        <p:nvPr/>
+      </p:nvGrpSpPr>
+      <p:grpSpPr>
+        <a:xfrm>
+          <a:off x="0" y="0"/>
+          <a:ext cx="0" cy="0"/>
+          <a:chOff x="0" y="0"/>
+          <a:chExt cx="0" cy="0"/>
+        </a:xfrm>
+      </p:grpSpPr>
+      <p:sp>
+        <p:nvSpPr>
+          <p:cNvPr id="10" name="副标题 2">
+            <a:extLst>
+              <a:ext uri="{FF2B5EF4-FFF2-40B4-BE49-F238E27FC236}">
+                <a16:creationId xmlns:a16="http://schemas.microsoft.com/office/drawing/2014/main" id="{42AE8C01-7BF1-4C58-90BD-31448E7C5E9B}"/>
+              </a:ext>
+            </a:extLst>
+          </p:cNvPr>
+          <p:cNvSpPr txBox="1">
+            <a:spLocks/>
+          </p:cNvSpPr>
+          <p:nvPr/>
+        </p:nvSpPr>
+        <p:spPr>
+          <a:xfrm>
+            <a:off x="0" y="0"/>
+            <a:ext cx="12192000" cy="707669"/>
+          </a:xfrm>
+          <a:prstGeom prst="rect">
+            <a:avLst/>
+          </a:prstGeom>
+          <a:solidFill>
+            <a:schemeClr val="accent6">
+              <a:lumMod val="60000"/>
+              <a:lumOff val="40000"/>
+            </a:schemeClr>
+          </a:solidFill>
+          <a:ln>
+            <a:solidFill>
+              <a:schemeClr val="accent1">
+                <a:lumMod val="60000"/>
+                <a:lumOff val="40000"/>
+              </a:schemeClr>
+            </a:solidFill>
+          </a:ln>
+        </p:spPr>
+        <p:txBody>
+          <a:bodyPr vert="horz" lIns="91440" tIns="45720" rIns="91440" bIns="45720" rtlCol="0">
+            <a:normAutofit/>
+          </a:bodyPr>
+          <a:lstStyle>
+            <a:lvl1pPr marL="0" indent="0" algn="ctr" defTabSz="914400" rtl="0" eaLnBrk="1" latinLnBrk="0" hangingPunct="1">
+              <a:lnSpc>
+                <a:spcPct val="90000"/>
+              </a:lnSpc>
+              <a:spcBef>
+                <a:spcPts val="1000"/>
+              </a:spcBef>
+              <a:buFont typeface="Arial" panose="020B0604020202020204" pitchFamily="34" charset="0"/>
+              <a:buNone/>
+              <a:defRPr sz="2400" kern="1200">
+                <a:solidFill>
+                  <a:schemeClr val="tx1"/>
+                </a:solidFill>
+                <a:latin typeface="+mn-lt"/>
+                <a:ea typeface="+mn-ea"/>
+                <a:cs typeface="+mn-cs"/>
+              </a:defRPr>
+            </a:lvl1pPr>
+            <a:lvl2pPr marL="457200" indent="0" algn="ctr" defTabSz="914400" rtl="0" eaLnBrk="1" latinLnBrk="0" hangingPunct="1">
+              <a:lnSpc>
+                <a:spcPct val="90000"/>
+              </a:lnSpc>
+              <a:spcBef>
+                <a:spcPts val="500"/>
+              </a:spcBef>
+              <a:buFont typeface="Arial" panose="020B0604020202020204" pitchFamily="34" charset="0"/>
+              <a:buNone/>
+              <a:defRPr sz="2000" kern="1200">
+                <a:solidFill>
+                  <a:schemeClr val="tx1"/>
+                </a:solidFill>
+                <a:latin typeface="+mn-lt"/>
+                <a:ea typeface="+mn-ea"/>
+                <a:cs typeface="+mn-cs"/>
+              </a:defRPr>
+            </a:lvl2pPr>
+            <a:lvl3pPr marL="914400" indent="0" algn="ctr" defTabSz="914400" rtl="0" eaLnBrk="1" latinLnBrk="0" hangingPunct="1">
+              <a:lnSpc>
+                <a:spcPct val="90000"/>
+              </a:lnSpc>
+              <a:spcBef>
+                <a:spcPts val="500"/>
+              </a:spcBef>
+              <a:buFont typeface="Arial" panose="020B0604020202020204" pitchFamily="34" charset="0"/>
+              <a:buNone/>
+              <a:defRPr sz="1800" kern="1200">
+                <a:solidFill>
+                  <a:schemeClr val="tx1"/>
+                </a:solidFill>
+                <a:latin typeface="+mn-lt"/>
+                <a:ea typeface="+mn-ea"/>
+                <a:cs typeface="+mn-cs"/>
+              </a:defRPr>
+            </a:lvl3pPr>
+            <a:lvl4pPr marL="1371600" indent="0" algn="ctr" defTabSz="914400" rtl="0" eaLnBrk="1" latinLnBrk="0" hangingPunct="1">
+              <a:lnSpc>
+                <a:spcPct val="90000"/>
+              </a:lnSpc>
+              <a:spcBef>
+                <a:spcPts val="500"/>
+              </a:spcBef>
+              <a:buFont typeface="Arial" panose="020B0604020202020204" pitchFamily="34" charset="0"/>
+              <a:buNone/>
+              <a:defRPr sz="1600" kern="1200">
+                <a:solidFill>
+                  <a:schemeClr val="tx1"/>
+                </a:solidFill>
+                <a:latin typeface="+mn-lt"/>
+                <a:ea typeface="+mn-ea"/>
+                <a:cs typeface="+mn-cs"/>
+              </a:defRPr>
+            </a:lvl4pPr>
+            <a:lvl5pPr marL="1828800" indent="0" algn="ctr" defTabSz="914400" rtl="0" eaLnBrk="1" latinLnBrk="0" hangingPunct="1">
+              <a:lnSpc>
+                <a:spcPct val="90000"/>
+              </a:lnSpc>
+              <a:spcBef>
+                <a:spcPts val="500"/>
+              </a:spcBef>
+              <a:buFont typeface="Arial" panose="020B0604020202020204" pitchFamily="34" charset="0"/>
+              <a:buNone/>
+              <a:defRPr sz="1600" kern="1200">
+                <a:solidFill>
+                  <a:schemeClr val="tx1"/>
+                </a:solidFill>
+                <a:latin typeface="+mn-lt"/>
+                <a:ea typeface="+mn-ea"/>
+                <a:cs typeface="+mn-cs"/>
+              </a:defRPr>
+            </a:lvl5pPr>
+            <a:lvl6pPr marL="2286000" indent="0" algn="ctr" defTabSz="914400" rtl="0" eaLnBrk="1" latinLnBrk="0" hangingPunct="1">
+              <a:lnSpc>
+                <a:spcPct val="90000"/>
+              </a:lnSpc>
+              <a:spcBef>
+                <a:spcPts val="500"/>
+              </a:spcBef>
+              <a:buFont typeface="Arial" panose="020B0604020202020204" pitchFamily="34" charset="0"/>
+              <a:buNone/>
+              <a:defRPr sz="1600" kern="1200">
+                <a:solidFill>
+                  <a:schemeClr val="tx1"/>
+                </a:solidFill>
+                <a:latin typeface="+mn-lt"/>
+                <a:ea typeface="+mn-ea"/>
+                <a:cs typeface="+mn-cs"/>
+              </a:defRPr>
+            </a:lvl6pPr>
+            <a:lvl7pPr marL="2743200" indent="0" algn="ctr" defTabSz="914400" rtl="0" eaLnBrk="1" latinLnBrk="0" hangingPunct="1">
+              <a:lnSpc>
+                <a:spcPct val="90000"/>
+              </a:lnSpc>
+              <a:spcBef>
+                <a:spcPts val="500"/>
+              </a:spcBef>
+              <a:buFont typeface="Arial" panose="020B0604020202020204" pitchFamily="34" charset="0"/>
+              <a:buNone/>
+              <a:defRPr sz="1600" kern="1200">
+                <a:solidFill>
+                  <a:schemeClr val="tx1"/>
+                </a:solidFill>
+                <a:latin typeface="+mn-lt"/>
+                <a:ea typeface="+mn-ea"/>
+                <a:cs typeface="+mn-cs"/>
+              </a:defRPr>
+            </a:lvl7pPr>
+            <a:lvl8pPr marL="3200400" indent="0" algn="ctr" defTabSz="914400" rtl="0" eaLnBrk="1" latinLnBrk="0" hangingPunct="1">
+              <a:lnSpc>
+                <a:spcPct val="90000"/>
+              </a:lnSpc>
+              <a:spcBef>
+                <a:spcPts val="500"/>
+              </a:spcBef>
+              <a:buFont typeface="Arial" panose="020B0604020202020204" pitchFamily="34" charset="0"/>
+              <a:buNone/>
+              <a:defRPr sz="1600" kern="1200">
+                <a:solidFill>
+                  <a:schemeClr val="tx1"/>
+                </a:solidFill>
+                <a:latin typeface="+mn-lt"/>
+                <a:ea typeface="+mn-ea"/>
+                <a:cs typeface="+mn-cs"/>
+              </a:defRPr>
+            </a:lvl8pPr>
+            <a:lvl9pPr marL="3657600" indent="0" algn="ctr" defTabSz="914400" rtl="0" eaLnBrk="1" latinLnBrk="0" hangingPunct="1">
+              <a:lnSpc>
+                <a:spcPct val="90000"/>
+              </a:lnSpc>
+              <a:spcBef>
+                <a:spcPts val="500"/>
+              </a:spcBef>
+              <a:buFont typeface="Arial" panose="020B0604020202020204" pitchFamily="34" charset="0"/>
+              <a:buNone/>
+              <a:defRPr sz="1600" kern="1200">
+                <a:solidFill>
+                  <a:schemeClr val="tx1"/>
+                </a:solidFill>
+                <a:latin typeface="+mn-lt"/>
+                <a:ea typeface="+mn-ea"/>
+                <a:cs typeface="+mn-cs"/>
+              </a:defRPr>
+            </a:lvl9pPr>
+          </a:lstStyle>
+          <a:p>
+            <a:pPr algn="l"/>
+            <a:r>
+              <a:rPr lang="zh-CN" altLang="en-US" sz="1600" dirty="0">
+                <a:solidFill>
+                  <a:srgbClr val="0070C0"/>
+                </a:solidFill>
+              </a:rPr>
+              <a:t>题库 </a:t>
+            </a:r>
+            <a:r>
+              <a:rPr lang="en-US" altLang="zh-CN" sz="1600" dirty="0">
+                <a:solidFill>
+                  <a:srgbClr val="0070C0"/>
+                </a:solidFill>
+              </a:rPr>
+              <a:t>&gt;</a:t>
+            </a:r>
+            <a:r>
+              <a:rPr lang="zh-CN" altLang="en-US" sz="1600" dirty="0">
+                <a:solidFill>
+                  <a:srgbClr val="0070C0"/>
+                </a:solidFill>
+              </a:rPr>
+              <a:t> 题库浏览 </a:t>
+            </a:r>
+            <a:r>
+              <a:rPr lang="en-US" altLang="zh-CN" sz="1600" dirty="0">
+                <a:solidFill>
+                  <a:srgbClr val="0070C0"/>
+                </a:solidFill>
+              </a:rPr>
+              <a:t>&gt; </a:t>
+            </a:r>
+            <a:r>
+              <a:rPr lang="zh-CN" altLang="en-US" sz="1600" dirty="0">
+                <a:solidFill>
+                  <a:srgbClr val="0070C0"/>
+                </a:solidFill>
+              </a:rPr>
+              <a:t>智能组卷</a:t>
+            </a:r>
+          </a:p>
+        </p:txBody>
+      </p:sp>
+      <p:sp>
+        <p:nvSpPr>
+          <p:cNvPr id="11" name="副标题 2">
+            <a:extLst>
+              <a:ext uri="{FF2B5EF4-FFF2-40B4-BE49-F238E27FC236}">
+                <a16:creationId xmlns:a16="http://schemas.microsoft.com/office/drawing/2014/main" id="{B518E569-1FE7-4B73-9133-E384A9D677AB}"/>
+              </a:ext>
+            </a:extLst>
+          </p:cNvPr>
+          <p:cNvSpPr txBox="1">
+            <a:spLocks/>
+          </p:cNvSpPr>
+          <p:nvPr/>
+        </p:nvSpPr>
+        <p:spPr>
+          <a:xfrm>
+            <a:off x="0" y="6066262"/>
+            <a:ext cx="12192000" cy="791737"/>
+          </a:xfrm>
+          <a:prstGeom prst="rect">
+            <a:avLst/>
+          </a:prstGeom>
+          <a:solidFill>
+            <a:schemeClr val="accent5"/>
+          </a:solidFill>
+          <a:ln>
+            <a:solidFill>
+              <a:schemeClr val="accent1">
+                <a:lumMod val="60000"/>
+                <a:lumOff val="40000"/>
+              </a:schemeClr>
+            </a:solidFill>
+          </a:ln>
+        </p:spPr>
+        <p:txBody>
+          <a:bodyPr vert="horz" lIns="91440" tIns="45720" rIns="91440" bIns="45720" rtlCol="0">
+            <a:normAutofit/>
+          </a:bodyPr>
+          <a:lstStyle>
+            <a:lvl1pPr marL="0" indent="0" algn="ctr" defTabSz="914400" rtl="0" eaLnBrk="1" latinLnBrk="0" hangingPunct="1">
+              <a:lnSpc>
+                <a:spcPct val="90000"/>
+              </a:lnSpc>
+              <a:spcBef>
+                <a:spcPts val="1000"/>
+              </a:spcBef>
+              <a:buFont typeface="Arial" panose="020B0604020202020204" pitchFamily="34" charset="0"/>
+              <a:buNone/>
+              <a:defRPr sz="2400" kern="1200">
+                <a:solidFill>
+                  <a:schemeClr val="tx1"/>
+                </a:solidFill>
+                <a:latin typeface="+mn-lt"/>
+                <a:ea typeface="+mn-ea"/>
+                <a:cs typeface="+mn-cs"/>
+              </a:defRPr>
+            </a:lvl1pPr>
+            <a:lvl2pPr marL="457200" indent="0" algn="ctr" defTabSz="914400" rtl="0" eaLnBrk="1" latinLnBrk="0" hangingPunct="1">
+              <a:lnSpc>
+                <a:spcPct val="90000"/>
+              </a:lnSpc>
+              <a:spcBef>
+                <a:spcPts val="500"/>
+              </a:spcBef>
+              <a:buFont typeface="Arial" panose="020B0604020202020204" pitchFamily="34" charset="0"/>
+              <a:buNone/>
+              <a:defRPr sz="2000" kern="1200">
+                <a:solidFill>
+                  <a:schemeClr val="tx1"/>
+                </a:solidFill>
+                <a:latin typeface="+mn-lt"/>
+                <a:ea typeface="+mn-ea"/>
+                <a:cs typeface="+mn-cs"/>
+              </a:defRPr>
+            </a:lvl2pPr>
+            <a:lvl3pPr marL="914400" indent="0" algn="ctr" defTabSz="914400" rtl="0" eaLnBrk="1" latinLnBrk="0" hangingPunct="1">
+              <a:lnSpc>
+                <a:spcPct val="90000"/>
+              </a:lnSpc>
+              <a:spcBef>
+                <a:spcPts val="500"/>
+              </a:spcBef>
+              <a:buFont typeface="Arial" panose="020B0604020202020204" pitchFamily="34" charset="0"/>
+              <a:buNone/>
+              <a:defRPr sz="1800" kern="1200">
+                <a:solidFill>
+                  <a:schemeClr val="tx1"/>
+                </a:solidFill>
+                <a:latin typeface="+mn-lt"/>
+                <a:ea typeface="+mn-ea"/>
+                <a:cs typeface="+mn-cs"/>
+              </a:defRPr>
+            </a:lvl3pPr>
+            <a:lvl4pPr marL="1371600" indent="0" algn="ctr" defTabSz="914400" rtl="0" eaLnBrk="1" latinLnBrk="0" hangingPunct="1">
+              <a:lnSpc>
+                <a:spcPct val="90000"/>
+              </a:lnSpc>
+              <a:spcBef>
+                <a:spcPts val="500"/>
+              </a:spcBef>
+              <a:buFont typeface="Arial" panose="020B0604020202020204" pitchFamily="34" charset="0"/>
+              <a:buNone/>
+              <a:defRPr sz="1600" kern="1200">
+                <a:solidFill>
+                  <a:schemeClr val="tx1"/>
+                </a:solidFill>
+                <a:latin typeface="+mn-lt"/>
+                <a:ea typeface="+mn-ea"/>
+                <a:cs typeface="+mn-cs"/>
+              </a:defRPr>
+            </a:lvl4pPr>
+            <a:lvl5pPr marL="1828800" indent="0" algn="ctr" defTabSz="914400" rtl="0" eaLnBrk="1" latinLnBrk="0" hangingPunct="1">
+              <a:lnSpc>
+                <a:spcPct val="90000"/>
+              </a:lnSpc>
+              <a:spcBef>
+                <a:spcPts val="500"/>
+              </a:spcBef>
+              <a:buFont typeface="Arial" panose="020B0604020202020204" pitchFamily="34" charset="0"/>
+              <a:buNone/>
+              <a:defRPr sz="1600" kern="1200">
+                <a:solidFill>
+                  <a:schemeClr val="tx1"/>
+                </a:solidFill>
+                <a:latin typeface="+mn-lt"/>
+                <a:ea typeface="+mn-ea"/>
+                <a:cs typeface="+mn-cs"/>
+              </a:defRPr>
+            </a:lvl5pPr>
+            <a:lvl6pPr marL="2286000" indent="0" algn="ctr" defTabSz="914400" rtl="0" eaLnBrk="1" latinLnBrk="0" hangingPunct="1">
+              <a:lnSpc>
+                <a:spcPct val="90000"/>
+              </a:lnSpc>
+              <a:spcBef>
+                <a:spcPts val="500"/>
+              </a:spcBef>
+              <a:buFont typeface="Arial" panose="020B0604020202020204" pitchFamily="34" charset="0"/>
+              <a:buNone/>
+              <a:defRPr sz="1600" kern="1200">
+                <a:solidFill>
+                  <a:schemeClr val="tx1"/>
+                </a:solidFill>
+                <a:latin typeface="+mn-lt"/>
+                <a:ea typeface="+mn-ea"/>
+                <a:cs typeface="+mn-cs"/>
+              </a:defRPr>
+            </a:lvl6pPr>
+            <a:lvl7pPr marL="2743200" indent="0" algn="ctr" defTabSz="914400" rtl="0" eaLnBrk="1" latinLnBrk="0" hangingPunct="1">
+              <a:lnSpc>
+                <a:spcPct val="90000"/>
+              </a:lnSpc>
+              <a:spcBef>
+                <a:spcPts val="500"/>
+              </a:spcBef>
+              <a:buFont typeface="Arial" panose="020B0604020202020204" pitchFamily="34" charset="0"/>
+              <a:buNone/>
+              <a:defRPr sz="1600" kern="1200">
+                <a:solidFill>
+                  <a:schemeClr val="tx1"/>
+                </a:solidFill>
+                <a:latin typeface="+mn-lt"/>
+                <a:ea typeface="+mn-ea"/>
+                <a:cs typeface="+mn-cs"/>
+              </a:defRPr>
+            </a:lvl7pPr>
+            <a:lvl8pPr marL="3200400" indent="0" algn="ctr" defTabSz="914400" rtl="0" eaLnBrk="1" latinLnBrk="0" hangingPunct="1">
+              <a:lnSpc>
+                <a:spcPct val="90000"/>
+              </a:lnSpc>
+              <a:spcBef>
+                <a:spcPts val="500"/>
+              </a:spcBef>
+              <a:buFont typeface="Arial" panose="020B0604020202020204" pitchFamily="34" charset="0"/>
+              <a:buNone/>
+              <a:defRPr sz="1600" kern="1200">
+                <a:solidFill>
+                  <a:schemeClr val="tx1"/>
+                </a:solidFill>
+                <a:latin typeface="+mn-lt"/>
+                <a:ea typeface="+mn-ea"/>
+                <a:cs typeface="+mn-cs"/>
+              </a:defRPr>
+            </a:lvl8pPr>
+            <a:lvl9pPr marL="3657600" indent="0" algn="ctr" defTabSz="914400" rtl="0" eaLnBrk="1" latinLnBrk="0" hangingPunct="1">
+              <a:lnSpc>
+                <a:spcPct val="90000"/>
+              </a:lnSpc>
+              <a:spcBef>
+                <a:spcPts val="500"/>
+              </a:spcBef>
+              <a:buFont typeface="Arial" panose="020B0604020202020204" pitchFamily="34" charset="0"/>
+              <a:buNone/>
+              <a:defRPr sz="1600" kern="1200">
+                <a:solidFill>
+                  <a:schemeClr val="tx1"/>
+                </a:solidFill>
+                <a:latin typeface="+mn-lt"/>
+                <a:ea typeface="+mn-ea"/>
+                <a:cs typeface="+mn-cs"/>
+              </a:defRPr>
+            </a:lvl9pPr>
+          </a:lstStyle>
+          <a:p>
+            <a:pPr algn="l"/>
+            <a:r>
+              <a:rPr lang="zh-CN" altLang="en-US" sz="1600" dirty="0">
+                <a:solidFill>
+                  <a:schemeClr val="bg1"/>
+                </a:solidFill>
+              </a:rPr>
+              <a:t>问题描述：</a:t>
+            </a:r>
+            <a:endParaRPr lang="en-US" altLang="zh-CN" sz="1600" dirty="0">
+              <a:solidFill>
+                <a:schemeClr val="bg1"/>
+              </a:solidFill>
+            </a:endParaRPr>
+          </a:p>
+          <a:p>
+            <a:pPr marL="342900" indent="-342900" algn="l">
+              <a:buAutoNum type="arabicPeriod"/>
+            </a:pPr>
+            <a:r>
+              <a:rPr lang="zh-CN" altLang="en-US" sz="1600" dirty="0">
+                <a:solidFill>
+                  <a:schemeClr val="bg1"/>
+                </a:solidFill>
+              </a:rPr>
+              <a:t>（</a:t>
+            </a:r>
+            <a:r>
+              <a:rPr lang="en-US" altLang="zh-CN" sz="1600" dirty="0">
+                <a:solidFill>
+                  <a:schemeClr val="bg1"/>
+                </a:solidFill>
+              </a:rPr>
+              <a:t>UI</a:t>
+            </a:r>
+            <a:r>
+              <a:rPr lang="zh-CN" altLang="en-US" sz="1600" dirty="0">
+                <a:solidFill>
+                  <a:schemeClr val="bg1"/>
+                </a:solidFill>
+              </a:rPr>
+              <a:t>）筛选缺少学部，放在题库范围和科目之间，智能组卷其他两个页面也对应补充</a:t>
+            </a:r>
+            <a:endParaRPr lang="en-US" altLang="zh-CN" sz="1600" dirty="0">
+              <a:solidFill>
+                <a:schemeClr val="bg1"/>
+              </a:solidFill>
+            </a:endParaRPr>
+          </a:p>
+        </p:txBody>
+      </p:sp>
+      <p:pic>
+        <p:nvPicPr>
+          <p:cNvPr id="2" name="Picture 1">
+            <a:extLst>
+              <a:ext uri="{FF2B5EF4-FFF2-40B4-BE49-F238E27FC236}">
+                <a16:creationId xmlns:a16="http://schemas.microsoft.com/office/drawing/2014/main" id="{9283E1C5-54CE-4750-8ACE-2E222C90663E}"/>
+              </a:ext>
+            </a:extLst>
+          </p:cNvPr>
+          <p:cNvPicPr>
+            <a:picLocks noChangeAspect="1"/>
+          </p:cNvPicPr>
+          <p:nvPr/>
+        </p:nvPicPr>
+        <p:blipFill>
+          <a:blip r:embed="rId2"/>
+          <a:stretch>
+            <a:fillRect/>
+          </a:stretch>
+        </p:blipFill>
+        <p:spPr>
+          <a:xfrm>
+            <a:off x="0" y="902668"/>
+            <a:ext cx="6122256" cy="4751000"/>
+          </a:xfrm>
+          <a:prstGeom prst="rect">
+            <a:avLst/>
+          </a:prstGeom>
+        </p:spPr>
+      </p:pic>
+    </p:spTree>
+    <p:extLst>
+      <p:ext uri="{BB962C8B-B14F-4D97-AF65-F5344CB8AC3E}">
+        <p14:creationId xmlns:p14="http://schemas.microsoft.com/office/powerpoint/2010/main" val="3368992576"/>
+      </p:ext>
+    </p:extLst>
+  </p:cSld>
+  <p:clrMapOvr>
+    <a:masterClrMapping/>
+  </p:clrMapOvr>
+</p:sld>
+</file>
+
+<file path=ppt/slides/slide21.xml><?xml version="1.0" encoding="utf-8"?>
+<p:sld xmlns:a="http://schemas.openxmlformats.org/drawingml/2006/main" xmlns:r="http://schemas.openxmlformats.org/officeDocument/2006/relationships" xmlns:p="http://schemas.openxmlformats.org/presentationml/2006/main">
+  <p:cSld>
+    <p:spTree>
+      <p:nvGrpSpPr>
+        <p:cNvPr id="1" name=""/>
+        <p:cNvGrpSpPr/>
+        <p:nvPr/>
+      </p:nvGrpSpPr>
+      <p:grpSpPr>
+        <a:xfrm>
+          <a:off x="0" y="0"/>
+          <a:ext cx="0" cy="0"/>
+          <a:chOff x="0" y="0"/>
+          <a:chExt cx="0" cy="0"/>
+        </a:xfrm>
+      </p:grpSpPr>
+      <p:sp>
+        <p:nvSpPr>
+          <p:cNvPr id="2" name="矩形 1">
+            <a:extLst>
+              <a:ext uri="{FF2B5EF4-FFF2-40B4-BE49-F238E27FC236}">
+                <a16:creationId xmlns:a16="http://schemas.microsoft.com/office/drawing/2014/main" id="{18AA53AB-7329-4E53-91A3-6119EF73CA4C}"/>
+              </a:ext>
+            </a:extLst>
+          </p:cNvPr>
+          <p:cNvSpPr/>
+          <p:nvPr/>
+        </p:nvSpPr>
+        <p:spPr>
+          <a:xfrm>
+            <a:off x="0" y="2694647"/>
+            <a:ext cx="7922103" cy="1132885"/>
+          </a:xfrm>
+          <a:prstGeom prst="rect">
+            <a:avLst/>
+          </a:prstGeom>
+          <a:solidFill>
+            <a:schemeClr val="bg1">
+              <a:lumMod val="50000"/>
+            </a:schemeClr>
+          </a:solidFill>
+          <a:ln>
+            <a:noFill/>
+          </a:ln>
+        </p:spPr>
+        <p:style>
+          <a:lnRef idx="2">
+            <a:schemeClr val="accent1">
+              <a:shade val="50000"/>
+            </a:schemeClr>
+          </a:lnRef>
+          <a:fillRef idx="1">
+            <a:schemeClr val="accent1"/>
+          </a:fillRef>
+          <a:effectRef idx="0">
+            <a:schemeClr val="accent1"/>
+          </a:effectRef>
+          <a:fontRef idx="minor">
+            <a:schemeClr val="lt1"/>
+          </a:fontRef>
+        </p:style>
+        <p:txBody>
+          <a:bodyPr rtlCol="0" anchor="ctr"/>
+          <a:lstStyle/>
+          <a:p>
+            <a:pPr algn="ctr"/>
+            <a:r>
+              <a:rPr lang="zh-CN" altLang="en-US" sz="4400" dirty="0"/>
+              <a:t>测验 </a:t>
+            </a:r>
+            <a:r>
+              <a:rPr lang="en-US" altLang="zh-CN" sz="4400" dirty="0"/>
+              <a:t>&gt; </a:t>
+            </a:r>
+            <a:r>
+              <a:rPr lang="zh-CN" altLang="en-US" sz="4400" dirty="0"/>
+              <a:t>考试列表</a:t>
+            </a:r>
+          </a:p>
+        </p:txBody>
+      </p:sp>
+    </p:spTree>
+    <p:extLst>
+      <p:ext uri="{BB962C8B-B14F-4D97-AF65-F5344CB8AC3E}">
+        <p14:creationId xmlns:p14="http://schemas.microsoft.com/office/powerpoint/2010/main" val="1614241504"/>
+      </p:ext>
+    </p:extLst>
+  </p:cSld>
+  <p:clrMapOvr>
+    <a:masterClrMapping/>
+  </p:clrMapOvr>
+</p:sld>
+</file>
+
+<file path=ppt/slides/slide22.xml><?xml version="1.0" encoding="utf-8"?>
+<p:sld xmlns:a="http://schemas.openxmlformats.org/drawingml/2006/main" xmlns:r="http://schemas.openxmlformats.org/officeDocument/2006/relationships" xmlns:p="http://schemas.openxmlformats.org/presentationml/2006/main">
+  <p:cSld>
+    <p:spTree>
+      <p:nvGrpSpPr>
+        <p:cNvPr id="1" name=""/>
+        <p:cNvGrpSpPr/>
+        <p:nvPr/>
+      </p:nvGrpSpPr>
+      <p:grpSpPr>
+        <a:xfrm>
+          <a:off x="0" y="0"/>
+          <a:ext cx="0" cy="0"/>
+          <a:chOff x="0" y="0"/>
+          <a:chExt cx="0" cy="0"/>
+        </a:xfrm>
+      </p:grpSpPr>
+      <p:sp>
+        <p:nvSpPr>
+          <p:cNvPr id="10" name="副标题 2">
+            <a:extLst>
+              <a:ext uri="{FF2B5EF4-FFF2-40B4-BE49-F238E27FC236}">
+                <a16:creationId xmlns:a16="http://schemas.microsoft.com/office/drawing/2014/main" id="{42AE8C01-7BF1-4C58-90BD-31448E7C5E9B}"/>
+              </a:ext>
+            </a:extLst>
+          </p:cNvPr>
+          <p:cNvSpPr txBox="1">
+            <a:spLocks/>
+          </p:cNvSpPr>
+          <p:nvPr/>
+        </p:nvSpPr>
+        <p:spPr>
+          <a:xfrm>
+            <a:off x="0" y="0"/>
+            <a:ext cx="12192000" cy="707669"/>
+          </a:xfrm>
+          <a:prstGeom prst="rect">
+            <a:avLst/>
+          </a:prstGeom>
+          <a:solidFill>
+            <a:schemeClr val="accent6">
+              <a:lumMod val="60000"/>
+              <a:lumOff val="40000"/>
+            </a:schemeClr>
+          </a:solidFill>
+          <a:ln>
+            <a:solidFill>
+              <a:schemeClr val="accent1">
+                <a:lumMod val="60000"/>
+                <a:lumOff val="40000"/>
+              </a:schemeClr>
+            </a:solidFill>
+          </a:ln>
+        </p:spPr>
+        <p:txBody>
+          <a:bodyPr vert="horz" lIns="91440" tIns="45720" rIns="91440" bIns="45720" rtlCol="0">
+            <a:normAutofit/>
+          </a:bodyPr>
+          <a:lstStyle>
+            <a:lvl1pPr marL="0" indent="0" algn="ctr" defTabSz="914400" rtl="0" eaLnBrk="1" latinLnBrk="0" hangingPunct="1">
+              <a:lnSpc>
+                <a:spcPct val="90000"/>
+              </a:lnSpc>
+              <a:spcBef>
+                <a:spcPts val="1000"/>
+              </a:spcBef>
+              <a:buFont typeface="Arial" panose="020B0604020202020204" pitchFamily="34" charset="0"/>
+              <a:buNone/>
+              <a:defRPr sz="2400" kern="1200">
+                <a:solidFill>
+                  <a:schemeClr val="tx1"/>
+                </a:solidFill>
+                <a:latin typeface="+mn-lt"/>
+                <a:ea typeface="+mn-ea"/>
+                <a:cs typeface="+mn-cs"/>
+              </a:defRPr>
+            </a:lvl1pPr>
+            <a:lvl2pPr marL="457200" indent="0" algn="ctr" defTabSz="914400" rtl="0" eaLnBrk="1" latinLnBrk="0" hangingPunct="1">
+              <a:lnSpc>
+                <a:spcPct val="90000"/>
+              </a:lnSpc>
+              <a:spcBef>
+                <a:spcPts val="500"/>
+              </a:spcBef>
+              <a:buFont typeface="Arial" panose="020B0604020202020204" pitchFamily="34" charset="0"/>
+              <a:buNone/>
+              <a:defRPr sz="2000" kern="1200">
+                <a:solidFill>
+                  <a:schemeClr val="tx1"/>
+                </a:solidFill>
+                <a:latin typeface="+mn-lt"/>
+                <a:ea typeface="+mn-ea"/>
+                <a:cs typeface="+mn-cs"/>
+              </a:defRPr>
+            </a:lvl2pPr>
+            <a:lvl3pPr marL="914400" indent="0" algn="ctr" defTabSz="914400" rtl="0" eaLnBrk="1" latinLnBrk="0" hangingPunct="1">
+              <a:lnSpc>
+                <a:spcPct val="90000"/>
+              </a:lnSpc>
+              <a:spcBef>
+                <a:spcPts val="500"/>
+              </a:spcBef>
+              <a:buFont typeface="Arial" panose="020B0604020202020204" pitchFamily="34" charset="0"/>
+              <a:buNone/>
+              <a:defRPr sz="1800" kern="1200">
+                <a:solidFill>
+                  <a:schemeClr val="tx1"/>
+                </a:solidFill>
+                <a:latin typeface="+mn-lt"/>
+                <a:ea typeface="+mn-ea"/>
+                <a:cs typeface="+mn-cs"/>
+              </a:defRPr>
+            </a:lvl3pPr>
+            <a:lvl4pPr marL="1371600" indent="0" algn="ctr" defTabSz="914400" rtl="0" eaLnBrk="1" latinLnBrk="0" hangingPunct="1">
+              <a:lnSpc>
+                <a:spcPct val="90000"/>
+              </a:lnSpc>
+              <a:spcBef>
+                <a:spcPts val="500"/>
+              </a:spcBef>
+              <a:buFont typeface="Arial" panose="020B0604020202020204" pitchFamily="34" charset="0"/>
+              <a:buNone/>
+              <a:defRPr sz="1600" kern="1200">
+                <a:solidFill>
+                  <a:schemeClr val="tx1"/>
+                </a:solidFill>
+                <a:latin typeface="+mn-lt"/>
+                <a:ea typeface="+mn-ea"/>
+                <a:cs typeface="+mn-cs"/>
+              </a:defRPr>
+            </a:lvl4pPr>
+            <a:lvl5pPr marL="1828800" indent="0" algn="ctr" defTabSz="914400" rtl="0" eaLnBrk="1" latinLnBrk="0" hangingPunct="1">
+              <a:lnSpc>
+                <a:spcPct val="90000"/>
+              </a:lnSpc>
+              <a:spcBef>
+                <a:spcPts val="500"/>
+              </a:spcBef>
+              <a:buFont typeface="Arial" panose="020B0604020202020204" pitchFamily="34" charset="0"/>
+              <a:buNone/>
+              <a:defRPr sz="1600" kern="1200">
+                <a:solidFill>
+                  <a:schemeClr val="tx1"/>
+                </a:solidFill>
+                <a:latin typeface="+mn-lt"/>
+                <a:ea typeface="+mn-ea"/>
+                <a:cs typeface="+mn-cs"/>
+              </a:defRPr>
+            </a:lvl5pPr>
+            <a:lvl6pPr marL="2286000" indent="0" algn="ctr" defTabSz="914400" rtl="0" eaLnBrk="1" latinLnBrk="0" hangingPunct="1">
+              <a:lnSpc>
+                <a:spcPct val="90000"/>
+              </a:lnSpc>
+              <a:spcBef>
+                <a:spcPts val="500"/>
+              </a:spcBef>
+              <a:buFont typeface="Arial" panose="020B0604020202020204" pitchFamily="34" charset="0"/>
+              <a:buNone/>
+              <a:defRPr sz="1600" kern="1200">
+                <a:solidFill>
+                  <a:schemeClr val="tx1"/>
+                </a:solidFill>
+                <a:latin typeface="+mn-lt"/>
+                <a:ea typeface="+mn-ea"/>
+                <a:cs typeface="+mn-cs"/>
+              </a:defRPr>
+            </a:lvl6pPr>
+            <a:lvl7pPr marL="2743200" indent="0" algn="ctr" defTabSz="914400" rtl="0" eaLnBrk="1" latinLnBrk="0" hangingPunct="1">
+              <a:lnSpc>
+                <a:spcPct val="90000"/>
+              </a:lnSpc>
+              <a:spcBef>
+                <a:spcPts val="500"/>
+              </a:spcBef>
+              <a:buFont typeface="Arial" panose="020B0604020202020204" pitchFamily="34" charset="0"/>
+              <a:buNone/>
+              <a:defRPr sz="1600" kern="1200">
+                <a:solidFill>
+                  <a:schemeClr val="tx1"/>
+                </a:solidFill>
+                <a:latin typeface="+mn-lt"/>
+                <a:ea typeface="+mn-ea"/>
+                <a:cs typeface="+mn-cs"/>
+              </a:defRPr>
+            </a:lvl7pPr>
+            <a:lvl8pPr marL="3200400" indent="0" algn="ctr" defTabSz="914400" rtl="0" eaLnBrk="1" latinLnBrk="0" hangingPunct="1">
+              <a:lnSpc>
+                <a:spcPct val="90000"/>
+              </a:lnSpc>
+              <a:spcBef>
+                <a:spcPts val="500"/>
+              </a:spcBef>
+              <a:buFont typeface="Arial" panose="020B0604020202020204" pitchFamily="34" charset="0"/>
+              <a:buNone/>
+              <a:defRPr sz="1600" kern="1200">
+                <a:solidFill>
+                  <a:schemeClr val="tx1"/>
+                </a:solidFill>
+                <a:latin typeface="+mn-lt"/>
+                <a:ea typeface="+mn-ea"/>
+                <a:cs typeface="+mn-cs"/>
+              </a:defRPr>
+            </a:lvl8pPr>
+            <a:lvl9pPr marL="3657600" indent="0" algn="ctr" defTabSz="914400" rtl="0" eaLnBrk="1" latinLnBrk="0" hangingPunct="1">
+              <a:lnSpc>
+                <a:spcPct val="90000"/>
+              </a:lnSpc>
+              <a:spcBef>
+                <a:spcPts val="500"/>
+              </a:spcBef>
+              <a:buFont typeface="Arial" panose="020B0604020202020204" pitchFamily="34" charset="0"/>
+              <a:buNone/>
+              <a:defRPr sz="1600" kern="1200">
+                <a:solidFill>
+                  <a:schemeClr val="tx1"/>
+                </a:solidFill>
+                <a:latin typeface="+mn-lt"/>
+                <a:ea typeface="+mn-ea"/>
+                <a:cs typeface="+mn-cs"/>
+              </a:defRPr>
+            </a:lvl9pPr>
+          </a:lstStyle>
+          <a:p>
+            <a:pPr algn="l"/>
+            <a:r>
+              <a:rPr lang="zh-CN" altLang="en-US" sz="1600" dirty="0">
+                <a:solidFill>
+                  <a:srgbClr val="0070C0"/>
+                </a:solidFill>
+              </a:rPr>
+              <a:t>测验</a:t>
+            </a:r>
+            <a:r>
+              <a:rPr lang="en-US" altLang="zh-CN" sz="1600" dirty="0">
+                <a:solidFill>
+                  <a:srgbClr val="0070C0"/>
+                </a:solidFill>
+              </a:rPr>
+              <a:t> &gt; </a:t>
+            </a:r>
+            <a:r>
+              <a:rPr lang="zh-CN" altLang="en-US" sz="1600" dirty="0">
+                <a:solidFill>
+                  <a:srgbClr val="0070C0"/>
+                </a:solidFill>
+              </a:rPr>
+              <a:t>考试列表 </a:t>
+            </a:r>
+            <a:r>
+              <a:rPr lang="en-US" altLang="zh-CN" sz="1600" dirty="0">
+                <a:solidFill>
+                  <a:srgbClr val="0070C0"/>
+                </a:solidFill>
+              </a:rPr>
+              <a:t>&gt; </a:t>
+            </a:r>
+            <a:r>
+              <a:rPr lang="zh-CN" altLang="en-US" sz="1600" dirty="0">
+                <a:solidFill>
+                  <a:srgbClr val="0070C0"/>
+                </a:solidFill>
+              </a:rPr>
+              <a:t>考试列表</a:t>
+            </a:r>
+          </a:p>
+        </p:txBody>
+      </p:sp>
+      <p:sp>
+        <p:nvSpPr>
+          <p:cNvPr id="11" name="副标题 2">
+            <a:extLst>
+              <a:ext uri="{FF2B5EF4-FFF2-40B4-BE49-F238E27FC236}">
+                <a16:creationId xmlns:a16="http://schemas.microsoft.com/office/drawing/2014/main" id="{B518E569-1FE7-4B73-9133-E384A9D677AB}"/>
+              </a:ext>
+            </a:extLst>
+          </p:cNvPr>
+          <p:cNvSpPr txBox="1">
+            <a:spLocks/>
+          </p:cNvSpPr>
+          <p:nvPr/>
+        </p:nvSpPr>
+        <p:spPr>
+          <a:xfrm>
+            <a:off x="0" y="6134582"/>
+            <a:ext cx="12192000" cy="723418"/>
+          </a:xfrm>
+          <a:prstGeom prst="rect">
+            <a:avLst/>
+          </a:prstGeom>
+          <a:solidFill>
+            <a:schemeClr val="accent5"/>
+          </a:solidFill>
+          <a:ln>
+            <a:solidFill>
+              <a:schemeClr val="accent1">
+                <a:lumMod val="60000"/>
+                <a:lumOff val="40000"/>
+              </a:schemeClr>
+            </a:solidFill>
+          </a:ln>
+        </p:spPr>
+        <p:txBody>
+          <a:bodyPr vert="horz" lIns="91440" tIns="45720" rIns="91440" bIns="45720" rtlCol="0">
+            <a:normAutofit/>
+          </a:bodyPr>
+          <a:lstStyle>
+            <a:lvl1pPr marL="0" indent="0" algn="ctr" defTabSz="914400" rtl="0" eaLnBrk="1" latinLnBrk="0" hangingPunct="1">
+              <a:lnSpc>
+                <a:spcPct val="90000"/>
+              </a:lnSpc>
+              <a:spcBef>
+                <a:spcPts val="1000"/>
+              </a:spcBef>
+              <a:buFont typeface="Arial" panose="020B0604020202020204" pitchFamily="34" charset="0"/>
+              <a:buNone/>
+              <a:defRPr sz="2400" kern="1200">
+                <a:solidFill>
+                  <a:schemeClr val="tx1"/>
+                </a:solidFill>
+                <a:latin typeface="+mn-lt"/>
+                <a:ea typeface="+mn-ea"/>
+                <a:cs typeface="+mn-cs"/>
+              </a:defRPr>
+            </a:lvl1pPr>
+            <a:lvl2pPr marL="457200" indent="0" algn="ctr" defTabSz="914400" rtl="0" eaLnBrk="1" latinLnBrk="0" hangingPunct="1">
+              <a:lnSpc>
+                <a:spcPct val="90000"/>
+              </a:lnSpc>
+              <a:spcBef>
+                <a:spcPts val="500"/>
+              </a:spcBef>
+              <a:buFont typeface="Arial" panose="020B0604020202020204" pitchFamily="34" charset="0"/>
+              <a:buNone/>
+              <a:defRPr sz="2000" kern="1200">
+                <a:solidFill>
+                  <a:schemeClr val="tx1"/>
+                </a:solidFill>
+                <a:latin typeface="+mn-lt"/>
+                <a:ea typeface="+mn-ea"/>
+                <a:cs typeface="+mn-cs"/>
+              </a:defRPr>
+            </a:lvl2pPr>
+            <a:lvl3pPr marL="914400" indent="0" algn="ctr" defTabSz="914400" rtl="0" eaLnBrk="1" latinLnBrk="0" hangingPunct="1">
+              <a:lnSpc>
+                <a:spcPct val="90000"/>
+              </a:lnSpc>
+              <a:spcBef>
+                <a:spcPts val="500"/>
+              </a:spcBef>
+              <a:buFont typeface="Arial" panose="020B0604020202020204" pitchFamily="34" charset="0"/>
+              <a:buNone/>
+              <a:defRPr sz="1800" kern="1200">
+                <a:solidFill>
+                  <a:schemeClr val="tx1"/>
+                </a:solidFill>
+                <a:latin typeface="+mn-lt"/>
+                <a:ea typeface="+mn-ea"/>
+                <a:cs typeface="+mn-cs"/>
+              </a:defRPr>
+            </a:lvl3pPr>
+            <a:lvl4pPr marL="1371600" indent="0" algn="ctr" defTabSz="914400" rtl="0" eaLnBrk="1" latinLnBrk="0" hangingPunct="1">
+              <a:lnSpc>
+                <a:spcPct val="90000"/>
+              </a:lnSpc>
+              <a:spcBef>
+                <a:spcPts val="500"/>
+              </a:spcBef>
+              <a:buFont typeface="Arial" panose="020B0604020202020204" pitchFamily="34" charset="0"/>
+              <a:buNone/>
+              <a:defRPr sz="1600" kern="1200">
+                <a:solidFill>
+                  <a:schemeClr val="tx1"/>
+                </a:solidFill>
+                <a:latin typeface="+mn-lt"/>
+                <a:ea typeface="+mn-ea"/>
+                <a:cs typeface="+mn-cs"/>
+              </a:defRPr>
+            </a:lvl4pPr>
+            <a:lvl5pPr marL="1828800" indent="0" algn="ctr" defTabSz="914400" rtl="0" eaLnBrk="1" latinLnBrk="0" hangingPunct="1">
+              <a:lnSpc>
+                <a:spcPct val="90000"/>
+              </a:lnSpc>
+              <a:spcBef>
+                <a:spcPts val="500"/>
+              </a:spcBef>
+              <a:buFont typeface="Arial" panose="020B0604020202020204" pitchFamily="34" charset="0"/>
+              <a:buNone/>
+              <a:defRPr sz="1600" kern="1200">
+                <a:solidFill>
+                  <a:schemeClr val="tx1"/>
+                </a:solidFill>
+                <a:latin typeface="+mn-lt"/>
+                <a:ea typeface="+mn-ea"/>
+                <a:cs typeface="+mn-cs"/>
+              </a:defRPr>
+            </a:lvl5pPr>
+            <a:lvl6pPr marL="2286000" indent="0" algn="ctr" defTabSz="914400" rtl="0" eaLnBrk="1" latinLnBrk="0" hangingPunct="1">
+              <a:lnSpc>
+                <a:spcPct val="90000"/>
+              </a:lnSpc>
+              <a:spcBef>
+                <a:spcPts val="500"/>
+              </a:spcBef>
+              <a:buFont typeface="Arial" panose="020B0604020202020204" pitchFamily="34" charset="0"/>
+              <a:buNone/>
+              <a:defRPr sz="1600" kern="1200">
+                <a:solidFill>
+                  <a:schemeClr val="tx1"/>
+                </a:solidFill>
+                <a:latin typeface="+mn-lt"/>
+                <a:ea typeface="+mn-ea"/>
+                <a:cs typeface="+mn-cs"/>
+              </a:defRPr>
+            </a:lvl6pPr>
+            <a:lvl7pPr marL="2743200" indent="0" algn="ctr" defTabSz="914400" rtl="0" eaLnBrk="1" latinLnBrk="0" hangingPunct="1">
+              <a:lnSpc>
+                <a:spcPct val="90000"/>
+              </a:lnSpc>
+              <a:spcBef>
+                <a:spcPts val="500"/>
+              </a:spcBef>
+              <a:buFont typeface="Arial" panose="020B0604020202020204" pitchFamily="34" charset="0"/>
+              <a:buNone/>
+              <a:defRPr sz="1600" kern="1200">
+                <a:solidFill>
+                  <a:schemeClr val="tx1"/>
+                </a:solidFill>
+                <a:latin typeface="+mn-lt"/>
+                <a:ea typeface="+mn-ea"/>
+                <a:cs typeface="+mn-cs"/>
+              </a:defRPr>
+            </a:lvl7pPr>
+            <a:lvl8pPr marL="3200400" indent="0" algn="ctr" defTabSz="914400" rtl="0" eaLnBrk="1" latinLnBrk="0" hangingPunct="1">
+              <a:lnSpc>
+                <a:spcPct val="90000"/>
+              </a:lnSpc>
+              <a:spcBef>
+                <a:spcPts val="500"/>
+              </a:spcBef>
+              <a:buFont typeface="Arial" panose="020B0604020202020204" pitchFamily="34" charset="0"/>
+              <a:buNone/>
+              <a:defRPr sz="1600" kern="1200">
+                <a:solidFill>
+                  <a:schemeClr val="tx1"/>
+                </a:solidFill>
+                <a:latin typeface="+mn-lt"/>
+                <a:ea typeface="+mn-ea"/>
+                <a:cs typeface="+mn-cs"/>
+              </a:defRPr>
+            </a:lvl8pPr>
+            <a:lvl9pPr marL="3657600" indent="0" algn="ctr" defTabSz="914400" rtl="0" eaLnBrk="1" latinLnBrk="0" hangingPunct="1">
+              <a:lnSpc>
+                <a:spcPct val="90000"/>
+              </a:lnSpc>
+              <a:spcBef>
+                <a:spcPts val="500"/>
+              </a:spcBef>
+              <a:buFont typeface="Arial" panose="020B0604020202020204" pitchFamily="34" charset="0"/>
+              <a:buNone/>
+              <a:defRPr sz="1600" kern="1200">
+                <a:solidFill>
+                  <a:schemeClr val="tx1"/>
+                </a:solidFill>
+                <a:latin typeface="+mn-lt"/>
+                <a:ea typeface="+mn-ea"/>
+                <a:cs typeface="+mn-cs"/>
+              </a:defRPr>
+            </a:lvl9pPr>
+          </a:lstStyle>
+          <a:p>
+            <a:pPr algn="l"/>
+            <a:r>
+              <a:rPr lang="zh-CN" altLang="en-US" sz="1600" dirty="0">
+                <a:solidFill>
+                  <a:schemeClr val="bg1"/>
+                </a:solidFill>
+              </a:rPr>
+              <a:t>问题描述：</a:t>
+            </a:r>
+            <a:endParaRPr lang="en-US" altLang="zh-CN" sz="1600" dirty="0">
+              <a:solidFill>
+                <a:schemeClr val="bg1"/>
+              </a:solidFill>
+            </a:endParaRPr>
+          </a:p>
+          <a:p>
+            <a:pPr marL="342900" indent="-342900" algn="l">
+              <a:buAutoNum type="arabicPeriod"/>
+            </a:pPr>
+            <a:r>
+              <a:rPr lang="zh-CN" altLang="en-US" sz="1600" dirty="0">
+                <a:solidFill>
+                  <a:schemeClr val="bg1"/>
+                </a:solidFill>
+              </a:rPr>
+              <a:t>（</a:t>
+            </a:r>
+            <a:r>
+              <a:rPr lang="en-US" altLang="zh-CN" sz="1600" dirty="0">
+                <a:solidFill>
+                  <a:schemeClr val="bg1"/>
+                </a:solidFill>
+              </a:rPr>
+              <a:t>UI</a:t>
+            </a:r>
+            <a:r>
+              <a:rPr lang="zh-CN" altLang="en-US" sz="1600" dirty="0">
+                <a:solidFill>
+                  <a:schemeClr val="bg1"/>
+                </a:solidFill>
+              </a:rPr>
+              <a:t>）红线处为考试时间和考试状态</a:t>
+            </a:r>
+            <a:endParaRPr lang="en-US" altLang="zh-CN" sz="1600" dirty="0">
+              <a:solidFill>
+                <a:schemeClr val="bg1"/>
+              </a:solidFill>
+            </a:endParaRPr>
+          </a:p>
+        </p:txBody>
+      </p:sp>
+      <p:pic>
+        <p:nvPicPr>
+          <p:cNvPr id="4" name="Picture 3">
+            <a:extLst>
+              <a:ext uri="{FF2B5EF4-FFF2-40B4-BE49-F238E27FC236}">
+                <a16:creationId xmlns:a16="http://schemas.microsoft.com/office/drawing/2014/main" id="{39B1EE4F-DF0C-4BB8-A45F-2651022E25B5}"/>
+              </a:ext>
+            </a:extLst>
+          </p:cNvPr>
+          <p:cNvPicPr>
+            <a:picLocks noChangeAspect="1"/>
+          </p:cNvPicPr>
+          <p:nvPr/>
+        </p:nvPicPr>
+        <p:blipFill>
+          <a:blip r:embed="rId2"/>
+          <a:stretch>
+            <a:fillRect/>
+          </a:stretch>
+        </p:blipFill>
+        <p:spPr>
+          <a:xfrm>
+            <a:off x="0" y="754125"/>
+            <a:ext cx="7543800" cy="5334000"/>
+          </a:xfrm>
+          <a:prstGeom prst="rect">
+            <a:avLst/>
+          </a:prstGeom>
+        </p:spPr>
+      </p:pic>
+    </p:spTree>
+    <p:extLst>
+      <p:ext uri="{BB962C8B-B14F-4D97-AF65-F5344CB8AC3E}">
+        <p14:creationId xmlns:p14="http://schemas.microsoft.com/office/powerpoint/2010/main" val="1209552059"/>
+      </p:ext>
+    </p:extLst>
+  </p:cSld>
+  <p:clrMapOvr>
+    <a:masterClrMapping/>
+  </p:clrMapOvr>
+</p:sld>
+</file>
+
+<file path=ppt/slides/slide23.xml><?xml version="1.0" encoding="utf-8"?>
+<p:sld xmlns:a="http://schemas.openxmlformats.org/drawingml/2006/main" xmlns:r="http://schemas.openxmlformats.org/officeDocument/2006/relationships" xmlns:p="http://schemas.openxmlformats.org/presentationml/2006/main">
+  <p:cSld>
+    <p:spTree>
+      <p:nvGrpSpPr>
+        <p:cNvPr id="1" name=""/>
+        <p:cNvGrpSpPr/>
+        <p:nvPr/>
+      </p:nvGrpSpPr>
+      <p:grpSpPr>
+        <a:xfrm>
+          <a:off x="0" y="0"/>
+          <a:ext cx="0" cy="0"/>
+          <a:chOff x="0" y="0"/>
+          <a:chExt cx="0" cy="0"/>
+        </a:xfrm>
+      </p:grpSpPr>
+      <p:sp>
+        <p:nvSpPr>
+          <p:cNvPr id="10" name="副标题 2">
+            <a:extLst>
+              <a:ext uri="{FF2B5EF4-FFF2-40B4-BE49-F238E27FC236}">
+                <a16:creationId xmlns:a16="http://schemas.microsoft.com/office/drawing/2014/main" id="{42AE8C01-7BF1-4C58-90BD-31448E7C5E9B}"/>
+              </a:ext>
+            </a:extLst>
+          </p:cNvPr>
+          <p:cNvSpPr txBox="1">
+            <a:spLocks/>
+          </p:cNvSpPr>
+          <p:nvPr/>
+        </p:nvSpPr>
+        <p:spPr>
+          <a:xfrm>
+            <a:off x="0" y="0"/>
+            <a:ext cx="12192000" cy="707669"/>
+          </a:xfrm>
+          <a:prstGeom prst="rect">
+            <a:avLst/>
+          </a:prstGeom>
+          <a:solidFill>
+            <a:schemeClr val="accent6">
+              <a:lumMod val="60000"/>
+              <a:lumOff val="40000"/>
+            </a:schemeClr>
+          </a:solidFill>
+          <a:ln>
+            <a:solidFill>
+              <a:schemeClr val="accent1">
+                <a:lumMod val="60000"/>
+                <a:lumOff val="40000"/>
+              </a:schemeClr>
+            </a:solidFill>
+          </a:ln>
+        </p:spPr>
+        <p:txBody>
+          <a:bodyPr vert="horz" lIns="91440" tIns="45720" rIns="91440" bIns="45720" rtlCol="0">
+            <a:normAutofit/>
+          </a:bodyPr>
+          <a:lstStyle>
+            <a:lvl1pPr marL="0" indent="0" algn="ctr" defTabSz="914400" rtl="0" eaLnBrk="1" latinLnBrk="0" hangingPunct="1">
+              <a:lnSpc>
+                <a:spcPct val="90000"/>
+              </a:lnSpc>
+              <a:spcBef>
+                <a:spcPts val="1000"/>
+              </a:spcBef>
+              <a:buFont typeface="Arial" panose="020B0604020202020204" pitchFamily="34" charset="0"/>
+              <a:buNone/>
+              <a:defRPr sz="2400" kern="1200">
+                <a:solidFill>
+                  <a:schemeClr val="tx1"/>
+                </a:solidFill>
+                <a:latin typeface="+mn-lt"/>
+                <a:ea typeface="+mn-ea"/>
+                <a:cs typeface="+mn-cs"/>
+              </a:defRPr>
+            </a:lvl1pPr>
+            <a:lvl2pPr marL="457200" indent="0" algn="ctr" defTabSz="914400" rtl="0" eaLnBrk="1" latinLnBrk="0" hangingPunct="1">
+              <a:lnSpc>
+                <a:spcPct val="90000"/>
+              </a:lnSpc>
+              <a:spcBef>
+                <a:spcPts val="500"/>
+              </a:spcBef>
+              <a:buFont typeface="Arial" panose="020B0604020202020204" pitchFamily="34" charset="0"/>
+              <a:buNone/>
+              <a:defRPr sz="2000" kern="1200">
+                <a:solidFill>
+                  <a:schemeClr val="tx1"/>
+                </a:solidFill>
+                <a:latin typeface="+mn-lt"/>
+                <a:ea typeface="+mn-ea"/>
+                <a:cs typeface="+mn-cs"/>
+              </a:defRPr>
+            </a:lvl2pPr>
+            <a:lvl3pPr marL="914400" indent="0" algn="ctr" defTabSz="914400" rtl="0" eaLnBrk="1" latinLnBrk="0" hangingPunct="1">
+              <a:lnSpc>
+                <a:spcPct val="90000"/>
+              </a:lnSpc>
+              <a:spcBef>
+                <a:spcPts val="500"/>
+              </a:spcBef>
+              <a:buFont typeface="Arial" panose="020B0604020202020204" pitchFamily="34" charset="0"/>
+              <a:buNone/>
+              <a:defRPr sz="1800" kern="1200">
+                <a:solidFill>
+                  <a:schemeClr val="tx1"/>
+                </a:solidFill>
+                <a:latin typeface="+mn-lt"/>
+                <a:ea typeface="+mn-ea"/>
+                <a:cs typeface="+mn-cs"/>
+              </a:defRPr>
+            </a:lvl3pPr>
+            <a:lvl4pPr marL="1371600" indent="0" algn="ctr" defTabSz="914400" rtl="0" eaLnBrk="1" latinLnBrk="0" hangingPunct="1">
+              <a:lnSpc>
+                <a:spcPct val="90000"/>
+              </a:lnSpc>
+              <a:spcBef>
+                <a:spcPts val="500"/>
+              </a:spcBef>
+              <a:buFont typeface="Arial" panose="020B0604020202020204" pitchFamily="34" charset="0"/>
+              <a:buNone/>
+              <a:defRPr sz="1600" kern="1200">
+                <a:solidFill>
+                  <a:schemeClr val="tx1"/>
+                </a:solidFill>
+                <a:latin typeface="+mn-lt"/>
+                <a:ea typeface="+mn-ea"/>
+                <a:cs typeface="+mn-cs"/>
+              </a:defRPr>
+            </a:lvl4pPr>
+            <a:lvl5pPr marL="1828800" indent="0" algn="ctr" defTabSz="914400" rtl="0" eaLnBrk="1" latinLnBrk="0" hangingPunct="1">
+              <a:lnSpc>
+                <a:spcPct val="90000"/>
+              </a:lnSpc>
+              <a:spcBef>
+                <a:spcPts val="500"/>
+              </a:spcBef>
+              <a:buFont typeface="Arial" panose="020B0604020202020204" pitchFamily="34" charset="0"/>
+              <a:buNone/>
+              <a:defRPr sz="1600" kern="1200">
+                <a:solidFill>
+                  <a:schemeClr val="tx1"/>
+                </a:solidFill>
+                <a:latin typeface="+mn-lt"/>
+                <a:ea typeface="+mn-ea"/>
+                <a:cs typeface="+mn-cs"/>
+              </a:defRPr>
+            </a:lvl5pPr>
+            <a:lvl6pPr marL="2286000" indent="0" algn="ctr" defTabSz="914400" rtl="0" eaLnBrk="1" latinLnBrk="0" hangingPunct="1">
+              <a:lnSpc>
+                <a:spcPct val="90000"/>
+              </a:lnSpc>
+              <a:spcBef>
+                <a:spcPts val="500"/>
+              </a:spcBef>
+              <a:buFont typeface="Arial" panose="020B0604020202020204" pitchFamily="34" charset="0"/>
+              <a:buNone/>
+              <a:defRPr sz="1600" kern="1200">
+                <a:solidFill>
+                  <a:schemeClr val="tx1"/>
+                </a:solidFill>
+                <a:latin typeface="+mn-lt"/>
+                <a:ea typeface="+mn-ea"/>
+                <a:cs typeface="+mn-cs"/>
+              </a:defRPr>
+            </a:lvl6pPr>
+            <a:lvl7pPr marL="2743200" indent="0" algn="ctr" defTabSz="914400" rtl="0" eaLnBrk="1" latinLnBrk="0" hangingPunct="1">
+              <a:lnSpc>
+                <a:spcPct val="90000"/>
+              </a:lnSpc>
+              <a:spcBef>
+                <a:spcPts val="500"/>
+              </a:spcBef>
+              <a:buFont typeface="Arial" panose="020B0604020202020204" pitchFamily="34" charset="0"/>
+              <a:buNone/>
+              <a:defRPr sz="1600" kern="1200">
+                <a:solidFill>
+                  <a:schemeClr val="tx1"/>
+                </a:solidFill>
+                <a:latin typeface="+mn-lt"/>
+                <a:ea typeface="+mn-ea"/>
+                <a:cs typeface="+mn-cs"/>
+              </a:defRPr>
+            </a:lvl7pPr>
+            <a:lvl8pPr marL="3200400" indent="0" algn="ctr" defTabSz="914400" rtl="0" eaLnBrk="1" latinLnBrk="0" hangingPunct="1">
+              <a:lnSpc>
+                <a:spcPct val="90000"/>
+              </a:lnSpc>
+              <a:spcBef>
+                <a:spcPts val="500"/>
+              </a:spcBef>
+              <a:buFont typeface="Arial" panose="020B0604020202020204" pitchFamily="34" charset="0"/>
+              <a:buNone/>
+              <a:defRPr sz="1600" kern="1200">
+                <a:solidFill>
+                  <a:schemeClr val="tx1"/>
+                </a:solidFill>
+                <a:latin typeface="+mn-lt"/>
+                <a:ea typeface="+mn-ea"/>
+                <a:cs typeface="+mn-cs"/>
+              </a:defRPr>
+            </a:lvl8pPr>
+            <a:lvl9pPr marL="3657600" indent="0" algn="ctr" defTabSz="914400" rtl="0" eaLnBrk="1" latinLnBrk="0" hangingPunct="1">
+              <a:lnSpc>
+                <a:spcPct val="90000"/>
+              </a:lnSpc>
+              <a:spcBef>
+                <a:spcPts val="500"/>
+              </a:spcBef>
+              <a:buFont typeface="Arial" panose="020B0604020202020204" pitchFamily="34" charset="0"/>
+              <a:buNone/>
+              <a:defRPr sz="1600" kern="1200">
+                <a:solidFill>
+                  <a:schemeClr val="tx1"/>
+                </a:solidFill>
+                <a:latin typeface="+mn-lt"/>
+                <a:ea typeface="+mn-ea"/>
+                <a:cs typeface="+mn-cs"/>
+              </a:defRPr>
+            </a:lvl9pPr>
+          </a:lstStyle>
+          <a:p>
+            <a:pPr algn="l"/>
+            <a:r>
+              <a:rPr lang="zh-CN" altLang="en-US" sz="1600" dirty="0">
+                <a:solidFill>
+                  <a:srgbClr val="0070C0"/>
+                </a:solidFill>
+              </a:rPr>
+              <a:t>测验</a:t>
+            </a:r>
+            <a:r>
+              <a:rPr lang="en-US" altLang="zh-CN" sz="1600" dirty="0">
+                <a:solidFill>
+                  <a:srgbClr val="0070C0"/>
+                </a:solidFill>
+              </a:rPr>
+              <a:t> &gt; </a:t>
+            </a:r>
+            <a:r>
+              <a:rPr lang="zh-CN" altLang="en-US" sz="1600" dirty="0">
+                <a:solidFill>
+                  <a:srgbClr val="0070C0"/>
+                </a:solidFill>
+              </a:rPr>
+              <a:t>考试列表 </a:t>
+            </a:r>
+            <a:r>
+              <a:rPr lang="en-US" altLang="zh-CN" sz="1600" dirty="0">
+                <a:solidFill>
+                  <a:srgbClr val="0070C0"/>
+                </a:solidFill>
+              </a:rPr>
+              <a:t>&gt; </a:t>
+            </a:r>
+            <a:r>
+              <a:rPr lang="zh-CN" altLang="en-US" sz="1600" dirty="0">
+                <a:solidFill>
+                  <a:srgbClr val="0070C0"/>
+                </a:solidFill>
+              </a:rPr>
+              <a:t>考试列表</a:t>
+            </a:r>
+          </a:p>
+        </p:txBody>
+      </p:sp>
+      <p:sp>
+        <p:nvSpPr>
+          <p:cNvPr id="11" name="副标题 2">
+            <a:extLst>
+              <a:ext uri="{FF2B5EF4-FFF2-40B4-BE49-F238E27FC236}">
+                <a16:creationId xmlns:a16="http://schemas.microsoft.com/office/drawing/2014/main" id="{B518E569-1FE7-4B73-9133-E384A9D677AB}"/>
+              </a:ext>
+            </a:extLst>
+          </p:cNvPr>
+          <p:cNvSpPr txBox="1">
+            <a:spLocks/>
+          </p:cNvSpPr>
+          <p:nvPr/>
+        </p:nvSpPr>
+        <p:spPr>
+          <a:xfrm>
+            <a:off x="0" y="5775766"/>
+            <a:ext cx="12192000" cy="1082233"/>
+          </a:xfrm>
+          <a:prstGeom prst="rect">
+            <a:avLst/>
+          </a:prstGeom>
+          <a:solidFill>
+            <a:schemeClr val="accent5"/>
+          </a:solidFill>
+          <a:ln>
+            <a:solidFill>
+              <a:schemeClr val="accent1">
+                <a:lumMod val="60000"/>
+                <a:lumOff val="40000"/>
+              </a:schemeClr>
+            </a:solidFill>
+          </a:ln>
+        </p:spPr>
+        <p:txBody>
+          <a:bodyPr vert="horz" lIns="91440" tIns="45720" rIns="91440" bIns="45720" rtlCol="0">
+            <a:normAutofit/>
+          </a:bodyPr>
+          <a:lstStyle>
+            <a:lvl1pPr marL="0" indent="0" algn="ctr" defTabSz="914400" rtl="0" eaLnBrk="1" latinLnBrk="0" hangingPunct="1">
+              <a:lnSpc>
+                <a:spcPct val="90000"/>
+              </a:lnSpc>
+              <a:spcBef>
+                <a:spcPts val="1000"/>
+              </a:spcBef>
+              <a:buFont typeface="Arial" panose="020B0604020202020204" pitchFamily="34" charset="0"/>
+              <a:buNone/>
+              <a:defRPr sz="2400" kern="1200">
+                <a:solidFill>
+                  <a:schemeClr val="tx1"/>
+                </a:solidFill>
+                <a:latin typeface="+mn-lt"/>
+                <a:ea typeface="+mn-ea"/>
+                <a:cs typeface="+mn-cs"/>
+              </a:defRPr>
+            </a:lvl1pPr>
+            <a:lvl2pPr marL="457200" indent="0" algn="ctr" defTabSz="914400" rtl="0" eaLnBrk="1" latinLnBrk="0" hangingPunct="1">
+              <a:lnSpc>
+                <a:spcPct val="90000"/>
+              </a:lnSpc>
+              <a:spcBef>
+                <a:spcPts val="500"/>
+              </a:spcBef>
+              <a:buFont typeface="Arial" panose="020B0604020202020204" pitchFamily="34" charset="0"/>
+              <a:buNone/>
+              <a:defRPr sz="2000" kern="1200">
+                <a:solidFill>
+                  <a:schemeClr val="tx1"/>
+                </a:solidFill>
+                <a:latin typeface="+mn-lt"/>
+                <a:ea typeface="+mn-ea"/>
+                <a:cs typeface="+mn-cs"/>
+              </a:defRPr>
+            </a:lvl2pPr>
+            <a:lvl3pPr marL="914400" indent="0" algn="ctr" defTabSz="914400" rtl="0" eaLnBrk="1" latinLnBrk="0" hangingPunct="1">
+              <a:lnSpc>
+                <a:spcPct val="90000"/>
+              </a:lnSpc>
+              <a:spcBef>
+                <a:spcPts val="500"/>
+              </a:spcBef>
+              <a:buFont typeface="Arial" panose="020B0604020202020204" pitchFamily="34" charset="0"/>
+              <a:buNone/>
+              <a:defRPr sz="1800" kern="1200">
+                <a:solidFill>
+                  <a:schemeClr val="tx1"/>
+                </a:solidFill>
+                <a:latin typeface="+mn-lt"/>
+                <a:ea typeface="+mn-ea"/>
+                <a:cs typeface="+mn-cs"/>
+              </a:defRPr>
+            </a:lvl3pPr>
+            <a:lvl4pPr marL="1371600" indent="0" algn="ctr" defTabSz="914400" rtl="0" eaLnBrk="1" latinLnBrk="0" hangingPunct="1">
+              <a:lnSpc>
+                <a:spcPct val="90000"/>
+              </a:lnSpc>
+              <a:spcBef>
+                <a:spcPts val="500"/>
+              </a:spcBef>
+              <a:buFont typeface="Arial" panose="020B0604020202020204" pitchFamily="34" charset="0"/>
+              <a:buNone/>
+              <a:defRPr sz="1600" kern="1200">
+                <a:solidFill>
+                  <a:schemeClr val="tx1"/>
+                </a:solidFill>
+                <a:latin typeface="+mn-lt"/>
+                <a:ea typeface="+mn-ea"/>
+                <a:cs typeface="+mn-cs"/>
+              </a:defRPr>
+            </a:lvl4pPr>
+            <a:lvl5pPr marL="1828800" indent="0" algn="ctr" defTabSz="914400" rtl="0" eaLnBrk="1" latinLnBrk="0" hangingPunct="1">
+              <a:lnSpc>
+                <a:spcPct val="90000"/>
+              </a:lnSpc>
+              <a:spcBef>
+                <a:spcPts val="500"/>
+              </a:spcBef>
+              <a:buFont typeface="Arial" panose="020B0604020202020204" pitchFamily="34" charset="0"/>
+              <a:buNone/>
+              <a:defRPr sz="1600" kern="1200">
+                <a:solidFill>
+                  <a:schemeClr val="tx1"/>
+                </a:solidFill>
+                <a:latin typeface="+mn-lt"/>
+                <a:ea typeface="+mn-ea"/>
+                <a:cs typeface="+mn-cs"/>
+              </a:defRPr>
+            </a:lvl5pPr>
+            <a:lvl6pPr marL="2286000" indent="0" algn="ctr" defTabSz="914400" rtl="0" eaLnBrk="1" latinLnBrk="0" hangingPunct="1">
+              <a:lnSpc>
+                <a:spcPct val="90000"/>
+              </a:lnSpc>
+              <a:spcBef>
+                <a:spcPts val="500"/>
+              </a:spcBef>
+              <a:buFont typeface="Arial" panose="020B0604020202020204" pitchFamily="34" charset="0"/>
+              <a:buNone/>
+              <a:defRPr sz="1600" kern="1200">
+                <a:solidFill>
+                  <a:schemeClr val="tx1"/>
+                </a:solidFill>
+                <a:latin typeface="+mn-lt"/>
+                <a:ea typeface="+mn-ea"/>
+                <a:cs typeface="+mn-cs"/>
+              </a:defRPr>
+            </a:lvl6pPr>
+            <a:lvl7pPr marL="2743200" indent="0" algn="ctr" defTabSz="914400" rtl="0" eaLnBrk="1" latinLnBrk="0" hangingPunct="1">
+              <a:lnSpc>
+                <a:spcPct val="90000"/>
+              </a:lnSpc>
+              <a:spcBef>
+                <a:spcPts val="500"/>
+              </a:spcBef>
+              <a:buFont typeface="Arial" panose="020B0604020202020204" pitchFamily="34" charset="0"/>
+              <a:buNone/>
+              <a:defRPr sz="1600" kern="1200">
+                <a:solidFill>
+                  <a:schemeClr val="tx1"/>
+                </a:solidFill>
+                <a:latin typeface="+mn-lt"/>
+                <a:ea typeface="+mn-ea"/>
+                <a:cs typeface="+mn-cs"/>
+              </a:defRPr>
+            </a:lvl7pPr>
+            <a:lvl8pPr marL="3200400" indent="0" algn="ctr" defTabSz="914400" rtl="0" eaLnBrk="1" latinLnBrk="0" hangingPunct="1">
+              <a:lnSpc>
+                <a:spcPct val="90000"/>
+              </a:lnSpc>
+              <a:spcBef>
+                <a:spcPts val="500"/>
+              </a:spcBef>
+              <a:buFont typeface="Arial" panose="020B0604020202020204" pitchFamily="34" charset="0"/>
+              <a:buNone/>
+              <a:defRPr sz="1600" kern="1200">
+                <a:solidFill>
+                  <a:schemeClr val="tx1"/>
+                </a:solidFill>
+                <a:latin typeface="+mn-lt"/>
+                <a:ea typeface="+mn-ea"/>
+                <a:cs typeface="+mn-cs"/>
+              </a:defRPr>
+            </a:lvl8pPr>
+            <a:lvl9pPr marL="3657600" indent="0" algn="ctr" defTabSz="914400" rtl="0" eaLnBrk="1" latinLnBrk="0" hangingPunct="1">
+              <a:lnSpc>
+                <a:spcPct val="90000"/>
+              </a:lnSpc>
+              <a:spcBef>
+                <a:spcPts val="500"/>
+              </a:spcBef>
+              <a:buFont typeface="Arial" panose="020B0604020202020204" pitchFamily="34" charset="0"/>
+              <a:buNone/>
+              <a:defRPr sz="1600" kern="1200">
+                <a:solidFill>
+                  <a:schemeClr val="tx1"/>
+                </a:solidFill>
+                <a:latin typeface="+mn-lt"/>
+                <a:ea typeface="+mn-ea"/>
+                <a:cs typeface="+mn-cs"/>
+              </a:defRPr>
+            </a:lvl9pPr>
+          </a:lstStyle>
+          <a:p>
+            <a:pPr algn="l"/>
+            <a:r>
+              <a:rPr lang="zh-CN" altLang="en-US" sz="1600" dirty="0">
+                <a:solidFill>
+                  <a:schemeClr val="bg1"/>
+                </a:solidFill>
+              </a:rPr>
+              <a:t>问题描述：</a:t>
+            </a:r>
+            <a:endParaRPr lang="en-US" altLang="zh-CN" sz="1600" dirty="0">
+              <a:solidFill>
+                <a:schemeClr val="bg1"/>
+              </a:solidFill>
+            </a:endParaRPr>
+          </a:p>
+          <a:p>
+            <a:pPr marL="342900" indent="-342900" algn="l">
+              <a:buAutoNum type="arabicPeriod"/>
+            </a:pPr>
+            <a:r>
+              <a:rPr lang="zh-CN" altLang="en-US" sz="1600" dirty="0">
+                <a:solidFill>
+                  <a:schemeClr val="bg1"/>
+                </a:solidFill>
+              </a:rPr>
+              <a:t>（</a:t>
+            </a:r>
+            <a:r>
+              <a:rPr lang="en-US" altLang="zh-CN" sz="1600" dirty="0">
+                <a:solidFill>
+                  <a:schemeClr val="bg1"/>
+                </a:solidFill>
+              </a:rPr>
+              <a:t>UI</a:t>
+            </a:r>
+            <a:r>
+              <a:rPr lang="zh-CN" altLang="en-US" sz="1600" dirty="0">
+                <a:solidFill>
+                  <a:schemeClr val="bg1"/>
+                </a:solidFill>
+              </a:rPr>
+              <a:t>）考试时间是显示信息，没有下拉框</a:t>
+            </a:r>
+            <a:endParaRPr lang="en-US" altLang="zh-CN" sz="1600" dirty="0">
+              <a:solidFill>
+                <a:schemeClr val="bg1"/>
+              </a:solidFill>
+            </a:endParaRPr>
+          </a:p>
+          <a:p>
+            <a:pPr marL="342900" indent="-342900" algn="l">
+              <a:buAutoNum type="arabicPeriod"/>
+            </a:pPr>
+            <a:r>
+              <a:rPr lang="zh-CN" altLang="en-US" sz="1600" dirty="0">
+                <a:solidFill>
+                  <a:schemeClr val="bg1"/>
+                </a:solidFill>
+              </a:rPr>
+              <a:t>（</a:t>
+            </a:r>
+            <a:r>
+              <a:rPr lang="en-US" altLang="zh-CN" sz="1600" dirty="0">
+                <a:solidFill>
+                  <a:schemeClr val="bg1"/>
+                </a:solidFill>
+              </a:rPr>
+              <a:t>UI</a:t>
+            </a:r>
+            <a:r>
+              <a:rPr lang="zh-CN" altLang="en-US" sz="1600" dirty="0">
+                <a:solidFill>
+                  <a:schemeClr val="bg1"/>
+                </a:solidFill>
+              </a:rPr>
+              <a:t>）最后操作一栏的查看试题详情是可以点击的</a:t>
+            </a:r>
+            <a:endParaRPr lang="en-US" altLang="zh-CN" sz="1600" dirty="0">
+              <a:solidFill>
+                <a:schemeClr val="bg1"/>
+              </a:solidFill>
+            </a:endParaRPr>
+          </a:p>
+        </p:txBody>
+      </p:sp>
+      <p:pic>
+        <p:nvPicPr>
+          <p:cNvPr id="2" name="Picture 1">
+            <a:extLst>
+              <a:ext uri="{FF2B5EF4-FFF2-40B4-BE49-F238E27FC236}">
+                <a16:creationId xmlns:a16="http://schemas.microsoft.com/office/drawing/2014/main" id="{DC0BA514-D2F0-451B-8165-65519FE65B31}"/>
+              </a:ext>
+            </a:extLst>
+          </p:cNvPr>
+          <p:cNvPicPr>
+            <a:picLocks noChangeAspect="1"/>
+          </p:cNvPicPr>
+          <p:nvPr/>
+        </p:nvPicPr>
+        <p:blipFill>
+          <a:blip r:embed="rId2"/>
+          <a:stretch>
+            <a:fillRect/>
+          </a:stretch>
+        </p:blipFill>
+        <p:spPr>
+          <a:xfrm>
+            <a:off x="0" y="1202441"/>
+            <a:ext cx="6596795" cy="3797822"/>
+          </a:xfrm>
+          <a:prstGeom prst="rect">
+            <a:avLst/>
+          </a:prstGeom>
+        </p:spPr>
+      </p:pic>
+    </p:spTree>
+    <p:extLst>
+      <p:ext uri="{BB962C8B-B14F-4D97-AF65-F5344CB8AC3E}">
+        <p14:creationId xmlns:p14="http://schemas.microsoft.com/office/powerpoint/2010/main" val="1217191360"/>
+      </p:ext>
+    </p:extLst>
+  </p:cSld>
+  <p:clrMapOvr>
+    <a:masterClrMapping/>
+  </p:clrMapOvr>
+</p:sld>
+</file>
+
+<file path=ppt/slides/slide3.xml><?xml version="1.0" encoding="utf-8"?>
+<p:sld xmlns:a="http://schemas.openxmlformats.org/drawingml/2006/main" xmlns:r="http://schemas.openxmlformats.org/officeDocument/2006/relationships" xmlns:p="http://schemas.openxmlformats.org/presentationml/2006/main">
+  <p:cSld>
+    <p:spTree>
+      <p:nvGrpSpPr>
+        <p:cNvPr id="1" name=""/>
+        <p:cNvGrpSpPr/>
+        <p:nvPr/>
+      </p:nvGrpSpPr>
+      <p:grpSpPr>
+        <a:xfrm>
+          <a:off x="0" y="0"/>
+          <a:ext cx="0" cy="0"/>
+          <a:chOff x="0" y="0"/>
+          <a:chExt cx="0" cy="0"/>
+        </a:xfrm>
+      </p:grpSpPr>
+      <p:sp>
+        <p:nvSpPr>
+          <p:cNvPr id="10" name="副标题 2">
+            <a:extLst>
+              <a:ext uri="{FF2B5EF4-FFF2-40B4-BE49-F238E27FC236}">
+                <a16:creationId xmlns:a16="http://schemas.microsoft.com/office/drawing/2014/main" id="{42AE8C01-7BF1-4C58-90BD-31448E7C5E9B}"/>
+              </a:ext>
+            </a:extLst>
+          </p:cNvPr>
+          <p:cNvSpPr txBox="1">
+            <a:spLocks/>
+          </p:cNvSpPr>
+          <p:nvPr/>
+        </p:nvSpPr>
+        <p:spPr>
+          <a:xfrm>
+            <a:off x="0" y="0"/>
+            <a:ext cx="12192000" cy="707669"/>
+          </a:xfrm>
+          <a:prstGeom prst="rect">
+            <a:avLst/>
+          </a:prstGeom>
+          <a:solidFill>
+            <a:schemeClr val="accent6">
+              <a:lumMod val="60000"/>
+              <a:lumOff val="40000"/>
+            </a:schemeClr>
+          </a:solidFill>
+          <a:ln>
+            <a:solidFill>
+              <a:schemeClr val="accent1">
+                <a:lumMod val="60000"/>
+                <a:lumOff val="40000"/>
+              </a:schemeClr>
+            </a:solidFill>
+          </a:ln>
+        </p:spPr>
+        <p:txBody>
+          <a:bodyPr vert="horz" lIns="91440" tIns="45720" rIns="91440" bIns="45720" rtlCol="0">
+            <a:normAutofit/>
+          </a:bodyPr>
+          <a:lstStyle>
+            <a:lvl1pPr marL="0" indent="0" algn="ctr" defTabSz="914400" rtl="0" eaLnBrk="1" latinLnBrk="0" hangingPunct="1">
+              <a:lnSpc>
+                <a:spcPct val="90000"/>
+              </a:lnSpc>
+              <a:spcBef>
+                <a:spcPts val="1000"/>
+              </a:spcBef>
+              <a:buFont typeface="Arial" panose="020B0604020202020204" pitchFamily="34" charset="0"/>
+              <a:buNone/>
+              <a:defRPr sz="2400" kern="1200">
+                <a:solidFill>
+                  <a:schemeClr val="tx1"/>
+                </a:solidFill>
+                <a:latin typeface="+mn-lt"/>
+                <a:ea typeface="+mn-ea"/>
+                <a:cs typeface="+mn-cs"/>
+              </a:defRPr>
+            </a:lvl1pPr>
+            <a:lvl2pPr marL="457200" indent="0" algn="ctr" defTabSz="914400" rtl="0" eaLnBrk="1" latinLnBrk="0" hangingPunct="1">
+              <a:lnSpc>
+                <a:spcPct val="90000"/>
+              </a:lnSpc>
+              <a:spcBef>
+                <a:spcPts val="500"/>
+              </a:spcBef>
+              <a:buFont typeface="Arial" panose="020B0604020202020204" pitchFamily="34" charset="0"/>
+              <a:buNone/>
+              <a:defRPr sz="2000" kern="1200">
+                <a:solidFill>
+                  <a:schemeClr val="tx1"/>
+                </a:solidFill>
+                <a:latin typeface="+mn-lt"/>
+                <a:ea typeface="+mn-ea"/>
+                <a:cs typeface="+mn-cs"/>
+              </a:defRPr>
+            </a:lvl2pPr>
+            <a:lvl3pPr marL="914400" indent="0" algn="ctr" defTabSz="914400" rtl="0" eaLnBrk="1" latinLnBrk="0" hangingPunct="1">
+              <a:lnSpc>
+                <a:spcPct val="90000"/>
+              </a:lnSpc>
+              <a:spcBef>
+                <a:spcPts val="500"/>
+              </a:spcBef>
+              <a:buFont typeface="Arial" panose="020B0604020202020204" pitchFamily="34" charset="0"/>
+              <a:buNone/>
+              <a:defRPr sz="1800" kern="1200">
+                <a:solidFill>
+                  <a:schemeClr val="tx1"/>
+                </a:solidFill>
+                <a:latin typeface="+mn-lt"/>
+                <a:ea typeface="+mn-ea"/>
+                <a:cs typeface="+mn-cs"/>
+              </a:defRPr>
+            </a:lvl3pPr>
+            <a:lvl4pPr marL="1371600" indent="0" algn="ctr" defTabSz="914400" rtl="0" eaLnBrk="1" latinLnBrk="0" hangingPunct="1">
+              <a:lnSpc>
+                <a:spcPct val="90000"/>
+              </a:lnSpc>
+              <a:spcBef>
+                <a:spcPts val="500"/>
+              </a:spcBef>
+              <a:buFont typeface="Arial" panose="020B0604020202020204" pitchFamily="34" charset="0"/>
+              <a:buNone/>
+              <a:defRPr sz="1600" kern="1200">
+                <a:solidFill>
+                  <a:schemeClr val="tx1"/>
+                </a:solidFill>
+                <a:latin typeface="+mn-lt"/>
+                <a:ea typeface="+mn-ea"/>
+                <a:cs typeface="+mn-cs"/>
+              </a:defRPr>
+            </a:lvl4pPr>
+            <a:lvl5pPr marL="1828800" indent="0" algn="ctr" defTabSz="914400" rtl="0" eaLnBrk="1" latinLnBrk="0" hangingPunct="1">
+              <a:lnSpc>
+                <a:spcPct val="90000"/>
+              </a:lnSpc>
+              <a:spcBef>
+                <a:spcPts val="500"/>
+              </a:spcBef>
+              <a:buFont typeface="Arial" panose="020B0604020202020204" pitchFamily="34" charset="0"/>
+              <a:buNone/>
+              <a:defRPr sz="1600" kern="1200">
+                <a:solidFill>
+                  <a:schemeClr val="tx1"/>
+                </a:solidFill>
+                <a:latin typeface="+mn-lt"/>
+                <a:ea typeface="+mn-ea"/>
+                <a:cs typeface="+mn-cs"/>
+              </a:defRPr>
+            </a:lvl5pPr>
+            <a:lvl6pPr marL="2286000" indent="0" algn="ctr" defTabSz="914400" rtl="0" eaLnBrk="1" latinLnBrk="0" hangingPunct="1">
+              <a:lnSpc>
+                <a:spcPct val="90000"/>
+              </a:lnSpc>
+              <a:spcBef>
+                <a:spcPts val="500"/>
+              </a:spcBef>
+              <a:buFont typeface="Arial" panose="020B0604020202020204" pitchFamily="34" charset="0"/>
+              <a:buNone/>
+              <a:defRPr sz="1600" kern="1200">
+                <a:solidFill>
+                  <a:schemeClr val="tx1"/>
+                </a:solidFill>
+                <a:latin typeface="+mn-lt"/>
+                <a:ea typeface="+mn-ea"/>
+                <a:cs typeface="+mn-cs"/>
+              </a:defRPr>
+            </a:lvl6pPr>
+            <a:lvl7pPr marL="2743200" indent="0" algn="ctr" defTabSz="914400" rtl="0" eaLnBrk="1" latinLnBrk="0" hangingPunct="1">
+              <a:lnSpc>
+                <a:spcPct val="90000"/>
+              </a:lnSpc>
+              <a:spcBef>
+                <a:spcPts val="500"/>
+              </a:spcBef>
+              <a:buFont typeface="Arial" panose="020B0604020202020204" pitchFamily="34" charset="0"/>
+              <a:buNone/>
+              <a:defRPr sz="1600" kern="1200">
+                <a:solidFill>
+                  <a:schemeClr val="tx1"/>
+                </a:solidFill>
+                <a:latin typeface="+mn-lt"/>
+                <a:ea typeface="+mn-ea"/>
+                <a:cs typeface="+mn-cs"/>
+              </a:defRPr>
+            </a:lvl7pPr>
+            <a:lvl8pPr marL="3200400" indent="0" algn="ctr" defTabSz="914400" rtl="0" eaLnBrk="1" latinLnBrk="0" hangingPunct="1">
+              <a:lnSpc>
+                <a:spcPct val="90000"/>
+              </a:lnSpc>
+              <a:spcBef>
+                <a:spcPts val="500"/>
+              </a:spcBef>
+              <a:buFont typeface="Arial" panose="020B0604020202020204" pitchFamily="34" charset="0"/>
+              <a:buNone/>
+              <a:defRPr sz="1600" kern="1200">
+                <a:solidFill>
+                  <a:schemeClr val="tx1"/>
+                </a:solidFill>
+                <a:latin typeface="+mn-lt"/>
+                <a:ea typeface="+mn-ea"/>
+                <a:cs typeface="+mn-cs"/>
+              </a:defRPr>
+            </a:lvl8pPr>
+            <a:lvl9pPr marL="3657600" indent="0" algn="ctr" defTabSz="914400" rtl="0" eaLnBrk="1" latinLnBrk="0" hangingPunct="1">
+              <a:lnSpc>
+                <a:spcPct val="90000"/>
+              </a:lnSpc>
+              <a:spcBef>
+                <a:spcPts val="500"/>
+              </a:spcBef>
+              <a:buFont typeface="Arial" panose="020B0604020202020204" pitchFamily="34" charset="0"/>
+              <a:buNone/>
+              <a:defRPr sz="1600" kern="1200">
+                <a:solidFill>
+                  <a:schemeClr val="tx1"/>
+                </a:solidFill>
+                <a:latin typeface="+mn-lt"/>
+                <a:ea typeface="+mn-ea"/>
+                <a:cs typeface="+mn-cs"/>
+              </a:defRPr>
+            </a:lvl9pPr>
+          </a:lstStyle>
+          <a:p>
+            <a:pPr algn="l"/>
+            <a:r>
+              <a:rPr lang="zh-CN" altLang="en-US" sz="1600" dirty="0"/>
+              <a:t>高级筛选</a:t>
+            </a:r>
+          </a:p>
+        </p:txBody>
+      </p:sp>
+      <p:sp>
+        <p:nvSpPr>
+          <p:cNvPr id="11" name="副标题 2">
+            <a:extLst>
+              <a:ext uri="{FF2B5EF4-FFF2-40B4-BE49-F238E27FC236}">
+                <a16:creationId xmlns:a16="http://schemas.microsoft.com/office/drawing/2014/main" id="{B518E569-1FE7-4B73-9133-E384A9D677AB}"/>
+              </a:ext>
+            </a:extLst>
+          </p:cNvPr>
+          <p:cNvSpPr txBox="1">
+            <a:spLocks/>
+          </p:cNvSpPr>
+          <p:nvPr/>
+        </p:nvSpPr>
+        <p:spPr>
+          <a:xfrm>
+            <a:off x="0" y="5615354"/>
+            <a:ext cx="12192000" cy="1242647"/>
+          </a:xfrm>
+          <a:prstGeom prst="rect">
+            <a:avLst/>
+          </a:prstGeom>
+          <a:solidFill>
+            <a:schemeClr val="accent5"/>
+          </a:solidFill>
+          <a:ln>
+            <a:solidFill>
+              <a:schemeClr val="accent1">
+                <a:lumMod val="60000"/>
+                <a:lumOff val="40000"/>
+              </a:schemeClr>
+            </a:solidFill>
+          </a:ln>
+        </p:spPr>
+        <p:txBody>
+          <a:bodyPr vert="horz" lIns="91440" tIns="45720" rIns="91440" bIns="45720" rtlCol="0">
+            <a:normAutofit/>
+          </a:bodyPr>
+          <a:lstStyle>
+            <a:lvl1pPr marL="0" indent="0" algn="ctr" defTabSz="914400" rtl="0" eaLnBrk="1" latinLnBrk="0" hangingPunct="1">
+              <a:lnSpc>
+                <a:spcPct val="90000"/>
+              </a:lnSpc>
+              <a:spcBef>
+                <a:spcPts val="1000"/>
+              </a:spcBef>
+              <a:buFont typeface="Arial" panose="020B0604020202020204" pitchFamily="34" charset="0"/>
+              <a:buNone/>
+              <a:defRPr sz="2400" kern="1200">
+                <a:solidFill>
+                  <a:schemeClr val="tx1"/>
+                </a:solidFill>
+                <a:latin typeface="+mn-lt"/>
+                <a:ea typeface="+mn-ea"/>
+                <a:cs typeface="+mn-cs"/>
+              </a:defRPr>
+            </a:lvl1pPr>
+            <a:lvl2pPr marL="457200" indent="0" algn="ctr" defTabSz="914400" rtl="0" eaLnBrk="1" latinLnBrk="0" hangingPunct="1">
+              <a:lnSpc>
+                <a:spcPct val="90000"/>
+              </a:lnSpc>
+              <a:spcBef>
+                <a:spcPts val="500"/>
+              </a:spcBef>
+              <a:buFont typeface="Arial" panose="020B0604020202020204" pitchFamily="34" charset="0"/>
+              <a:buNone/>
+              <a:defRPr sz="2000" kern="1200">
+                <a:solidFill>
+                  <a:schemeClr val="tx1"/>
+                </a:solidFill>
+                <a:latin typeface="+mn-lt"/>
+                <a:ea typeface="+mn-ea"/>
+                <a:cs typeface="+mn-cs"/>
+              </a:defRPr>
+            </a:lvl2pPr>
+            <a:lvl3pPr marL="914400" indent="0" algn="ctr" defTabSz="914400" rtl="0" eaLnBrk="1" latinLnBrk="0" hangingPunct="1">
+              <a:lnSpc>
+                <a:spcPct val="90000"/>
+              </a:lnSpc>
+              <a:spcBef>
+                <a:spcPts val="500"/>
+              </a:spcBef>
+              <a:buFont typeface="Arial" panose="020B0604020202020204" pitchFamily="34" charset="0"/>
+              <a:buNone/>
+              <a:defRPr sz="1800" kern="1200">
+                <a:solidFill>
+                  <a:schemeClr val="tx1"/>
+                </a:solidFill>
+                <a:latin typeface="+mn-lt"/>
+                <a:ea typeface="+mn-ea"/>
+                <a:cs typeface="+mn-cs"/>
+              </a:defRPr>
+            </a:lvl3pPr>
+            <a:lvl4pPr marL="1371600" indent="0" algn="ctr" defTabSz="914400" rtl="0" eaLnBrk="1" latinLnBrk="0" hangingPunct="1">
+              <a:lnSpc>
+                <a:spcPct val="90000"/>
+              </a:lnSpc>
+              <a:spcBef>
+                <a:spcPts val="500"/>
+              </a:spcBef>
+              <a:buFont typeface="Arial" panose="020B0604020202020204" pitchFamily="34" charset="0"/>
+              <a:buNone/>
+              <a:defRPr sz="1600" kern="1200">
+                <a:solidFill>
+                  <a:schemeClr val="tx1"/>
+                </a:solidFill>
+                <a:latin typeface="+mn-lt"/>
+                <a:ea typeface="+mn-ea"/>
+                <a:cs typeface="+mn-cs"/>
+              </a:defRPr>
+            </a:lvl4pPr>
+            <a:lvl5pPr marL="1828800" indent="0" algn="ctr" defTabSz="914400" rtl="0" eaLnBrk="1" latinLnBrk="0" hangingPunct="1">
+              <a:lnSpc>
+                <a:spcPct val="90000"/>
+              </a:lnSpc>
+              <a:spcBef>
+                <a:spcPts val="500"/>
+              </a:spcBef>
+              <a:buFont typeface="Arial" panose="020B0604020202020204" pitchFamily="34" charset="0"/>
+              <a:buNone/>
+              <a:defRPr sz="1600" kern="1200">
+                <a:solidFill>
+                  <a:schemeClr val="tx1"/>
+                </a:solidFill>
+                <a:latin typeface="+mn-lt"/>
+                <a:ea typeface="+mn-ea"/>
+                <a:cs typeface="+mn-cs"/>
+              </a:defRPr>
+            </a:lvl5pPr>
+            <a:lvl6pPr marL="2286000" indent="0" algn="ctr" defTabSz="914400" rtl="0" eaLnBrk="1" latinLnBrk="0" hangingPunct="1">
+              <a:lnSpc>
+                <a:spcPct val="90000"/>
+              </a:lnSpc>
+              <a:spcBef>
+                <a:spcPts val="500"/>
+              </a:spcBef>
+              <a:buFont typeface="Arial" panose="020B0604020202020204" pitchFamily="34" charset="0"/>
+              <a:buNone/>
+              <a:defRPr sz="1600" kern="1200">
+                <a:solidFill>
+                  <a:schemeClr val="tx1"/>
+                </a:solidFill>
+                <a:latin typeface="+mn-lt"/>
+                <a:ea typeface="+mn-ea"/>
+                <a:cs typeface="+mn-cs"/>
+              </a:defRPr>
+            </a:lvl6pPr>
+            <a:lvl7pPr marL="2743200" indent="0" algn="ctr" defTabSz="914400" rtl="0" eaLnBrk="1" latinLnBrk="0" hangingPunct="1">
+              <a:lnSpc>
+                <a:spcPct val="90000"/>
+              </a:lnSpc>
+              <a:spcBef>
+                <a:spcPts val="500"/>
+              </a:spcBef>
+              <a:buFont typeface="Arial" panose="020B0604020202020204" pitchFamily="34" charset="0"/>
+              <a:buNone/>
+              <a:defRPr sz="1600" kern="1200">
+                <a:solidFill>
+                  <a:schemeClr val="tx1"/>
+                </a:solidFill>
+                <a:latin typeface="+mn-lt"/>
+                <a:ea typeface="+mn-ea"/>
+                <a:cs typeface="+mn-cs"/>
+              </a:defRPr>
+            </a:lvl7pPr>
+            <a:lvl8pPr marL="3200400" indent="0" algn="ctr" defTabSz="914400" rtl="0" eaLnBrk="1" latinLnBrk="0" hangingPunct="1">
+              <a:lnSpc>
+                <a:spcPct val="90000"/>
+              </a:lnSpc>
+              <a:spcBef>
+                <a:spcPts val="500"/>
+              </a:spcBef>
+              <a:buFont typeface="Arial" panose="020B0604020202020204" pitchFamily="34" charset="0"/>
+              <a:buNone/>
+              <a:defRPr sz="1600" kern="1200">
+                <a:solidFill>
+                  <a:schemeClr val="tx1"/>
+                </a:solidFill>
+                <a:latin typeface="+mn-lt"/>
+                <a:ea typeface="+mn-ea"/>
+                <a:cs typeface="+mn-cs"/>
+              </a:defRPr>
+            </a:lvl8pPr>
+            <a:lvl9pPr marL="3657600" indent="0" algn="ctr" defTabSz="914400" rtl="0" eaLnBrk="1" latinLnBrk="0" hangingPunct="1">
+              <a:lnSpc>
+                <a:spcPct val="90000"/>
+              </a:lnSpc>
+              <a:spcBef>
+                <a:spcPts val="500"/>
+              </a:spcBef>
+              <a:buFont typeface="Arial" panose="020B0604020202020204" pitchFamily="34" charset="0"/>
+              <a:buNone/>
+              <a:defRPr sz="1600" kern="1200">
+                <a:solidFill>
+                  <a:schemeClr val="tx1"/>
+                </a:solidFill>
+                <a:latin typeface="+mn-lt"/>
+                <a:ea typeface="+mn-ea"/>
+                <a:cs typeface="+mn-cs"/>
+              </a:defRPr>
+            </a:lvl9pPr>
+          </a:lstStyle>
+          <a:p>
+            <a:pPr algn="l"/>
+            <a:r>
+              <a:rPr lang="zh-CN" altLang="en-US" sz="1600" dirty="0">
+                <a:solidFill>
+                  <a:schemeClr val="bg1"/>
+                </a:solidFill>
+              </a:rPr>
+              <a:t>问题描述：</a:t>
+            </a:r>
+            <a:endParaRPr lang="en-US" altLang="zh-CN" sz="1600" dirty="0">
+              <a:solidFill>
+                <a:schemeClr val="bg1"/>
+              </a:solidFill>
+            </a:endParaRPr>
+          </a:p>
+          <a:p>
+            <a:pPr marL="342900" indent="-342900" algn="l">
+              <a:buAutoNum type="arabicPeriod"/>
+            </a:pPr>
+            <a:r>
+              <a:rPr lang="zh-CN" altLang="en-US" sz="1600" dirty="0">
+                <a:solidFill>
+                  <a:schemeClr val="bg1"/>
+                </a:solidFill>
+              </a:rPr>
+              <a:t>（</a:t>
+            </a:r>
+            <a:r>
+              <a:rPr lang="en-US" altLang="zh-CN" sz="1600" dirty="0">
+                <a:solidFill>
+                  <a:schemeClr val="bg1"/>
+                </a:solidFill>
+              </a:rPr>
+              <a:t>UI</a:t>
+            </a:r>
+            <a:r>
+              <a:rPr lang="zh-CN" altLang="en-US" sz="1600" dirty="0">
+                <a:solidFill>
+                  <a:schemeClr val="bg1"/>
+                </a:solidFill>
+              </a:rPr>
+              <a:t>）高级筛选，选项的字体颜色不统一</a:t>
+            </a:r>
+            <a:endParaRPr lang="en-US" altLang="zh-CN" sz="1600" dirty="0">
+              <a:solidFill>
+                <a:schemeClr val="bg1"/>
+              </a:solidFill>
+            </a:endParaRPr>
+          </a:p>
+        </p:txBody>
+      </p:sp>
+      <p:pic>
+        <p:nvPicPr>
+          <p:cNvPr id="4" name="Picture 3">
+            <a:extLst>
+              <a:ext uri="{FF2B5EF4-FFF2-40B4-BE49-F238E27FC236}">
+                <a16:creationId xmlns:a16="http://schemas.microsoft.com/office/drawing/2014/main" id="{A0829DBD-BF2C-4233-9A64-7AAEA5BB50F8}"/>
+              </a:ext>
+            </a:extLst>
+          </p:cNvPr>
+          <p:cNvPicPr>
+            <a:picLocks noChangeAspect="1"/>
+          </p:cNvPicPr>
+          <p:nvPr/>
+        </p:nvPicPr>
+        <p:blipFill>
+          <a:blip r:embed="rId2"/>
+          <a:stretch>
+            <a:fillRect/>
+          </a:stretch>
+        </p:blipFill>
+        <p:spPr>
+          <a:xfrm>
+            <a:off x="128587" y="1299559"/>
+            <a:ext cx="3933825" cy="381000"/>
+          </a:xfrm>
+          <a:prstGeom prst="rect">
+            <a:avLst/>
+          </a:prstGeom>
+        </p:spPr>
+      </p:pic>
+      <p:pic>
+        <p:nvPicPr>
+          <p:cNvPr id="5" name="Picture 4">
+            <a:extLst>
+              <a:ext uri="{FF2B5EF4-FFF2-40B4-BE49-F238E27FC236}">
+                <a16:creationId xmlns:a16="http://schemas.microsoft.com/office/drawing/2014/main" id="{995DAF82-D1DF-44ED-91F2-B0228C1819EF}"/>
+              </a:ext>
+            </a:extLst>
+          </p:cNvPr>
+          <p:cNvPicPr>
+            <a:picLocks noChangeAspect="1"/>
+          </p:cNvPicPr>
+          <p:nvPr/>
+        </p:nvPicPr>
+        <p:blipFill>
+          <a:blip r:embed="rId3"/>
+          <a:stretch>
+            <a:fillRect/>
+          </a:stretch>
+        </p:blipFill>
+        <p:spPr>
+          <a:xfrm>
+            <a:off x="128587" y="2227391"/>
+            <a:ext cx="4086225" cy="447675"/>
+          </a:xfrm>
+          <a:prstGeom prst="rect">
+            <a:avLst/>
+          </a:prstGeom>
+        </p:spPr>
+      </p:pic>
+    </p:spTree>
+    <p:extLst>
+      <p:ext uri="{BB962C8B-B14F-4D97-AF65-F5344CB8AC3E}">
+        <p14:creationId xmlns:p14="http://schemas.microsoft.com/office/powerpoint/2010/main" val="1384671878"/>
       </p:ext>
     </p:extLst>
   </p:cSld>
@@ -4167,7 +11243,639 @@
           </a:lstStyle>
           <a:p>
             <a:pPr algn="l"/>
-            <a:endParaRPr lang="zh-CN" altLang="en-US" sz="1600" dirty="0"/>
+            <a:r>
+              <a:rPr lang="zh-CN" altLang="en-US" sz="1600" dirty="0"/>
+              <a:t>正确率统一改成得分率</a:t>
+            </a:r>
+          </a:p>
+        </p:txBody>
+      </p:sp>
+      <p:sp>
+        <p:nvSpPr>
+          <p:cNvPr id="11" name="副标题 2">
+            <a:extLst>
+              <a:ext uri="{FF2B5EF4-FFF2-40B4-BE49-F238E27FC236}">
+                <a16:creationId xmlns:a16="http://schemas.microsoft.com/office/drawing/2014/main" id="{B518E569-1FE7-4B73-9133-E384A9D677AB}"/>
+              </a:ext>
+            </a:extLst>
+          </p:cNvPr>
+          <p:cNvSpPr txBox="1">
+            <a:spLocks/>
+          </p:cNvSpPr>
+          <p:nvPr/>
+        </p:nvSpPr>
+        <p:spPr>
+          <a:xfrm>
+            <a:off x="0" y="5990492"/>
+            <a:ext cx="12192000" cy="867509"/>
+          </a:xfrm>
+          <a:prstGeom prst="rect">
+            <a:avLst/>
+          </a:prstGeom>
+          <a:solidFill>
+            <a:schemeClr val="accent5"/>
+          </a:solidFill>
+          <a:ln>
+            <a:solidFill>
+              <a:schemeClr val="accent1">
+                <a:lumMod val="60000"/>
+                <a:lumOff val="40000"/>
+              </a:schemeClr>
+            </a:solidFill>
+          </a:ln>
+        </p:spPr>
+        <p:txBody>
+          <a:bodyPr vert="horz" lIns="91440" tIns="45720" rIns="91440" bIns="45720" rtlCol="0">
+            <a:normAutofit/>
+          </a:bodyPr>
+          <a:lstStyle>
+            <a:lvl1pPr marL="0" indent="0" algn="ctr" defTabSz="914400" rtl="0" eaLnBrk="1" latinLnBrk="0" hangingPunct="1">
+              <a:lnSpc>
+                <a:spcPct val="90000"/>
+              </a:lnSpc>
+              <a:spcBef>
+                <a:spcPts val="1000"/>
+              </a:spcBef>
+              <a:buFont typeface="Arial" panose="020B0604020202020204" pitchFamily="34" charset="0"/>
+              <a:buNone/>
+              <a:defRPr sz="2400" kern="1200">
+                <a:solidFill>
+                  <a:schemeClr val="tx1"/>
+                </a:solidFill>
+                <a:latin typeface="+mn-lt"/>
+                <a:ea typeface="+mn-ea"/>
+                <a:cs typeface="+mn-cs"/>
+              </a:defRPr>
+            </a:lvl1pPr>
+            <a:lvl2pPr marL="457200" indent="0" algn="ctr" defTabSz="914400" rtl="0" eaLnBrk="1" latinLnBrk="0" hangingPunct="1">
+              <a:lnSpc>
+                <a:spcPct val="90000"/>
+              </a:lnSpc>
+              <a:spcBef>
+                <a:spcPts val="500"/>
+              </a:spcBef>
+              <a:buFont typeface="Arial" panose="020B0604020202020204" pitchFamily="34" charset="0"/>
+              <a:buNone/>
+              <a:defRPr sz="2000" kern="1200">
+                <a:solidFill>
+                  <a:schemeClr val="tx1"/>
+                </a:solidFill>
+                <a:latin typeface="+mn-lt"/>
+                <a:ea typeface="+mn-ea"/>
+                <a:cs typeface="+mn-cs"/>
+              </a:defRPr>
+            </a:lvl2pPr>
+            <a:lvl3pPr marL="914400" indent="0" algn="ctr" defTabSz="914400" rtl="0" eaLnBrk="1" latinLnBrk="0" hangingPunct="1">
+              <a:lnSpc>
+                <a:spcPct val="90000"/>
+              </a:lnSpc>
+              <a:spcBef>
+                <a:spcPts val="500"/>
+              </a:spcBef>
+              <a:buFont typeface="Arial" panose="020B0604020202020204" pitchFamily="34" charset="0"/>
+              <a:buNone/>
+              <a:defRPr sz="1800" kern="1200">
+                <a:solidFill>
+                  <a:schemeClr val="tx1"/>
+                </a:solidFill>
+                <a:latin typeface="+mn-lt"/>
+                <a:ea typeface="+mn-ea"/>
+                <a:cs typeface="+mn-cs"/>
+              </a:defRPr>
+            </a:lvl3pPr>
+            <a:lvl4pPr marL="1371600" indent="0" algn="ctr" defTabSz="914400" rtl="0" eaLnBrk="1" latinLnBrk="0" hangingPunct="1">
+              <a:lnSpc>
+                <a:spcPct val="90000"/>
+              </a:lnSpc>
+              <a:spcBef>
+                <a:spcPts val="500"/>
+              </a:spcBef>
+              <a:buFont typeface="Arial" panose="020B0604020202020204" pitchFamily="34" charset="0"/>
+              <a:buNone/>
+              <a:defRPr sz="1600" kern="1200">
+                <a:solidFill>
+                  <a:schemeClr val="tx1"/>
+                </a:solidFill>
+                <a:latin typeface="+mn-lt"/>
+                <a:ea typeface="+mn-ea"/>
+                <a:cs typeface="+mn-cs"/>
+              </a:defRPr>
+            </a:lvl4pPr>
+            <a:lvl5pPr marL="1828800" indent="0" algn="ctr" defTabSz="914400" rtl="0" eaLnBrk="1" latinLnBrk="0" hangingPunct="1">
+              <a:lnSpc>
+                <a:spcPct val="90000"/>
+              </a:lnSpc>
+              <a:spcBef>
+                <a:spcPts val="500"/>
+              </a:spcBef>
+              <a:buFont typeface="Arial" panose="020B0604020202020204" pitchFamily="34" charset="0"/>
+              <a:buNone/>
+              <a:defRPr sz="1600" kern="1200">
+                <a:solidFill>
+                  <a:schemeClr val="tx1"/>
+                </a:solidFill>
+                <a:latin typeface="+mn-lt"/>
+                <a:ea typeface="+mn-ea"/>
+                <a:cs typeface="+mn-cs"/>
+              </a:defRPr>
+            </a:lvl5pPr>
+            <a:lvl6pPr marL="2286000" indent="0" algn="ctr" defTabSz="914400" rtl="0" eaLnBrk="1" latinLnBrk="0" hangingPunct="1">
+              <a:lnSpc>
+                <a:spcPct val="90000"/>
+              </a:lnSpc>
+              <a:spcBef>
+                <a:spcPts val="500"/>
+              </a:spcBef>
+              <a:buFont typeface="Arial" panose="020B0604020202020204" pitchFamily="34" charset="0"/>
+              <a:buNone/>
+              <a:defRPr sz="1600" kern="1200">
+                <a:solidFill>
+                  <a:schemeClr val="tx1"/>
+                </a:solidFill>
+                <a:latin typeface="+mn-lt"/>
+                <a:ea typeface="+mn-ea"/>
+                <a:cs typeface="+mn-cs"/>
+              </a:defRPr>
+            </a:lvl6pPr>
+            <a:lvl7pPr marL="2743200" indent="0" algn="ctr" defTabSz="914400" rtl="0" eaLnBrk="1" latinLnBrk="0" hangingPunct="1">
+              <a:lnSpc>
+                <a:spcPct val="90000"/>
+              </a:lnSpc>
+              <a:spcBef>
+                <a:spcPts val="500"/>
+              </a:spcBef>
+              <a:buFont typeface="Arial" panose="020B0604020202020204" pitchFamily="34" charset="0"/>
+              <a:buNone/>
+              <a:defRPr sz="1600" kern="1200">
+                <a:solidFill>
+                  <a:schemeClr val="tx1"/>
+                </a:solidFill>
+                <a:latin typeface="+mn-lt"/>
+                <a:ea typeface="+mn-ea"/>
+                <a:cs typeface="+mn-cs"/>
+              </a:defRPr>
+            </a:lvl7pPr>
+            <a:lvl8pPr marL="3200400" indent="0" algn="ctr" defTabSz="914400" rtl="0" eaLnBrk="1" latinLnBrk="0" hangingPunct="1">
+              <a:lnSpc>
+                <a:spcPct val="90000"/>
+              </a:lnSpc>
+              <a:spcBef>
+                <a:spcPts val="500"/>
+              </a:spcBef>
+              <a:buFont typeface="Arial" panose="020B0604020202020204" pitchFamily="34" charset="0"/>
+              <a:buNone/>
+              <a:defRPr sz="1600" kern="1200">
+                <a:solidFill>
+                  <a:schemeClr val="tx1"/>
+                </a:solidFill>
+                <a:latin typeface="+mn-lt"/>
+                <a:ea typeface="+mn-ea"/>
+                <a:cs typeface="+mn-cs"/>
+              </a:defRPr>
+            </a:lvl8pPr>
+            <a:lvl9pPr marL="3657600" indent="0" algn="ctr" defTabSz="914400" rtl="0" eaLnBrk="1" latinLnBrk="0" hangingPunct="1">
+              <a:lnSpc>
+                <a:spcPct val="90000"/>
+              </a:lnSpc>
+              <a:spcBef>
+                <a:spcPts val="500"/>
+              </a:spcBef>
+              <a:buFont typeface="Arial" panose="020B0604020202020204" pitchFamily="34" charset="0"/>
+              <a:buNone/>
+              <a:defRPr sz="1600" kern="1200">
+                <a:solidFill>
+                  <a:schemeClr val="tx1"/>
+                </a:solidFill>
+                <a:latin typeface="+mn-lt"/>
+                <a:ea typeface="+mn-ea"/>
+                <a:cs typeface="+mn-cs"/>
+              </a:defRPr>
+            </a:lvl9pPr>
+          </a:lstStyle>
+          <a:p>
+            <a:pPr algn="l"/>
+            <a:r>
+              <a:rPr lang="zh-CN" altLang="en-US" sz="1600" dirty="0">
+                <a:solidFill>
+                  <a:schemeClr val="bg1"/>
+                </a:solidFill>
+              </a:rPr>
+              <a:t>问题描述：</a:t>
+            </a:r>
+            <a:endParaRPr lang="en-US" altLang="zh-CN" sz="1600" dirty="0">
+              <a:solidFill>
+                <a:schemeClr val="bg1"/>
+              </a:solidFill>
+            </a:endParaRPr>
+          </a:p>
+          <a:p>
+            <a:pPr marL="342900" indent="-342900" algn="l">
+              <a:buAutoNum type="arabicPeriod"/>
+            </a:pPr>
+            <a:r>
+              <a:rPr lang="zh-CN" altLang="en-US" sz="1600" dirty="0">
+                <a:solidFill>
+                  <a:schemeClr val="bg1"/>
+                </a:solidFill>
+              </a:rPr>
+              <a:t>（</a:t>
+            </a:r>
+            <a:r>
+              <a:rPr lang="en-US" altLang="zh-CN" sz="1600" dirty="0">
+                <a:solidFill>
+                  <a:schemeClr val="bg1"/>
+                </a:solidFill>
+              </a:rPr>
+              <a:t>UI</a:t>
+            </a:r>
+            <a:r>
+              <a:rPr lang="zh-CN" altLang="en-US" sz="1600" dirty="0">
+                <a:solidFill>
+                  <a:schemeClr val="bg1"/>
+                </a:solidFill>
+              </a:rPr>
+              <a:t>）显示得分率的地方统一改成“得分率”</a:t>
+            </a:r>
+            <a:endParaRPr lang="en-US" altLang="zh-CN" sz="1600" dirty="0">
+              <a:solidFill>
+                <a:schemeClr val="bg1"/>
+              </a:solidFill>
+            </a:endParaRPr>
+          </a:p>
+        </p:txBody>
+      </p:sp>
+    </p:spTree>
+    <p:extLst>
+      <p:ext uri="{BB962C8B-B14F-4D97-AF65-F5344CB8AC3E}">
+        <p14:creationId xmlns:p14="http://schemas.microsoft.com/office/powerpoint/2010/main" val="397722112"/>
+      </p:ext>
+    </p:extLst>
+  </p:cSld>
+  <p:clrMapOvr>
+    <a:masterClrMapping/>
+  </p:clrMapOvr>
+</p:sld>
+</file>
+
+<file path=ppt/slides/slide5.xml><?xml version="1.0" encoding="utf-8"?>
+<p:sld xmlns:a="http://schemas.openxmlformats.org/drawingml/2006/main" xmlns:r="http://schemas.openxmlformats.org/officeDocument/2006/relationships" xmlns:p="http://schemas.openxmlformats.org/presentationml/2006/main">
+  <p:cSld>
+    <p:spTree>
+      <p:nvGrpSpPr>
+        <p:cNvPr id="1" name=""/>
+        <p:cNvGrpSpPr/>
+        <p:nvPr/>
+      </p:nvGrpSpPr>
+      <p:grpSpPr>
+        <a:xfrm>
+          <a:off x="0" y="0"/>
+          <a:ext cx="0" cy="0"/>
+          <a:chOff x="0" y="0"/>
+          <a:chExt cx="0" cy="0"/>
+        </a:xfrm>
+      </p:grpSpPr>
+      <p:sp>
+        <p:nvSpPr>
+          <p:cNvPr id="2" name="矩形 1">
+            <a:extLst>
+              <a:ext uri="{FF2B5EF4-FFF2-40B4-BE49-F238E27FC236}">
+                <a16:creationId xmlns:a16="http://schemas.microsoft.com/office/drawing/2014/main" id="{18AA53AB-7329-4E53-91A3-6119EF73CA4C}"/>
+              </a:ext>
+            </a:extLst>
+          </p:cNvPr>
+          <p:cNvSpPr/>
+          <p:nvPr/>
+        </p:nvSpPr>
+        <p:spPr>
+          <a:xfrm>
+            <a:off x="0" y="2694647"/>
+            <a:ext cx="7922103" cy="1132885"/>
+          </a:xfrm>
+          <a:prstGeom prst="rect">
+            <a:avLst/>
+          </a:prstGeom>
+          <a:solidFill>
+            <a:schemeClr val="bg1">
+              <a:lumMod val="50000"/>
+            </a:schemeClr>
+          </a:solidFill>
+          <a:ln>
+            <a:noFill/>
+          </a:ln>
+        </p:spPr>
+        <p:style>
+          <a:lnRef idx="2">
+            <a:schemeClr val="accent1">
+              <a:shade val="50000"/>
+            </a:schemeClr>
+          </a:lnRef>
+          <a:fillRef idx="1">
+            <a:schemeClr val="accent1"/>
+          </a:fillRef>
+          <a:effectRef idx="0">
+            <a:schemeClr val="accent1"/>
+          </a:effectRef>
+          <a:fontRef idx="minor">
+            <a:schemeClr val="lt1"/>
+          </a:fontRef>
+        </p:style>
+        <p:txBody>
+          <a:bodyPr rtlCol="0" anchor="ctr"/>
+          <a:lstStyle/>
+          <a:p>
+            <a:pPr algn="ctr"/>
+            <a:r>
+              <a:rPr lang="zh-CN" altLang="en-US" sz="4400" dirty="0"/>
+              <a:t>学校 </a:t>
+            </a:r>
+            <a:r>
+              <a:rPr lang="en-US" altLang="zh-CN" sz="4400" dirty="0"/>
+              <a:t>&gt; </a:t>
+            </a:r>
+            <a:r>
+              <a:rPr lang="zh-CN" altLang="en-US" sz="4400" dirty="0"/>
+              <a:t>学校管理</a:t>
+            </a:r>
+          </a:p>
+        </p:txBody>
+      </p:sp>
+    </p:spTree>
+    <p:extLst>
+      <p:ext uri="{BB962C8B-B14F-4D97-AF65-F5344CB8AC3E}">
+        <p14:creationId xmlns:p14="http://schemas.microsoft.com/office/powerpoint/2010/main" val="2954239672"/>
+      </p:ext>
+    </p:extLst>
+  </p:cSld>
+  <p:clrMapOvr>
+    <a:masterClrMapping/>
+  </p:clrMapOvr>
+</p:sld>
+</file>
+
+<file path=ppt/slides/slide6.xml><?xml version="1.0" encoding="utf-8"?>
+<p:sld xmlns:a="http://schemas.openxmlformats.org/drawingml/2006/main" xmlns:r="http://schemas.openxmlformats.org/officeDocument/2006/relationships" xmlns:p="http://schemas.openxmlformats.org/presentationml/2006/main">
+  <p:cSld>
+    <p:spTree>
+      <p:nvGrpSpPr>
+        <p:cNvPr id="1" name=""/>
+        <p:cNvGrpSpPr/>
+        <p:nvPr/>
+      </p:nvGrpSpPr>
+      <p:grpSpPr>
+        <a:xfrm>
+          <a:off x="0" y="0"/>
+          <a:ext cx="0" cy="0"/>
+          <a:chOff x="0" y="0"/>
+          <a:chExt cx="0" cy="0"/>
+        </a:xfrm>
+      </p:grpSpPr>
+      <p:sp>
+        <p:nvSpPr>
+          <p:cNvPr id="10" name="副标题 2">
+            <a:extLst>
+              <a:ext uri="{FF2B5EF4-FFF2-40B4-BE49-F238E27FC236}">
+                <a16:creationId xmlns:a16="http://schemas.microsoft.com/office/drawing/2014/main" id="{42AE8C01-7BF1-4C58-90BD-31448E7C5E9B}"/>
+              </a:ext>
+            </a:extLst>
+          </p:cNvPr>
+          <p:cNvSpPr txBox="1">
+            <a:spLocks/>
+          </p:cNvSpPr>
+          <p:nvPr/>
+        </p:nvSpPr>
+        <p:spPr>
+          <a:xfrm>
+            <a:off x="0" y="0"/>
+            <a:ext cx="12192000" cy="707669"/>
+          </a:xfrm>
+          <a:prstGeom prst="rect">
+            <a:avLst/>
+          </a:prstGeom>
+          <a:solidFill>
+            <a:schemeClr val="accent6">
+              <a:lumMod val="60000"/>
+              <a:lumOff val="40000"/>
+            </a:schemeClr>
+          </a:solidFill>
+          <a:ln>
+            <a:solidFill>
+              <a:schemeClr val="accent1">
+                <a:lumMod val="60000"/>
+                <a:lumOff val="40000"/>
+              </a:schemeClr>
+            </a:solidFill>
+          </a:ln>
+        </p:spPr>
+        <p:txBody>
+          <a:bodyPr vert="horz" lIns="91440" tIns="45720" rIns="91440" bIns="45720" rtlCol="0">
+            <a:normAutofit/>
+          </a:bodyPr>
+          <a:lstStyle>
+            <a:lvl1pPr marL="0" indent="0" algn="ctr" defTabSz="914400" rtl="0" eaLnBrk="1" latinLnBrk="0" hangingPunct="1">
+              <a:lnSpc>
+                <a:spcPct val="90000"/>
+              </a:lnSpc>
+              <a:spcBef>
+                <a:spcPts val="1000"/>
+              </a:spcBef>
+              <a:buFont typeface="Arial" panose="020B0604020202020204" pitchFamily="34" charset="0"/>
+              <a:buNone/>
+              <a:defRPr sz="2400" kern="1200">
+                <a:solidFill>
+                  <a:schemeClr val="tx1"/>
+                </a:solidFill>
+                <a:latin typeface="+mn-lt"/>
+                <a:ea typeface="+mn-ea"/>
+                <a:cs typeface="+mn-cs"/>
+              </a:defRPr>
+            </a:lvl1pPr>
+            <a:lvl2pPr marL="457200" indent="0" algn="ctr" defTabSz="914400" rtl="0" eaLnBrk="1" latinLnBrk="0" hangingPunct="1">
+              <a:lnSpc>
+                <a:spcPct val="90000"/>
+              </a:lnSpc>
+              <a:spcBef>
+                <a:spcPts val="500"/>
+              </a:spcBef>
+              <a:buFont typeface="Arial" panose="020B0604020202020204" pitchFamily="34" charset="0"/>
+              <a:buNone/>
+              <a:defRPr sz="2000" kern="1200">
+                <a:solidFill>
+                  <a:schemeClr val="tx1"/>
+                </a:solidFill>
+                <a:latin typeface="+mn-lt"/>
+                <a:ea typeface="+mn-ea"/>
+                <a:cs typeface="+mn-cs"/>
+              </a:defRPr>
+            </a:lvl2pPr>
+            <a:lvl3pPr marL="914400" indent="0" algn="ctr" defTabSz="914400" rtl="0" eaLnBrk="1" latinLnBrk="0" hangingPunct="1">
+              <a:lnSpc>
+                <a:spcPct val="90000"/>
+              </a:lnSpc>
+              <a:spcBef>
+                <a:spcPts val="500"/>
+              </a:spcBef>
+              <a:buFont typeface="Arial" panose="020B0604020202020204" pitchFamily="34" charset="0"/>
+              <a:buNone/>
+              <a:defRPr sz="1800" kern="1200">
+                <a:solidFill>
+                  <a:schemeClr val="tx1"/>
+                </a:solidFill>
+                <a:latin typeface="+mn-lt"/>
+                <a:ea typeface="+mn-ea"/>
+                <a:cs typeface="+mn-cs"/>
+              </a:defRPr>
+            </a:lvl3pPr>
+            <a:lvl4pPr marL="1371600" indent="0" algn="ctr" defTabSz="914400" rtl="0" eaLnBrk="1" latinLnBrk="0" hangingPunct="1">
+              <a:lnSpc>
+                <a:spcPct val="90000"/>
+              </a:lnSpc>
+              <a:spcBef>
+                <a:spcPts val="500"/>
+              </a:spcBef>
+              <a:buFont typeface="Arial" panose="020B0604020202020204" pitchFamily="34" charset="0"/>
+              <a:buNone/>
+              <a:defRPr sz="1600" kern="1200">
+                <a:solidFill>
+                  <a:schemeClr val="tx1"/>
+                </a:solidFill>
+                <a:latin typeface="+mn-lt"/>
+                <a:ea typeface="+mn-ea"/>
+                <a:cs typeface="+mn-cs"/>
+              </a:defRPr>
+            </a:lvl4pPr>
+            <a:lvl5pPr marL="1828800" indent="0" algn="ctr" defTabSz="914400" rtl="0" eaLnBrk="1" latinLnBrk="0" hangingPunct="1">
+              <a:lnSpc>
+                <a:spcPct val="90000"/>
+              </a:lnSpc>
+              <a:spcBef>
+                <a:spcPts val="500"/>
+              </a:spcBef>
+              <a:buFont typeface="Arial" panose="020B0604020202020204" pitchFamily="34" charset="0"/>
+              <a:buNone/>
+              <a:defRPr sz="1600" kern="1200">
+                <a:solidFill>
+                  <a:schemeClr val="tx1"/>
+                </a:solidFill>
+                <a:latin typeface="+mn-lt"/>
+                <a:ea typeface="+mn-ea"/>
+                <a:cs typeface="+mn-cs"/>
+              </a:defRPr>
+            </a:lvl5pPr>
+            <a:lvl6pPr marL="2286000" indent="0" algn="ctr" defTabSz="914400" rtl="0" eaLnBrk="1" latinLnBrk="0" hangingPunct="1">
+              <a:lnSpc>
+                <a:spcPct val="90000"/>
+              </a:lnSpc>
+              <a:spcBef>
+                <a:spcPts val="500"/>
+              </a:spcBef>
+              <a:buFont typeface="Arial" panose="020B0604020202020204" pitchFamily="34" charset="0"/>
+              <a:buNone/>
+              <a:defRPr sz="1600" kern="1200">
+                <a:solidFill>
+                  <a:schemeClr val="tx1"/>
+                </a:solidFill>
+                <a:latin typeface="+mn-lt"/>
+                <a:ea typeface="+mn-ea"/>
+                <a:cs typeface="+mn-cs"/>
+              </a:defRPr>
+            </a:lvl6pPr>
+            <a:lvl7pPr marL="2743200" indent="0" algn="ctr" defTabSz="914400" rtl="0" eaLnBrk="1" latinLnBrk="0" hangingPunct="1">
+              <a:lnSpc>
+                <a:spcPct val="90000"/>
+              </a:lnSpc>
+              <a:spcBef>
+                <a:spcPts val="500"/>
+              </a:spcBef>
+              <a:buFont typeface="Arial" panose="020B0604020202020204" pitchFamily="34" charset="0"/>
+              <a:buNone/>
+              <a:defRPr sz="1600" kern="1200">
+                <a:solidFill>
+                  <a:schemeClr val="tx1"/>
+                </a:solidFill>
+                <a:latin typeface="+mn-lt"/>
+                <a:ea typeface="+mn-ea"/>
+                <a:cs typeface="+mn-cs"/>
+              </a:defRPr>
+            </a:lvl7pPr>
+            <a:lvl8pPr marL="3200400" indent="0" algn="ctr" defTabSz="914400" rtl="0" eaLnBrk="1" latinLnBrk="0" hangingPunct="1">
+              <a:lnSpc>
+                <a:spcPct val="90000"/>
+              </a:lnSpc>
+              <a:spcBef>
+                <a:spcPts val="500"/>
+              </a:spcBef>
+              <a:buFont typeface="Arial" panose="020B0604020202020204" pitchFamily="34" charset="0"/>
+              <a:buNone/>
+              <a:defRPr sz="1600" kern="1200">
+                <a:solidFill>
+                  <a:schemeClr val="tx1"/>
+                </a:solidFill>
+                <a:latin typeface="+mn-lt"/>
+                <a:ea typeface="+mn-ea"/>
+                <a:cs typeface="+mn-cs"/>
+              </a:defRPr>
+            </a:lvl8pPr>
+            <a:lvl9pPr marL="3657600" indent="0" algn="ctr" defTabSz="914400" rtl="0" eaLnBrk="1" latinLnBrk="0" hangingPunct="1">
+              <a:lnSpc>
+                <a:spcPct val="90000"/>
+              </a:lnSpc>
+              <a:spcBef>
+                <a:spcPts val="500"/>
+              </a:spcBef>
+              <a:buFont typeface="Arial" panose="020B0604020202020204" pitchFamily="34" charset="0"/>
+              <a:buNone/>
+              <a:defRPr sz="1600" kern="1200">
+                <a:solidFill>
+                  <a:schemeClr val="tx1"/>
+                </a:solidFill>
+                <a:latin typeface="+mn-lt"/>
+                <a:ea typeface="+mn-ea"/>
+                <a:cs typeface="+mn-cs"/>
+              </a:defRPr>
+            </a:lvl9pPr>
+          </a:lstStyle>
+          <a:p>
+            <a:pPr algn="l"/>
+            <a:r>
+              <a:rPr lang="zh-CN" altLang="en-US" sz="1600" dirty="0">
+                <a:solidFill>
+                  <a:srgbClr val="0070C0"/>
+                </a:solidFill>
+              </a:rPr>
+              <a:t>学校 </a:t>
+            </a:r>
+            <a:r>
+              <a:rPr lang="en-US" altLang="zh-CN" sz="1600" dirty="0">
+                <a:solidFill>
+                  <a:srgbClr val="0070C0"/>
+                </a:solidFill>
+              </a:rPr>
+              <a:t>&gt;</a:t>
+            </a:r>
+            <a:r>
+              <a:rPr lang="zh-CN" altLang="en-US" sz="1600" dirty="0">
+                <a:solidFill>
+                  <a:srgbClr val="0070C0"/>
+                </a:solidFill>
+              </a:rPr>
+              <a:t> 学校管理</a:t>
+            </a:r>
+            <a:r>
+              <a:rPr lang="en-US" altLang="zh-CN" sz="1600" dirty="0">
+                <a:solidFill>
+                  <a:srgbClr val="0070C0"/>
+                </a:solidFill>
+              </a:rPr>
+              <a:t> &gt; </a:t>
+            </a:r>
+            <a:r>
+              <a:rPr lang="zh-CN" altLang="en-US" sz="1600" dirty="0">
+                <a:solidFill>
+                  <a:srgbClr val="0070C0"/>
+                </a:solidFill>
+              </a:rPr>
+              <a:t>学校编辑</a:t>
+            </a:r>
           </a:p>
         </p:txBody>
       </p:sp>
@@ -4375,18 +12083,1347 @@
           </a:lstStyle>
           <a:p>
             <a:pPr algn="l"/>
+            <a:r>
+              <a:rPr lang="zh-CN" altLang="en-US" sz="1600" dirty="0">
+                <a:solidFill>
+                  <a:schemeClr val="bg1"/>
+                </a:solidFill>
+              </a:rPr>
+              <a:t>问题描述：</a:t>
+            </a:r>
             <a:endParaRPr lang="en-US" altLang="zh-CN" sz="1600" dirty="0">
               <a:solidFill>
                 <a:schemeClr val="bg1"/>
               </a:solidFill>
             </a:endParaRPr>
           </a:p>
+          <a:p>
+            <a:pPr marL="342900" indent="-342900" algn="l">
+              <a:buAutoNum type="arabicPeriod"/>
+            </a:pPr>
+            <a:r>
+              <a:rPr lang="zh-CN" altLang="en-US" sz="1600" dirty="0">
+                <a:solidFill>
+                  <a:schemeClr val="bg1"/>
+                </a:solidFill>
+              </a:rPr>
+              <a:t>（</a:t>
+            </a:r>
+            <a:r>
+              <a:rPr lang="en-US" altLang="zh-CN" sz="1600" dirty="0">
+                <a:solidFill>
+                  <a:schemeClr val="bg1"/>
+                </a:solidFill>
+              </a:rPr>
+              <a:t>UI</a:t>
+            </a:r>
+            <a:r>
+              <a:rPr lang="zh-CN" altLang="en-US" sz="1600" dirty="0">
+                <a:solidFill>
+                  <a:schemeClr val="bg1"/>
+                </a:solidFill>
+              </a:rPr>
+              <a:t>）地区、校址、电话、网址、简介是可以修改的</a:t>
+            </a:r>
+            <a:endParaRPr lang="en-US" altLang="zh-CN" sz="1600" dirty="0">
+              <a:solidFill>
+                <a:schemeClr val="bg1"/>
+              </a:solidFill>
+            </a:endParaRPr>
+          </a:p>
+        </p:txBody>
+      </p:sp>
+      <p:pic>
+        <p:nvPicPr>
+          <p:cNvPr id="3" name="Picture 2">
+            <a:extLst>
+              <a:ext uri="{FF2B5EF4-FFF2-40B4-BE49-F238E27FC236}">
+                <a16:creationId xmlns:a16="http://schemas.microsoft.com/office/drawing/2014/main" id="{65EEC260-8AFF-4FD3-A817-106DDEEE2C75}"/>
+              </a:ext>
+            </a:extLst>
+          </p:cNvPr>
+          <p:cNvPicPr>
+            <a:picLocks noChangeAspect="1"/>
+          </p:cNvPicPr>
+          <p:nvPr/>
+        </p:nvPicPr>
+        <p:blipFill>
+          <a:blip r:embed="rId2"/>
+          <a:stretch>
+            <a:fillRect/>
+          </a:stretch>
+        </p:blipFill>
+        <p:spPr>
+          <a:xfrm>
+            <a:off x="0" y="979243"/>
+            <a:ext cx="7836955" cy="4280511"/>
+          </a:xfrm>
+          <a:prstGeom prst="rect">
+            <a:avLst/>
+          </a:prstGeom>
+        </p:spPr>
+      </p:pic>
+    </p:spTree>
+    <p:extLst>
+      <p:ext uri="{BB962C8B-B14F-4D97-AF65-F5344CB8AC3E}">
+        <p14:creationId xmlns:p14="http://schemas.microsoft.com/office/powerpoint/2010/main" val="2888170474"/>
+      </p:ext>
+    </p:extLst>
+  </p:cSld>
+  <p:clrMapOvr>
+    <a:masterClrMapping/>
+  </p:clrMapOvr>
+</p:sld>
+</file>
+
+<file path=ppt/slides/slide7.xml><?xml version="1.0" encoding="utf-8"?>
+<p:sld xmlns:a="http://schemas.openxmlformats.org/drawingml/2006/main" xmlns:r="http://schemas.openxmlformats.org/officeDocument/2006/relationships" xmlns:p="http://schemas.openxmlformats.org/presentationml/2006/main">
+  <p:cSld>
+    <p:spTree>
+      <p:nvGrpSpPr>
+        <p:cNvPr id="1" name=""/>
+        <p:cNvGrpSpPr/>
+        <p:nvPr/>
+      </p:nvGrpSpPr>
+      <p:grpSpPr>
+        <a:xfrm>
+          <a:off x="0" y="0"/>
+          <a:ext cx="0" cy="0"/>
+          <a:chOff x="0" y="0"/>
+          <a:chExt cx="0" cy="0"/>
+        </a:xfrm>
+      </p:grpSpPr>
+      <p:sp>
+        <p:nvSpPr>
+          <p:cNvPr id="10" name="副标题 2">
+            <a:extLst>
+              <a:ext uri="{FF2B5EF4-FFF2-40B4-BE49-F238E27FC236}">
+                <a16:creationId xmlns:a16="http://schemas.microsoft.com/office/drawing/2014/main" id="{42AE8C01-7BF1-4C58-90BD-31448E7C5E9B}"/>
+              </a:ext>
+            </a:extLst>
+          </p:cNvPr>
+          <p:cNvSpPr txBox="1">
+            <a:spLocks/>
+          </p:cNvSpPr>
+          <p:nvPr/>
+        </p:nvSpPr>
+        <p:spPr>
+          <a:xfrm>
+            <a:off x="0" y="0"/>
+            <a:ext cx="12192000" cy="707669"/>
+          </a:xfrm>
+          <a:prstGeom prst="rect">
+            <a:avLst/>
+          </a:prstGeom>
+          <a:solidFill>
+            <a:schemeClr val="accent6">
+              <a:lumMod val="60000"/>
+              <a:lumOff val="40000"/>
+            </a:schemeClr>
+          </a:solidFill>
+          <a:ln>
+            <a:solidFill>
+              <a:schemeClr val="accent1">
+                <a:lumMod val="60000"/>
+                <a:lumOff val="40000"/>
+              </a:schemeClr>
+            </a:solidFill>
+          </a:ln>
+        </p:spPr>
+        <p:txBody>
+          <a:bodyPr vert="horz" lIns="91440" tIns="45720" rIns="91440" bIns="45720" rtlCol="0">
+            <a:normAutofit/>
+          </a:bodyPr>
+          <a:lstStyle>
+            <a:lvl1pPr marL="0" indent="0" algn="ctr" defTabSz="914400" rtl="0" eaLnBrk="1" latinLnBrk="0" hangingPunct="1">
+              <a:lnSpc>
+                <a:spcPct val="90000"/>
+              </a:lnSpc>
+              <a:spcBef>
+                <a:spcPts val="1000"/>
+              </a:spcBef>
+              <a:buFont typeface="Arial" panose="020B0604020202020204" pitchFamily="34" charset="0"/>
+              <a:buNone/>
+              <a:defRPr sz="2400" kern="1200">
+                <a:solidFill>
+                  <a:schemeClr val="tx1"/>
+                </a:solidFill>
+                <a:latin typeface="+mn-lt"/>
+                <a:ea typeface="+mn-ea"/>
+                <a:cs typeface="+mn-cs"/>
+              </a:defRPr>
+            </a:lvl1pPr>
+            <a:lvl2pPr marL="457200" indent="0" algn="ctr" defTabSz="914400" rtl="0" eaLnBrk="1" latinLnBrk="0" hangingPunct="1">
+              <a:lnSpc>
+                <a:spcPct val="90000"/>
+              </a:lnSpc>
+              <a:spcBef>
+                <a:spcPts val="500"/>
+              </a:spcBef>
+              <a:buFont typeface="Arial" panose="020B0604020202020204" pitchFamily="34" charset="0"/>
+              <a:buNone/>
+              <a:defRPr sz="2000" kern="1200">
+                <a:solidFill>
+                  <a:schemeClr val="tx1"/>
+                </a:solidFill>
+                <a:latin typeface="+mn-lt"/>
+                <a:ea typeface="+mn-ea"/>
+                <a:cs typeface="+mn-cs"/>
+              </a:defRPr>
+            </a:lvl2pPr>
+            <a:lvl3pPr marL="914400" indent="0" algn="ctr" defTabSz="914400" rtl="0" eaLnBrk="1" latinLnBrk="0" hangingPunct="1">
+              <a:lnSpc>
+                <a:spcPct val="90000"/>
+              </a:lnSpc>
+              <a:spcBef>
+                <a:spcPts val="500"/>
+              </a:spcBef>
+              <a:buFont typeface="Arial" panose="020B0604020202020204" pitchFamily="34" charset="0"/>
+              <a:buNone/>
+              <a:defRPr sz="1800" kern="1200">
+                <a:solidFill>
+                  <a:schemeClr val="tx1"/>
+                </a:solidFill>
+                <a:latin typeface="+mn-lt"/>
+                <a:ea typeface="+mn-ea"/>
+                <a:cs typeface="+mn-cs"/>
+              </a:defRPr>
+            </a:lvl3pPr>
+            <a:lvl4pPr marL="1371600" indent="0" algn="ctr" defTabSz="914400" rtl="0" eaLnBrk="1" latinLnBrk="0" hangingPunct="1">
+              <a:lnSpc>
+                <a:spcPct val="90000"/>
+              </a:lnSpc>
+              <a:spcBef>
+                <a:spcPts val="500"/>
+              </a:spcBef>
+              <a:buFont typeface="Arial" panose="020B0604020202020204" pitchFamily="34" charset="0"/>
+              <a:buNone/>
+              <a:defRPr sz="1600" kern="1200">
+                <a:solidFill>
+                  <a:schemeClr val="tx1"/>
+                </a:solidFill>
+                <a:latin typeface="+mn-lt"/>
+                <a:ea typeface="+mn-ea"/>
+                <a:cs typeface="+mn-cs"/>
+              </a:defRPr>
+            </a:lvl4pPr>
+            <a:lvl5pPr marL="1828800" indent="0" algn="ctr" defTabSz="914400" rtl="0" eaLnBrk="1" latinLnBrk="0" hangingPunct="1">
+              <a:lnSpc>
+                <a:spcPct val="90000"/>
+              </a:lnSpc>
+              <a:spcBef>
+                <a:spcPts val="500"/>
+              </a:spcBef>
+              <a:buFont typeface="Arial" panose="020B0604020202020204" pitchFamily="34" charset="0"/>
+              <a:buNone/>
+              <a:defRPr sz="1600" kern="1200">
+                <a:solidFill>
+                  <a:schemeClr val="tx1"/>
+                </a:solidFill>
+                <a:latin typeface="+mn-lt"/>
+                <a:ea typeface="+mn-ea"/>
+                <a:cs typeface="+mn-cs"/>
+              </a:defRPr>
+            </a:lvl5pPr>
+            <a:lvl6pPr marL="2286000" indent="0" algn="ctr" defTabSz="914400" rtl="0" eaLnBrk="1" latinLnBrk="0" hangingPunct="1">
+              <a:lnSpc>
+                <a:spcPct val="90000"/>
+              </a:lnSpc>
+              <a:spcBef>
+                <a:spcPts val="500"/>
+              </a:spcBef>
+              <a:buFont typeface="Arial" panose="020B0604020202020204" pitchFamily="34" charset="0"/>
+              <a:buNone/>
+              <a:defRPr sz="1600" kern="1200">
+                <a:solidFill>
+                  <a:schemeClr val="tx1"/>
+                </a:solidFill>
+                <a:latin typeface="+mn-lt"/>
+                <a:ea typeface="+mn-ea"/>
+                <a:cs typeface="+mn-cs"/>
+              </a:defRPr>
+            </a:lvl6pPr>
+            <a:lvl7pPr marL="2743200" indent="0" algn="ctr" defTabSz="914400" rtl="0" eaLnBrk="1" latinLnBrk="0" hangingPunct="1">
+              <a:lnSpc>
+                <a:spcPct val="90000"/>
+              </a:lnSpc>
+              <a:spcBef>
+                <a:spcPts val="500"/>
+              </a:spcBef>
+              <a:buFont typeface="Arial" panose="020B0604020202020204" pitchFamily="34" charset="0"/>
+              <a:buNone/>
+              <a:defRPr sz="1600" kern="1200">
+                <a:solidFill>
+                  <a:schemeClr val="tx1"/>
+                </a:solidFill>
+                <a:latin typeface="+mn-lt"/>
+                <a:ea typeface="+mn-ea"/>
+                <a:cs typeface="+mn-cs"/>
+              </a:defRPr>
+            </a:lvl7pPr>
+            <a:lvl8pPr marL="3200400" indent="0" algn="ctr" defTabSz="914400" rtl="0" eaLnBrk="1" latinLnBrk="0" hangingPunct="1">
+              <a:lnSpc>
+                <a:spcPct val="90000"/>
+              </a:lnSpc>
+              <a:spcBef>
+                <a:spcPts val="500"/>
+              </a:spcBef>
+              <a:buFont typeface="Arial" panose="020B0604020202020204" pitchFamily="34" charset="0"/>
+              <a:buNone/>
+              <a:defRPr sz="1600" kern="1200">
+                <a:solidFill>
+                  <a:schemeClr val="tx1"/>
+                </a:solidFill>
+                <a:latin typeface="+mn-lt"/>
+                <a:ea typeface="+mn-ea"/>
+                <a:cs typeface="+mn-cs"/>
+              </a:defRPr>
+            </a:lvl8pPr>
+            <a:lvl9pPr marL="3657600" indent="0" algn="ctr" defTabSz="914400" rtl="0" eaLnBrk="1" latinLnBrk="0" hangingPunct="1">
+              <a:lnSpc>
+                <a:spcPct val="90000"/>
+              </a:lnSpc>
+              <a:spcBef>
+                <a:spcPts val="500"/>
+              </a:spcBef>
+              <a:buFont typeface="Arial" panose="020B0604020202020204" pitchFamily="34" charset="0"/>
+              <a:buNone/>
+              <a:defRPr sz="1600" kern="1200">
+                <a:solidFill>
+                  <a:schemeClr val="tx1"/>
+                </a:solidFill>
+                <a:latin typeface="+mn-lt"/>
+                <a:ea typeface="+mn-ea"/>
+                <a:cs typeface="+mn-cs"/>
+              </a:defRPr>
+            </a:lvl9pPr>
+          </a:lstStyle>
+          <a:p>
+            <a:pPr algn="l"/>
+            <a:r>
+              <a:rPr lang="zh-CN" altLang="en-US" sz="1600" dirty="0">
+                <a:solidFill>
+                  <a:srgbClr val="0070C0"/>
+                </a:solidFill>
+              </a:rPr>
+              <a:t>学校 </a:t>
+            </a:r>
+            <a:r>
+              <a:rPr lang="en-US" altLang="zh-CN" sz="1600" dirty="0">
+                <a:solidFill>
+                  <a:srgbClr val="0070C0"/>
+                </a:solidFill>
+              </a:rPr>
+              <a:t>&gt;</a:t>
+            </a:r>
+            <a:r>
+              <a:rPr lang="zh-CN" altLang="en-US" sz="1600" dirty="0">
+                <a:solidFill>
+                  <a:srgbClr val="0070C0"/>
+                </a:solidFill>
+              </a:rPr>
+              <a:t> 学校管理</a:t>
+            </a:r>
+            <a:r>
+              <a:rPr lang="en-US" altLang="zh-CN" sz="1600" dirty="0">
+                <a:solidFill>
+                  <a:srgbClr val="0070C0"/>
+                </a:solidFill>
+              </a:rPr>
+              <a:t> &gt; </a:t>
+            </a:r>
+            <a:r>
+              <a:rPr lang="zh-CN" altLang="en-US" sz="1600" dirty="0">
+                <a:solidFill>
+                  <a:srgbClr val="0070C0"/>
+                </a:solidFill>
+              </a:rPr>
+              <a:t>学校认证</a:t>
+            </a:r>
+          </a:p>
+        </p:txBody>
+      </p:sp>
+      <p:sp>
+        <p:nvSpPr>
+          <p:cNvPr id="11" name="副标题 2">
+            <a:extLst>
+              <a:ext uri="{FF2B5EF4-FFF2-40B4-BE49-F238E27FC236}">
+                <a16:creationId xmlns:a16="http://schemas.microsoft.com/office/drawing/2014/main" id="{B518E569-1FE7-4B73-9133-E384A9D677AB}"/>
+              </a:ext>
+            </a:extLst>
+          </p:cNvPr>
+          <p:cNvSpPr txBox="1">
+            <a:spLocks/>
+          </p:cNvSpPr>
+          <p:nvPr/>
+        </p:nvSpPr>
+        <p:spPr>
+          <a:xfrm>
+            <a:off x="0" y="5361355"/>
+            <a:ext cx="12192000" cy="1496646"/>
+          </a:xfrm>
+          <a:prstGeom prst="rect">
+            <a:avLst/>
+          </a:prstGeom>
+          <a:solidFill>
+            <a:schemeClr val="accent5"/>
+          </a:solidFill>
+          <a:ln>
+            <a:solidFill>
+              <a:schemeClr val="accent1">
+                <a:lumMod val="60000"/>
+                <a:lumOff val="40000"/>
+              </a:schemeClr>
+            </a:solidFill>
+          </a:ln>
+        </p:spPr>
+        <p:txBody>
+          <a:bodyPr vert="horz" lIns="91440" tIns="45720" rIns="91440" bIns="45720" rtlCol="0">
+            <a:normAutofit/>
+          </a:bodyPr>
+          <a:lstStyle>
+            <a:lvl1pPr marL="0" indent="0" algn="ctr" defTabSz="914400" rtl="0" eaLnBrk="1" latinLnBrk="0" hangingPunct="1">
+              <a:lnSpc>
+                <a:spcPct val="90000"/>
+              </a:lnSpc>
+              <a:spcBef>
+                <a:spcPts val="1000"/>
+              </a:spcBef>
+              <a:buFont typeface="Arial" panose="020B0604020202020204" pitchFamily="34" charset="0"/>
+              <a:buNone/>
+              <a:defRPr sz="2400" kern="1200">
+                <a:solidFill>
+                  <a:schemeClr val="tx1"/>
+                </a:solidFill>
+                <a:latin typeface="+mn-lt"/>
+                <a:ea typeface="+mn-ea"/>
+                <a:cs typeface="+mn-cs"/>
+              </a:defRPr>
+            </a:lvl1pPr>
+            <a:lvl2pPr marL="457200" indent="0" algn="ctr" defTabSz="914400" rtl="0" eaLnBrk="1" latinLnBrk="0" hangingPunct="1">
+              <a:lnSpc>
+                <a:spcPct val="90000"/>
+              </a:lnSpc>
+              <a:spcBef>
+                <a:spcPts val="500"/>
+              </a:spcBef>
+              <a:buFont typeface="Arial" panose="020B0604020202020204" pitchFamily="34" charset="0"/>
+              <a:buNone/>
+              <a:defRPr sz="2000" kern="1200">
+                <a:solidFill>
+                  <a:schemeClr val="tx1"/>
+                </a:solidFill>
+                <a:latin typeface="+mn-lt"/>
+                <a:ea typeface="+mn-ea"/>
+                <a:cs typeface="+mn-cs"/>
+              </a:defRPr>
+            </a:lvl2pPr>
+            <a:lvl3pPr marL="914400" indent="0" algn="ctr" defTabSz="914400" rtl="0" eaLnBrk="1" latinLnBrk="0" hangingPunct="1">
+              <a:lnSpc>
+                <a:spcPct val="90000"/>
+              </a:lnSpc>
+              <a:spcBef>
+                <a:spcPts val="500"/>
+              </a:spcBef>
+              <a:buFont typeface="Arial" panose="020B0604020202020204" pitchFamily="34" charset="0"/>
+              <a:buNone/>
+              <a:defRPr sz="1800" kern="1200">
+                <a:solidFill>
+                  <a:schemeClr val="tx1"/>
+                </a:solidFill>
+                <a:latin typeface="+mn-lt"/>
+                <a:ea typeface="+mn-ea"/>
+                <a:cs typeface="+mn-cs"/>
+              </a:defRPr>
+            </a:lvl3pPr>
+            <a:lvl4pPr marL="1371600" indent="0" algn="ctr" defTabSz="914400" rtl="0" eaLnBrk="1" latinLnBrk="0" hangingPunct="1">
+              <a:lnSpc>
+                <a:spcPct val="90000"/>
+              </a:lnSpc>
+              <a:spcBef>
+                <a:spcPts val="500"/>
+              </a:spcBef>
+              <a:buFont typeface="Arial" panose="020B0604020202020204" pitchFamily="34" charset="0"/>
+              <a:buNone/>
+              <a:defRPr sz="1600" kern="1200">
+                <a:solidFill>
+                  <a:schemeClr val="tx1"/>
+                </a:solidFill>
+                <a:latin typeface="+mn-lt"/>
+                <a:ea typeface="+mn-ea"/>
+                <a:cs typeface="+mn-cs"/>
+              </a:defRPr>
+            </a:lvl4pPr>
+            <a:lvl5pPr marL="1828800" indent="0" algn="ctr" defTabSz="914400" rtl="0" eaLnBrk="1" latinLnBrk="0" hangingPunct="1">
+              <a:lnSpc>
+                <a:spcPct val="90000"/>
+              </a:lnSpc>
+              <a:spcBef>
+                <a:spcPts val="500"/>
+              </a:spcBef>
+              <a:buFont typeface="Arial" panose="020B0604020202020204" pitchFamily="34" charset="0"/>
+              <a:buNone/>
+              <a:defRPr sz="1600" kern="1200">
+                <a:solidFill>
+                  <a:schemeClr val="tx1"/>
+                </a:solidFill>
+                <a:latin typeface="+mn-lt"/>
+                <a:ea typeface="+mn-ea"/>
+                <a:cs typeface="+mn-cs"/>
+              </a:defRPr>
+            </a:lvl5pPr>
+            <a:lvl6pPr marL="2286000" indent="0" algn="ctr" defTabSz="914400" rtl="0" eaLnBrk="1" latinLnBrk="0" hangingPunct="1">
+              <a:lnSpc>
+                <a:spcPct val="90000"/>
+              </a:lnSpc>
+              <a:spcBef>
+                <a:spcPts val="500"/>
+              </a:spcBef>
+              <a:buFont typeface="Arial" panose="020B0604020202020204" pitchFamily="34" charset="0"/>
+              <a:buNone/>
+              <a:defRPr sz="1600" kern="1200">
+                <a:solidFill>
+                  <a:schemeClr val="tx1"/>
+                </a:solidFill>
+                <a:latin typeface="+mn-lt"/>
+                <a:ea typeface="+mn-ea"/>
+                <a:cs typeface="+mn-cs"/>
+              </a:defRPr>
+            </a:lvl6pPr>
+            <a:lvl7pPr marL="2743200" indent="0" algn="ctr" defTabSz="914400" rtl="0" eaLnBrk="1" latinLnBrk="0" hangingPunct="1">
+              <a:lnSpc>
+                <a:spcPct val="90000"/>
+              </a:lnSpc>
+              <a:spcBef>
+                <a:spcPts val="500"/>
+              </a:spcBef>
+              <a:buFont typeface="Arial" panose="020B0604020202020204" pitchFamily="34" charset="0"/>
+              <a:buNone/>
+              <a:defRPr sz="1600" kern="1200">
+                <a:solidFill>
+                  <a:schemeClr val="tx1"/>
+                </a:solidFill>
+                <a:latin typeface="+mn-lt"/>
+                <a:ea typeface="+mn-ea"/>
+                <a:cs typeface="+mn-cs"/>
+              </a:defRPr>
+            </a:lvl7pPr>
+            <a:lvl8pPr marL="3200400" indent="0" algn="ctr" defTabSz="914400" rtl="0" eaLnBrk="1" latinLnBrk="0" hangingPunct="1">
+              <a:lnSpc>
+                <a:spcPct val="90000"/>
+              </a:lnSpc>
+              <a:spcBef>
+                <a:spcPts val="500"/>
+              </a:spcBef>
+              <a:buFont typeface="Arial" panose="020B0604020202020204" pitchFamily="34" charset="0"/>
+              <a:buNone/>
+              <a:defRPr sz="1600" kern="1200">
+                <a:solidFill>
+                  <a:schemeClr val="tx1"/>
+                </a:solidFill>
+                <a:latin typeface="+mn-lt"/>
+                <a:ea typeface="+mn-ea"/>
+                <a:cs typeface="+mn-cs"/>
+              </a:defRPr>
+            </a:lvl8pPr>
+            <a:lvl9pPr marL="3657600" indent="0" algn="ctr" defTabSz="914400" rtl="0" eaLnBrk="1" latinLnBrk="0" hangingPunct="1">
+              <a:lnSpc>
+                <a:spcPct val="90000"/>
+              </a:lnSpc>
+              <a:spcBef>
+                <a:spcPts val="500"/>
+              </a:spcBef>
+              <a:buFont typeface="Arial" panose="020B0604020202020204" pitchFamily="34" charset="0"/>
+              <a:buNone/>
+              <a:defRPr sz="1600" kern="1200">
+                <a:solidFill>
+                  <a:schemeClr val="tx1"/>
+                </a:solidFill>
+                <a:latin typeface="+mn-lt"/>
+                <a:ea typeface="+mn-ea"/>
+                <a:cs typeface="+mn-cs"/>
+              </a:defRPr>
+            </a:lvl9pPr>
+          </a:lstStyle>
+          <a:p>
+            <a:pPr algn="l"/>
+            <a:r>
+              <a:rPr lang="zh-CN" altLang="en-US" sz="1600" dirty="0">
+                <a:solidFill>
+                  <a:schemeClr val="bg1"/>
+                </a:solidFill>
+              </a:rPr>
+              <a:t>问题描述：</a:t>
+            </a:r>
+            <a:endParaRPr lang="en-US" altLang="zh-CN" sz="1600" dirty="0">
+              <a:solidFill>
+                <a:schemeClr val="bg1"/>
+              </a:solidFill>
+            </a:endParaRPr>
+          </a:p>
+          <a:p>
+            <a:pPr marL="342900" indent="-342900" algn="l">
+              <a:buAutoNum type="arabicPeriod"/>
+            </a:pPr>
+            <a:r>
+              <a:rPr lang="zh-CN" altLang="en-US" sz="1600" dirty="0">
+                <a:solidFill>
+                  <a:schemeClr val="bg1"/>
+                </a:solidFill>
+              </a:rPr>
+              <a:t>（</a:t>
+            </a:r>
+            <a:r>
+              <a:rPr lang="en-US" altLang="zh-CN" sz="1600" dirty="0">
+                <a:solidFill>
+                  <a:schemeClr val="bg1"/>
+                </a:solidFill>
+              </a:rPr>
+              <a:t>UI</a:t>
+            </a:r>
+            <a:r>
+              <a:rPr lang="zh-CN" altLang="en-US" sz="1600" dirty="0">
+                <a:solidFill>
+                  <a:schemeClr val="bg1"/>
+                </a:solidFill>
+              </a:rPr>
+              <a:t>）右侧的说明文字调整成统一的颜色</a:t>
+            </a:r>
+            <a:endParaRPr lang="en-US" altLang="zh-CN" sz="1600" dirty="0">
+              <a:solidFill>
+                <a:schemeClr val="bg1"/>
+              </a:solidFill>
+            </a:endParaRPr>
+          </a:p>
+          <a:p>
+            <a:pPr marL="342900" indent="-342900" algn="l">
+              <a:buAutoNum type="arabicPeriod"/>
+            </a:pPr>
+            <a:r>
+              <a:rPr lang="zh-CN" altLang="en-US" sz="1600" dirty="0">
+                <a:solidFill>
+                  <a:schemeClr val="bg1"/>
+                </a:solidFill>
+              </a:rPr>
+              <a:t>（</a:t>
+            </a:r>
+            <a:r>
+              <a:rPr lang="en-US" altLang="zh-CN" sz="1600" dirty="0">
+                <a:solidFill>
+                  <a:schemeClr val="bg1"/>
+                </a:solidFill>
+              </a:rPr>
+              <a:t>UI</a:t>
+            </a:r>
+            <a:r>
+              <a:rPr lang="zh-CN" altLang="en-US" sz="1600" dirty="0">
+                <a:solidFill>
+                  <a:schemeClr val="bg1"/>
+                </a:solidFill>
+              </a:rPr>
+              <a:t>）学校名称、学校性质、电话、邮箱、申请人、申请人手机号码、办学许可证、身份证正面、身份证反面为必填项；地区、校址、学段为选填项。</a:t>
+            </a:r>
+            <a:endParaRPr lang="en-US" altLang="zh-CN" sz="1600" dirty="0">
+              <a:solidFill>
+                <a:schemeClr val="bg1"/>
+              </a:solidFill>
+            </a:endParaRPr>
+          </a:p>
+        </p:txBody>
+      </p:sp>
+      <p:pic>
+        <p:nvPicPr>
+          <p:cNvPr id="2" name="Picture 1">
+            <a:extLst>
+              <a:ext uri="{FF2B5EF4-FFF2-40B4-BE49-F238E27FC236}">
+                <a16:creationId xmlns:a16="http://schemas.microsoft.com/office/drawing/2014/main" id="{3D626FE4-BC1E-433B-89AE-3926231EFC0C}"/>
+              </a:ext>
+            </a:extLst>
+          </p:cNvPr>
+          <p:cNvPicPr>
+            <a:picLocks noChangeAspect="1"/>
+          </p:cNvPicPr>
+          <p:nvPr/>
+        </p:nvPicPr>
+        <p:blipFill>
+          <a:blip r:embed="rId2"/>
+          <a:stretch>
+            <a:fillRect/>
+          </a:stretch>
+        </p:blipFill>
+        <p:spPr>
+          <a:xfrm>
+            <a:off x="0" y="792798"/>
+            <a:ext cx="3222943" cy="3922316"/>
+          </a:xfrm>
+          <a:prstGeom prst="rect">
+            <a:avLst/>
+          </a:prstGeom>
+        </p:spPr>
+      </p:pic>
+    </p:spTree>
+    <p:extLst>
+      <p:ext uri="{BB962C8B-B14F-4D97-AF65-F5344CB8AC3E}">
+        <p14:creationId xmlns:p14="http://schemas.microsoft.com/office/powerpoint/2010/main" val="1350045731"/>
+      </p:ext>
+    </p:extLst>
+  </p:cSld>
+  <p:clrMapOvr>
+    <a:masterClrMapping/>
+  </p:clrMapOvr>
+</p:sld>
+</file>
+
+<file path=ppt/slides/slide8.xml><?xml version="1.0" encoding="utf-8"?>
+<p:sld xmlns:a="http://schemas.openxmlformats.org/drawingml/2006/main" xmlns:r="http://schemas.openxmlformats.org/officeDocument/2006/relationships" xmlns:p="http://schemas.openxmlformats.org/presentationml/2006/main">
+  <p:cSld>
+    <p:spTree>
+      <p:nvGrpSpPr>
+        <p:cNvPr id="1" name=""/>
+        <p:cNvGrpSpPr/>
+        <p:nvPr/>
+      </p:nvGrpSpPr>
+      <p:grpSpPr>
+        <a:xfrm>
+          <a:off x="0" y="0"/>
+          <a:ext cx="0" cy="0"/>
+          <a:chOff x="0" y="0"/>
+          <a:chExt cx="0" cy="0"/>
+        </a:xfrm>
+      </p:grpSpPr>
+      <p:sp>
+        <p:nvSpPr>
+          <p:cNvPr id="2" name="矩形 1">
+            <a:extLst>
+              <a:ext uri="{FF2B5EF4-FFF2-40B4-BE49-F238E27FC236}">
+                <a16:creationId xmlns:a16="http://schemas.microsoft.com/office/drawing/2014/main" id="{18AA53AB-7329-4E53-91A3-6119EF73CA4C}"/>
+              </a:ext>
+            </a:extLst>
+          </p:cNvPr>
+          <p:cNvSpPr/>
+          <p:nvPr/>
+        </p:nvSpPr>
+        <p:spPr>
+          <a:xfrm>
+            <a:off x="0" y="2694647"/>
+            <a:ext cx="7922103" cy="1132885"/>
+          </a:xfrm>
+          <a:prstGeom prst="rect">
+            <a:avLst/>
+          </a:prstGeom>
+          <a:solidFill>
+            <a:schemeClr val="bg1">
+              <a:lumMod val="50000"/>
+            </a:schemeClr>
+          </a:solidFill>
+          <a:ln>
+            <a:noFill/>
+          </a:ln>
+        </p:spPr>
+        <p:style>
+          <a:lnRef idx="2">
+            <a:schemeClr val="accent1">
+              <a:shade val="50000"/>
+            </a:schemeClr>
+          </a:lnRef>
+          <a:fillRef idx="1">
+            <a:schemeClr val="accent1"/>
+          </a:fillRef>
+          <a:effectRef idx="0">
+            <a:schemeClr val="accent1"/>
+          </a:effectRef>
+          <a:fontRef idx="minor">
+            <a:schemeClr val="lt1"/>
+          </a:fontRef>
+        </p:style>
+        <p:txBody>
+          <a:bodyPr rtlCol="0" anchor="ctr"/>
+          <a:lstStyle/>
+          <a:p>
+            <a:pPr algn="ctr"/>
+            <a:r>
+              <a:rPr lang="zh-CN" altLang="en-US" sz="4400" dirty="0"/>
+              <a:t>学校 </a:t>
+            </a:r>
+            <a:r>
+              <a:rPr lang="en-US" altLang="zh-CN" sz="4400" dirty="0"/>
+              <a:t>&gt; </a:t>
+            </a:r>
+            <a:r>
+              <a:rPr lang="zh-CN" altLang="en-US" sz="4400" dirty="0"/>
+              <a:t>班级管理</a:t>
+            </a:r>
+          </a:p>
         </p:txBody>
       </p:sp>
     </p:spTree>
     <p:extLst>
       <p:ext uri="{BB962C8B-B14F-4D97-AF65-F5344CB8AC3E}">
-        <p14:creationId xmlns:p14="http://schemas.microsoft.com/office/powerpoint/2010/main" val="2888170474"/>
+        <p14:creationId xmlns:p14="http://schemas.microsoft.com/office/powerpoint/2010/main" val="716244083"/>
+      </p:ext>
+    </p:extLst>
+  </p:cSld>
+  <p:clrMapOvr>
+    <a:masterClrMapping/>
+  </p:clrMapOvr>
+</p:sld>
+</file>
+
+<file path=ppt/slides/slide9.xml><?xml version="1.0" encoding="utf-8"?>
+<p:sld xmlns:a="http://schemas.openxmlformats.org/drawingml/2006/main" xmlns:r="http://schemas.openxmlformats.org/officeDocument/2006/relationships" xmlns:p="http://schemas.openxmlformats.org/presentationml/2006/main">
+  <p:cSld>
+    <p:spTree>
+      <p:nvGrpSpPr>
+        <p:cNvPr id="1" name=""/>
+        <p:cNvGrpSpPr/>
+        <p:nvPr/>
+      </p:nvGrpSpPr>
+      <p:grpSpPr>
+        <a:xfrm>
+          <a:off x="0" y="0"/>
+          <a:ext cx="0" cy="0"/>
+          <a:chOff x="0" y="0"/>
+          <a:chExt cx="0" cy="0"/>
+        </a:xfrm>
+      </p:grpSpPr>
+      <p:sp>
+        <p:nvSpPr>
+          <p:cNvPr id="10" name="副标题 2">
+            <a:extLst>
+              <a:ext uri="{FF2B5EF4-FFF2-40B4-BE49-F238E27FC236}">
+                <a16:creationId xmlns:a16="http://schemas.microsoft.com/office/drawing/2014/main" id="{42AE8C01-7BF1-4C58-90BD-31448E7C5E9B}"/>
+              </a:ext>
+            </a:extLst>
+          </p:cNvPr>
+          <p:cNvSpPr txBox="1">
+            <a:spLocks/>
+          </p:cNvSpPr>
+          <p:nvPr/>
+        </p:nvSpPr>
+        <p:spPr>
+          <a:xfrm>
+            <a:off x="0" y="0"/>
+            <a:ext cx="12192000" cy="707669"/>
+          </a:xfrm>
+          <a:prstGeom prst="rect">
+            <a:avLst/>
+          </a:prstGeom>
+          <a:solidFill>
+            <a:schemeClr val="accent6">
+              <a:lumMod val="60000"/>
+              <a:lumOff val="40000"/>
+            </a:schemeClr>
+          </a:solidFill>
+          <a:ln>
+            <a:solidFill>
+              <a:schemeClr val="accent1">
+                <a:lumMod val="60000"/>
+                <a:lumOff val="40000"/>
+              </a:schemeClr>
+            </a:solidFill>
+          </a:ln>
+        </p:spPr>
+        <p:txBody>
+          <a:bodyPr vert="horz" lIns="91440" tIns="45720" rIns="91440" bIns="45720" rtlCol="0">
+            <a:normAutofit/>
+          </a:bodyPr>
+          <a:lstStyle>
+            <a:lvl1pPr marL="0" indent="0" algn="ctr" defTabSz="914400" rtl="0" eaLnBrk="1" latinLnBrk="0" hangingPunct="1">
+              <a:lnSpc>
+                <a:spcPct val="90000"/>
+              </a:lnSpc>
+              <a:spcBef>
+                <a:spcPts val="1000"/>
+              </a:spcBef>
+              <a:buFont typeface="Arial" panose="020B0604020202020204" pitchFamily="34" charset="0"/>
+              <a:buNone/>
+              <a:defRPr sz="2400" kern="1200">
+                <a:solidFill>
+                  <a:schemeClr val="tx1"/>
+                </a:solidFill>
+                <a:latin typeface="+mn-lt"/>
+                <a:ea typeface="+mn-ea"/>
+                <a:cs typeface="+mn-cs"/>
+              </a:defRPr>
+            </a:lvl1pPr>
+            <a:lvl2pPr marL="457200" indent="0" algn="ctr" defTabSz="914400" rtl="0" eaLnBrk="1" latinLnBrk="0" hangingPunct="1">
+              <a:lnSpc>
+                <a:spcPct val="90000"/>
+              </a:lnSpc>
+              <a:spcBef>
+                <a:spcPts val="500"/>
+              </a:spcBef>
+              <a:buFont typeface="Arial" panose="020B0604020202020204" pitchFamily="34" charset="0"/>
+              <a:buNone/>
+              <a:defRPr sz="2000" kern="1200">
+                <a:solidFill>
+                  <a:schemeClr val="tx1"/>
+                </a:solidFill>
+                <a:latin typeface="+mn-lt"/>
+                <a:ea typeface="+mn-ea"/>
+                <a:cs typeface="+mn-cs"/>
+              </a:defRPr>
+            </a:lvl2pPr>
+            <a:lvl3pPr marL="914400" indent="0" algn="ctr" defTabSz="914400" rtl="0" eaLnBrk="1" latinLnBrk="0" hangingPunct="1">
+              <a:lnSpc>
+                <a:spcPct val="90000"/>
+              </a:lnSpc>
+              <a:spcBef>
+                <a:spcPts val="500"/>
+              </a:spcBef>
+              <a:buFont typeface="Arial" panose="020B0604020202020204" pitchFamily="34" charset="0"/>
+              <a:buNone/>
+              <a:defRPr sz="1800" kern="1200">
+                <a:solidFill>
+                  <a:schemeClr val="tx1"/>
+                </a:solidFill>
+                <a:latin typeface="+mn-lt"/>
+                <a:ea typeface="+mn-ea"/>
+                <a:cs typeface="+mn-cs"/>
+              </a:defRPr>
+            </a:lvl3pPr>
+            <a:lvl4pPr marL="1371600" indent="0" algn="ctr" defTabSz="914400" rtl="0" eaLnBrk="1" latinLnBrk="0" hangingPunct="1">
+              <a:lnSpc>
+                <a:spcPct val="90000"/>
+              </a:lnSpc>
+              <a:spcBef>
+                <a:spcPts val="500"/>
+              </a:spcBef>
+              <a:buFont typeface="Arial" panose="020B0604020202020204" pitchFamily="34" charset="0"/>
+              <a:buNone/>
+              <a:defRPr sz="1600" kern="1200">
+                <a:solidFill>
+                  <a:schemeClr val="tx1"/>
+                </a:solidFill>
+                <a:latin typeface="+mn-lt"/>
+                <a:ea typeface="+mn-ea"/>
+                <a:cs typeface="+mn-cs"/>
+              </a:defRPr>
+            </a:lvl4pPr>
+            <a:lvl5pPr marL="1828800" indent="0" algn="ctr" defTabSz="914400" rtl="0" eaLnBrk="1" latinLnBrk="0" hangingPunct="1">
+              <a:lnSpc>
+                <a:spcPct val="90000"/>
+              </a:lnSpc>
+              <a:spcBef>
+                <a:spcPts val="500"/>
+              </a:spcBef>
+              <a:buFont typeface="Arial" panose="020B0604020202020204" pitchFamily="34" charset="0"/>
+              <a:buNone/>
+              <a:defRPr sz="1600" kern="1200">
+                <a:solidFill>
+                  <a:schemeClr val="tx1"/>
+                </a:solidFill>
+                <a:latin typeface="+mn-lt"/>
+                <a:ea typeface="+mn-ea"/>
+                <a:cs typeface="+mn-cs"/>
+              </a:defRPr>
+            </a:lvl5pPr>
+            <a:lvl6pPr marL="2286000" indent="0" algn="ctr" defTabSz="914400" rtl="0" eaLnBrk="1" latinLnBrk="0" hangingPunct="1">
+              <a:lnSpc>
+                <a:spcPct val="90000"/>
+              </a:lnSpc>
+              <a:spcBef>
+                <a:spcPts val="500"/>
+              </a:spcBef>
+              <a:buFont typeface="Arial" panose="020B0604020202020204" pitchFamily="34" charset="0"/>
+              <a:buNone/>
+              <a:defRPr sz="1600" kern="1200">
+                <a:solidFill>
+                  <a:schemeClr val="tx1"/>
+                </a:solidFill>
+                <a:latin typeface="+mn-lt"/>
+                <a:ea typeface="+mn-ea"/>
+                <a:cs typeface="+mn-cs"/>
+              </a:defRPr>
+            </a:lvl6pPr>
+            <a:lvl7pPr marL="2743200" indent="0" algn="ctr" defTabSz="914400" rtl="0" eaLnBrk="1" latinLnBrk="0" hangingPunct="1">
+              <a:lnSpc>
+                <a:spcPct val="90000"/>
+              </a:lnSpc>
+              <a:spcBef>
+                <a:spcPts val="500"/>
+              </a:spcBef>
+              <a:buFont typeface="Arial" panose="020B0604020202020204" pitchFamily="34" charset="0"/>
+              <a:buNone/>
+              <a:defRPr sz="1600" kern="1200">
+                <a:solidFill>
+                  <a:schemeClr val="tx1"/>
+                </a:solidFill>
+                <a:latin typeface="+mn-lt"/>
+                <a:ea typeface="+mn-ea"/>
+                <a:cs typeface="+mn-cs"/>
+              </a:defRPr>
+            </a:lvl7pPr>
+            <a:lvl8pPr marL="3200400" indent="0" algn="ctr" defTabSz="914400" rtl="0" eaLnBrk="1" latinLnBrk="0" hangingPunct="1">
+              <a:lnSpc>
+                <a:spcPct val="90000"/>
+              </a:lnSpc>
+              <a:spcBef>
+                <a:spcPts val="500"/>
+              </a:spcBef>
+              <a:buFont typeface="Arial" panose="020B0604020202020204" pitchFamily="34" charset="0"/>
+              <a:buNone/>
+              <a:defRPr sz="1600" kern="1200">
+                <a:solidFill>
+                  <a:schemeClr val="tx1"/>
+                </a:solidFill>
+                <a:latin typeface="+mn-lt"/>
+                <a:ea typeface="+mn-ea"/>
+                <a:cs typeface="+mn-cs"/>
+              </a:defRPr>
+            </a:lvl8pPr>
+            <a:lvl9pPr marL="3657600" indent="0" algn="ctr" defTabSz="914400" rtl="0" eaLnBrk="1" latinLnBrk="0" hangingPunct="1">
+              <a:lnSpc>
+                <a:spcPct val="90000"/>
+              </a:lnSpc>
+              <a:spcBef>
+                <a:spcPts val="500"/>
+              </a:spcBef>
+              <a:buFont typeface="Arial" panose="020B0604020202020204" pitchFamily="34" charset="0"/>
+              <a:buNone/>
+              <a:defRPr sz="1600" kern="1200">
+                <a:solidFill>
+                  <a:schemeClr val="tx1"/>
+                </a:solidFill>
+                <a:latin typeface="+mn-lt"/>
+                <a:ea typeface="+mn-ea"/>
+                <a:cs typeface="+mn-cs"/>
+              </a:defRPr>
+            </a:lvl9pPr>
+          </a:lstStyle>
+          <a:p>
+            <a:pPr algn="l"/>
+            <a:r>
+              <a:rPr lang="zh-CN" altLang="en-US" sz="1600" dirty="0">
+                <a:solidFill>
+                  <a:srgbClr val="0070C0"/>
+                </a:solidFill>
+              </a:rPr>
+              <a:t>学校</a:t>
+            </a:r>
+            <a:r>
+              <a:rPr lang="en-US" altLang="zh-CN" sz="1600" dirty="0">
+                <a:solidFill>
+                  <a:srgbClr val="0070C0"/>
+                </a:solidFill>
+              </a:rPr>
+              <a:t> &gt; </a:t>
+            </a:r>
+            <a:r>
+              <a:rPr lang="zh-CN" altLang="en-US" sz="1600" dirty="0">
+                <a:solidFill>
+                  <a:srgbClr val="0070C0"/>
+                </a:solidFill>
+              </a:rPr>
+              <a:t>班级管理</a:t>
+            </a:r>
+            <a:r>
+              <a:rPr lang="en-US" altLang="zh-CN" sz="1600" dirty="0">
+                <a:solidFill>
+                  <a:srgbClr val="0070C0"/>
+                </a:solidFill>
+              </a:rPr>
+              <a:t> &gt;</a:t>
+            </a:r>
+            <a:r>
+              <a:rPr lang="zh-CN" altLang="en-US" sz="1600" dirty="0">
+                <a:solidFill>
+                  <a:srgbClr val="0070C0"/>
+                </a:solidFill>
+              </a:rPr>
+              <a:t>班级管理</a:t>
+            </a:r>
+          </a:p>
+        </p:txBody>
+      </p:sp>
+      <p:sp>
+        <p:nvSpPr>
+          <p:cNvPr id="11" name="副标题 2">
+            <a:extLst>
+              <a:ext uri="{FF2B5EF4-FFF2-40B4-BE49-F238E27FC236}">
+                <a16:creationId xmlns:a16="http://schemas.microsoft.com/office/drawing/2014/main" id="{B518E569-1FE7-4B73-9133-E384A9D677AB}"/>
+              </a:ext>
+            </a:extLst>
+          </p:cNvPr>
+          <p:cNvSpPr txBox="1">
+            <a:spLocks/>
+          </p:cNvSpPr>
+          <p:nvPr/>
+        </p:nvSpPr>
+        <p:spPr>
+          <a:xfrm>
+            <a:off x="0" y="6013937"/>
+            <a:ext cx="12192000" cy="844063"/>
+          </a:xfrm>
+          <a:prstGeom prst="rect">
+            <a:avLst/>
+          </a:prstGeom>
+          <a:solidFill>
+            <a:schemeClr val="accent5"/>
+          </a:solidFill>
+          <a:ln>
+            <a:solidFill>
+              <a:schemeClr val="accent1">
+                <a:lumMod val="60000"/>
+                <a:lumOff val="40000"/>
+              </a:schemeClr>
+            </a:solidFill>
+          </a:ln>
+        </p:spPr>
+        <p:txBody>
+          <a:bodyPr vert="horz" lIns="91440" tIns="45720" rIns="91440" bIns="45720" rtlCol="0">
+            <a:normAutofit/>
+          </a:bodyPr>
+          <a:lstStyle>
+            <a:lvl1pPr marL="0" indent="0" algn="ctr" defTabSz="914400" rtl="0" eaLnBrk="1" latinLnBrk="0" hangingPunct="1">
+              <a:lnSpc>
+                <a:spcPct val="90000"/>
+              </a:lnSpc>
+              <a:spcBef>
+                <a:spcPts val="1000"/>
+              </a:spcBef>
+              <a:buFont typeface="Arial" panose="020B0604020202020204" pitchFamily="34" charset="0"/>
+              <a:buNone/>
+              <a:defRPr sz="2400" kern="1200">
+                <a:solidFill>
+                  <a:schemeClr val="tx1"/>
+                </a:solidFill>
+                <a:latin typeface="+mn-lt"/>
+                <a:ea typeface="+mn-ea"/>
+                <a:cs typeface="+mn-cs"/>
+              </a:defRPr>
+            </a:lvl1pPr>
+            <a:lvl2pPr marL="457200" indent="0" algn="ctr" defTabSz="914400" rtl="0" eaLnBrk="1" latinLnBrk="0" hangingPunct="1">
+              <a:lnSpc>
+                <a:spcPct val="90000"/>
+              </a:lnSpc>
+              <a:spcBef>
+                <a:spcPts val="500"/>
+              </a:spcBef>
+              <a:buFont typeface="Arial" panose="020B0604020202020204" pitchFamily="34" charset="0"/>
+              <a:buNone/>
+              <a:defRPr sz="2000" kern="1200">
+                <a:solidFill>
+                  <a:schemeClr val="tx1"/>
+                </a:solidFill>
+                <a:latin typeface="+mn-lt"/>
+                <a:ea typeface="+mn-ea"/>
+                <a:cs typeface="+mn-cs"/>
+              </a:defRPr>
+            </a:lvl2pPr>
+            <a:lvl3pPr marL="914400" indent="0" algn="ctr" defTabSz="914400" rtl="0" eaLnBrk="1" latinLnBrk="0" hangingPunct="1">
+              <a:lnSpc>
+                <a:spcPct val="90000"/>
+              </a:lnSpc>
+              <a:spcBef>
+                <a:spcPts val="500"/>
+              </a:spcBef>
+              <a:buFont typeface="Arial" panose="020B0604020202020204" pitchFamily="34" charset="0"/>
+              <a:buNone/>
+              <a:defRPr sz="1800" kern="1200">
+                <a:solidFill>
+                  <a:schemeClr val="tx1"/>
+                </a:solidFill>
+                <a:latin typeface="+mn-lt"/>
+                <a:ea typeface="+mn-ea"/>
+                <a:cs typeface="+mn-cs"/>
+              </a:defRPr>
+            </a:lvl3pPr>
+            <a:lvl4pPr marL="1371600" indent="0" algn="ctr" defTabSz="914400" rtl="0" eaLnBrk="1" latinLnBrk="0" hangingPunct="1">
+              <a:lnSpc>
+                <a:spcPct val="90000"/>
+              </a:lnSpc>
+              <a:spcBef>
+                <a:spcPts val="500"/>
+              </a:spcBef>
+              <a:buFont typeface="Arial" panose="020B0604020202020204" pitchFamily="34" charset="0"/>
+              <a:buNone/>
+              <a:defRPr sz="1600" kern="1200">
+                <a:solidFill>
+                  <a:schemeClr val="tx1"/>
+                </a:solidFill>
+                <a:latin typeface="+mn-lt"/>
+                <a:ea typeface="+mn-ea"/>
+                <a:cs typeface="+mn-cs"/>
+              </a:defRPr>
+            </a:lvl4pPr>
+            <a:lvl5pPr marL="1828800" indent="0" algn="ctr" defTabSz="914400" rtl="0" eaLnBrk="1" latinLnBrk="0" hangingPunct="1">
+              <a:lnSpc>
+                <a:spcPct val="90000"/>
+              </a:lnSpc>
+              <a:spcBef>
+                <a:spcPts val="500"/>
+              </a:spcBef>
+              <a:buFont typeface="Arial" panose="020B0604020202020204" pitchFamily="34" charset="0"/>
+              <a:buNone/>
+              <a:defRPr sz="1600" kern="1200">
+                <a:solidFill>
+                  <a:schemeClr val="tx1"/>
+                </a:solidFill>
+                <a:latin typeface="+mn-lt"/>
+                <a:ea typeface="+mn-ea"/>
+                <a:cs typeface="+mn-cs"/>
+              </a:defRPr>
+            </a:lvl5pPr>
+            <a:lvl6pPr marL="2286000" indent="0" algn="ctr" defTabSz="914400" rtl="0" eaLnBrk="1" latinLnBrk="0" hangingPunct="1">
+              <a:lnSpc>
+                <a:spcPct val="90000"/>
+              </a:lnSpc>
+              <a:spcBef>
+                <a:spcPts val="500"/>
+              </a:spcBef>
+              <a:buFont typeface="Arial" panose="020B0604020202020204" pitchFamily="34" charset="0"/>
+              <a:buNone/>
+              <a:defRPr sz="1600" kern="1200">
+                <a:solidFill>
+                  <a:schemeClr val="tx1"/>
+                </a:solidFill>
+                <a:latin typeface="+mn-lt"/>
+                <a:ea typeface="+mn-ea"/>
+                <a:cs typeface="+mn-cs"/>
+              </a:defRPr>
+            </a:lvl6pPr>
+            <a:lvl7pPr marL="2743200" indent="0" algn="ctr" defTabSz="914400" rtl="0" eaLnBrk="1" latinLnBrk="0" hangingPunct="1">
+              <a:lnSpc>
+                <a:spcPct val="90000"/>
+              </a:lnSpc>
+              <a:spcBef>
+                <a:spcPts val="500"/>
+              </a:spcBef>
+              <a:buFont typeface="Arial" panose="020B0604020202020204" pitchFamily="34" charset="0"/>
+              <a:buNone/>
+              <a:defRPr sz="1600" kern="1200">
+                <a:solidFill>
+                  <a:schemeClr val="tx1"/>
+                </a:solidFill>
+                <a:latin typeface="+mn-lt"/>
+                <a:ea typeface="+mn-ea"/>
+                <a:cs typeface="+mn-cs"/>
+              </a:defRPr>
+            </a:lvl7pPr>
+            <a:lvl8pPr marL="3200400" indent="0" algn="ctr" defTabSz="914400" rtl="0" eaLnBrk="1" latinLnBrk="0" hangingPunct="1">
+              <a:lnSpc>
+                <a:spcPct val="90000"/>
+              </a:lnSpc>
+              <a:spcBef>
+                <a:spcPts val="500"/>
+              </a:spcBef>
+              <a:buFont typeface="Arial" panose="020B0604020202020204" pitchFamily="34" charset="0"/>
+              <a:buNone/>
+              <a:defRPr sz="1600" kern="1200">
+                <a:solidFill>
+                  <a:schemeClr val="tx1"/>
+                </a:solidFill>
+                <a:latin typeface="+mn-lt"/>
+                <a:ea typeface="+mn-ea"/>
+                <a:cs typeface="+mn-cs"/>
+              </a:defRPr>
+            </a:lvl8pPr>
+            <a:lvl9pPr marL="3657600" indent="0" algn="ctr" defTabSz="914400" rtl="0" eaLnBrk="1" latinLnBrk="0" hangingPunct="1">
+              <a:lnSpc>
+                <a:spcPct val="90000"/>
+              </a:lnSpc>
+              <a:spcBef>
+                <a:spcPts val="500"/>
+              </a:spcBef>
+              <a:buFont typeface="Arial" panose="020B0604020202020204" pitchFamily="34" charset="0"/>
+              <a:buNone/>
+              <a:defRPr sz="1600" kern="1200">
+                <a:solidFill>
+                  <a:schemeClr val="tx1"/>
+                </a:solidFill>
+                <a:latin typeface="+mn-lt"/>
+                <a:ea typeface="+mn-ea"/>
+                <a:cs typeface="+mn-cs"/>
+              </a:defRPr>
+            </a:lvl9pPr>
+          </a:lstStyle>
+          <a:p>
+            <a:pPr algn="l"/>
+            <a:r>
+              <a:rPr lang="zh-CN" altLang="en-US" sz="1600" dirty="0">
+                <a:solidFill>
+                  <a:schemeClr val="bg1"/>
+                </a:solidFill>
+              </a:rPr>
+              <a:t>问题描述：</a:t>
+            </a:r>
+            <a:endParaRPr lang="en-US" altLang="zh-CN" sz="1600" dirty="0">
+              <a:solidFill>
+                <a:schemeClr val="bg1"/>
+              </a:solidFill>
+            </a:endParaRPr>
+          </a:p>
+          <a:p>
+            <a:pPr marL="342900" indent="-342900" algn="l">
+              <a:buAutoNum type="arabicPeriod"/>
+            </a:pPr>
+            <a:r>
+              <a:rPr lang="zh-CN" altLang="en-US" sz="1600" dirty="0">
+                <a:solidFill>
+                  <a:schemeClr val="bg1"/>
+                </a:solidFill>
+              </a:rPr>
+              <a:t>（</a:t>
+            </a:r>
+            <a:r>
+              <a:rPr lang="en-US" altLang="zh-CN" sz="1600" dirty="0">
+                <a:solidFill>
+                  <a:schemeClr val="bg1"/>
+                </a:solidFill>
+              </a:rPr>
+              <a:t>UI</a:t>
+            </a:r>
+            <a:r>
+              <a:rPr lang="zh-CN" altLang="en-US" sz="1600" dirty="0">
+                <a:solidFill>
+                  <a:schemeClr val="bg1"/>
+                </a:solidFill>
+              </a:rPr>
+              <a:t>）分割线超出了区域</a:t>
+            </a:r>
+            <a:endParaRPr lang="en-US" altLang="zh-CN" sz="1600" dirty="0">
+              <a:solidFill>
+                <a:schemeClr val="bg1"/>
+              </a:solidFill>
+            </a:endParaRPr>
+          </a:p>
+        </p:txBody>
+      </p:sp>
+      <p:pic>
+        <p:nvPicPr>
+          <p:cNvPr id="3" name="Picture 2">
+            <a:extLst>
+              <a:ext uri="{FF2B5EF4-FFF2-40B4-BE49-F238E27FC236}">
+                <a16:creationId xmlns:a16="http://schemas.microsoft.com/office/drawing/2014/main" id="{B8D5B8AE-42B6-4C3D-BBDC-C5F612B3B34D}"/>
+              </a:ext>
+            </a:extLst>
+          </p:cNvPr>
+          <p:cNvPicPr>
+            <a:picLocks noChangeAspect="1"/>
+          </p:cNvPicPr>
+          <p:nvPr/>
+        </p:nvPicPr>
+        <p:blipFill>
+          <a:blip r:embed="rId2"/>
+          <a:stretch>
+            <a:fillRect/>
+          </a:stretch>
+        </p:blipFill>
+        <p:spPr>
+          <a:xfrm>
+            <a:off x="0" y="1433211"/>
+            <a:ext cx="10915650" cy="3181350"/>
+          </a:xfrm>
+          <a:prstGeom prst="rect">
+            <a:avLst/>
+          </a:prstGeom>
+        </p:spPr>
+      </p:pic>
+    </p:spTree>
+    <p:extLst>
+      <p:ext uri="{BB962C8B-B14F-4D97-AF65-F5344CB8AC3E}">
+        <p14:creationId xmlns:p14="http://schemas.microsoft.com/office/powerpoint/2010/main" val="2751537929"/>
       </p:ext>
     </p:extLst>
   </p:cSld>
